--- a/数据结构之树.pptx
+++ b/数据结构之树.pptx
@@ -5,7 +5,7 @@
     <p:sldMasterId id="2147483648" r:id="rId1"/>
   </p:sldMasterIdLst>
   <p:notesMasterIdLst>
-    <p:notesMasterId r:id="rId61"/>
+    <p:notesMasterId r:id="rId71"/>
   </p:notesMasterIdLst>
   <p:sldIdLst>
     <p:sldId id="256" r:id="rId2"/>
@@ -66,7 +66,17 @@
     <p:sldId id="403" r:id="rId57"/>
     <p:sldId id="404" r:id="rId58"/>
     <p:sldId id="405" r:id="rId59"/>
-    <p:sldId id="263" r:id="rId60"/>
+    <p:sldId id="407" r:id="rId60"/>
+    <p:sldId id="408" r:id="rId61"/>
+    <p:sldId id="409" r:id="rId62"/>
+    <p:sldId id="410" r:id="rId63"/>
+    <p:sldId id="411" r:id="rId64"/>
+    <p:sldId id="412" r:id="rId65"/>
+    <p:sldId id="414" r:id="rId66"/>
+    <p:sldId id="413" r:id="rId67"/>
+    <p:sldId id="415" r:id="rId68"/>
+    <p:sldId id="416" r:id="rId69"/>
+    <p:sldId id="263" r:id="rId70"/>
   </p:sldIdLst>
   <p:sldSz cx="24384000" cy="13716000"/>
   <p:notesSz cx="6858000" cy="9144000"/>
@@ -366,6 +376,18 @@
 </p:presentation>
 </file>
 
+<file path=ppt/commentAuthors.xml><?xml version="1.0" encoding="utf-8"?>
+<p:cmAuthorLst xmlns:a="http://schemas.openxmlformats.org/drawingml/2006/main" xmlns:r="http://schemas.openxmlformats.org/officeDocument/2006/relationships" xmlns:p="http://schemas.openxmlformats.org/presentationml/2006/main">
+  <p:cmAuthor id="1" name="ainililia@163.com" initials="a" lastIdx="1" clrIdx="0">
+    <p:extLst>
+      <p:ext uri="{19B8F6BF-5375-455C-9EA6-DF929625EA0E}">
+        <p15:presenceInfo xmlns:p15="http://schemas.microsoft.com/office/powerpoint/2012/main" userId="2fd8e8f2b70c0489" providerId="Windows Live"/>
+      </p:ext>
+    </p:extLst>
+  </p:cmAuthor>
+</p:cmAuthorLst>
+</file>
+
 <file path=ppt/notesMasters/notesMaster1.xml><?xml version="1.0" encoding="utf-8"?>
 <p:notesMaster xmlns:a="http://schemas.openxmlformats.org/drawingml/2006/main" xmlns:r="http://schemas.openxmlformats.org/officeDocument/2006/relationships" xmlns:p="http://schemas.openxmlformats.org/presentationml/2006/main">
   <p:cSld>
@@ -3118,6 +3140,336 @@
 </p:notes>
 </file>
 
+<file path=ppt/notesSlides/notesSlide45.xml><?xml version="1.0" encoding="utf-8"?>
+<p:notes xmlns:a="http://schemas.openxmlformats.org/drawingml/2006/main" xmlns:r="http://schemas.openxmlformats.org/officeDocument/2006/relationships" xmlns:p="http://schemas.openxmlformats.org/presentationml/2006/main">
+  <p:cSld>
+    <p:spTree>
+      <p:nvGrpSpPr>
+        <p:cNvPr id="1" name=""/>
+        <p:cNvGrpSpPr/>
+        <p:nvPr/>
+      </p:nvGrpSpPr>
+      <p:grpSpPr>
+        <a:xfrm>
+          <a:off x="0" y="0"/>
+          <a:ext cx="0" cy="0"/>
+          <a:chOff x="0" y="0"/>
+          <a:chExt cx="0" cy="0"/>
+        </a:xfrm>
+      </p:grpSpPr>
+      <p:sp>
+        <p:nvSpPr>
+          <p:cNvPr id="2" name="幻灯片图像占位符 1"/>
+          <p:cNvSpPr>
+            <a:spLocks noGrp="1" noRot="1" noChangeAspect="1"/>
+          </p:cNvSpPr>
+          <p:nvPr>
+            <p:ph type="sldImg"/>
+          </p:nvPr>
+        </p:nvSpPr>
+        <p:spPr>
+          <a:xfrm>
+            <a:off x="381000" y="685800"/>
+            <a:ext cx="6096000" cy="3429000"/>
+          </a:xfrm>
+        </p:spPr>
+      </p:sp>
+      <p:sp>
+        <p:nvSpPr>
+          <p:cNvPr id="3" name="文本占位符 2"/>
+          <p:cNvSpPr>
+            <a:spLocks noGrp="1"/>
+          </p:cNvSpPr>
+          <p:nvPr>
+            <p:ph type="body" idx="1"/>
+          </p:nvPr>
+        </p:nvSpPr>
+        <p:spPr/>
+        <p:txBody>
+          <a:bodyPr/>
+          <a:lstStyle/>
+          <a:p>
+            <a:endParaRPr lang="zh-CN" altLang="en-US"/>
+          </a:p>
+        </p:txBody>
+      </p:sp>
+    </p:spTree>
+    <p:extLst>
+      <p:ext uri="{BB962C8B-B14F-4D97-AF65-F5344CB8AC3E}">
+        <p14:creationId xmlns:p14="http://schemas.microsoft.com/office/powerpoint/2010/main" val="1858475142"/>
+      </p:ext>
+    </p:extLst>
+  </p:cSld>
+  <p:clrMapOvr>
+    <a:masterClrMapping/>
+  </p:clrMapOvr>
+</p:notes>
+</file>
+
+<file path=ppt/notesSlides/notesSlide46.xml><?xml version="1.0" encoding="utf-8"?>
+<p:notes xmlns:a="http://schemas.openxmlformats.org/drawingml/2006/main" xmlns:r="http://schemas.openxmlformats.org/officeDocument/2006/relationships" xmlns:p="http://schemas.openxmlformats.org/presentationml/2006/main">
+  <p:cSld>
+    <p:spTree>
+      <p:nvGrpSpPr>
+        <p:cNvPr id="1" name=""/>
+        <p:cNvGrpSpPr/>
+        <p:nvPr/>
+      </p:nvGrpSpPr>
+      <p:grpSpPr>
+        <a:xfrm>
+          <a:off x="0" y="0"/>
+          <a:ext cx="0" cy="0"/>
+          <a:chOff x="0" y="0"/>
+          <a:chExt cx="0" cy="0"/>
+        </a:xfrm>
+      </p:grpSpPr>
+      <p:sp>
+        <p:nvSpPr>
+          <p:cNvPr id="2" name="幻灯片图像占位符 1"/>
+          <p:cNvSpPr>
+            <a:spLocks noGrp="1" noRot="1" noChangeAspect="1"/>
+          </p:cNvSpPr>
+          <p:nvPr>
+            <p:ph type="sldImg"/>
+          </p:nvPr>
+        </p:nvSpPr>
+        <p:spPr>
+          <a:xfrm>
+            <a:off x="381000" y="685800"/>
+            <a:ext cx="6096000" cy="3429000"/>
+          </a:xfrm>
+        </p:spPr>
+      </p:sp>
+      <p:sp>
+        <p:nvSpPr>
+          <p:cNvPr id="3" name="文本占位符 2"/>
+          <p:cNvSpPr>
+            <a:spLocks noGrp="1"/>
+          </p:cNvSpPr>
+          <p:nvPr>
+            <p:ph type="body" idx="1"/>
+          </p:nvPr>
+        </p:nvSpPr>
+        <p:spPr/>
+        <p:txBody>
+          <a:bodyPr/>
+          <a:lstStyle/>
+          <a:p>
+            <a:endParaRPr lang="zh-CN" altLang="en-US"/>
+          </a:p>
+        </p:txBody>
+      </p:sp>
+    </p:spTree>
+    <p:extLst>
+      <p:ext uri="{BB962C8B-B14F-4D97-AF65-F5344CB8AC3E}">
+        <p14:creationId xmlns:p14="http://schemas.microsoft.com/office/powerpoint/2010/main" val="3537128242"/>
+      </p:ext>
+    </p:extLst>
+  </p:cSld>
+  <p:clrMapOvr>
+    <a:masterClrMapping/>
+  </p:clrMapOvr>
+</p:notes>
+</file>
+
+<file path=ppt/notesSlides/notesSlide47.xml><?xml version="1.0" encoding="utf-8"?>
+<p:notes xmlns:a="http://schemas.openxmlformats.org/drawingml/2006/main" xmlns:r="http://schemas.openxmlformats.org/officeDocument/2006/relationships" xmlns:p="http://schemas.openxmlformats.org/presentationml/2006/main">
+  <p:cSld>
+    <p:spTree>
+      <p:nvGrpSpPr>
+        <p:cNvPr id="1" name=""/>
+        <p:cNvGrpSpPr/>
+        <p:nvPr/>
+      </p:nvGrpSpPr>
+      <p:grpSpPr>
+        <a:xfrm>
+          <a:off x="0" y="0"/>
+          <a:ext cx="0" cy="0"/>
+          <a:chOff x="0" y="0"/>
+          <a:chExt cx="0" cy="0"/>
+        </a:xfrm>
+      </p:grpSpPr>
+      <p:sp>
+        <p:nvSpPr>
+          <p:cNvPr id="2" name="幻灯片图像占位符 1"/>
+          <p:cNvSpPr>
+            <a:spLocks noGrp="1" noRot="1" noChangeAspect="1"/>
+          </p:cNvSpPr>
+          <p:nvPr>
+            <p:ph type="sldImg"/>
+          </p:nvPr>
+        </p:nvSpPr>
+        <p:spPr>
+          <a:xfrm>
+            <a:off x="381000" y="685800"/>
+            <a:ext cx="6096000" cy="3429000"/>
+          </a:xfrm>
+        </p:spPr>
+      </p:sp>
+      <p:sp>
+        <p:nvSpPr>
+          <p:cNvPr id="3" name="文本占位符 2"/>
+          <p:cNvSpPr>
+            <a:spLocks noGrp="1"/>
+          </p:cNvSpPr>
+          <p:nvPr>
+            <p:ph type="body" idx="1"/>
+          </p:nvPr>
+        </p:nvSpPr>
+        <p:spPr/>
+        <p:txBody>
+          <a:bodyPr/>
+          <a:lstStyle/>
+          <a:p>
+            <a:endParaRPr lang="zh-CN" altLang="en-US"/>
+          </a:p>
+        </p:txBody>
+      </p:sp>
+    </p:spTree>
+    <p:extLst>
+      <p:ext uri="{BB962C8B-B14F-4D97-AF65-F5344CB8AC3E}">
+        <p14:creationId xmlns:p14="http://schemas.microsoft.com/office/powerpoint/2010/main" val="1481320833"/>
+      </p:ext>
+    </p:extLst>
+  </p:cSld>
+  <p:clrMapOvr>
+    <a:masterClrMapping/>
+  </p:clrMapOvr>
+</p:notes>
+</file>
+
+<file path=ppt/notesSlides/notesSlide48.xml><?xml version="1.0" encoding="utf-8"?>
+<p:notes xmlns:a="http://schemas.openxmlformats.org/drawingml/2006/main" xmlns:r="http://schemas.openxmlformats.org/officeDocument/2006/relationships" xmlns:p="http://schemas.openxmlformats.org/presentationml/2006/main">
+  <p:cSld>
+    <p:spTree>
+      <p:nvGrpSpPr>
+        <p:cNvPr id="1" name=""/>
+        <p:cNvGrpSpPr/>
+        <p:nvPr/>
+      </p:nvGrpSpPr>
+      <p:grpSpPr>
+        <a:xfrm>
+          <a:off x="0" y="0"/>
+          <a:ext cx="0" cy="0"/>
+          <a:chOff x="0" y="0"/>
+          <a:chExt cx="0" cy="0"/>
+        </a:xfrm>
+      </p:grpSpPr>
+      <p:sp>
+        <p:nvSpPr>
+          <p:cNvPr id="2" name="幻灯片图像占位符 1"/>
+          <p:cNvSpPr>
+            <a:spLocks noGrp="1" noRot="1" noChangeAspect="1"/>
+          </p:cNvSpPr>
+          <p:nvPr>
+            <p:ph type="sldImg"/>
+          </p:nvPr>
+        </p:nvSpPr>
+        <p:spPr>
+          <a:xfrm>
+            <a:off x="381000" y="685800"/>
+            <a:ext cx="6096000" cy="3429000"/>
+          </a:xfrm>
+        </p:spPr>
+      </p:sp>
+      <p:sp>
+        <p:nvSpPr>
+          <p:cNvPr id="3" name="文本占位符 2"/>
+          <p:cNvSpPr>
+            <a:spLocks noGrp="1"/>
+          </p:cNvSpPr>
+          <p:nvPr>
+            <p:ph type="body" idx="1"/>
+          </p:nvPr>
+        </p:nvSpPr>
+        <p:spPr/>
+        <p:txBody>
+          <a:bodyPr/>
+          <a:lstStyle/>
+          <a:p>
+            <a:endParaRPr lang="zh-CN" altLang="en-US"/>
+          </a:p>
+        </p:txBody>
+      </p:sp>
+    </p:spTree>
+    <p:extLst>
+      <p:ext uri="{BB962C8B-B14F-4D97-AF65-F5344CB8AC3E}">
+        <p14:creationId xmlns:p14="http://schemas.microsoft.com/office/powerpoint/2010/main" val="4200379514"/>
+      </p:ext>
+    </p:extLst>
+  </p:cSld>
+  <p:clrMapOvr>
+    <a:masterClrMapping/>
+  </p:clrMapOvr>
+</p:notes>
+</file>
+
+<file path=ppt/notesSlides/notesSlide49.xml><?xml version="1.0" encoding="utf-8"?>
+<p:notes xmlns:a="http://schemas.openxmlformats.org/drawingml/2006/main" xmlns:r="http://schemas.openxmlformats.org/officeDocument/2006/relationships" xmlns:p="http://schemas.openxmlformats.org/presentationml/2006/main">
+  <p:cSld>
+    <p:spTree>
+      <p:nvGrpSpPr>
+        <p:cNvPr id="1" name=""/>
+        <p:cNvGrpSpPr/>
+        <p:nvPr/>
+      </p:nvGrpSpPr>
+      <p:grpSpPr>
+        <a:xfrm>
+          <a:off x="0" y="0"/>
+          <a:ext cx="0" cy="0"/>
+          <a:chOff x="0" y="0"/>
+          <a:chExt cx="0" cy="0"/>
+        </a:xfrm>
+      </p:grpSpPr>
+      <p:sp>
+        <p:nvSpPr>
+          <p:cNvPr id="2" name="幻灯片图像占位符 1"/>
+          <p:cNvSpPr>
+            <a:spLocks noGrp="1" noRot="1" noChangeAspect="1"/>
+          </p:cNvSpPr>
+          <p:nvPr>
+            <p:ph type="sldImg"/>
+          </p:nvPr>
+        </p:nvSpPr>
+        <p:spPr>
+          <a:xfrm>
+            <a:off x="381000" y="685800"/>
+            <a:ext cx="6096000" cy="3429000"/>
+          </a:xfrm>
+        </p:spPr>
+      </p:sp>
+      <p:sp>
+        <p:nvSpPr>
+          <p:cNvPr id="3" name="文本占位符 2"/>
+          <p:cNvSpPr>
+            <a:spLocks noGrp="1"/>
+          </p:cNvSpPr>
+          <p:nvPr>
+            <p:ph type="body" idx="1"/>
+          </p:nvPr>
+        </p:nvSpPr>
+        <p:spPr/>
+        <p:txBody>
+          <a:bodyPr/>
+          <a:lstStyle/>
+          <a:p>
+            <a:endParaRPr lang="zh-CN" altLang="en-US"/>
+          </a:p>
+        </p:txBody>
+      </p:sp>
+    </p:spTree>
+    <p:extLst>
+      <p:ext uri="{BB962C8B-B14F-4D97-AF65-F5344CB8AC3E}">
+        <p14:creationId xmlns:p14="http://schemas.microsoft.com/office/powerpoint/2010/main" val="3506374045"/>
+      </p:ext>
+    </p:extLst>
+  </p:cSld>
+  <p:clrMapOvr>
+    <a:masterClrMapping/>
+  </p:clrMapOvr>
+</p:notes>
+</file>
+
 <file path=ppt/notesSlides/notesSlide5.xml><?xml version="1.0" encoding="utf-8"?>
 <p:notes xmlns:a="http://schemas.openxmlformats.org/drawingml/2006/main" xmlns:r="http://schemas.openxmlformats.org/officeDocument/2006/relationships" xmlns:p="http://schemas.openxmlformats.org/presentationml/2006/main">
   <p:cSld>
@@ -3175,6 +3527,270 @@
     <p:extLst>
       <p:ext uri="{BB962C8B-B14F-4D97-AF65-F5344CB8AC3E}">
         <p14:creationId xmlns:p14="http://schemas.microsoft.com/office/powerpoint/2010/main" val="2428933939"/>
+      </p:ext>
+    </p:extLst>
+  </p:cSld>
+  <p:clrMapOvr>
+    <a:masterClrMapping/>
+  </p:clrMapOvr>
+</p:notes>
+</file>
+
+<file path=ppt/notesSlides/notesSlide50.xml><?xml version="1.0" encoding="utf-8"?>
+<p:notes xmlns:a="http://schemas.openxmlformats.org/drawingml/2006/main" xmlns:r="http://schemas.openxmlformats.org/officeDocument/2006/relationships" xmlns:p="http://schemas.openxmlformats.org/presentationml/2006/main">
+  <p:cSld>
+    <p:spTree>
+      <p:nvGrpSpPr>
+        <p:cNvPr id="1" name=""/>
+        <p:cNvGrpSpPr/>
+        <p:nvPr/>
+      </p:nvGrpSpPr>
+      <p:grpSpPr>
+        <a:xfrm>
+          <a:off x="0" y="0"/>
+          <a:ext cx="0" cy="0"/>
+          <a:chOff x="0" y="0"/>
+          <a:chExt cx="0" cy="0"/>
+        </a:xfrm>
+      </p:grpSpPr>
+      <p:sp>
+        <p:nvSpPr>
+          <p:cNvPr id="2" name="幻灯片图像占位符 1"/>
+          <p:cNvSpPr>
+            <a:spLocks noGrp="1" noRot="1" noChangeAspect="1"/>
+          </p:cNvSpPr>
+          <p:nvPr>
+            <p:ph type="sldImg"/>
+          </p:nvPr>
+        </p:nvSpPr>
+        <p:spPr>
+          <a:xfrm>
+            <a:off x="381000" y="685800"/>
+            <a:ext cx="6096000" cy="3429000"/>
+          </a:xfrm>
+        </p:spPr>
+      </p:sp>
+      <p:sp>
+        <p:nvSpPr>
+          <p:cNvPr id="3" name="文本占位符 2"/>
+          <p:cNvSpPr>
+            <a:spLocks noGrp="1"/>
+          </p:cNvSpPr>
+          <p:nvPr>
+            <p:ph type="body" idx="1"/>
+          </p:nvPr>
+        </p:nvSpPr>
+        <p:spPr/>
+        <p:txBody>
+          <a:bodyPr/>
+          <a:lstStyle/>
+          <a:p>
+            <a:endParaRPr lang="zh-CN" altLang="en-US"/>
+          </a:p>
+        </p:txBody>
+      </p:sp>
+    </p:spTree>
+    <p:extLst>
+      <p:ext uri="{BB962C8B-B14F-4D97-AF65-F5344CB8AC3E}">
+        <p14:creationId xmlns:p14="http://schemas.microsoft.com/office/powerpoint/2010/main" val="1491640514"/>
+      </p:ext>
+    </p:extLst>
+  </p:cSld>
+  <p:clrMapOvr>
+    <a:masterClrMapping/>
+  </p:clrMapOvr>
+</p:notes>
+</file>
+
+<file path=ppt/notesSlides/notesSlide51.xml><?xml version="1.0" encoding="utf-8"?>
+<p:notes xmlns:a="http://schemas.openxmlformats.org/drawingml/2006/main" xmlns:r="http://schemas.openxmlformats.org/officeDocument/2006/relationships" xmlns:p="http://schemas.openxmlformats.org/presentationml/2006/main">
+  <p:cSld>
+    <p:spTree>
+      <p:nvGrpSpPr>
+        <p:cNvPr id="1" name=""/>
+        <p:cNvGrpSpPr/>
+        <p:nvPr/>
+      </p:nvGrpSpPr>
+      <p:grpSpPr>
+        <a:xfrm>
+          <a:off x="0" y="0"/>
+          <a:ext cx="0" cy="0"/>
+          <a:chOff x="0" y="0"/>
+          <a:chExt cx="0" cy="0"/>
+        </a:xfrm>
+      </p:grpSpPr>
+      <p:sp>
+        <p:nvSpPr>
+          <p:cNvPr id="2" name="幻灯片图像占位符 1"/>
+          <p:cNvSpPr>
+            <a:spLocks noGrp="1" noRot="1" noChangeAspect="1"/>
+          </p:cNvSpPr>
+          <p:nvPr>
+            <p:ph type="sldImg"/>
+          </p:nvPr>
+        </p:nvSpPr>
+        <p:spPr>
+          <a:xfrm>
+            <a:off x="381000" y="685800"/>
+            <a:ext cx="6096000" cy="3429000"/>
+          </a:xfrm>
+        </p:spPr>
+      </p:sp>
+      <p:sp>
+        <p:nvSpPr>
+          <p:cNvPr id="3" name="文本占位符 2"/>
+          <p:cNvSpPr>
+            <a:spLocks noGrp="1"/>
+          </p:cNvSpPr>
+          <p:nvPr>
+            <p:ph type="body" idx="1"/>
+          </p:nvPr>
+        </p:nvSpPr>
+        <p:spPr/>
+        <p:txBody>
+          <a:bodyPr/>
+          <a:lstStyle/>
+          <a:p>
+            <a:endParaRPr lang="zh-CN" altLang="en-US"/>
+          </a:p>
+        </p:txBody>
+      </p:sp>
+    </p:spTree>
+    <p:extLst>
+      <p:ext uri="{BB962C8B-B14F-4D97-AF65-F5344CB8AC3E}">
+        <p14:creationId xmlns:p14="http://schemas.microsoft.com/office/powerpoint/2010/main" val="1893294219"/>
+      </p:ext>
+    </p:extLst>
+  </p:cSld>
+  <p:clrMapOvr>
+    <a:masterClrMapping/>
+  </p:clrMapOvr>
+</p:notes>
+</file>
+
+<file path=ppt/notesSlides/notesSlide52.xml><?xml version="1.0" encoding="utf-8"?>
+<p:notes xmlns:a="http://schemas.openxmlformats.org/drawingml/2006/main" xmlns:r="http://schemas.openxmlformats.org/officeDocument/2006/relationships" xmlns:p="http://schemas.openxmlformats.org/presentationml/2006/main">
+  <p:cSld>
+    <p:spTree>
+      <p:nvGrpSpPr>
+        <p:cNvPr id="1" name=""/>
+        <p:cNvGrpSpPr/>
+        <p:nvPr/>
+      </p:nvGrpSpPr>
+      <p:grpSpPr>
+        <a:xfrm>
+          <a:off x="0" y="0"/>
+          <a:ext cx="0" cy="0"/>
+          <a:chOff x="0" y="0"/>
+          <a:chExt cx="0" cy="0"/>
+        </a:xfrm>
+      </p:grpSpPr>
+      <p:sp>
+        <p:nvSpPr>
+          <p:cNvPr id="2" name="幻灯片图像占位符 1"/>
+          <p:cNvSpPr>
+            <a:spLocks noGrp="1" noRot="1" noChangeAspect="1"/>
+          </p:cNvSpPr>
+          <p:nvPr>
+            <p:ph type="sldImg"/>
+          </p:nvPr>
+        </p:nvSpPr>
+        <p:spPr>
+          <a:xfrm>
+            <a:off x="381000" y="685800"/>
+            <a:ext cx="6096000" cy="3429000"/>
+          </a:xfrm>
+        </p:spPr>
+      </p:sp>
+      <p:sp>
+        <p:nvSpPr>
+          <p:cNvPr id="3" name="文本占位符 2"/>
+          <p:cNvSpPr>
+            <a:spLocks noGrp="1"/>
+          </p:cNvSpPr>
+          <p:nvPr>
+            <p:ph type="body" idx="1"/>
+          </p:nvPr>
+        </p:nvSpPr>
+        <p:spPr/>
+        <p:txBody>
+          <a:bodyPr/>
+          <a:lstStyle/>
+          <a:p>
+            <a:endParaRPr lang="zh-CN" altLang="en-US"/>
+          </a:p>
+        </p:txBody>
+      </p:sp>
+    </p:spTree>
+    <p:extLst>
+      <p:ext uri="{BB962C8B-B14F-4D97-AF65-F5344CB8AC3E}">
+        <p14:creationId xmlns:p14="http://schemas.microsoft.com/office/powerpoint/2010/main" val="1233586136"/>
+      </p:ext>
+    </p:extLst>
+  </p:cSld>
+  <p:clrMapOvr>
+    <a:masterClrMapping/>
+  </p:clrMapOvr>
+</p:notes>
+</file>
+
+<file path=ppt/notesSlides/notesSlide53.xml><?xml version="1.0" encoding="utf-8"?>
+<p:notes xmlns:a="http://schemas.openxmlformats.org/drawingml/2006/main" xmlns:r="http://schemas.openxmlformats.org/officeDocument/2006/relationships" xmlns:p="http://schemas.openxmlformats.org/presentationml/2006/main">
+  <p:cSld>
+    <p:spTree>
+      <p:nvGrpSpPr>
+        <p:cNvPr id="1" name=""/>
+        <p:cNvGrpSpPr/>
+        <p:nvPr/>
+      </p:nvGrpSpPr>
+      <p:grpSpPr>
+        <a:xfrm>
+          <a:off x="0" y="0"/>
+          <a:ext cx="0" cy="0"/>
+          <a:chOff x="0" y="0"/>
+          <a:chExt cx="0" cy="0"/>
+        </a:xfrm>
+      </p:grpSpPr>
+      <p:sp>
+        <p:nvSpPr>
+          <p:cNvPr id="2" name="幻灯片图像占位符 1"/>
+          <p:cNvSpPr>
+            <a:spLocks noGrp="1" noRot="1" noChangeAspect="1"/>
+          </p:cNvSpPr>
+          <p:nvPr>
+            <p:ph type="sldImg"/>
+          </p:nvPr>
+        </p:nvSpPr>
+        <p:spPr>
+          <a:xfrm>
+            <a:off x="381000" y="685800"/>
+            <a:ext cx="6096000" cy="3429000"/>
+          </a:xfrm>
+        </p:spPr>
+      </p:sp>
+      <p:sp>
+        <p:nvSpPr>
+          <p:cNvPr id="3" name="文本占位符 2"/>
+          <p:cNvSpPr>
+            <a:spLocks noGrp="1"/>
+          </p:cNvSpPr>
+          <p:nvPr>
+            <p:ph type="body" idx="1"/>
+          </p:nvPr>
+        </p:nvSpPr>
+        <p:spPr/>
+        <p:txBody>
+          <a:bodyPr/>
+          <a:lstStyle/>
+          <a:p>
+            <a:endParaRPr lang="zh-CN" altLang="en-US"/>
+          </a:p>
+        </p:txBody>
+      </p:sp>
+    </p:spTree>
+    <p:extLst>
+      <p:ext uri="{BB962C8B-B14F-4D97-AF65-F5344CB8AC3E}">
+        <p14:creationId xmlns:p14="http://schemas.microsoft.com/office/powerpoint/2010/main" val="825397236"/>
       </p:ext>
     </p:extLst>
   </p:cSld>
@@ -24785,8 +25401,8 @@
         </p:nvSpPr>
         <p:spPr>
           <a:xfrm>
-            <a:off x="1942332" y="8427678"/>
-            <a:ext cx="16423340" cy="564257"/>
+            <a:off x="1816826" y="7143828"/>
+            <a:ext cx="16423340" cy="1025922"/>
           </a:xfrm>
           <a:prstGeom prst="rect">
             <a:avLst/>
@@ -24815,27 +25431,18 @@
           </a:bodyPr>
           <a:lstStyle/>
           <a:p>
-            <a:pPr marR="0" algn="l" defTabSz="825500" rtl="0" fontAlgn="auto" latinLnBrk="0" hangingPunct="0">
-              <a:lnSpc>
-                <a:spcPct val="100000"/>
-              </a:lnSpc>
-              <a:spcBef>
-                <a:spcPts val="0"/>
-              </a:spcBef>
-              <a:spcAft>
-                <a:spcPts val="0"/>
-              </a:spcAft>
-              <a:buClrTx/>
-              <a:buSzTx/>
-            </a:pPr>
-            <a:r>
-              <a:rPr lang="zh-CN" altLang="en-US" dirty="0"/>
-              <a:t>红黑树的删除相比插入更加复杂：</a:t>
-            </a:r>
-            <a:r>
-              <a:rPr lang="en-US" altLang="zh-CN" dirty="0"/>
-              <a:t>TODO</a:t>
-            </a:r>
+            <a:pPr algn="l"/>
+            <a:r>
+              <a:rPr lang="zh-CN" altLang="en-US" dirty="0"/>
+              <a:t>红黑树的删除相比插入更加复杂，借博客地址一用：</a:t>
+            </a:r>
+            <a:r>
+              <a:rPr lang="en-US" altLang="zh-CN" dirty="0">
+                <a:hlinkClick r:id="rId3"/>
+              </a:rPr>
+              <a:t>https://blog.csdn.net/goodluckwhh/article/details/12718233</a:t>
+            </a:r>
+            <a:endParaRPr lang="en-US" altLang="zh-CN" dirty="0"/>
           </a:p>
         </p:txBody>
       </p:sp>
@@ -27377,14 +27984,14 @@
       </p:grpSpPr>
       <p:sp>
         <p:nvSpPr>
-          <p:cNvPr id="227" name="请在这里添加…"/>
+          <p:cNvPr id="3" name="请在这里添加页标题"/>
           <p:cNvSpPr txBox="1"/>
           <p:nvPr/>
         </p:nvSpPr>
         <p:spPr>
           <a:xfrm>
-            <a:off x="2201330" y="5204374"/>
-            <a:ext cx="11007663" cy="2221726"/>
+            <a:off x="4510405" y="472220"/>
+            <a:ext cx="13067030" cy="933589"/>
           </a:xfrm>
           <a:prstGeom prst="rect">
             <a:avLst/>
@@ -27394,12 +28001,12 @@
           </a:ln>
         </p:spPr>
         <p:txBody>
-          <a:bodyPr lIns="50800" tIns="50800" rIns="50800" bIns="50800">
+          <a:bodyPr wrap="square" lIns="50800" tIns="50800" rIns="50800" bIns="50800" anchor="ctr">
             <a:spAutoFit/>
           </a:bodyPr>
           <a:lstStyle>
-            <a:lvl1pPr algn="l">
-              <a:defRPr sz="14000" b="1">
+            <a:lvl1pPr algn="r">
+              <a:defRPr sz="6000">
                 <a:solidFill>
                   <a:srgbClr val="FFFFFF"/>
                 </a:solidFill>
@@ -27411,13 +28018,133 @@
             </a:lvl1pPr>
           </a:lstStyle>
           <a:p>
-            <a:r>
-              <a:t>Thank you</a:t>
-            </a:r>
+            <a:pPr algn="l"/>
+            <a:endParaRPr lang="en-US" altLang="zh-CN" sz="5400" b="1" dirty="0">
+              <a:solidFill>
+                <a:schemeClr val="bg1"/>
+              </a:solidFill>
+              <a:latin typeface="微软雅黑" panose="020B0503020204020204" charset="-122"/>
+              <a:ea typeface="微软雅黑" panose="020B0503020204020204" charset="-122"/>
+              <a:cs typeface="微软雅黑" panose="020B0503020204020204" charset="-122"/>
+              <a:sym typeface="+mn-ea"/>
+            </a:endParaRPr>
           </a:p>
         </p:txBody>
       </p:sp>
+      <p:sp>
+        <p:nvSpPr>
+          <p:cNvPr id="19" name="矩形 18">
+            <a:extLst>
+              <a:ext uri="{FF2B5EF4-FFF2-40B4-BE49-F238E27FC236}">
+                <a16:creationId xmlns:a16="http://schemas.microsoft.com/office/drawing/2014/main" id="{E4601AB5-C57F-44AB-8EA6-9F0D65FAC3FF}"/>
+              </a:ext>
+            </a:extLst>
+          </p:cNvPr>
+          <p:cNvSpPr/>
+          <p:nvPr/>
+        </p:nvSpPr>
+        <p:spPr>
+          <a:xfrm>
+            <a:off x="11076882" y="5763033"/>
+            <a:ext cx="2904962" cy="1107996"/>
+          </a:xfrm>
+          <a:prstGeom prst="rect">
+            <a:avLst/>
+          </a:prstGeom>
+          <a:noFill/>
+        </p:spPr>
+        <p:txBody>
+          <a:bodyPr wrap="none" lIns="91440" tIns="45720" rIns="91440" bIns="45720">
+            <a:spAutoFit/>
+          </a:bodyPr>
+          <a:lstStyle/>
+          <a:p>
+            <a:pPr algn="ctr"/>
+            <a:r>
+              <a:rPr lang="en-US" altLang="zh-CN" sz="6600" b="1" cap="none" spc="50" dirty="0">
+                <a:ln w="0"/>
+                <a:solidFill>
+                  <a:schemeClr val="bg2"/>
+                </a:solidFill>
+                <a:effectLst>
+                  <a:innerShdw blurRad="63500" dist="50800" dir="13500000">
+                    <a:srgbClr val="000000">
+                      <a:alpha val="50000"/>
+                    </a:srgbClr>
+                  </a:innerShdw>
+                </a:effectLst>
+              </a:rPr>
+              <a:t>B-Tree</a:t>
+            </a:r>
+            <a:endParaRPr lang="zh-CN" altLang="en-US" sz="6600" b="1" cap="none" spc="50" dirty="0">
+              <a:ln w="0"/>
+              <a:solidFill>
+                <a:schemeClr val="bg2"/>
+              </a:solidFill>
+              <a:effectLst>
+                <a:innerShdw blurRad="63500" dist="50800" dir="13500000">
+                  <a:srgbClr val="000000">
+                    <a:alpha val="50000"/>
+                  </a:srgbClr>
+                </a:innerShdw>
+              </a:effectLst>
+            </a:endParaRPr>
+          </a:p>
+        </p:txBody>
+      </p:sp>
+      <p:pic>
+        <p:nvPicPr>
+          <p:cNvPr id="1026" name="Picture 2">
+            <a:extLst>
+              <a:ext uri="{FF2B5EF4-FFF2-40B4-BE49-F238E27FC236}">
+                <a16:creationId xmlns:a16="http://schemas.microsoft.com/office/drawing/2014/main" id="{CDF31BDD-5086-495A-9F58-1B38CB27E213}"/>
+              </a:ext>
+            </a:extLst>
+          </p:cNvPr>
+          <p:cNvPicPr>
+            <a:picLocks noChangeAspect="1" noChangeArrowheads="1"/>
+          </p:cNvPicPr>
+          <p:nvPr/>
+        </p:nvPicPr>
+        <p:blipFill>
+          <a:blip r:embed="rId2">
+            <a:extLst>
+              <a:ext uri="{28A0092B-C50C-407E-A947-70E740481C1C}">
+                <a14:useLocalDpi xmlns:a14="http://schemas.microsoft.com/office/drawing/2010/main" val="0"/>
+              </a:ext>
+            </a:extLst>
+          </a:blip>
+          <a:srcRect/>
+          <a:stretch>
+            <a:fillRect/>
+          </a:stretch>
+        </p:blipFill>
+        <p:spPr bwMode="auto">
+          <a:xfrm>
+            <a:off x="8575862" y="6089998"/>
+            <a:ext cx="2247900" cy="2247900"/>
+          </a:xfrm>
+          <a:prstGeom prst="rect">
+            <a:avLst/>
+          </a:prstGeom>
+          <a:noFill/>
+          <a:extLst>
+            <a:ext uri="{909E8E84-426E-40DD-AFC4-6F175D3DCCD1}">
+              <a14:hiddenFill xmlns:a14="http://schemas.microsoft.com/office/drawing/2010/main">
+                <a:solidFill>
+                  <a:srgbClr val="FFFFFF"/>
+                </a:solidFill>
+              </a14:hiddenFill>
+            </a:ext>
+          </a:extLst>
+        </p:spPr>
+      </p:pic>
     </p:spTree>
+    <p:extLst>
+      <p:ext uri="{BB962C8B-B14F-4D97-AF65-F5344CB8AC3E}">
+        <p14:creationId xmlns:p14="http://schemas.microsoft.com/office/powerpoint/2010/main" val="3272169891"/>
+      </p:ext>
+    </p:extLst>
   </p:cSld>
   <p:clrMapOvr>
     <a:masterClrMapping/>
@@ -28191,6 +28918,3920 @@
         <p14:creationId xmlns:p14="http://schemas.microsoft.com/office/powerpoint/2010/main" val="2056531199"/>
       </p:ext>
     </p:extLst>
+  </p:cSld>
+  <p:clrMapOvr>
+    <a:masterClrMapping/>
+  </p:clrMapOvr>
+  <p:transition spd="med"/>
+</p:sld>
+</file>
+
+<file path=ppt/slides/slide60.xml><?xml version="1.0" encoding="utf-8"?>
+<p:sld xmlns:a="http://schemas.openxmlformats.org/drawingml/2006/main" xmlns:r="http://schemas.openxmlformats.org/officeDocument/2006/relationships" xmlns:p="http://schemas.openxmlformats.org/presentationml/2006/main">
+  <p:cSld>
+    <p:spTree>
+      <p:nvGrpSpPr>
+        <p:cNvPr id="1" name=""/>
+        <p:cNvGrpSpPr/>
+        <p:nvPr/>
+      </p:nvGrpSpPr>
+      <p:grpSpPr>
+        <a:xfrm>
+          <a:off x="0" y="0"/>
+          <a:ext cx="0" cy="0"/>
+          <a:chOff x="0" y="0"/>
+          <a:chExt cx="0" cy="0"/>
+        </a:xfrm>
+      </p:grpSpPr>
+      <p:sp>
+        <p:nvSpPr>
+          <p:cNvPr id="7" name="矩形 6">
+            <a:extLst>
+              <a:ext uri="{FF2B5EF4-FFF2-40B4-BE49-F238E27FC236}">
+                <a16:creationId xmlns:a16="http://schemas.microsoft.com/office/drawing/2014/main" id="{DFF98A76-302A-4FC1-8090-E89C68F9EAB6}"/>
+              </a:ext>
+            </a:extLst>
+          </p:cNvPr>
+          <p:cNvSpPr/>
+          <p:nvPr/>
+        </p:nvSpPr>
+        <p:spPr>
+          <a:xfrm>
+            <a:off x="1683476" y="3034534"/>
+            <a:ext cx="10920900" cy="923330"/>
+          </a:xfrm>
+          <a:prstGeom prst="rect">
+            <a:avLst/>
+          </a:prstGeom>
+          <a:noFill/>
+        </p:spPr>
+        <p:txBody>
+          <a:bodyPr wrap="square" lIns="91440" tIns="45720" rIns="91440" bIns="45720">
+            <a:spAutoFit/>
+          </a:bodyPr>
+          <a:lstStyle/>
+          <a:p>
+            <a:pPr algn="l"/>
+            <a:r>
+              <a:rPr lang="en-US" altLang="zh-CN" sz="5400" dirty="0">
+                <a:ln w="0"/>
+                <a:solidFill>
+                  <a:schemeClr val="tx1"/>
+                </a:solidFill>
+                <a:effectLst>
+                  <a:outerShdw blurRad="38100" dist="19050" dir="2700000" algn="tl" rotWithShape="0">
+                    <a:schemeClr val="dk1">
+                      <a:alpha val="40000"/>
+                    </a:schemeClr>
+                  </a:outerShdw>
+                </a:effectLst>
+              </a:rPr>
+              <a:t>B-Tree</a:t>
+            </a:r>
+            <a:r>
+              <a:rPr lang="zh-CN" altLang="en-US" sz="5400" dirty="0">
+                <a:ln w="0"/>
+                <a:solidFill>
+                  <a:schemeClr val="tx1"/>
+                </a:solidFill>
+                <a:effectLst>
+                  <a:outerShdw blurRad="38100" dist="19050" dir="2700000" algn="tl" rotWithShape="0">
+                    <a:schemeClr val="dk1">
+                      <a:alpha val="40000"/>
+                    </a:schemeClr>
+                  </a:outerShdw>
+                </a:effectLst>
+              </a:rPr>
+              <a:t>树</a:t>
+            </a:r>
+          </a:p>
+        </p:txBody>
+      </p:sp>
+      <p:cxnSp>
+        <p:nvCxnSpPr>
+          <p:cNvPr id="13" name="直接连接符 12">
+            <a:extLst>
+              <a:ext uri="{FF2B5EF4-FFF2-40B4-BE49-F238E27FC236}">
+                <a16:creationId xmlns:a16="http://schemas.microsoft.com/office/drawing/2014/main" id="{5E7B927F-0734-404F-9A08-80760E8E40C4}"/>
+              </a:ext>
+            </a:extLst>
+          </p:cNvPr>
+          <p:cNvCxnSpPr/>
+          <p:nvPr/>
+        </p:nvCxnSpPr>
+        <p:spPr>
+          <a:xfrm>
+            <a:off x="1816826" y="4038600"/>
+            <a:ext cx="20528824" cy="0"/>
+          </a:xfrm>
+          <a:prstGeom prst="line">
+            <a:avLst/>
+          </a:prstGeom>
+          <a:ln w="82550"/>
+        </p:spPr>
+        <p:style>
+          <a:lnRef idx="3">
+            <a:schemeClr val="dk1"/>
+          </a:lnRef>
+          <a:fillRef idx="0">
+            <a:schemeClr val="dk1"/>
+          </a:fillRef>
+          <a:effectRef idx="2">
+            <a:schemeClr val="dk1"/>
+          </a:effectRef>
+          <a:fontRef idx="minor">
+            <a:schemeClr val="tx1"/>
+          </a:fontRef>
+        </p:style>
+      </p:cxnSp>
+      <p:sp>
+        <p:nvSpPr>
+          <p:cNvPr id="2" name="文本框 1">
+            <a:extLst>
+              <a:ext uri="{FF2B5EF4-FFF2-40B4-BE49-F238E27FC236}">
+                <a16:creationId xmlns:a16="http://schemas.microsoft.com/office/drawing/2014/main" id="{A251EDAC-7AA6-4959-A17B-FCD47C1CD94C}"/>
+              </a:ext>
+            </a:extLst>
+          </p:cNvPr>
+          <p:cNvSpPr txBox="1"/>
+          <p:nvPr/>
+        </p:nvSpPr>
+        <p:spPr>
+          <a:xfrm>
+            <a:off x="1696923" y="5367004"/>
+            <a:ext cx="19268162" cy="4719241"/>
+          </a:xfrm>
+          <a:prstGeom prst="rect">
+            <a:avLst/>
+          </a:prstGeom>
+          <a:noFill/>
+          <a:ln w="12700" cap="flat">
+            <a:noFill/>
+            <a:miter lim="400000"/>
+          </a:ln>
+        </p:spPr>
+        <p:style>
+          <a:lnRef idx="0">
+            <a:scrgbClr r="0" g="0" b="0"/>
+          </a:lnRef>
+          <a:fillRef idx="0">
+            <a:scrgbClr r="0" g="0" b="0"/>
+          </a:fillRef>
+          <a:effectRef idx="0">
+            <a:scrgbClr r="0" g="0" b="0"/>
+          </a:effectRef>
+          <a:fontRef idx="none"/>
+        </p:style>
+        <p:txBody>
+          <a:bodyPr rot="0" spcFirstLastPara="1" vertOverflow="overflow" horzOverflow="overflow" vert="horz" wrap="square" lIns="50800" tIns="50800" rIns="50800" bIns="50800" numCol="1" spcCol="38100" rtlCol="0" anchor="ctr">
+            <a:spAutoFit/>
+          </a:bodyPr>
+          <a:lstStyle/>
+          <a:p>
+            <a:pPr algn="l"/>
+            <a:r>
+              <a:rPr lang="en-US" altLang="zh-CN" dirty="0"/>
+              <a:t>B-Tree</a:t>
+            </a:r>
+            <a:r>
+              <a:rPr lang="zh-CN" altLang="en-US" dirty="0"/>
+              <a:t>是一个有序多叉树，相比于二叉树，多叉树的优势在于深度的控制。</a:t>
+            </a:r>
+            <a:endParaRPr lang="en-US" altLang="zh-CN" dirty="0"/>
+          </a:p>
+          <a:p>
+            <a:pPr algn="l"/>
+            <a:endParaRPr lang="en-US" altLang="zh-CN" dirty="0"/>
+          </a:p>
+          <a:p>
+            <a:pPr algn="l"/>
+            <a:r>
+              <a:rPr lang="zh-CN" altLang="en-US" dirty="0"/>
+              <a:t>如果仅仅在内存中做查找，二叉树和多叉树的查询效率差不了多少。</a:t>
+            </a:r>
+            <a:endParaRPr lang="en-US" altLang="zh-CN" dirty="0"/>
+          </a:p>
+          <a:p>
+            <a:pPr algn="l"/>
+            <a:endParaRPr lang="en-US" altLang="zh-CN" dirty="0"/>
+          </a:p>
+          <a:p>
+            <a:pPr algn="l"/>
+            <a:r>
+              <a:rPr lang="zh-CN" altLang="en-US" dirty="0"/>
+              <a:t>但是内存存取速度快，但容量小，价格昂贵，而且不能长期保存数据</a:t>
+            </a:r>
+            <a:r>
+              <a:rPr lang="en-US" altLang="zh-CN" dirty="0"/>
+              <a:t>(</a:t>
+            </a:r>
+            <a:r>
+              <a:rPr lang="zh-CN" altLang="en-US" dirty="0"/>
+              <a:t>在不通电情况下数据会消失</a:t>
+            </a:r>
+            <a:r>
+              <a:rPr lang="en-US" altLang="zh-CN" dirty="0"/>
+              <a:t>)</a:t>
+            </a:r>
+            <a:r>
+              <a:rPr lang="zh-CN" altLang="en-US" dirty="0"/>
+              <a:t>，所以很多场景下，我们需要将树的结构存储在磁盘中，在其中做搜索的话，查树的深度过大而造成磁盘</a:t>
+            </a:r>
+            <a:r>
+              <a:rPr lang="en-US" altLang="zh-CN" dirty="0"/>
+              <a:t>I/O</a:t>
+            </a:r>
+            <a:r>
+              <a:rPr lang="zh-CN" altLang="en-US" dirty="0"/>
+              <a:t>读写过于频繁，进而导致询效率低下。</a:t>
+            </a:r>
+            <a:endParaRPr lang="en-US" altLang="zh-CN" dirty="0"/>
+          </a:p>
+          <a:p>
+            <a:pPr algn="l"/>
+            <a:endParaRPr lang="en-US" altLang="zh-CN" dirty="0"/>
+          </a:p>
+          <a:p>
+            <a:pPr algn="l"/>
+            <a:r>
+              <a:rPr lang="zh-CN" altLang="en-US" dirty="0"/>
+              <a:t>如果使用多叉树的话，我们可以降低树的深度，也就是说我们可以降低磁盘</a:t>
+            </a:r>
+            <a:r>
+              <a:rPr lang="en-US" altLang="zh-CN" dirty="0"/>
+              <a:t>I/O</a:t>
+            </a:r>
+            <a:r>
+              <a:rPr lang="zh-CN" altLang="en-US" dirty="0"/>
+              <a:t>次数，那么搜索效率受</a:t>
+            </a:r>
+            <a:r>
+              <a:rPr lang="en-US" altLang="zh-CN" dirty="0"/>
+              <a:t>I/O</a:t>
+            </a:r>
+            <a:r>
+              <a:rPr lang="zh-CN" altLang="en-US" dirty="0"/>
+              <a:t>的影响将会缩小很多，这也是大多数存储引擎使用</a:t>
+            </a:r>
+            <a:r>
+              <a:rPr lang="en-US" altLang="zh-CN" dirty="0" err="1"/>
+              <a:t>Btree</a:t>
+            </a:r>
+            <a:r>
+              <a:rPr lang="en-US" altLang="zh-CN" dirty="0"/>
+              <a:t>/</a:t>
+            </a:r>
+            <a:r>
+              <a:rPr lang="en-US" altLang="zh-CN" dirty="0" err="1"/>
+              <a:t>B+Tree</a:t>
+            </a:r>
+            <a:r>
+              <a:rPr lang="zh-CN" altLang="en-US" dirty="0"/>
+              <a:t>作为存储结构的根本原因。</a:t>
+            </a:r>
+            <a:endParaRPr lang="en-US" altLang="zh-CN" dirty="0"/>
+          </a:p>
+        </p:txBody>
+      </p:sp>
+    </p:spTree>
+    <p:extLst>
+      <p:ext uri="{BB962C8B-B14F-4D97-AF65-F5344CB8AC3E}">
+        <p14:creationId xmlns:p14="http://schemas.microsoft.com/office/powerpoint/2010/main" val="1734185791"/>
+      </p:ext>
+    </p:extLst>
+  </p:cSld>
+  <p:clrMapOvr>
+    <a:masterClrMapping/>
+  </p:clrMapOvr>
+  <p:transition spd="med"/>
+</p:sld>
+</file>
+
+<file path=ppt/slides/slide61.xml><?xml version="1.0" encoding="utf-8"?>
+<p:sld xmlns:a="http://schemas.openxmlformats.org/drawingml/2006/main" xmlns:r="http://schemas.openxmlformats.org/officeDocument/2006/relationships" xmlns:p="http://schemas.openxmlformats.org/presentationml/2006/main">
+  <p:cSld>
+    <p:spTree>
+      <p:nvGrpSpPr>
+        <p:cNvPr id="1" name=""/>
+        <p:cNvGrpSpPr/>
+        <p:nvPr/>
+      </p:nvGrpSpPr>
+      <p:grpSpPr>
+        <a:xfrm>
+          <a:off x="0" y="0"/>
+          <a:ext cx="0" cy="0"/>
+          <a:chOff x="0" y="0"/>
+          <a:chExt cx="0" cy="0"/>
+        </a:xfrm>
+      </p:grpSpPr>
+      <p:pic>
+        <p:nvPicPr>
+          <p:cNvPr id="1026" name="Picture 2" descr="http://hi.csdn.net/attachment/201106/7/8394323_13074405911zG7.jpg">
+            <a:extLst>
+              <a:ext uri="{FF2B5EF4-FFF2-40B4-BE49-F238E27FC236}">
+                <a16:creationId xmlns:a16="http://schemas.microsoft.com/office/drawing/2014/main" id="{2ACA5668-2D7F-4DAB-A9A4-09DC32F41185}"/>
+              </a:ext>
+            </a:extLst>
+          </p:cNvPr>
+          <p:cNvPicPr>
+            <a:picLocks noChangeAspect="1" noChangeArrowheads="1"/>
+          </p:cNvPicPr>
+          <p:nvPr/>
+        </p:nvPicPr>
+        <p:blipFill>
+          <a:blip r:embed="rId3">
+            <a:extLst>
+              <a:ext uri="{28A0092B-C50C-407E-A947-70E740481C1C}">
+                <a14:useLocalDpi xmlns:a14="http://schemas.microsoft.com/office/drawing/2010/main" val="0"/>
+              </a:ext>
+            </a:extLst>
+          </a:blip>
+          <a:srcRect/>
+          <a:stretch>
+            <a:fillRect/>
+          </a:stretch>
+        </p:blipFill>
+        <p:spPr bwMode="auto">
+          <a:xfrm>
+            <a:off x="872939" y="1878160"/>
+            <a:ext cx="6287621" cy="11684722"/>
+          </a:xfrm>
+          <a:prstGeom prst="rect">
+            <a:avLst/>
+          </a:prstGeom>
+          <a:noFill/>
+          <a:extLst>
+            <a:ext uri="{909E8E84-426E-40DD-AFC4-6F175D3DCCD1}">
+              <a14:hiddenFill xmlns:a14="http://schemas.microsoft.com/office/drawing/2010/main">
+                <a:solidFill>
+                  <a:srgbClr val="FFFFFF"/>
+                </a:solidFill>
+              </a14:hiddenFill>
+            </a:ext>
+          </a:extLst>
+        </p:spPr>
+      </p:pic>
+      <p:sp>
+        <p:nvSpPr>
+          <p:cNvPr id="3" name="文本框 2">
+            <a:extLst>
+              <a:ext uri="{FF2B5EF4-FFF2-40B4-BE49-F238E27FC236}">
+                <a16:creationId xmlns:a16="http://schemas.microsoft.com/office/drawing/2014/main" id="{E2088659-5D70-49F4-B099-E957725C97FE}"/>
+              </a:ext>
+            </a:extLst>
+          </p:cNvPr>
+          <p:cNvSpPr txBox="1"/>
+          <p:nvPr/>
+        </p:nvSpPr>
+        <p:spPr>
+          <a:xfrm>
+            <a:off x="7160560" y="2746093"/>
+            <a:ext cx="14594541" cy="9335889"/>
+          </a:xfrm>
+          <a:prstGeom prst="rect">
+            <a:avLst/>
+          </a:prstGeom>
+          <a:noFill/>
+          <a:ln w="12700" cap="flat">
+            <a:noFill/>
+            <a:miter lim="400000"/>
+          </a:ln>
+        </p:spPr>
+        <p:style>
+          <a:lnRef idx="0">
+            <a:scrgbClr r="0" g="0" b="0"/>
+          </a:lnRef>
+          <a:fillRef idx="0">
+            <a:scrgbClr r="0" g="0" b="0"/>
+          </a:fillRef>
+          <a:effectRef idx="0">
+            <a:scrgbClr r="0" g="0" b="0"/>
+          </a:effectRef>
+          <a:fontRef idx="none"/>
+        </p:style>
+        <p:txBody>
+          <a:bodyPr rot="0" spcFirstLastPara="1" vertOverflow="overflow" horzOverflow="overflow" vert="horz" wrap="square" lIns="50800" tIns="50800" rIns="50800" bIns="50800" numCol="1" spcCol="38100" rtlCol="0" anchor="ctr">
+            <a:spAutoFit/>
+          </a:bodyPr>
+          <a:lstStyle/>
+          <a:p>
+            <a:pPr algn="l"/>
+            <a:r>
+              <a:rPr lang="zh-CN" altLang="en-US" dirty="0"/>
+              <a:t>当磁盘驱动器执行读</a:t>
+            </a:r>
+            <a:r>
+              <a:rPr lang="en-US" altLang="zh-CN" dirty="0"/>
+              <a:t>/</a:t>
+            </a:r>
+            <a:r>
+              <a:rPr lang="zh-CN" altLang="en-US" dirty="0"/>
+              <a:t>写功能时。盘片装在一个主轴上，并绕主轴高速旋转，当磁道在读</a:t>
+            </a:r>
+            <a:r>
+              <a:rPr lang="en-US" altLang="zh-CN" dirty="0"/>
+              <a:t>/</a:t>
+            </a:r>
+            <a:r>
+              <a:rPr lang="zh-CN" altLang="en-US" dirty="0"/>
+              <a:t>写头</a:t>
+            </a:r>
+            <a:r>
+              <a:rPr lang="en-US" altLang="zh-CN" dirty="0"/>
+              <a:t>(</a:t>
+            </a:r>
+            <a:r>
+              <a:rPr lang="zh-CN" altLang="en-US" dirty="0"/>
+              <a:t>又叫磁头</a:t>
+            </a:r>
+            <a:r>
+              <a:rPr lang="en-US" altLang="zh-CN" dirty="0"/>
+              <a:t>) </a:t>
+            </a:r>
+            <a:r>
+              <a:rPr lang="zh-CN" altLang="en-US" dirty="0"/>
+              <a:t>下通过时，就可以进行数据的读 </a:t>
+            </a:r>
+            <a:r>
+              <a:rPr lang="en-US" altLang="zh-CN" dirty="0"/>
+              <a:t>/ </a:t>
+            </a:r>
+            <a:r>
+              <a:rPr lang="zh-CN" altLang="en-US" dirty="0"/>
+              <a:t>写了。</a:t>
+            </a:r>
+            <a:endParaRPr lang="en-US" altLang="zh-CN" dirty="0"/>
+          </a:p>
+          <a:p>
+            <a:pPr algn="l"/>
+            <a:endParaRPr lang="zh-CN" altLang="en-US" dirty="0"/>
+          </a:p>
+          <a:p>
+            <a:pPr algn="l"/>
+            <a:r>
+              <a:rPr lang="zh-CN" altLang="en-US" dirty="0"/>
+              <a:t>一般磁盘分为固定头盘</a:t>
+            </a:r>
+            <a:r>
+              <a:rPr lang="en-US" altLang="zh-CN" dirty="0"/>
+              <a:t>(</a:t>
+            </a:r>
+            <a:r>
+              <a:rPr lang="zh-CN" altLang="en-US" dirty="0"/>
+              <a:t>磁头固定</a:t>
+            </a:r>
+            <a:r>
+              <a:rPr lang="en-US" altLang="zh-CN" dirty="0"/>
+              <a:t>)</a:t>
+            </a:r>
+            <a:r>
+              <a:rPr lang="zh-CN" altLang="en-US" dirty="0"/>
+              <a:t>和活动头盘。固定头盘的每一个磁道上都有独立的磁头，它是固定不动的，专门负责这一磁道上数据的读</a:t>
+            </a:r>
+            <a:r>
+              <a:rPr lang="en-US" altLang="zh-CN" dirty="0"/>
+              <a:t>/</a:t>
+            </a:r>
+            <a:r>
+              <a:rPr lang="zh-CN" altLang="en-US" dirty="0"/>
+              <a:t>写。</a:t>
+            </a:r>
+            <a:endParaRPr lang="en-US" altLang="zh-CN" dirty="0"/>
+          </a:p>
+          <a:p>
+            <a:pPr algn="l"/>
+            <a:endParaRPr lang="zh-CN" altLang="en-US" dirty="0"/>
+          </a:p>
+          <a:p>
+            <a:pPr algn="l"/>
+            <a:r>
+              <a:rPr lang="zh-CN" altLang="en-US" dirty="0"/>
+              <a:t>活动头盘 </a:t>
+            </a:r>
+            <a:r>
+              <a:rPr lang="en-US" altLang="zh-CN" dirty="0"/>
+              <a:t>(</a:t>
+            </a:r>
+            <a:r>
+              <a:rPr lang="zh-CN" altLang="en-US" dirty="0"/>
+              <a:t>如上图</a:t>
+            </a:r>
+            <a:r>
+              <a:rPr lang="en-US" altLang="zh-CN" dirty="0"/>
+              <a:t>)</a:t>
+            </a:r>
+            <a:r>
+              <a:rPr lang="zh-CN" altLang="en-US" dirty="0"/>
+              <a:t>的磁头是可移动的。每一个盘面上只有一个磁头</a:t>
+            </a:r>
+            <a:r>
+              <a:rPr lang="en-US" altLang="zh-CN" dirty="0"/>
+              <a:t>(</a:t>
+            </a:r>
+            <a:r>
+              <a:rPr lang="zh-CN" altLang="en-US" dirty="0"/>
+              <a:t>磁头是双向的，因此正反盘面都能读写</a:t>
+            </a:r>
+            <a:r>
+              <a:rPr lang="en-US" altLang="zh-CN" dirty="0"/>
+              <a:t>)</a:t>
+            </a:r>
+            <a:r>
+              <a:rPr lang="zh-CN" altLang="en-US" dirty="0"/>
+              <a:t>。它可以从该面的一个磁道移动到另一个磁道。所有磁头都装在同一个动臂上，因此不同盘面上的所有磁头都是同时移动的</a:t>
+            </a:r>
+            <a:r>
+              <a:rPr lang="en-US" altLang="zh-CN" dirty="0"/>
+              <a:t>(</a:t>
+            </a:r>
+            <a:r>
+              <a:rPr lang="zh-CN" altLang="en-US" dirty="0"/>
+              <a:t>行动整齐划一</a:t>
+            </a:r>
+            <a:r>
+              <a:rPr lang="en-US" altLang="zh-CN" dirty="0"/>
+              <a:t>)</a:t>
+            </a:r>
+            <a:r>
+              <a:rPr lang="zh-CN" altLang="en-US" dirty="0"/>
+              <a:t>。当盘片绕主轴旋转的时候，磁头与旋转的盘片形成一个圆柱体。各个盘面上半径相同的磁道组成了一个圆柱面，我们称为柱面 。因此，柱面的个数也就是盘面上的磁道数</a:t>
+            </a:r>
+            <a:r>
+              <a:rPr lang="en-US" altLang="zh-CN" dirty="0"/>
+              <a:t>.</a:t>
+            </a:r>
+          </a:p>
+          <a:p>
+            <a:pPr algn="l"/>
+            <a:endParaRPr lang="en-US" altLang="zh-CN" dirty="0"/>
+          </a:p>
+          <a:p>
+            <a:pPr algn="l"/>
+            <a:r>
+              <a:rPr lang="zh-CN" altLang="en-US" dirty="0"/>
+              <a:t>读</a:t>
+            </a:r>
+            <a:r>
+              <a:rPr lang="en-US" altLang="zh-CN" dirty="0"/>
+              <a:t>/</a:t>
+            </a:r>
+            <a:r>
+              <a:rPr lang="zh-CN" altLang="en-US" dirty="0"/>
+              <a:t>写磁盘上某一指定数据需要下面</a:t>
+            </a:r>
+            <a:r>
+              <a:rPr lang="en-US" altLang="zh-CN" dirty="0"/>
+              <a:t>3</a:t>
+            </a:r>
+            <a:r>
+              <a:rPr lang="zh-CN" altLang="en-US" dirty="0"/>
+              <a:t>个步骤：</a:t>
+            </a:r>
+          </a:p>
+          <a:p>
+            <a:pPr marL="514350" indent="-514350" algn="l">
+              <a:buFont typeface="+mj-lt"/>
+              <a:buAutoNum type="arabicPeriod"/>
+            </a:pPr>
+            <a:r>
+              <a:rPr lang="en-US" altLang="zh-CN" dirty="0"/>
+              <a:t> </a:t>
+            </a:r>
+            <a:r>
+              <a:rPr lang="zh-CN" altLang="en-US" dirty="0"/>
+              <a:t>首先移动臂根据柱面号使磁头移动到所需要的柱面上，这一过程被称为定位或查找 。</a:t>
+            </a:r>
+          </a:p>
+          <a:p>
+            <a:pPr marL="514350" indent="-514350" algn="l">
+              <a:buFont typeface="+mj-lt"/>
+              <a:buAutoNum type="arabicPeriod"/>
+            </a:pPr>
+            <a:r>
+              <a:rPr lang="zh-CN" altLang="en-US" dirty="0"/>
+              <a:t>如上图</a:t>
+            </a:r>
+            <a:r>
+              <a:rPr lang="en-US" altLang="zh-CN" dirty="0"/>
+              <a:t>11.3</a:t>
+            </a:r>
+            <a:r>
+              <a:rPr lang="zh-CN" altLang="en-US" dirty="0"/>
+              <a:t>中所示的</a:t>
+            </a:r>
+            <a:r>
+              <a:rPr lang="en-US" altLang="zh-CN" dirty="0"/>
+              <a:t>6</a:t>
+            </a:r>
+            <a:r>
+              <a:rPr lang="zh-CN" altLang="en-US" dirty="0"/>
+              <a:t>盘组示意图中，所有磁头都定位到了</a:t>
+            </a:r>
+            <a:r>
+              <a:rPr lang="en-US" altLang="zh-CN" dirty="0"/>
+              <a:t>10</a:t>
+            </a:r>
+            <a:r>
+              <a:rPr lang="zh-CN" altLang="en-US" dirty="0"/>
+              <a:t>个盘面的</a:t>
+            </a:r>
+            <a:r>
+              <a:rPr lang="en-US" altLang="zh-CN" dirty="0"/>
+              <a:t>10</a:t>
+            </a:r>
+            <a:r>
+              <a:rPr lang="zh-CN" altLang="en-US" dirty="0"/>
+              <a:t>条磁道上</a:t>
+            </a:r>
+            <a:r>
+              <a:rPr lang="en-US" altLang="zh-CN" dirty="0"/>
+              <a:t>(</a:t>
+            </a:r>
+            <a:r>
+              <a:rPr lang="zh-CN" altLang="en-US" dirty="0"/>
+              <a:t>磁头都是双向的</a:t>
+            </a:r>
+            <a:r>
+              <a:rPr lang="en-US" altLang="zh-CN" dirty="0"/>
+              <a:t>)</a:t>
+            </a:r>
+            <a:r>
+              <a:rPr lang="zh-CN" altLang="en-US" dirty="0"/>
+              <a:t>。这时根据盘面号来确定指定盘面上的磁道。</a:t>
+            </a:r>
+          </a:p>
+          <a:p>
+            <a:pPr marL="514350" indent="-514350" algn="l">
+              <a:buFont typeface="+mj-lt"/>
+              <a:buAutoNum type="arabicPeriod"/>
+            </a:pPr>
+            <a:r>
+              <a:rPr lang="en-US" altLang="zh-CN" dirty="0"/>
+              <a:t> </a:t>
+            </a:r>
+            <a:r>
+              <a:rPr lang="zh-CN" altLang="en-US" dirty="0"/>
+              <a:t>盘面确定以后，盘片开始旋转，将指定块号的磁道段移动至磁头下。</a:t>
+            </a:r>
+          </a:p>
+          <a:p>
+            <a:pPr marL="514350" indent="-514350" algn="l">
+              <a:buFont typeface="+mj-lt"/>
+              <a:buAutoNum type="arabicPeriod"/>
+            </a:pPr>
+            <a:r>
+              <a:rPr lang="zh-CN" altLang="en-US" dirty="0"/>
+              <a:t>经过上面三个步骤，指定数据的存储位置就被找到。这时就可以开始读</a:t>
+            </a:r>
+            <a:r>
+              <a:rPr lang="en-US" altLang="zh-CN" dirty="0"/>
+              <a:t>/</a:t>
+            </a:r>
+            <a:r>
+              <a:rPr lang="zh-CN" altLang="en-US" dirty="0"/>
+              <a:t>写操作了</a:t>
+            </a:r>
+          </a:p>
+          <a:p>
+            <a:pPr algn="l"/>
+            <a:endParaRPr lang="zh-CN" altLang="en-US" dirty="0"/>
+          </a:p>
+        </p:txBody>
+      </p:sp>
+    </p:spTree>
+    <p:extLst>
+      <p:ext uri="{BB962C8B-B14F-4D97-AF65-F5344CB8AC3E}">
+        <p14:creationId xmlns:p14="http://schemas.microsoft.com/office/powerpoint/2010/main" val="535036234"/>
+      </p:ext>
+    </p:extLst>
+  </p:cSld>
+  <p:clrMapOvr>
+    <a:masterClrMapping/>
+  </p:clrMapOvr>
+  <p:transition spd="med"/>
+</p:sld>
+</file>
+
+<file path=ppt/slides/slide62.xml><?xml version="1.0" encoding="utf-8"?>
+<p:sld xmlns:a="http://schemas.openxmlformats.org/drawingml/2006/main" xmlns:r="http://schemas.openxmlformats.org/officeDocument/2006/relationships" xmlns:p="http://schemas.openxmlformats.org/presentationml/2006/main">
+  <p:cSld>
+    <p:spTree>
+      <p:nvGrpSpPr>
+        <p:cNvPr id="1" name=""/>
+        <p:cNvGrpSpPr/>
+        <p:nvPr/>
+      </p:nvGrpSpPr>
+      <p:grpSpPr>
+        <a:xfrm>
+          <a:off x="0" y="0"/>
+          <a:ext cx="0" cy="0"/>
+          <a:chOff x="0" y="0"/>
+          <a:chExt cx="0" cy="0"/>
+        </a:xfrm>
+      </p:grpSpPr>
+      <p:sp>
+        <p:nvSpPr>
+          <p:cNvPr id="7" name="矩形 6">
+            <a:extLst>
+              <a:ext uri="{FF2B5EF4-FFF2-40B4-BE49-F238E27FC236}">
+                <a16:creationId xmlns:a16="http://schemas.microsoft.com/office/drawing/2014/main" id="{DFF98A76-302A-4FC1-8090-E89C68F9EAB6}"/>
+              </a:ext>
+            </a:extLst>
+          </p:cNvPr>
+          <p:cNvSpPr/>
+          <p:nvPr/>
+        </p:nvSpPr>
+        <p:spPr>
+          <a:xfrm>
+            <a:off x="1683476" y="3034534"/>
+            <a:ext cx="10920900" cy="923330"/>
+          </a:xfrm>
+          <a:prstGeom prst="rect">
+            <a:avLst/>
+          </a:prstGeom>
+          <a:noFill/>
+        </p:spPr>
+        <p:txBody>
+          <a:bodyPr wrap="square" lIns="91440" tIns="45720" rIns="91440" bIns="45720">
+            <a:spAutoFit/>
+          </a:bodyPr>
+          <a:lstStyle/>
+          <a:p>
+            <a:pPr algn="l"/>
+            <a:r>
+              <a:rPr lang="en-US" altLang="zh-CN" sz="5400" dirty="0">
+                <a:ln w="0"/>
+                <a:solidFill>
+                  <a:schemeClr val="tx1"/>
+                </a:solidFill>
+                <a:effectLst>
+                  <a:outerShdw blurRad="38100" dist="19050" dir="2700000" algn="tl" rotWithShape="0">
+                    <a:schemeClr val="dk1">
+                      <a:alpha val="40000"/>
+                    </a:schemeClr>
+                  </a:outerShdw>
+                </a:effectLst>
+              </a:rPr>
+              <a:t>B-Tree</a:t>
+            </a:r>
+            <a:r>
+              <a:rPr lang="zh-CN" altLang="en-US" sz="5400" dirty="0">
+                <a:ln w="0"/>
+                <a:solidFill>
+                  <a:schemeClr val="tx1"/>
+                </a:solidFill>
+                <a:effectLst>
+                  <a:outerShdw blurRad="38100" dist="19050" dir="2700000" algn="tl" rotWithShape="0">
+                    <a:schemeClr val="dk1">
+                      <a:alpha val="40000"/>
+                    </a:schemeClr>
+                  </a:outerShdw>
+                </a:effectLst>
+              </a:rPr>
+              <a:t>树</a:t>
+            </a:r>
+          </a:p>
+        </p:txBody>
+      </p:sp>
+      <p:cxnSp>
+        <p:nvCxnSpPr>
+          <p:cNvPr id="13" name="直接连接符 12">
+            <a:extLst>
+              <a:ext uri="{FF2B5EF4-FFF2-40B4-BE49-F238E27FC236}">
+                <a16:creationId xmlns:a16="http://schemas.microsoft.com/office/drawing/2014/main" id="{5E7B927F-0734-404F-9A08-80760E8E40C4}"/>
+              </a:ext>
+            </a:extLst>
+          </p:cNvPr>
+          <p:cNvCxnSpPr/>
+          <p:nvPr/>
+        </p:nvCxnSpPr>
+        <p:spPr>
+          <a:xfrm>
+            <a:off x="1816826" y="4038600"/>
+            <a:ext cx="20528824" cy="0"/>
+          </a:xfrm>
+          <a:prstGeom prst="line">
+            <a:avLst/>
+          </a:prstGeom>
+          <a:ln w="82550"/>
+        </p:spPr>
+        <p:style>
+          <a:lnRef idx="3">
+            <a:schemeClr val="dk1"/>
+          </a:lnRef>
+          <a:fillRef idx="0">
+            <a:schemeClr val="dk1"/>
+          </a:fillRef>
+          <a:effectRef idx="2">
+            <a:schemeClr val="dk1"/>
+          </a:effectRef>
+          <a:fontRef idx="minor">
+            <a:schemeClr val="tx1"/>
+          </a:fontRef>
+        </p:style>
+      </p:cxnSp>
+      <p:sp>
+        <p:nvSpPr>
+          <p:cNvPr id="2" name="文本框 1">
+            <a:extLst>
+              <a:ext uri="{FF2B5EF4-FFF2-40B4-BE49-F238E27FC236}">
+                <a16:creationId xmlns:a16="http://schemas.microsoft.com/office/drawing/2014/main" id="{A251EDAC-7AA6-4959-A17B-FCD47C1CD94C}"/>
+              </a:ext>
+            </a:extLst>
+          </p:cNvPr>
+          <p:cNvSpPr txBox="1"/>
+          <p:nvPr/>
+        </p:nvSpPr>
+        <p:spPr>
+          <a:xfrm>
+            <a:off x="1696922" y="5335186"/>
+            <a:ext cx="19567359" cy="5642570"/>
+          </a:xfrm>
+          <a:prstGeom prst="rect">
+            <a:avLst/>
+          </a:prstGeom>
+          <a:noFill/>
+          <a:ln w="12700" cap="flat">
+            <a:noFill/>
+            <a:miter lim="400000"/>
+          </a:ln>
+        </p:spPr>
+        <p:style>
+          <a:lnRef idx="0">
+            <a:scrgbClr r="0" g="0" b="0"/>
+          </a:lnRef>
+          <a:fillRef idx="0">
+            <a:scrgbClr r="0" g="0" b="0"/>
+          </a:fillRef>
+          <a:effectRef idx="0">
+            <a:scrgbClr r="0" g="0" b="0"/>
+          </a:effectRef>
+          <a:fontRef idx="none"/>
+        </p:style>
+        <p:txBody>
+          <a:bodyPr rot="0" spcFirstLastPara="1" vertOverflow="overflow" horzOverflow="overflow" vert="horz" wrap="square" lIns="50800" tIns="50800" rIns="50800" bIns="50800" numCol="1" spcCol="38100" rtlCol="0" anchor="ctr">
+            <a:spAutoFit/>
+          </a:bodyPr>
+          <a:lstStyle/>
+          <a:p>
+            <a:pPr algn="l"/>
+            <a:r>
+              <a:rPr lang="en-US" altLang="zh-CN" dirty="0"/>
+              <a:t>B </a:t>
+            </a:r>
+            <a:r>
+              <a:rPr lang="zh-CN" altLang="en-US" dirty="0"/>
+              <a:t>树又叫平衡多路查找树。一棵</a:t>
+            </a:r>
+            <a:r>
+              <a:rPr lang="en-US" altLang="zh-CN" dirty="0"/>
+              <a:t>m</a:t>
+            </a:r>
+            <a:r>
+              <a:rPr lang="zh-CN" altLang="en-US" dirty="0"/>
+              <a:t>阶的</a:t>
+            </a:r>
+            <a:r>
+              <a:rPr lang="en-US" altLang="zh-CN" dirty="0"/>
+              <a:t>B </a:t>
+            </a:r>
+            <a:r>
+              <a:rPr lang="zh-CN" altLang="en-US" dirty="0"/>
+              <a:t>树 </a:t>
+            </a:r>
+            <a:r>
+              <a:rPr lang="en-US" altLang="zh-CN" dirty="0"/>
+              <a:t>(m</a:t>
+            </a:r>
+            <a:r>
+              <a:rPr lang="zh-CN" altLang="en-US" dirty="0"/>
+              <a:t>叉树</a:t>
+            </a:r>
+            <a:r>
+              <a:rPr lang="en-US" altLang="zh-CN" dirty="0"/>
+              <a:t>)</a:t>
+            </a:r>
+            <a:r>
+              <a:rPr lang="zh-CN" altLang="en-US" dirty="0"/>
+              <a:t>的特性如下：</a:t>
+            </a:r>
+          </a:p>
+          <a:p>
+            <a:pPr algn="l"/>
+            <a:endParaRPr lang="zh-CN" altLang="en-US" dirty="0"/>
+          </a:p>
+          <a:p>
+            <a:pPr marL="514350" indent="-514350" algn="l">
+              <a:buFont typeface="+mj-lt"/>
+              <a:buAutoNum type="arabicPeriod"/>
+            </a:pPr>
+            <a:r>
+              <a:rPr lang="zh-CN" altLang="en-US" dirty="0"/>
+              <a:t>树中每个结点最多含有</a:t>
+            </a:r>
+            <a:r>
+              <a:rPr lang="en-US" altLang="zh-CN" dirty="0"/>
+              <a:t>m</a:t>
+            </a:r>
+            <a:r>
+              <a:rPr lang="zh-CN" altLang="en-US" dirty="0"/>
+              <a:t>个孩子（</a:t>
+            </a:r>
+            <a:r>
+              <a:rPr lang="en-US" altLang="zh-CN" dirty="0"/>
+              <a:t>m&gt;=2</a:t>
+            </a:r>
+            <a:r>
+              <a:rPr lang="zh-CN" altLang="en-US" dirty="0"/>
+              <a:t>）；</a:t>
+            </a:r>
+          </a:p>
+          <a:p>
+            <a:pPr marL="514350" indent="-514350" algn="l">
+              <a:buFont typeface="+mj-lt"/>
+              <a:buAutoNum type="arabicPeriod"/>
+            </a:pPr>
+            <a:r>
+              <a:rPr lang="zh-CN" altLang="en-US" dirty="0"/>
+              <a:t>除根结点和叶子结点外，其它每个结点至少有</a:t>
+            </a:r>
+            <a:r>
+              <a:rPr lang="en-US" altLang="zh-CN" dirty="0"/>
+              <a:t>[ceil(m / 2)]</a:t>
+            </a:r>
+            <a:r>
+              <a:rPr lang="zh-CN" altLang="en-US" dirty="0"/>
+              <a:t>个孩子（其中</a:t>
+            </a:r>
+            <a:r>
+              <a:rPr lang="en-US" altLang="zh-CN" dirty="0"/>
+              <a:t>ceil(x)</a:t>
+            </a:r>
+            <a:r>
+              <a:rPr lang="zh-CN" altLang="en-US" dirty="0"/>
+              <a:t>是一个取上限的函数）；</a:t>
+            </a:r>
+          </a:p>
+          <a:p>
+            <a:pPr marL="514350" indent="-514350" algn="l">
+              <a:buFont typeface="+mj-lt"/>
+              <a:buAutoNum type="arabicPeriod"/>
+            </a:pPr>
+            <a:r>
+              <a:rPr lang="zh-CN" altLang="en-US" dirty="0"/>
+              <a:t>若根结点不是叶子结点，则至少有</a:t>
+            </a:r>
+            <a:r>
+              <a:rPr lang="en-US" altLang="zh-CN" dirty="0"/>
+              <a:t>2</a:t>
+            </a:r>
+            <a:r>
+              <a:rPr lang="zh-CN" altLang="en-US" dirty="0"/>
+              <a:t>个孩子（特殊情况：没有孩子的根结点，即根结点为叶子结点，整棵树只有一个根节点）；</a:t>
+            </a:r>
+          </a:p>
+          <a:p>
+            <a:pPr marL="514350" indent="-514350" algn="l">
+              <a:buFont typeface="+mj-lt"/>
+              <a:buAutoNum type="arabicPeriod"/>
+            </a:pPr>
+            <a:r>
+              <a:rPr lang="zh-CN" altLang="en-US" dirty="0"/>
+              <a:t>所有叶子结点都出现在同一层，叶子结点不包含任何关键字信息</a:t>
+            </a:r>
+            <a:r>
+              <a:rPr lang="en-US" altLang="zh-CN" dirty="0"/>
+              <a:t>(</a:t>
+            </a:r>
+            <a:r>
+              <a:rPr lang="zh-CN" altLang="en-US" dirty="0"/>
+              <a:t>可以看做是外部接点或查询失败的接点，实际上这些结点不存在，指向这些结点的指针都为</a:t>
+            </a:r>
+            <a:r>
+              <a:rPr lang="en-US" altLang="zh-CN" dirty="0"/>
+              <a:t>null)</a:t>
+            </a:r>
+            <a:r>
+              <a:rPr lang="zh-CN" altLang="en-US" dirty="0"/>
+              <a:t>；</a:t>
+            </a:r>
+          </a:p>
+          <a:p>
+            <a:pPr marL="514350" indent="-514350" algn="l">
+              <a:buFont typeface="+mj-lt"/>
+              <a:buAutoNum type="arabicPeriod"/>
+            </a:pPr>
+            <a:r>
+              <a:rPr lang="zh-CN" altLang="en-US" dirty="0"/>
+              <a:t>每个非终端结点中包含有</a:t>
+            </a:r>
+            <a:r>
+              <a:rPr lang="en-US" altLang="zh-CN" dirty="0"/>
+              <a:t>n</a:t>
+            </a:r>
+            <a:r>
+              <a:rPr lang="zh-CN" altLang="en-US" dirty="0"/>
+              <a:t>个关键字信息： </a:t>
+            </a:r>
+            <a:r>
+              <a:rPr lang="en-US" altLang="zh-CN" dirty="0"/>
+              <a:t>(n</a:t>
+            </a:r>
+            <a:r>
+              <a:rPr lang="zh-CN" altLang="en-US" dirty="0"/>
+              <a:t>，</a:t>
+            </a:r>
+            <a:r>
+              <a:rPr lang="en-US" altLang="zh-CN" dirty="0"/>
+              <a:t>P0</a:t>
+            </a:r>
+            <a:r>
+              <a:rPr lang="zh-CN" altLang="en-US" dirty="0"/>
+              <a:t>，</a:t>
+            </a:r>
+            <a:r>
+              <a:rPr lang="en-US" altLang="zh-CN" dirty="0"/>
+              <a:t>K1</a:t>
+            </a:r>
+            <a:r>
+              <a:rPr lang="zh-CN" altLang="en-US" dirty="0"/>
+              <a:t>，</a:t>
+            </a:r>
+            <a:r>
+              <a:rPr lang="en-US" altLang="zh-CN" dirty="0"/>
+              <a:t>P1</a:t>
+            </a:r>
+            <a:r>
+              <a:rPr lang="zh-CN" altLang="en-US" dirty="0"/>
+              <a:t>，</a:t>
+            </a:r>
+            <a:r>
+              <a:rPr lang="en-US" altLang="zh-CN" dirty="0"/>
+              <a:t>K2</a:t>
+            </a:r>
+            <a:r>
+              <a:rPr lang="zh-CN" altLang="en-US" dirty="0"/>
+              <a:t>，</a:t>
+            </a:r>
+            <a:r>
+              <a:rPr lang="en-US" altLang="zh-CN" dirty="0"/>
+              <a:t>P2</a:t>
+            </a:r>
+            <a:r>
+              <a:rPr lang="zh-CN" altLang="en-US" dirty="0"/>
+              <a:t>，</a:t>
+            </a:r>
+            <a:r>
+              <a:rPr lang="en-US" altLang="zh-CN" dirty="0"/>
+              <a:t>......</a:t>
+            </a:r>
+            <a:r>
+              <a:rPr lang="zh-CN" altLang="en-US" dirty="0"/>
+              <a:t>，</a:t>
+            </a:r>
+            <a:r>
+              <a:rPr lang="en-US" altLang="zh-CN" dirty="0" err="1"/>
+              <a:t>Kn</a:t>
+            </a:r>
+            <a:r>
+              <a:rPr lang="zh-CN" altLang="en-US" dirty="0"/>
+              <a:t>，</a:t>
+            </a:r>
+            <a:r>
+              <a:rPr lang="en-US" altLang="zh-CN" dirty="0" err="1"/>
+              <a:t>Pn</a:t>
+            </a:r>
+            <a:r>
+              <a:rPr lang="en-US" altLang="zh-CN" dirty="0"/>
+              <a:t>)</a:t>
+            </a:r>
+            <a:r>
+              <a:rPr lang="zh-CN" altLang="en-US" dirty="0"/>
+              <a:t>。其中：</a:t>
+            </a:r>
+          </a:p>
+          <a:p>
+            <a:pPr algn="l"/>
+            <a:r>
+              <a:rPr lang="zh-CN" altLang="en-US" dirty="0"/>
+              <a:t>       </a:t>
+            </a:r>
+            <a:r>
+              <a:rPr lang="en-US" altLang="zh-CN" dirty="0"/>
+              <a:t>a)   Ki (</a:t>
+            </a:r>
+            <a:r>
+              <a:rPr lang="en-US" altLang="zh-CN" dirty="0" err="1"/>
+              <a:t>i</a:t>
+            </a:r>
+            <a:r>
+              <a:rPr lang="en-US" altLang="zh-CN" dirty="0"/>
+              <a:t>=1...n)</a:t>
+            </a:r>
+            <a:r>
+              <a:rPr lang="zh-CN" altLang="en-US" dirty="0"/>
+              <a:t>为关键字，且关键字按顺序升序排序</a:t>
+            </a:r>
+            <a:r>
+              <a:rPr lang="en-US" altLang="zh-CN" dirty="0"/>
+              <a:t>K(i-1)&lt; Ki</a:t>
+            </a:r>
+            <a:r>
+              <a:rPr lang="zh-CN" altLang="en-US" dirty="0"/>
+              <a:t>。 </a:t>
+            </a:r>
+          </a:p>
+          <a:p>
+            <a:pPr algn="l"/>
+            <a:r>
+              <a:rPr lang="zh-CN" altLang="en-US" dirty="0"/>
+              <a:t>       </a:t>
+            </a:r>
+            <a:r>
+              <a:rPr lang="en-US" altLang="zh-CN" dirty="0"/>
+              <a:t>b)   Pi</a:t>
+            </a:r>
+            <a:r>
+              <a:rPr lang="zh-CN" altLang="en-US" dirty="0"/>
+              <a:t>为指向子树根的接点，且指针</a:t>
+            </a:r>
+            <a:r>
+              <a:rPr lang="en-US" altLang="zh-CN" dirty="0"/>
+              <a:t>P(i-1)</a:t>
+            </a:r>
+            <a:r>
+              <a:rPr lang="zh-CN" altLang="en-US" dirty="0"/>
+              <a:t>指向子树种所有结点的关键字均小于</a:t>
+            </a:r>
+            <a:r>
+              <a:rPr lang="en-US" altLang="zh-CN" dirty="0"/>
+              <a:t>Ki</a:t>
+            </a:r>
+            <a:r>
+              <a:rPr lang="zh-CN" altLang="en-US" dirty="0"/>
+              <a:t>，但都大于</a:t>
+            </a:r>
+            <a:r>
+              <a:rPr lang="en-US" altLang="zh-CN" dirty="0"/>
+              <a:t>K(i-1)</a:t>
+            </a:r>
+            <a:r>
+              <a:rPr lang="zh-CN" altLang="en-US" dirty="0"/>
+              <a:t>。 </a:t>
+            </a:r>
+          </a:p>
+          <a:p>
+            <a:pPr algn="l"/>
+            <a:r>
+              <a:rPr lang="zh-CN" altLang="en-US" dirty="0"/>
+              <a:t>       </a:t>
+            </a:r>
+            <a:r>
+              <a:rPr lang="en-US" altLang="zh-CN" dirty="0"/>
+              <a:t>c)   </a:t>
+            </a:r>
+            <a:r>
+              <a:rPr lang="zh-CN" altLang="en-US" dirty="0"/>
+              <a:t>关键字的个数</a:t>
+            </a:r>
+            <a:r>
+              <a:rPr lang="en-US" altLang="zh-CN" dirty="0"/>
+              <a:t>n</a:t>
+            </a:r>
+            <a:r>
+              <a:rPr lang="zh-CN" altLang="en-US" dirty="0"/>
+              <a:t>必须满足： </a:t>
+            </a:r>
+            <a:r>
+              <a:rPr lang="en-US" altLang="zh-CN" dirty="0"/>
+              <a:t>[ceil(m / 2)-1]&lt;= n &lt;= m-1</a:t>
+            </a:r>
+            <a:r>
+              <a:rPr lang="zh-CN" altLang="en-US" dirty="0"/>
+              <a:t>。如下图所示：</a:t>
+            </a:r>
+            <a:endParaRPr lang="en-US" altLang="zh-CN" dirty="0"/>
+          </a:p>
+        </p:txBody>
+      </p:sp>
+    </p:spTree>
+    <p:extLst>
+      <p:ext uri="{BB962C8B-B14F-4D97-AF65-F5344CB8AC3E}">
+        <p14:creationId xmlns:p14="http://schemas.microsoft.com/office/powerpoint/2010/main" val="713966936"/>
+      </p:ext>
+    </p:extLst>
+  </p:cSld>
+  <p:clrMapOvr>
+    <a:masterClrMapping/>
+  </p:clrMapOvr>
+  <p:transition spd="med"/>
+</p:sld>
+</file>
+
+<file path=ppt/slides/slide63.xml><?xml version="1.0" encoding="utf-8"?>
+<p:sld xmlns:a="http://schemas.openxmlformats.org/drawingml/2006/main" xmlns:r="http://schemas.openxmlformats.org/officeDocument/2006/relationships" xmlns:p="http://schemas.openxmlformats.org/presentationml/2006/main">
+  <p:cSld>
+    <p:spTree>
+      <p:nvGrpSpPr>
+        <p:cNvPr id="1" name=""/>
+        <p:cNvGrpSpPr/>
+        <p:nvPr/>
+      </p:nvGrpSpPr>
+      <p:grpSpPr>
+        <a:xfrm>
+          <a:off x="0" y="0"/>
+          <a:ext cx="0" cy="0"/>
+          <a:chOff x="0" y="0"/>
+          <a:chExt cx="0" cy="0"/>
+        </a:xfrm>
+      </p:grpSpPr>
+      <p:sp>
+        <p:nvSpPr>
+          <p:cNvPr id="7" name="矩形 6">
+            <a:extLst>
+              <a:ext uri="{FF2B5EF4-FFF2-40B4-BE49-F238E27FC236}">
+                <a16:creationId xmlns:a16="http://schemas.microsoft.com/office/drawing/2014/main" id="{DFF98A76-302A-4FC1-8090-E89C68F9EAB6}"/>
+              </a:ext>
+            </a:extLst>
+          </p:cNvPr>
+          <p:cNvSpPr/>
+          <p:nvPr/>
+        </p:nvSpPr>
+        <p:spPr>
+          <a:xfrm>
+            <a:off x="1683476" y="3034534"/>
+            <a:ext cx="10920900" cy="923330"/>
+          </a:xfrm>
+          <a:prstGeom prst="rect">
+            <a:avLst/>
+          </a:prstGeom>
+          <a:noFill/>
+        </p:spPr>
+        <p:txBody>
+          <a:bodyPr wrap="square" lIns="91440" tIns="45720" rIns="91440" bIns="45720">
+            <a:spAutoFit/>
+          </a:bodyPr>
+          <a:lstStyle/>
+          <a:p>
+            <a:pPr algn="l"/>
+            <a:r>
+              <a:rPr lang="en-US" altLang="zh-CN" sz="5400" dirty="0">
+                <a:ln w="0"/>
+                <a:solidFill>
+                  <a:schemeClr val="tx1"/>
+                </a:solidFill>
+                <a:effectLst>
+                  <a:outerShdw blurRad="38100" dist="19050" dir="2700000" algn="tl" rotWithShape="0">
+                    <a:schemeClr val="dk1">
+                      <a:alpha val="40000"/>
+                    </a:schemeClr>
+                  </a:outerShdw>
+                </a:effectLst>
+              </a:rPr>
+              <a:t>B-Tree</a:t>
+            </a:r>
+            <a:r>
+              <a:rPr lang="zh-CN" altLang="en-US" sz="5400" dirty="0">
+                <a:ln w="0"/>
+                <a:solidFill>
+                  <a:schemeClr val="tx1"/>
+                </a:solidFill>
+                <a:effectLst>
+                  <a:outerShdw blurRad="38100" dist="19050" dir="2700000" algn="tl" rotWithShape="0">
+                    <a:schemeClr val="dk1">
+                      <a:alpha val="40000"/>
+                    </a:schemeClr>
+                  </a:outerShdw>
+                </a:effectLst>
+              </a:rPr>
+              <a:t>树</a:t>
+            </a:r>
+          </a:p>
+        </p:txBody>
+      </p:sp>
+      <p:cxnSp>
+        <p:nvCxnSpPr>
+          <p:cNvPr id="13" name="直接连接符 12">
+            <a:extLst>
+              <a:ext uri="{FF2B5EF4-FFF2-40B4-BE49-F238E27FC236}">
+                <a16:creationId xmlns:a16="http://schemas.microsoft.com/office/drawing/2014/main" id="{5E7B927F-0734-404F-9A08-80760E8E40C4}"/>
+              </a:ext>
+            </a:extLst>
+          </p:cNvPr>
+          <p:cNvCxnSpPr/>
+          <p:nvPr/>
+        </p:nvCxnSpPr>
+        <p:spPr>
+          <a:xfrm>
+            <a:off x="1816826" y="4038600"/>
+            <a:ext cx="20528824" cy="0"/>
+          </a:xfrm>
+          <a:prstGeom prst="line">
+            <a:avLst/>
+          </a:prstGeom>
+          <a:ln w="82550"/>
+        </p:spPr>
+        <p:style>
+          <a:lnRef idx="3">
+            <a:schemeClr val="dk1"/>
+          </a:lnRef>
+          <a:fillRef idx="0">
+            <a:schemeClr val="dk1"/>
+          </a:fillRef>
+          <a:effectRef idx="2">
+            <a:schemeClr val="dk1"/>
+          </a:effectRef>
+          <a:fontRef idx="minor">
+            <a:schemeClr val="tx1"/>
+          </a:fontRef>
+        </p:style>
+      </p:cxnSp>
+      <p:pic>
+        <p:nvPicPr>
+          <p:cNvPr id="2050" name="Picture 2" descr="http://hi.csdn.net/attachment/201106/7/8394323_130745821166Sc.jpg">
+            <a:extLst>
+              <a:ext uri="{FF2B5EF4-FFF2-40B4-BE49-F238E27FC236}">
+                <a16:creationId xmlns:a16="http://schemas.microsoft.com/office/drawing/2014/main" id="{DE4DF275-FFD6-49B4-8F53-4CCFAC76D6DB}"/>
+              </a:ext>
+            </a:extLst>
+          </p:cNvPr>
+          <p:cNvPicPr>
+            <a:picLocks noChangeAspect="1" noChangeArrowheads="1"/>
+          </p:cNvPicPr>
+          <p:nvPr/>
+        </p:nvPicPr>
+        <p:blipFill>
+          <a:blip r:embed="rId3">
+            <a:extLst>
+              <a:ext uri="{28A0092B-C50C-407E-A947-70E740481C1C}">
+                <a14:useLocalDpi xmlns:a14="http://schemas.microsoft.com/office/drawing/2010/main" val="0"/>
+              </a:ext>
+            </a:extLst>
+          </a:blip>
+          <a:srcRect/>
+          <a:stretch>
+            <a:fillRect/>
+          </a:stretch>
+        </p:blipFill>
+        <p:spPr bwMode="auto">
+          <a:xfrm>
+            <a:off x="3253068" y="5519178"/>
+            <a:ext cx="16971308" cy="5185678"/>
+          </a:xfrm>
+          <a:prstGeom prst="rect">
+            <a:avLst/>
+          </a:prstGeom>
+          <a:noFill/>
+          <a:extLst>
+            <a:ext uri="{909E8E84-426E-40DD-AFC4-6F175D3DCCD1}">
+              <a14:hiddenFill xmlns:a14="http://schemas.microsoft.com/office/drawing/2010/main">
+                <a:solidFill>
+                  <a:srgbClr val="FFFFFF"/>
+                </a:solidFill>
+              </a14:hiddenFill>
+            </a:ext>
+          </a:extLst>
+        </p:spPr>
+      </p:pic>
+      <p:sp>
+        <p:nvSpPr>
+          <p:cNvPr id="3" name="文本框 2">
+            <a:extLst>
+              <a:ext uri="{FF2B5EF4-FFF2-40B4-BE49-F238E27FC236}">
+                <a16:creationId xmlns:a16="http://schemas.microsoft.com/office/drawing/2014/main" id="{AC747A54-D9EB-426D-B755-8AA771E62F4E}"/>
+              </a:ext>
+            </a:extLst>
+          </p:cNvPr>
+          <p:cNvSpPr txBox="1"/>
+          <p:nvPr/>
+        </p:nvSpPr>
+        <p:spPr>
+          <a:xfrm>
+            <a:off x="9054352" y="11509371"/>
+            <a:ext cx="3550024" cy="564257"/>
+          </a:xfrm>
+          <a:prstGeom prst="rect">
+            <a:avLst/>
+          </a:prstGeom>
+          <a:noFill/>
+          <a:ln w="12700" cap="flat">
+            <a:noFill/>
+            <a:miter lim="400000"/>
+          </a:ln>
+        </p:spPr>
+        <p:style>
+          <a:lnRef idx="0">
+            <a:scrgbClr r="0" g="0" b="0"/>
+          </a:lnRef>
+          <a:fillRef idx="0">
+            <a:scrgbClr r="0" g="0" b="0"/>
+          </a:fillRef>
+          <a:effectRef idx="0">
+            <a:scrgbClr r="0" g="0" b="0"/>
+          </a:effectRef>
+          <a:fontRef idx="none"/>
+        </p:style>
+        <p:txBody>
+          <a:bodyPr rot="0" spcFirstLastPara="1" vertOverflow="overflow" horzOverflow="overflow" vert="horz" wrap="square" lIns="50800" tIns="50800" rIns="50800" bIns="50800" numCol="1" spcCol="38100" rtlCol="0" anchor="ctr">
+            <a:spAutoFit/>
+          </a:bodyPr>
+          <a:lstStyle/>
+          <a:p>
+            <a:pPr marL="0" marR="0" indent="0" algn="ctr" defTabSz="825500" rtl="0" fontAlgn="auto" latinLnBrk="0" hangingPunct="0">
+              <a:lnSpc>
+                <a:spcPct val="100000"/>
+              </a:lnSpc>
+              <a:spcBef>
+                <a:spcPts val="0"/>
+              </a:spcBef>
+              <a:spcAft>
+                <a:spcPts val="0"/>
+              </a:spcAft>
+              <a:buClrTx/>
+              <a:buSzTx/>
+              <a:buFontTx/>
+              <a:buNone/>
+            </a:pPr>
+            <a:r>
+              <a:rPr lang="en-US" altLang="zh-CN" dirty="0"/>
+              <a:t>B</a:t>
+            </a:r>
+            <a:r>
+              <a:rPr lang="zh-CN" altLang="en-US" dirty="0"/>
+              <a:t>树一览</a:t>
+            </a:r>
+            <a:endParaRPr kumimoji="0" lang="zh-CN" altLang="en-US" sz="3000" b="0" i="0" u="none" strike="noStrike" cap="none" spc="0" normalizeH="0" baseline="0" dirty="0">
+              <a:ln>
+                <a:noFill/>
+              </a:ln>
+              <a:solidFill>
+                <a:srgbClr val="000000"/>
+              </a:solidFill>
+              <a:effectLst/>
+              <a:uFillTx/>
+              <a:latin typeface="Helvetica Neue Medium"/>
+              <a:ea typeface="Helvetica Neue Medium"/>
+              <a:cs typeface="Helvetica Neue Medium"/>
+              <a:sym typeface="Helvetica Neue Medium"/>
+            </a:endParaRPr>
+          </a:p>
+        </p:txBody>
+      </p:sp>
+    </p:spTree>
+    <p:extLst>
+      <p:ext uri="{BB962C8B-B14F-4D97-AF65-F5344CB8AC3E}">
+        <p14:creationId xmlns:p14="http://schemas.microsoft.com/office/powerpoint/2010/main" val="811859112"/>
+      </p:ext>
+    </p:extLst>
+  </p:cSld>
+  <p:clrMapOvr>
+    <a:masterClrMapping/>
+  </p:clrMapOvr>
+  <p:transition spd="med"/>
+</p:sld>
+</file>
+
+<file path=ppt/slides/slide64.xml><?xml version="1.0" encoding="utf-8"?>
+<p:sld xmlns:a="http://schemas.openxmlformats.org/drawingml/2006/main" xmlns:r="http://schemas.openxmlformats.org/officeDocument/2006/relationships" xmlns:p="http://schemas.openxmlformats.org/presentationml/2006/main">
+  <p:cSld>
+    <p:spTree>
+      <p:nvGrpSpPr>
+        <p:cNvPr id="1" name=""/>
+        <p:cNvGrpSpPr/>
+        <p:nvPr/>
+      </p:nvGrpSpPr>
+      <p:grpSpPr>
+        <a:xfrm>
+          <a:off x="0" y="0"/>
+          <a:ext cx="0" cy="0"/>
+          <a:chOff x="0" y="0"/>
+          <a:chExt cx="0" cy="0"/>
+        </a:xfrm>
+      </p:grpSpPr>
+      <p:pic>
+        <p:nvPicPr>
+          <p:cNvPr id="4" name="图片 3">
+            <a:extLst>
+              <a:ext uri="{FF2B5EF4-FFF2-40B4-BE49-F238E27FC236}">
+                <a16:creationId xmlns:a16="http://schemas.microsoft.com/office/drawing/2014/main" id="{A3393618-793C-4943-9548-31EA57BE186D}"/>
+              </a:ext>
+            </a:extLst>
+          </p:cNvPr>
+          <p:cNvPicPr>
+            <a:picLocks noChangeAspect="1"/>
+          </p:cNvPicPr>
+          <p:nvPr/>
+        </p:nvPicPr>
+        <p:blipFill>
+          <a:blip r:embed="rId3">
+            <a:extLst>
+              <a:ext uri="{28A0092B-C50C-407E-A947-70E740481C1C}">
+                <a14:useLocalDpi xmlns:a14="http://schemas.microsoft.com/office/drawing/2010/main" val="0"/>
+              </a:ext>
+            </a:extLst>
+          </a:blip>
+          <a:stretch>
+            <a:fillRect/>
+          </a:stretch>
+        </p:blipFill>
+        <p:spPr>
+          <a:xfrm>
+            <a:off x="14726001" y="4556171"/>
+            <a:ext cx="9505459" cy="5904505"/>
+          </a:xfrm>
+          <a:prstGeom prst="rect">
+            <a:avLst/>
+          </a:prstGeom>
+        </p:spPr>
+      </p:pic>
+      <p:sp>
+        <p:nvSpPr>
+          <p:cNvPr id="7" name="矩形 6">
+            <a:extLst>
+              <a:ext uri="{FF2B5EF4-FFF2-40B4-BE49-F238E27FC236}">
+                <a16:creationId xmlns:a16="http://schemas.microsoft.com/office/drawing/2014/main" id="{DFF98A76-302A-4FC1-8090-E89C68F9EAB6}"/>
+              </a:ext>
+            </a:extLst>
+          </p:cNvPr>
+          <p:cNvSpPr/>
+          <p:nvPr/>
+        </p:nvSpPr>
+        <p:spPr>
+          <a:xfrm>
+            <a:off x="1683476" y="3034534"/>
+            <a:ext cx="10920900" cy="923330"/>
+          </a:xfrm>
+          <a:prstGeom prst="rect">
+            <a:avLst/>
+          </a:prstGeom>
+          <a:noFill/>
+        </p:spPr>
+        <p:txBody>
+          <a:bodyPr wrap="square" lIns="91440" tIns="45720" rIns="91440" bIns="45720">
+            <a:spAutoFit/>
+          </a:bodyPr>
+          <a:lstStyle/>
+          <a:p>
+            <a:pPr algn="l"/>
+            <a:r>
+              <a:rPr lang="en-US" altLang="zh-CN" sz="5400" dirty="0">
+                <a:ln w="0"/>
+                <a:solidFill>
+                  <a:schemeClr val="tx1"/>
+                </a:solidFill>
+                <a:effectLst>
+                  <a:outerShdw blurRad="38100" dist="19050" dir="2700000" algn="tl" rotWithShape="0">
+                    <a:schemeClr val="dk1">
+                      <a:alpha val="40000"/>
+                    </a:schemeClr>
+                  </a:outerShdw>
+                </a:effectLst>
+              </a:rPr>
+              <a:t>B-Tree</a:t>
+            </a:r>
+            <a:r>
+              <a:rPr lang="zh-CN" altLang="en-US" sz="5400" dirty="0">
+                <a:ln w="0"/>
+                <a:solidFill>
+                  <a:schemeClr val="tx1"/>
+                </a:solidFill>
+                <a:effectLst>
+                  <a:outerShdw blurRad="38100" dist="19050" dir="2700000" algn="tl" rotWithShape="0">
+                    <a:schemeClr val="dk1">
+                      <a:alpha val="40000"/>
+                    </a:schemeClr>
+                  </a:outerShdw>
+                </a:effectLst>
+              </a:rPr>
+              <a:t>树</a:t>
+            </a:r>
+          </a:p>
+        </p:txBody>
+      </p:sp>
+      <p:cxnSp>
+        <p:nvCxnSpPr>
+          <p:cNvPr id="13" name="直接连接符 12">
+            <a:extLst>
+              <a:ext uri="{FF2B5EF4-FFF2-40B4-BE49-F238E27FC236}">
+                <a16:creationId xmlns:a16="http://schemas.microsoft.com/office/drawing/2014/main" id="{5E7B927F-0734-404F-9A08-80760E8E40C4}"/>
+              </a:ext>
+            </a:extLst>
+          </p:cNvPr>
+          <p:cNvCxnSpPr/>
+          <p:nvPr/>
+        </p:nvCxnSpPr>
+        <p:spPr>
+          <a:xfrm>
+            <a:off x="1816826" y="4038600"/>
+            <a:ext cx="20528824" cy="0"/>
+          </a:xfrm>
+          <a:prstGeom prst="line">
+            <a:avLst/>
+          </a:prstGeom>
+          <a:ln w="82550"/>
+        </p:spPr>
+        <p:style>
+          <a:lnRef idx="3">
+            <a:schemeClr val="dk1"/>
+          </a:lnRef>
+          <a:fillRef idx="0">
+            <a:schemeClr val="dk1"/>
+          </a:fillRef>
+          <a:effectRef idx="2">
+            <a:schemeClr val="dk1"/>
+          </a:effectRef>
+          <a:fontRef idx="minor">
+            <a:schemeClr val="tx1"/>
+          </a:fontRef>
+        </p:style>
+      </p:cxnSp>
+      <p:sp>
+        <p:nvSpPr>
+          <p:cNvPr id="3" name="文本框 2">
+            <a:extLst>
+              <a:ext uri="{FF2B5EF4-FFF2-40B4-BE49-F238E27FC236}">
+                <a16:creationId xmlns:a16="http://schemas.microsoft.com/office/drawing/2014/main" id="{AC747A54-D9EB-426D-B755-8AA771E62F4E}"/>
+              </a:ext>
+            </a:extLst>
+          </p:cNvPr>
+          <p:cNvSpPr txBox="1"/>
+          <p:nvPr/>
+        </p:nvSpPr>
+        <p:spPr>
+          <a:xfrm>
+            <a:off x="1695452" y="4521007"/>
+            <a:ext cx="13341372" cy="7950895"/>
+          </a:xfrm>
+          <a:prstGeom prst="rect">
+            <a:avLst/>
+          </a:prstGeom>
+          <a:noFill/>
+          <a:ln w="12700" cap="flat">
+            <a:noFill/>
+            <a:miter lim="400000"/>
+          </a:ln>
+        </p:spPr>
+        <p:style>
+          <a:lnRef idx="0">
+            <a:scrgbClr r="0" g="0" b="0"/>
+          </a:lnRef>
+          <a:fillRef idx="0">
+            <a:scrgbClr r="0" g="0" b="0"/>
+          </a:fillRef>
+          <a:effectRef idx="0">
+            <a:scrgbClr r="0" g="0" b="0"/>
+          </a:effectRef>
+          <a:fontRef idx="none"/>
+        </p:style>
+        <p:txBody>
+          <a:bodyPr rot="0" spcFirstLastPara="1" vertOverflow="overflow" horzOverflow="overflow" vert="horz" wrap="square" lIns="50800" tIns="50800" rIns="50800" bIns="50800" numCol="1" spcCol="38100" rtlCol="0" anchor="ctr">
+            <a:spAutoFit/>
+          </a:bodyPr>
+          <a:lstStyle/>
+          <a:p>
+            <a:pPr marL="0" marR="0" indent="0" algn="l" defTabSz="825500" rtl="0" fontAlgn="auto" latinLnBrk="0" hangingPunct="0">
+              <a:lnSpc>
+                <a:spcPct val="100000"/>
+              </a:lnSpc>
+              <a:spcBef>
+                <a:spcPts val="0"/>
+              </a:spcBef>
+              <a:spcAft>
+                <a:spcPts val="0"/>
+              </a:spcAft>
+              <a:buClrTx/>
+              <a:buSzTx/>
+              <a:buFontTx/>
+              <a:buNone/>
+            </a:pPr>
+            <a:r>
+              <a:rPr lang="zh-CN" altLang="en-US" dirty="0"/>
+              <a:t>向</a:t>
+            </a:r>
+            <a:r>
+              <a:rPr lang="en-US" altLang="zh-CN" dirty="0"/>
+              <a:t>B</a:t>
+            </a:r>
+            <a:r>
+              <a:rPr lang="zh-CN" altLang="en-US" dirty="0"/>
+              <a:t>树添加元素时，</a:t>
+            </a:r>
+            <a:r>
+              <a:rPr lang="en-US" altLang="zh-CN" dirty="0"/>
+              <a:t>parent</a:t>
+            </a:r>
+            <a:r>
+              <a:rPr lang="zh-CN" altLang="en-US" dirty="0"/>
+              <a:t>结点都是被动产生的。</a:t>
+            </a:r>
+            <a:endParaRPr lang="en-US" altLang="zh-CN" dirty="0"/>
+          </a:p>
+          <a:p>
+            <a:pPr marL="0" marR="0" indent="0" algn="l" defTabSz="825500" rtl="0" fontAlgn="auto" latinLnBrk="0" hangingPunct="0">
+              <a:lnSpc>
+                <a:spcPct val="100000"/>
+              </a:lnSpc>
+              <a:spcBef>
+                <a:spcPts val="0"/>
+              </a:spcBef>
+              <a:spcAft>
+                <a:spcPts val="0"/>
+              </a:spcAft>
+              <a:buClrTx/>
+              <a:buSzTx/>
+              <a:buFontTx/>
+              <a:buNone/>
+            </a:pPr>
+            <a:endParaRPr lang="en-US" altLang="zh-CN" dirty="0"/>
+          </a:p>
+          <a:p>
+            <a:pPr marL="0" marR="0" indent="0" algn="l" defTabSz="825500" rtl="0" fontAlgn="auto" latinLnBrk="0" hangingPunct="0">
+              <a:lnSpc>
+                <a:spcPct val="100000"/>
+              </a:lnSpc>
+              <a:spcBef>
+                <a:spcPts val="0"/>
+              </a:spcBef>
+              <a:spcAft>
+                <a:spcPts val="0"/>
+              </a:spcAft>
+              <a:buClrTx/>
+              <a:buSzTx/>
+              <a:buFontTx/>
+              <a:buNone/>
+            </a:pPr>
+            <a:r>
+              <a:rPr lang="zh-CN" altLang="en-US" dirty="0"/>
+              <a:t>对于一颗</a:t>
+            </a:r>
+            <a:r>
+              <a:rPr lang="en-US" altLang="zh-CN" dirty="0"/>
+              <a:t>3</a:t>
+            </a:r>
+            <a:r>
+              <a:rPr lang="zh-CN" altLang="en-US" dirty="0"/>
+              <a:t>阶的</a:t>
+            </a:r>
+            <a:r>
+              <a:rPr lang="en-US" altLang="zh-CN" dirty="0" err="1"/>
+              <a:t>Btree</a:t>
+            </a:r>
+            <a:r>
+              <a:rPr lang="zh-CN" altLang="en-US" dirty="0"/>
+              <a:t>，它的第一个特性为：</a:t>
+            </a:r>
+            <a:endParaRPr lang="en-US" altLang="zh-CN" dirty="0"/>
+          </a:p>
+          <a:p>
+            <a:pPr algn="l"/>
+            <a:r>
+              <a:rPr lang="zh-CN" altLang="en-US" dirty="0">
+                <a:highlight>
+                  <a:srgbClr val="FFFF00"/>
+                </a:highlight>
+              </a:rPr>
+              <a:t>树中每个结点最多含有</a:t>
+            </a:r>
+            <a:r>
+              <a:rPr lang="en-US" altLang="zh-CN" dirty="0">
+                <a:highlight>
+                  <a:srgbClr val="FFFF00"/>
+                </a:highlight>
+              </a:rPr>
+              <a:t>m</a:t>
+            </a:r>
+            <a:r>
+              <a:rPr lang="zh-CN" altLang="en-US" dirty="0">
+                <a:highlight>
+                  <a:srgbClr val="FFFF00"/>
+                </a:highlight>
+              </a:rPr>
+              <a:t>个孩子（</a:t>
+            </a:r>
+            <a:r>
+              <a:rPr lang="en-US" altLang="zh-CN" dirty="0">
+                <a:highlight>
+                  <a:srgbClr val="FFFF00"/>
+                </a:highlight>
+              </a:rPr>
+              <a:t>m&gt;=2</a:t>
+            </a:r>
+            <a:r>
+              <a:rPr lang="zh-CN" altLang="en-US" dirty="0">
+                <a:highlight>
+                  <a:srgbClr val="FFFF00"/>
+                </a:highlight>
+              </a:rPr>
+              <a:t>）；</a:t>
+            </a:r>
+          </a:p>
+          <a:p>
+            <a:pPr marL="0" marR="0" indent="0" algn="l" defTabSz="825500" rtl="0" fontAlgn="auto" latinLnBrk="0" hangingPunct="0">
+              <a:lnSpc>
+                <a:spcPct val="100000"/>
+              </a:lnSpc>
+              <a:spcBef>
+                <a:spcPts val="0"/>
+              </a:spcBef>
+              <a:spcAft>
+                <a:spcPts val="0"/>
+              </a:spcAft>
+              <a:buClrTx/>
+              <a:buSzTx/>
+              <a:buFontTx/>
+              <a:buNone/>
+            </a:pPr>
+            <a:endParaRPr lang="en-US" altLang="zh-CN" dirty="0"/>
+          </a:p>
+          <a:p>
+            <a:pPr marL="0" marR="0" indent="0" algn="l" defTabSz="825500" rtl="0" fontAlgn="auto" latinLnBrk="0" hangingPunct="0">
+              <a:lnSpc>
+                <a:spcPct val="100000"/>
+              </a:lnSpc>
+              <a:spcBef>
+                <a:spcPts val="0"/>
+              </a:spcBef>
+              <a:spcAft>
+                <a:spcPts val="0"/>
+              </a:spcAft>
+              <a:buClrTx/>
+              <a:buSzTx/>
+              <a:buFontTx/>
+              <a:buNone/>
+            </a:pPr>
+            <a:r>
+              <a:rPr lang="zh-CN" altLang="en-US" dirty="0"/>
+              <a:t>那就意味着，当前结点内最多存储</a:t>
+            </a:r>
+            <a:r>
+              <a:rPr lang="en-US" altLang="zh-CN" dirty="0"/>
+              <a:t>2</a:t>
+            </a:r>
+            <a:r>
+              <a:rPr lang="zh-CN" altLang="en-US" dirty="0"/>
+              <a:t>个数据，如果达到</a:t>
+            </a:r>
+            <a:r>
+              <a:rPr lang="en-US" altLang="zh-CN" dirty="0"/>
+              <a:t>3</a:t>
+            </a:r>
+            <a:r>
+              <a:rPr lang="zh-CN" altLang="en-US" dirty="0"/>
+              <a:t>个数据，就要分裂（如右图）</a:t>
+            </a:r>
+            <a:endParaRPr lang="en-US" altLang="zh-CN" dirty="0"/>
+          </a:p>
+          <a:p>
+            <a:pPr marL="0" marR="0" indent="0" algn="l" defTabSz="825500" rtl="0" fontAlgn="auto" latinLnBrk="0" hangingPunct="0">
+              <a:lnSpc>
+                <a:spcPct val="100000"/>
+              </a:lnSpc>
+              <a:spcBef>
+                <a:spcPts val="0"/>
+              </a:spcBef>
+              <a:spcAft>
+                <a:spcPts val="0"/>
+              </a:spcAft>
+              <a:buClrTx/>
+              <a:buSzTx/>
+              <a:buFontTx/>
+              <a:buNone/>
+            </a:pPr>
+            <a:endParaRPr lang="en-US" altLang="zh-CN" dirty="0"/>
+          </a:p>
+          <a:p>
+            <a:pPr marL="0" marR="0" indent="0" algn="l" defTabSz="825500" rtl="0" fontAlgn="auto" latinLnBrk="0" hangingPunct="0">
+              <a:lnSpc>
+                <a:spcPct val="100000"/>
+              </a:lnSpc>
+              <a:spcBef>
+                <a:spcPts val="0"/>
+              </a:spcBef>
+              <a:spcAft>
+                <a:spcPts val="0"/>
+              </a:spcAft>
+              <a:buClrTx/>
+              <a:buSzTx/>
+              <a:buFontTx/>
+              <a:buNone/>
+            </a:pPr>
+            <a:r>
+              <a:rPr lang="zh-CN" altLang="en-US" dirty="0"/>
+              <a:t>因此，</a:t>
+            </a:r>
+            <a:r>
+              <a:rPr lang="en-US" altLang="zh-CN" dirty="0" err="1"/>
+              <a:t>Btree</a:t>
+            </a:r>
+            <a:r>
+              <a:rPr lang="zh-CN" altLang="en-US" dirty="0"/>
+              <a:t>的插入实际上很简单：</a:t>
+            </a:r>
+            <a:endParaRPr lang="en-US" altLang="zh-CN" dirty="0"/>
+          </a:p>
+          <a:p>
+            <a:pPr marL="514350" marR="0" indent="-514350" algn="l" defTabSz="825500" rtl="0" fontAlgn="auto" latinLnBrk="0" hangingPunct="0">
+              <a:lnSpc>
+                <a:spcPct val="100000"/>
+              </a:lnSpc>
+              <a:spcBef>
+                <a:spcPts val="0"/>
+              </a:spcBef>
+              <a:spcAft>
+                <a:spcPts val="0"/>
+              </a:spcAft>
+              <a:buClrTx/>
+              <a:buSzTx/>
+              <a:buFont typeface="+mj-lt"/>
+              <a:buAutoNum type="arabicPeriod"/>
+            </a:pPr>
+            <a:r>
+              <a:rPr lang="zh-CN" altLang="en-US" dirty="0"/>
+              <a:t>如果</a:t>
+            </a:r>
+            <a:r>
+              <a:rPr lang="en-US" altLang="zh-CN" dirty="0"/>
+              <a:t>root</a:t>
+            </a:r>
+            <a:r>
+              <a:rPr lang="zh-CN" altLang="en-US" dirty="0"/>
+              <a:t>结点为空，则创建</a:t>
+            </a:r>
+            <a:r>
+              <a:rPr lang="en-US" altLang="zh-CN" dirty="0"/>
+              <a:t>root</a:t>
+            </a:r>
+            <a:r>
+              <a:rPr lang="zh-CN" altLang="en-US" dirty="0"/>
+              <a:t>结点，并添加待插入数据，否则进入步骤</a:t>
+            </a:r>
+            <a:r>
+              <a:rPr lang="en-US" altLang="zh-CN" dirty="0"/>
+              <a:t>2</a:t>
+            </a:r>
+          </a:p>
+          <a:p>
+            <a:pPr marL="514350" marR="0" indent="-514350" algn="l" defTabSz="825500" rtl="0" fontAlgn="auto" latinLnBrk="0" hangingPunct="0">
+              <a:lnSpc>
+                <a:spcPct val="100000"/>
+              </a:lnSpc>
+              <a:spcBef>
+                <a:spcPts val="0"/>
+              </a:spcBef>
+              <a:spcAft>
+                <a:spcPts val="0"/>
+              </a:spcAft>
+              <a:buClrTx/>
+              <a:buSzTx/>
+              <a:buFont typeface="+mj-lt"/>
+              <a:buAutoNum type="arabicPeriod"/>
+            </a:pPr>
+            <a:r>
+              <a:rPr lang="zh-CN" altLang="en-US" dirty="0"/>
+              <a:t>如果</a:t>
+            </a:r>
+            <a:r>
+              <a:rPr lang="en-US" altLang="zh-CN" dirty="0"/>
+              <a:t>root</a:t>
+            </a:r>
+            <a:r>
+              <a:rPr lang="zh-CN" altLang="en-US" dirty="0"/>
+              <a:t>结点不为空，并且</a:t>
+            </a:r>
+            <a:r>
+              <a:rPr lang="en-US" altLang="zh-CN" dirty="0"/>
+              <a:t>root</a:t>
+            </a:r>
+            <a:r>
+              <a:rPr lang="zh-CN" altLang="en-US" dirty="0"/>
+              <a:t>结点没有孩子，则直接添加待插入数据，如果当前结点数小于</a:t>
+            </a:r>
+            <a:r>
+              <a:rPr lang="en-US" altLang="zh-CN" dirty="0"/>
+              <a:t>3</a:t>
+            </a:r>
+            <a:r>
+              <a:rPr lang="zh-CN" altLang="en-US" dirty="0"/>
+              <a:t>，结束，否则，进行分裂。</a:t>
+            </a:r>
+            <a:endParaRPr lang="en-US" altLang="zh-CN" dirty="0"/>
+          </a:p>
+          <a:p>
+            <a:pPr marL="514350" marR="0" indent="-514350" algn="l" defTabSz="825500" rtl="0" fontAlgn="auto" latinLnBrk="0" hangingPunct="0">
+              <a:lnSpc>
+                <a:spcPct val="100000"/>
+              </a:lnSpc>
+              <a:spcBef>
+                <a:spcPts val="0"/>
+              </a:spcBef>
+              <a:spcAft>
+                <a:spcPts val="0"/>
+              </a:spcAft>
+              <a:buClrTx/>
+              <a:buSzTx/>
+              <a:buFont typeface="+mj-lt"/>
+              <a:buAutoNum type="arabicPeriod"/>
+            </a:pPr>
+            <a:r>
+              <a:rPr lang="zh-CN" altLang="en-US" dirty="0"/>
+              <a:t>根据特性</a:t>
+            </a:r>
+            <a:r>
+              <a:rPr lang="en-US" altLang="zh-CN" dirty="0"/>
+              <a:t>2</a:t>
+            </a:r>
+            <a:r>
+              <a:rPr lang="zh-CN" altLang="en-US" dirty="0"/>
+              <a:t>，分裂的过程是将当前结点内的所有数据做</a:t>
+            </a:r>
+            <a:r>
+              <a:rPr lang="en-US" altLang="zh-CN" dirty="0"/>
+              <a:t>split</a:t>
+            </a:r>
+            <a:r>
+              <a:rPr lang="zh-CN" altLang="en-US" dirty="0"/>
+              <a:t>，分裂后将会产生三部分数据：</a:t>
+            </a:r>
+            <a:r>
+              <a:rPr lang="zh-CN" altLang="en-US" dirty="0">
+                <a:highlight>
+                  <a:srgbClr val="FFFF00"/>
+                </a:highlight>
+              </a:rPr>
+              <a:t>左侧数据列表</a:t>
+            </a:r>
+            <a:r>
+              <a:rPr lang="en-US" altLang="zh-CN" dirty="0">
+                <a:highlight>
+                  <a:srgbClr val="FFFF00"/>
+                </a:highlight>
+              </a:rPr>
+              <a:t>/</a:t>
+            </a:r>
+            <a:r>
+              <a:rPr lang="zh-CN" altLang="en-US" dirty="0">
+                <a:highlight>
+                  <a:srgbClr val="FFFF00"/>
+                </a:highlight>
+              </a:rPr>
+              <a:t>中间数据</a:t>
+            </a:r>
+            <a:r>
+              <a:rPr lang="en-US" altLang="zh-CN" dirty="0">
+                <a:highlight>
+                  <a:srgbClr val="FFFF00"/>
+                </a:highlight>
+              </a:rPr>
+              <a:t>/</a:t>
+            </a:r>
+            <a:r>
+              <a:rPr lang="zh-CN" altLang="en-US" dirty="0">
+                <a:highlight>
+                  <a:srgbClr val="FFFF00"/>
+                </a:highlight>
+              </a:rPr>
+              <a:t>右侧数据列表</a:t>
+            </a:r>
+            <a:r>
+              <a:rPr lang="zh-CN" altLang="en-US" dirty="0"/>
+              <a:t>，之后，左右侧数据列表将会成为中间数据的左右孩子，而中间数据也将成为当前结点的父节点的数据之一，也就是重复步骤</a:t>
+            </a:r>
+            <a:r>
+              <a:rPr lang="en-US" altLang="zh-CN" dirty="0"/>
+              <a:t>2</a:t>
+            </a:r>
+            <a:r>
+              <a:rPr lang="zh-CN" altLang="en-US" dirty="0"/>
+              <a:t>，将中间数据插入到父节点中。</a:t>
+            </a:r>
+            <a:endParaRPr lang="en-US" altLang="zh-CN" dirty="0"/>
+          </a:p>
+          <a:p>
+            <a:pPr marL="514350" marR="0" indent="-514350" algn="l" defTabSz="825500" rtl="0" fontAlgn="auto" latinLnBrk="0" hangingPunct="0">
+              <a:lnSpc>
+                <a:spcPct val="100000"/>
+              </a:lnSpc>
+              <a:spcBef>
+                <a:spcPts val="0"/>
+              </a:spcBef>
+              <a:spcAft>
+                <a:spcPts val="0"/>
+              </a:spcAft>
+              <a:buClrTx/>
+              <a:buSzTx/>
+              <a:buFont typeface="+mj-lt"/>
+              <a:buAutoNum type="arabicPeriod"/>
+            </a:pPr>
+            <a:endParaRPr lang="en-US" altLang="zh-CN" dirty="0"/>
+          </a:p>
+        </p:txBody>
+      </p:sp>
+      <p:sp>
+        <p:nvSpPr>
+          <p:cNvPr id="5" name="文本框 4">
+            <a:extLst>
+              <a:ext uri="{FF2B5EF4-FFF2-40B4-BE49-F238E27FC236}">
+                <a16:creationId xmlns:a16="http://schemas.microsoft.com/office/drawing/2014/main" id="{7544C247-397E-435B-9B81-0AD258AFF73F}"/>
+              </a:ext>
+            </a:extLst>
+          </p:cNvPr>
+          <p:cNvSpPr txBox="1"/>
+          <p:nvPr/>
+        </p:nvSpPr>
+        <p:spPr>
+          <a:xfrm>
+            <a:off x="17714258" y="9251576"/>
+            <a:ext cx="2653553" cy="564257"/>
+          </a:xfrm>
+          <a:prstGeom prst="rect">
+            <a:avLst/>
+          </a:prstGeom>
+          <a:noFill/>
+          <a:ln w="12700" cap="flat">
+            <a:noFill/>
+            <a:miter lim="400000"/>
+          </a:ln>
+        </p:spPr>
+        <p:style>
+          <a:lnRef idx="0">
+            <a:scrgbClr r="0" g="0" b="0"/>
+          </a:lnRef>
+          <a:fillRef idx="0">
+            <a:scrgbClr r="0" g="0" b="0"/>
+          </a:fillRef>
+          <a:effectRef idx="0">
+            <a:scrgbClr r="0" g="0" b="0"/>
+          </a:effectRef>
+          <a:fontRef idx="none"/>
+        </p:style>
+        <p:txBody>
+          <a:bodyPr rot="0" spcFirstLastPara="1" vertOverflow="overflow" horzOverflow="overflow" vert="horz" wrap="square" lIns="50800" tIns="50800" rIns="50800" bIns="50800" numCol="1" spcCol="38100" rtlCol="0" anchor="ctr">
+            <a:spAutoFit/>
+          </a:bodyPr>
+          <a:lstStyle/>
+          <a:p>
+            <a:pPr marL="0" marR="0" indent="0" algn="ctr" defTabSz="825500" rtl="0" fontAlgn="auto" latinLnBrk="0" hangingPunct="0">
+              <a:lnSpc>
+                <a:spcPct val="100000"/>
+              </a:lnSpc>
+              <a:spcBef>
+                <a:spcPts val="0"/>
+              </a:spcBef>
+              <a:spcAft>
+                <a:spcPts val="0"/>
+              </a:spcAft>
+              <a:buClrTx/>
+              <a:buSzTx/>
+              <a:buFontTx/>
+              <a:buNone/>
+            </a:pPr>
+            <a:r>
+              <a:rPr lang="en-US" altLang="zh-CN" dirty="0"/>
+              <a:t>B</a:t>
+            </a:r>
+            <a:r>
+              <a:rPr lang="zh-CN" altLang="en-US" dirty="0"/>
+              <a:t>树分裂过程</a:t>
+            </a:r>
+            <a:endParaRPr kumimoji="0" lang="zh-CN" altLang="en-US" sz="3000" b="0" i="0" u="none" strike="noStrike" cap="none" spc="0" normalizeH="0" baseline="0" dirty="0">
+              <a:ln>
+                <a:noFill/>
+              </a:ln>
+              <a:solidFill>
+                <a:srgbClr val="000000"/>
+              </a:solidFill>
+              <a:effectLst/>
+              <a:uFillTx/>
+              <a:latin typeface="Helvetica Neue Medium"/>
+              <a:ea typeface="Helvetica Neue Medium"/>
+              <a:cs typeface="Helvetica Neue Medium"/>
+              <a:sym typeface="Helvetica Neue Medium"/>
+            </a:endParaRPr>
+          </a:p>
+        </p:txBody>
+      </p:sp>
+    </p:spTree>
+    <p:extLst>
+      <p:ext uri="{BB962C8B-B14F-4D97-AF65-F5344CB8AC3E}">
+        <p14:creationId xmlns:p14="http://schemas.microsoft.com/office/powerpoint/2010/main" val="3896801269"/>
+      </p:ext>
+    </p:extLst>
+  </p:cSld>
+  <p:clrMapOvr>
+    <a:masterClrMapping/>
+  </p:clrMapOvr>
+  <p:transition spd="med"/>
+</p:sld>
+</file>
+
+<file path=ppt/slides/slide65.xml><?xml version="1.0" encoding="utf-8"?>
+<p:sld xmlns:a="http://schemas.openxmlformats.org/drawingml/2006/main" xmlns:r="http://schemas.openxmlformats.org/officeDocument/2006/relationships" xmlns:p="http://schemas.openxmlformats.org/presentationml/2006/main">
+  <p:cSld>
+    <p:spTree>
+      <p:nvGrpSpPr>
+        <p:cNvPr id="1" name=""/>
+        <p:cNvGrpSpPr/>
+        <p:nvPr/>
+      </p:nvGrpSpPr>
+      <p:grpSpPr>
+        <a:xfrm>
+          <a:off x="0" y="0"/>
+          <a:ext cx="0" cy="0"/>
+          <a:chOff x="0" y="0"/>
+          <a:chExt cx="0" cy="0"/>
+        </a:xfrm>
+      </p:grpSpPr>
+      <p:sp>
+        <p:nvSpPr>
+          <p:cNvPr id="7" name="矩形 6">
+            <a:extLst>
+              <a:ext uri="{FF2B5EF4-FFF2-40B4-BE49-F238E27FC236}">
+                <a16:creationId xmlns:a16="http://schemas.microsoft.com/office/drawing/2014/main" id="{DFF98A76-302A-4FC1-8090-E89C68F9EAB6}"/>
+              </a:ext>
+            </a:extLst>
+          </p:cNvPr>
+          <p:cNvSpPr/>
+          <p:nvPr/>
+        </p:nvSpPr>
+        <p:spPr>
+          <a:xfrm>
+            <a:off x="1683476" y="3034534"/>
+            <a:ext cx="10920900" cy="923330"/>
+          </a:xfrm>
+          <a:prstGeom prst="rect">
+            <a:avLst/>
+          </a:prstGeom>
+          <a:noFill/>
+        </p:spPr>
+        <p:txBody>
+          <a:bodyPr wrap="square" lIns="91440" tIns="45720" rIns="91440" bIns="45720">
+            <a:spAutoFit/>
+          </a:bodyPr>
+          <a:lstStyle/>
+          <a:p>
+            <a:pPr algn="l"/>
+            <a:r>
+              <a:rPr lang="en-US" altLang="zh-CN" sz="5400" dirty="0">
+                <a:ln w="0"/>
+                <a:solidFill>
+                  <a:schemeClr val="tx1"/>
+                </a:solidFill>
+                <a:effectLst>
+                  <a:outerShdw blurRad="38100" dist="19050" dir="2700000" algn="tl" rotWithShape="0">
+                    <a:schemeClr val="dk1">
+                      <a:alpha val="40000"/>
+                    </a:schemeClr>
+                  </a:outerShdw>
+                </a:effectLst>
+              </a:rPr>
+              <a:t>B-Tree</a:t>
+            </a:r>
+            <a:r>
+              <a:rPr lang="zh-CN" altLang="en-US" sz="5400" dirty="0">
+                <a:ln w="0"/>
+                <a:solidFill>
+                  <a:schemeClr val="tx1"/>
+                </a:solidFill>
+                <a:effectLst>
+                  <a:outerShdw blurRad="38100" dist="19050" dir="2700000" algn="tl" rotWithShape="0">
+                    <a:schemeClr val="dk1">
+                      <a:alpha val="40000"/>
+                    </a:schemeClr>
+                  </a:outerShdw>
+                </a:effectLst>
+              </a:rPr>
+              <a:t>树</a:t>
+            </a:r>
+          </a:p>
+        </p:txBody>
+      </p:sp>
+      <p:cxnSp>
+        <p:nvCxnSpPr>
+          <p:cNvPr id="13" name="直接连接符 12">
+            <a:extLst>
+              <a:ext uri="{FF2B5EF4-FFF2-40B4-BE49-F238E27FC236}">
+                <a16:creationId xmlns:a16="http://schemas.microsoft.com/office/drawing/2014/main" id="{5E7B927F-0734-404F-9A08-80760E8E40C4}"/>
+              </a:ext>
+            </a:extLst>
+          </p:cNvPr>
+          <p:cNvCxnSpPr/>
+          <p:nvPr/>
+        </p:nvCxnSpPr>
+        <p:spPr>
+          <a:xfrm>
+            <a:off x="1816826" y="4038600"/>
+            <a:ext cx="20528824" cy="0"/>
+          </a:xfrm>
+          <a:prstGeom prst="line">
+            <a:avLst/>
+          </a:prstGeom>
+          <a:ln w="82550"/>
+        </p:spPr>
+        <p:style>
+          <a:lnRef idx="3">
+            <a:schemeClr val="dk1"/>
+          </a:lnRef>
+          <a:fillRef idx="0">
+            <a:schemeClr val="dk1"/>
+          </a:fillRef>
+          <a:effectRef idx="2">
+            <a:schemeClr val="dk1"/>
+          </a:effectRef>
+          <a:fontRef idx="minor">
+            <a:schemeClr val="tx1"/>
+          </a:fontRef>
+        </p:style>
+      </p:cxnSp>
+      <p:pic>
+        <p:nvPicPr>
+          <p:cNvPr id="6" name="图片 5">
+            <a:extLst>
+              <a:ext uri="{FF2B5EF4-FFF2-40B4-BE49-F238E27FC236}">
+                <a16:creationId xmlns:a16="http://schemas.microsoft.com/office/drawing/2014/main" id="{4865C984-0BF3-4642-A7EE-166F08EE6000}"/>
+              </a:ext>
+            </a:extLst>
+          </p:cNvPr>
+          <p:cNvPicPr>
+            <a:picLocks noChangeAspect="1"/>
+          </p:cNvPicPr>
+          <p:nvPr/>
+        </p:nvPicPr>
+        <p:blipFill>
+          <a:blip r:embed="rId3">
+            <a:extLst>
+              <a:ext uri="{28A0092B-C50C-407E-A947-70E740481C1C}">
+                <a14:useLocalDpi xmlns:a14="http://schemas.microsoft.com/office/drawing/2010/main" val="0"/>
+              </a:ext>
+            </a:extLst>
+          </a:blip>
+          <a:stretch>
+            <a:fillRect/>
+          </a:stretch>
+        </p:blipFill>
+        <p:spPr>
+          <a:xfrm>
+            <a:off x="5800305" y="4360489"/>
+            <a:ext cx="12783390" cy="8662178"/>
+          </a:xfrm>
+          <a:prstGeom prst="rect">
+            <a:avLst/>
+          </a:prstGeom>
+        </p:spPr>
+      </p:pic>
+      <p:sp>
+        <p:nvSpPr>
+          <p:cNvPr id="8" name="文本框 7">
+            <a:extLst>
+              <a:ext uri="{FF2B5EF4-FFF2-40B4-BE49-F238E27FC236}">
+                <a16:creationId xmlns:a16="http://schemas.microsoft.com/office/drawing/2014/main" id="{BAB8D37A-16E7-45FE-8B7A-8C2F37782C26}"/>
+              </a:ext>
+            </a:extLst>
+          </p:cNvPr>
+          <p:cNvSpPr txBox="1"/>
+          <p:nvPr/>
+        </p:nvSpPr>
+        <p:spPr>
+          <a:xfrm>
+            <a:off x="9708776" y="10605766"/>
+            <a:ext cx="4966447" cy="564257"/>
+          </a:xfrm>
+          <a:prstGeom prst="rect">
+            <a:avLst/>
+          </a:prstGeom>
+          <a:noFill/>
+          <a:ln w="12700" cap="flat">
+            <a:noFill/>
+            <a:miter lim="400000"/>
+          </a:ln>
+        </p:spPr>
+        <p:style>
+          <a:lnRef idx="0">
+            <a:scrgbClr r="0" g="0" b="0"/>
+          </a:lnRef>
+          <a:fillRef idx="0">
+            <a:scrgbClr r="0" g="0" b="0"/>
+          </a:fillRef>
+          <a:effectRef idx="0">
+            <a:scrgbClr r="0" g="0" b="0"/>
+          </a:effectRef>
+          <a:fontRef idx="none"/>
+        </p:style>
+        <p:txBody>
+          <a:bodyPr rot="0" spcFirstLastPara="1" vertOverflow="overflow" horzOverflow="overflow" vert="horz" wrap="square" lIns="50800" tIns="50800" rIns="50800" bIns="50800" numCol="1" spcCol="38100" rtlCol="0" anchor="ctr">
+            <a:spAutoFit/>
+          </a:bodyPr>
+          <a:lstStyle/>
+          <a:p>
+            <a:pPr marL="0" marR="0" indent="0" algn="ctr" defTabSz="825500" rtl="0" fontAlgn="auto" latinLnBrk="0" hangingPunct="0">
+              <a:lnSpc>
+                <a:spcPct val="100000"/>
+              </a:lnSpc>
+              <a:spcBef>
+                <a:spcPts val="0"/>
+              </a:spcBef>
+              <a:spcAft>
+                <a:spcPts val="0"/>
+              </a:spcAft>
+              <a:buClrTx/>
+              <a:buSzTx/>
+              <a:buFontTx/>
+              <a:buNone/>
+            </a:pPr>
+            <a:r>
+              <a:rPr lang="zh-CN" altLang="en-US" dirty="0"/>
+              <a:t>当</a:t>
+            </a:r>
+            <a:r>
+              <a:rPr lang="en-US" altLang="zh-CN" dirty="0"/>
+              <a:t>3</a:t>
+            </a:r>
+            <a:r>
+              <a:rPr lang="zh-CN" altLang="en-US" dirty="0"/>
+              <a:t>阶</a:t>
+            </a:r>
+            <a:r>
+              <a:rPr lang="en-US" altLang="zh-CN" dirty="0" err="1"/>
+              <a:t>Btree</a:t>
+            </a:r>
+            <a:r>
+              <a:rPr lang="zh-CN" altLang="en-US" dirty="0"/>
+              <a:t>插入</a:t>
+            </a:r>
+            <a:r>
+              <a:rPr lang="en-US" altLang="zh-CN" dirty="0"/>
+              <a:t>7</a:t>
+            </a:r>
+            <a:r>
+              <a:rPr lang="zh-CN" altLang="en-US" dirty="0"/>
+              <a:t>时</a:t>
+            </a:r>
+            <a:endParaRPr kumimoji="0" lang="zh-CN" altLang="en-US" sz="3000" b="0" i="0" u="none" strike="noStrike" cap="none" spc="0" normalizeH="0" baseline="0" dirty="0">
+              <a:ln>
+                <a:noFill/>
+              </a:ln>
+              <a:solidFill>
+                <a:srgbClr val="000000"/>
+              </a:solidFill>
+              <a:effectLst/>
+              <a:uFillTx/>
+              <a:latin typeface="Helvetica Neue Medium"/>
+              <a:ea typeface="Helvetica Neue Medium"/>
+              <a:cs typeface="Helvetica Neue Medium"/>
+              <a:sym typeface="Helvetica Neue Medium"/>
+            </a:endParaRPr>
+          </a:p>
+        </p:txBody>
+      </p:sp>
+    </p:spTree>
+    <p:extLst>
+      <p:ext uri="{BB962C8B-B14F-4D97-AF65-F5344CB8AC3E}">
+        <p14:creationId xmlns:p14="http://schemas.microsoft.com/office/powerpoint/2010/main" val="4231522809"/>
+      </p:ext>
+    </p:extLst>
+  </p:cSld>
+  <p:clrMapOvr>
+    <a:masterClrMapping/>
+  </p:clrMapOvr>
+  <p:transition spd="med"/>
+</p:sld>
+</file>
+
+<file path=ppt/slides/slide66.xml><?xml version="1.0" encoding="utf-8"?>
+<p:sld xmlns:a="http://schemas.openxmlformats.org/drawingml/2006/main" xmlns:r="http://schemas.openxmlformats.org/officeDocument/2006/relationships" xmlns:p="http://schemas.openxmlformats.org/presentationml/2006/main">
+  <p:cSld>
+    <p:spTree>
+      <p:nvGrpSpPr>
+        <p:cNvPr id="1" name=""/>
+        <p:cNvGrpSpPr/>
+        <p:nvPr/>
+      </p:nvGrpSpPr>
+      <p:grpSpPr>
+        <a:xfrm>
+          <a:off x="0" y="0"/>
+          <a:ext cx="0" cy="0"/>
+          <a:chOff x="0" y="0"/>
+          <a:chExt cx="0" cy="0"/>
+        </a:xfrm>
+      </p:grpSpPr>
+      <p:sp>
+        <p:nvSpPr>
+          <p:cNvPr id="7" name="矩形 6">
+            <a:extLst>
+              <a:ext uri="{FF2B5EF4-FFF2-40B4-BE49-F238E27FC236}">
+                <a16:creationId xmlns:a16="http://schemas.microsoft.com/office/drawing/2014/main" id="{DFF98A76-302A-4FC1-8090-E89C68F9EAB6}"/>
+              </a:ext>
+            </a:extLst>
+          </p:cNvPr>
+          <p:cNvSpPr/>
+          <p:nvPr/>
+        </p:nvSpPr>
+        <p:spPr>
+          <a:xfrm>
+            <a:off x="1683476" y="3034534"/>
+            <a:ext cx="10920900" cy="923330"/>
+          </a:xfrm>
+          <a:prstGeom prst="rect">
+            <a:avLst/>
+          </a:prstGeom>
+          <a:noFill/>
+        </p:spPr>
+        <p:txBody>
+          <a:bodyPr wrap="square" lIns="91440" tIns="45720" rIns="91440" bIns="45720">
+            <a:spAutoFit/>
+          </a:bodyPr>
+          <a:lstStyle/>
+          <a:p>
+            <a:pPr algn="l"/>
+            <a:r>
+              <a:rPr lang="en-US" altLang="zh-CN" sz="5400" dirty="0">
+                <a:ln w="0"/>
+                <a:solidFill>
+                  <a:schemeClr val="tx1"/>
+                </a:solidFill>
+                <a:effectLst>
+                  <a:outerShdw blurRad="38100" dist="19050" dir="2700000" algn="tl" rotWithShape="0">
+                    <a:schemeClr val="dk1">
+                      <a:alpha val="40000"/>
+                    </a:schemeClr>
+                  </a:outerShdw>
+                </a:effectLst>
+              </a:rPr>
+              <a:t>B-Tree</a:t>
+            </a:r>
+            <a:r>
+              <a:rPr lang="zh-CN" altLang="en-US" sz="5400" dirty="0">
+                <a:ln w="0"/>
+                <a:solidFill>
+                  <a:schemeClr val="tx1"/>
+                </a:solidFill>
+                <a:effectLst>
+                  <a:outerShdw blurRad="38100" dist="19050" dir="2700000" algn="tl" rotWithShape="0">
+                    <a:schemeClr val="dk1">
+                      <a:alpha val="40000"/>
+                    </a:schemeClr>
+                  </a:outerShdw>
+                </a:effectLst>
+              </a:rPr>
+              <a:t>树</a:t>
+            </a:r>
+          </a:p>
+        </p:txBody>
+      </p:sp>
+      <p:cxnSp>
+        <p:nvCxnSpPr>
+          <p:cNvPr id="13" name="直接连接符 12">
+            <a:extLst>
+              <a:ext uri="{FF2B5EF4-FFF2-40B4-BE49-F238E27FC236}">
+                <a16:creationId xmlns:a16="http://schemas.microsoft.com/office/drawing/2014/main" id="{5E7B927F-0734-404F-9A08-80760E8E40C4}"/>
+              </a:ext>
+            </a:extLst>
+          </p:cNvPr>
+          <p:cNvCxnSpPr/>
+          <p:nvPr/>
+        </p:nvCxnSpPr>
+        <p:spPr>
+          <a:xfrm>
+            <a:off x="1816826" y="4038600"/>
+            <a:ext cx="20528824" cy="0"/>
+          </a:xfrm>
+          <a:prstGeom prst="line">
+            <a:avLst/>
+          </a:prstGeom>
+          <a:ln w="82550"/>
+        </p:spPr>
+        <p:style>
+          <a:lnRef idx="3">
+            <a:schemeClr val="dk1"/>
+          </a:lnRef>
+          <a:fillRef idx="0">
+            <a:schemeClr val="dk1"/>
+          </a:fillRef>
+          <a:effectRef idx="2">
+            <a:schemeClr val="dk1"/>
+          </a:effectRef>
+          <a:fontRef idx="minor">
+            <a:schemeClr val="tx1"/>
+          </a:fontRef>
+        </p:style>
+      </p:cxnSp>
+      <p:sp>
+        <p:nvSpPr>
+          <p:cNvPr id="3" name="文本框 2">
+            <a:extLst>
+              <a:ext uri="{FF2B5EF4-FFF2-40B4-BE49-F238E27FC236}">
+                <a16:creationId xmlns:a16="http://schemas.microsoft.com/office/drawing/2014/main" id="{AC747A54-D9EB-426D-B755-8AA771E62F4E}"/>
+              </a:ext>
+            </a:extLst>
+          </p:cNvPr>
+          <p:cNvSpPr txBox="1"/>
+          <p:nvPr/>
+        </p:nvSpPr>
+        <p:spPr>
+          <a:xfrm>
+            <a:off x="1816826" y="5059890"/>
+            <a:ext cx="19993183" cy="564257"/>
+          </a:xfrm>
+          <a:prstGeom prst="rect">
+            <a:avLst/>
+          </a:prstGeom>
+          <a:noFill/>
+          <a:ln w="12700" cap="flat">
+            <a:noFill/>
+            <a:miter lim="400000"/>
+          </a:ln>
+        </p:spPr>
+        <p:style>
+          <a:lnRef idx="0">
+            <a:scrgbClr r="0" g="0" b="0"/>
+          </a:lnRef>
+          <a:fillRef idx="0">
+            <a:scrgbClr r="0" g="0" b="0"/>
+          </a:fillRef>
+          <a:effectRef idx="0">
+            <a:scrgbClr r="0" g="0" b="0"/>
+          </a:effectRef>
+          <a:fontRef idx="none"/>
+        </p:style>
+        <p:txBody>
+          <a:bodyPr rot="0" spcFirstLastPara="1" vertOverflow="overflow" horzOverflow="overflow" vert="horz" wrap="square" lIns="50800" tIns="50800" rIns="50800" bIns="50800" numCol="1" spcCol="38100" rtlCol="0" anchor="ctr">
+            <a:spAutoFit/>
+          </a:bodyPr>
+          <a:lstStyle/>
+          <a:p>
+            <a:pPr marL="0" marR="0" indent="0" algn="l" defTabSz="825500" rtl="0" fontAlgn="auto" latinLnBrk="0" hangingPunct="0">
+              <a:lnSpc>
+                <a:spcPct val="100000"/>
+              </a:lnSpc>
+              <a:spcBef>
+                <a:spcPts val="0"/>
+              </a:spcBef>
+              <a:spcAft>
+                <a:spcPts val="0"/>
+              </a:spcAft>
+              <a:buClrTx/>
+              <a:buSzTx/>
+              <a:buFontTx/>
+              <a:buNone/>
+            </a:pPr>
+            <a:r>
+              <a:rPr lang="en-US" altLang="zh-CN" dirty="0" err="1"/>
+              <a:t>BTree</a:t>
+            </a:r>
+            <a:r>
+              <a:rPr lang="zh-CN" altLang="en-US" dirty="0"/>
+              <a:t>的查询过程就很简单了，类似于二叉搜索树的查询过程：</a:t>
+            </a:r>
+            <a:endParaRPr lang="en-US" altLang="zh-CN" dirty="0"/>
+          </a:p>
+        </p:txBody>
+      </p:sp>
+      <p:pic>
+        <p:nvPicPr>
+          <p:cNvPr id="5" name="图片 4">
+            <a:extLst>
+              <a:ext uri="{FF2B5EF4-FFF2-40B4-BE49-F238E27FC236}">
+                <a16:creationId xmlns:a16="http://schemas.microsoft.com/office/drawing/2014/main" id="{A5AB5783-4332-4702-94B4-307E68EA4F0C}"/>
+              </a:ext>
+            </a:extLst>
+          </p:cNvPr>
+          <p:cNvPicPr>
+            <a:picLocks noChangeAspect="1"/>
+          </p:cNvPicPr>
+          <p:nvPr/>
+        </p:nvPicPr>
+        <p:blipFill>
+          <a:blip r:embed="rId3">
+            <a:extLst>
+              <a:ext uri="{28A0092B-C50C-407E-A947-70E740481C1C}">
+                <a14:useLocalDpi xmlns:a14="http://schemas.microsoft.com/office/drawing/2010/main" val="0"/>
+              </a:ext>
+            </a:extLst>
+          </a:blip>
+          <a:stretch>
+            <a:fillRect/>
+          </a:stretch>
+        </p:blipFill>
+        <p:spPr>
+          <a:xfrm>
+            <a:off x="6239715" y="5938276"/>
+            <a:ext cx="10049314" cy="6809535"/>
+          </a:xfrm>
+          <a:prstGeom prst="rect">
+            <a:avLst/>
+          </a:prstGeom>
+        </p:spPr>
+      </p:pic>
+      <p:sp>
+        <p:nvSpPr>
+          <p:cNvPr id="6" name="文本框 5">
+            <a:extLst>
+              <a:ext uri="{FF2B5EF4-FFF2-40B4-BE49-F238E27FC236}">
+                <a16:creationId xmlns:a16="http://schemas.microsoft.com/office/drawing/2014/main" id="{824626CD-B9FB-4D6F-975E-699493D5661D}"/>
+              </a:ext>
+            </a:extLst>
+          </p:cNvPr>
+          <p:cNvSpPr txBox="1"/>
+          <p:nvPr/>
+        </p:nvSpPr>
+        <p:spPr>
+          <a:xfrm>
+            <a:off x="9646023" y="11730577"/>
+            <a:ext cx="3603812" cy="564257"/>
+          </a:xfrm>
+          <a:prstGeom prst="rect">
+            <a:avLst/>
+          </a:prstGeom>
+          <a:noFill/>
+          <a:ln w="12700" cap="flat">
+            <a:noFill/>
+            <a:miter lim="400000"/>
+          </a:ln>
+        </p:spPr>
+        <p:style>
+          <a:lnRef idx="0">
+            <a:scrgbClr r="0" g="0" b="0"/>
+          </a:lnRef>
+          <a:fillRef idx="0">
+            <a:scrgbClr r="0" g="0" b="0"/>
+          </a:fillRef>
+          <a:effectRef idx="0">
+            <a:scrgbClr r="0" g="0" b="0"/>
+          </a:effectRef>
+          <a:fontRef idx="none"/>
+        </p:style>
+        <p:txBody>
+          <a:bodyPr rot="0" spcFirstLastPara="1" vertOverflow="overflow" horzOverflow="overflow" vert="horz" wrap="square" lIns="50800" tIns="50800" rIns="50800" bIns="50800" numCol="1" spcCol="38100" rtlCol="0" anchor="ctr">
+            <a:spAutoFit/>
+          </a:bodyPr>
+          <a:lstStyle/>
+          <a:p>
+            <a:pPr marL="0" marR="0" indent="0" algn="ctr" defTabSz="825500" rtl="0" fontAlgn="auto" latinLnBrk="0" hangingPunct="0">
+              <a:lnSpc>
+                <a:spcPct val="100000"/>
+              </a:lnSpc>
+              <a:spcBef>
+                <a:spcPts val="0"/>
+              </a:spcBef>
+              <a:spcAft>
+                <a:spcPts val="0"/>
+              </a:spcAft>
+              <a:buClrTx/>
+              <a:buSzTx/>
+              <a:buFontTx/>
+              <a:buNone/>
+            </a:pPr>
+            <a:r>
+              <a:rPr lang="zh-CN" altLang="en-US" dirty="0"/>
+              <a:t>当</a:t>
+            </a:r>
+            <a:r>
+              <a:rPr lang="en-US" altLang="zh-CN" dirty="0"/>
+              <a:t>3</a:t>
+            </a:r>
+            <a:r>
+              <a:rPr lang="zh-CN" altLang="en-US" dirty="0"/>
+              <a:t>阶</a:t>
+            </a:r>
+            <a:r>
+              <a:rPr lang="en-US" altLang="zh-CN" dirty="0" err="1"/>
+              <a:t>Btree</a:t>
+            </a:r>
+            <a:r>
+              <a:rPr lang="zh-CN" altLang="en-US" dirty="0"/>
+              <a:t>查找</a:t>
+            </a:r>
+            <a:r>
+              <a:rPr lang="en-US" altLang="zh-CN" dirty="0"/>
+              <a:t>5</a:t>
+            </a:r>
+            <a:r>
+              <a:rPr lang="zh-CN" altLang="en-US" dirty="0"/>
+              <a:t>时</a:t>
+            </a:r>
+            <a:endParaRPr kumimoji="0" lang="zh-CN" altLang="en-US" sz="3000" b="0" i="0" u="none" strike="noStrike" cap="none" spc="0" normalizeH="0" baseline="0" dirty="0">
+              <a:ln>
+                <a:noFill/>
+              </a:ln>
+              <a:solidFill>
+                <a:srgbClr val="000000"/>
+              </a:solidFill>
+              <a:effectLst/>
+              <a:uFillTx/>
+              <a:latin typeface="Helvetica Neue Medium"/>
+              <a:ea typeface="Helvetica Neue Medium"/>
+              <a:cs typeface="Helvetica Neue Medium"/>
+              <a:sym typeface="Helvetica Neue Medium"/>
+            </a:endParaRPr>
+          </a:p>
+        </p:txBody>
+      </p:sp>
+    </p:spTree>
+    <p:extLst>
+      <p:ext uri="{BB962C8B-B14F-4D97-AF65-F5344CB8AC3E}">
+        <p14:creationId xmlns:p14="http://schemas.microsoft.com/office/powerpoint/2010/main" val="741563217"/>
+      </p:ext>
+    </p:extLst>
+  </p:cSld>
+  <p:clrMapOvr>
+    <a:masterClrMapping/>
+  </p:clrMapOvr>
+  <p:transition spd="med"/>
+</p:sld>
+</file>
+
+<file path=ppt/slides/slide67.xml><?xml version="1.0" encoding="utf-8"?>
+<p:sld xmlns:a="http://schemas.openxmlformats.org/drawingml/2006/main" xmlns:r="http://schemas.openxmlformats.org/officeDocument/2006/relationships" xmlns:p="http://schemas.openxmlformats.org/presentationml/2006/main">
+  <p:cSld>
+    <p:spTree>
+      <p:nvGrpSpPr>
+        <p:cNvPr id="1" name=""/>
+        <p:cNvGrpSpPr/>
+        <p:nvPr/>
+      </p:nvGrpSpPr>
+      <p:grpSpPr>
+        <a:xfrm>
+          <a:off x="0" y="0"/>
+          <a:ext cx="0" cy="0"/>
+          <a:chOff x="0" y="0"/>
+          <a:chExt cx="0" cy="0"/>
+        </a:xfrm>
+      </p:grpSpPr>
+      <p:sp>
+        <p:nvSpPr>
+          <p:cNvPr id="7" name="矩形 6">
+            <a:extLst>
+              <a:ext uri="{FF2B5EF4-FFF2-40B4-BE49-F238E27FC236}">
+                <a16:creationId xmlns:a16="http://schemas.microsoft.com/office/drawing/2014/main" id="{DFF98A76-302A-4FC1-8090-E89C68F9EAB6}"/>
+              </a:ext>
+            </a:extLst>
+          </p:cNvPr>
+          <p:cNvSpPr/>
+          <p:nvPr/>
+        </p:nvSpPr>
+        <p:spPr>
+          <a:xfrm>
+            <a:off x="1683476" y="3034534"/>
+            <a:ext cx="10920900" cy="923330"/>
+          </a:xfrm>
+          <a:prstGeom prst="rect">
+            <a:avLst/>
+          </a:prstGeom>
+          <a:noFill/>
+        </p:spPr>
+        <p:txBody>
+          <a:bodyPr wrap="square" lIns="91440" tIns="45720" rIns="91440" bIns="45720">
+            <a:spAutoFit/>
+          </a:bodyPr>
+          <a:lstStyle/>
+          <a:p>
+            <a:pPr algn="l"/>
+            <a:r>
+              <a:rPr lang="en-US" altLang="zh-CN" sz="5400" dirty="0">
+                <a:ln w="0"/>
+                <a:solidFill>
+                  <a:schemeClr val="tx1"/>
+                </a:solidFill>
+                <a:effectLst>
+                  <a:outerShdw blurRad="38100" dist="19050" dir="2700000" algn="tl" rotWithShape="0">
+                    <a:schemeClr val="dk1">
+                      <a:alpha val="40000"/>
+                    </a:schemeClr>
+                  </a:outerShdw>
+                </a:effectLst>
+              </a:rPr>
+              <a:t>B-Tree</a:t>
+            </a:r>
+            <a:r>
+              <a:rPr lang="zh-CN" altLang="en-US" sz="5400" dirty="0">
+                <a:ln w="0"/>
+                <a:solidFill>
+                  <a:schemeClr val="tx1"/>
+                </a:solidFill>
+                <a:effectLst>
+                  <a:outerShdw blurRad="38100" dist="19050" dir="2700000" algn="tl" rotWithShape="0">
+                    <a:schemeClr val="dk1">
+                      <a:alpha val="40000"/>
+                    </a:schemeClr>
+                  </a:outerShdw>
+                </a:effectLst>
+              </a:rPr>
+              <a:t>树</a:t>
+            </a:r>
+          </a:p>
+        </p:txBody>
+      </p:sp>
+      <p:cxnSp>
+        <p:nvCxnSpPr>
+          <p:cNvPr id="13" name="直接连接符 12">
+            <a:extLst>
+              <a:ext uri="{FF2B5EF4-FFF2-40B4-BE49-F238E27FC236}">
+                <a16:creationId xmlns:a16="http://schemas.microsoft.com/office/drawing/2014/main" id="{5E7B927F-0734-404F-9A08-80760E8E40C4}"/>
+              </a:ext>
+            </a:extLst>
+          </p:cNvPr>
+          <p:cNvCxnSpPr/>
+          <p:nvPr/>
+        </p:nvCxnSpPr>
+        <p:spPr>
+          <a:xfrm>
+            <a:off x="1816826" y="4038600"/>
+            <a:ext cx="20528824" cy="0"/>
+          </a:xfrm>
+          <a:prstGeom prst="line">
+            <a:avLst/>
+          </a:prstGeom>
+          <a:ln w="82550"/>
+        </p:spPr>
+        <p:style>
+          <a:lnRef idx="3">
+            <a:schemeClr val="dk1"/>
+          </a:lnRef>
+          <a:fillRef idx="0">
+            <a:schemeClr val="dk1"/>
+          </a:fillRef>
+          <a:effectRef idx="2">
+            <a:schemeClr val="dk1"/>
+          </a:effectRef>
+          <a:fontRef idx="minor">
+            <a:schemeClr val="tx1"/>
+          </a:fontRef>
+        </p:style>
+      </p:cxnSp>
+      <p:sp>
+        <p:nvSpPr>
+          <p:cNvPr id="3" name="文本框 2">
+            <a:extLst>
+              <a:ext uri="{FF2B5EF4-FFF2-40B4-BE49-F238E27FC236}">
+                <a16:creationId xmlns:a16="http://schemas.microsoft.com/office/drawing/2014/main" id="{AC747A54-D9EB-426D-B755-8AA771E62F4E}"/>
+              </a:ext>
+            </a:extLst>
+          </p:cNvPr>
+          <p:cNvSpPr txBox="1"/>
+          <p:nvPr/>
+        </p:nvSpPr>
+        <p:spPr>
+          <a:xfrm>
+            <a:off x="1816826" y="4051679"/>
+            <a:ext cx="20200492" cy="4257576"/>
+          </a:xfrm>
+          <a:prstGeom prst="rect">
+            <a:avLst/>
+          </a:prstGeom>
+          <a:noFill/>
+          <a:ln w="12700" cap="flat">
+            <a:noFill/>
+            <a:miter lim="400000"/>
+          </a:ln>
+        </p:spPr>
+        <p:style>
+          <a:lnRef idx="0">
+            <a:scrgbClr r="0" g="0" b="0"/>
+          </a:lnRef>
+          <a:fillRef idx="0">
+            <a:scrgbClr r="0" g="0" b="0"/>
+          </a:fillRef>
+          <a:effectRef idx="0">
+            <a:scrgbClr r="0" g="0" b="0"/>
+          </a:effectRef>
+          <a:fontRef idx="none"/>
+        </p:style>
+        <p:txBody>
+          <a:bodyPr rot="0" spcFirstLastPara="1" vertOverflow="overflow" horzOverflow="overflow" vert="horz" wrap="square" lIns="50800" tIns="50800" rIns="50800" bIns="50800" numCol="1" spcCol="38100" rtlCol="0" anchor="ctr">
+            <a:spAutoFit/>
+          </a:bodyPr>
+          <a:lstStyle/>
+          <a:p>
+            <a:pPr marL="0" marR="0" indent="0" algn="l" defTabSz="825500" rtl="0" fontAlgn="auto" latinLnBrk="0" hangingPunct="0">
+              <a:lnSpc>
+                <a:spcPct val="100000"/>
+              </a:lnSpc>
+              <a:spcBef>
+                <a:spcPts val="0"/>
+              </a:spcBef>
+              <a:spcAft>
+                <a:spcPts val="0"/>
+              </a:spcAft>
+              <a:buClrTx/>
+              <a:buSzTx/>
+              <a:buFontTx/>
+              <a:buNone/>
+            </a:pPr>
+            <a:r>
+              <a:rPr lang="zh-CN" altLang="en-US" dirty="0"/>
+              <a:t>从</a:t>
+            </a:r>
+            <a:r>
+              <a:rPr lang="en-US" altLang="zh-CN" dirty="0" err="1"/>
+              <a:t>Btree</a:t>
+            </a:r>
+            <a:r>
+              <a:rPr lang="zh-CN" altLang="en-US" dirty="0"/>
+              <a:t>删除元素时也不算复杂，这里同样拿一颗三阶</a:t>
+            </a:r>
+            <a:r>
+              <a:rPr lang="en-US" altLang="zh-CN" dirty="0" err="1"/>
+              <a:t>Btree</a:t>
+            </a:r>
+            <a:r>
+              <a:rPr lang="zh-CN" altLang="en-US" dirty="0"/>
+              <a:t>举例：</a:t>
+            </a:r>
+            <a:endParaRPr lang="en-US" altLang="zh-CN" dirty="0"/>
+          </a:p>
+          <a:p>
+            <a:pPr marL="0" marR="0" indent="0" algn="l" defTabSz="825500" rtl="0" fontAlgn="auto" latinLnBrk="0" hangingPunct="0">
+              <a:lnSpc>
+                <a:spcPct val="100000"/>
+              </a:lnSpc>
+              <a:spcBef>
+                <a:spcPts val="0"/>
+              </a:spcBef>
+              <a:spcAft>
+                <a:spcPts val="0"/>
+              </a:spcAft>
+              <a:buClrTx/>
+              <a:buSzTx/>
+              <a:buFontTx/>
+              <a:buNone/>
+            </a:pPr>
+            <a:endParaRPr lang="en-US" altLang="zh-CN" dirty="0"/>
+          </a:p>
+          <a:p>
+            <a:pPr marL="514350" marR="0" indent="-514350" algn="l" defTabSz="825500" rtl="0" fontAlgn="auto" latinLnBrk="0" hangingPunct="0">
+              <a:lnSpc>
+                <a:spcPct val="100000"/>
+              </a:lnSpc>
+              <a:spcBef>
+                <a:spcPts val="0"/>
+              </a:spcBef>
+              <a:spcAft>
+                <a:spcPts val="0"/>
+              </a:spcAft>
+              <a:buClrTx/>
+              <a:buSzTx/>
+              <a:buFont typeface="+mj-lt"/>
+              <a:buAutoNum type="arabicPeriod"/>
+            </a:pPr>
+            <a:r>
+              <a:rPr lang="zh-CN" altLang="en-US" dirty="0"/>
+              <a:t>寻找待删除元素，如果找不到，结束，否则，进入步骤</a:t>
+            </a:r>
+            <a:r>
+              <a:rPr lang="en-US" altLang="zh-CN" dirty="0"/>
+              <a:t>2</a:t>
+            </a:r>
+          </a:p>
+          <a:p>
+            <a:pPr marL="514350" marR="0" indent="-514350" algn="l" defTabSz="825500" rtl="0" fontAlgn="auto" latinLnBrk="0" hangingPunct="0">
+              <a:lnSpc>
+                <a:spcPct val="100000"/>
+              </a:lnSpc>
+              <a:spcBef>
+                <a:spcPts val="0"/>
+              </a:spcBef>
+              <a:spcAft>
+                <a:spcPts val="0"/>
+              </a:spcAft>
+              <a:buClrTx/>
+              <a:buSzTx/>
+              <a:buFont typeface="+mj-lt"/>
+              <a:buAutoNum type="arabicPeriod"/>
+            </a:pPr>
+            <a:r>
+              <a:rPr lang="zh-CN" altLang="en-US" dirty="0"/>
+              <a:t>如果待删除元素所在的结点是叶子结点，则直接进入步骤</a:t>
+            </a:r>
+            <a:r>
+              <a:rPr lang="en-US" altLang="zh-CN" dirty="0"/>
+              <a:t>3</a:t>
+            </a:r>
+            <a:r>
+              <a:rPr lang="zh-CN" altLang="en-US" dirty="0"/>
+              <a:t>，否则寻找代替它被删除的的中序前驱结点，且它的中序前驱结点一定是叶子结点（特性</a:t>
+            </a:r>
+            <a:r>
+              <a:rPr lang="en-US" altLang="zh-CN" dirty="0"/>
+              <a:t>4</a:t>
+            </a:r>
+            <a:r>
+              <a:rPr lang="zh-CN" altLang="en-US" dirty="0"/>
+              <a:t>），之后进入步骤</a:t>
+            </a:r>
+            <a:r>
+              <a:rPr lang="en-US" altLang="zh-CN" dirty="0"/>
+              <a:t>3</a:t>
+            </a:r>
+          </a:p>
+          <a:p>
+            <a:pPr marL="514350" marR="0" indent="-514350" algn="l" defTabSz="825500" rtl="0" fontAlgn="auto" latinLnBrk="0" hangingPunct="0">
+              <a:lnSpc>
+                <a:spcPct val="100000"/>
+              </a:lnSpc>
+              <a:spcBef>
+                <a:spcPts val="0"/>
+              </a:spcBef>
+              <a:spcAft>
+                <a:spcPts val="0"/>
+              </a:spcAft>
+              <a:buClrTx/>
+              <a:buSzTx/>
+              <a:buFont typeface="+mj-lt"/>
+              <a:buAutoNum type="arabicPeriod"/>
+            </a:pPr>
+            <a:r>
+              <a:rPr lang="zh-CN" altLang="en-US" dirty="0"/>
+              <a:t>如果实际删除元素所在的结点有两个及以上的元素，则直接删除之，结束，否则进入步骤</a:t>
+            </a:r>
+            <a:r>
+              <a:rPr lang="en-US" altLang="zh-CN" dirty="0"/>
+              <a:t>4</a:t>
+            </a:r>
+          </a:p>
+          <a:p>
+            <a:pPr marL="514350" marR="0" indent="-514350" algn="l" defTabSz="825500" rtl="0" fontAlgn="auto" latinLnBrk="0" hangingPunct="0">
+              <a:lnSpc>
+                <a:spcPct val="100000"/>
+              </a:lnSpc>
+              <a:spcBef>
+                <a:spcPts val="0"/>
+              </a:spcBef>
+              <a:spcAft>
+                <a:spcPts val="0"/>
+              </a:spcAft>
+              <a:buClrTx/>
+              <a:buSzTx/>
+              <a:buFont typeface="+mj-lt"/>
+              <a:buAutoNum type="arabicPeriod"/>
+            </a:pPr>
+            <a:r>
+              <a:rPr lang="zh-CN" altLang="en-US" dirty="0"/>
+              <a:t>如果实际删除元素所在的结点只有一个元素，则依赖于这个结点的相邻兄弟结点的元素数量，如果其中一个相邻兄弟结点元素数量大于等于</a:t>
+            </a:r>
+            <a:r>
+              <a:rPr lang="en-US" altLang="zh-CN" dirty="0"/>
+              <a:t>2</a:t>
+            </a:r>
+            <a:r>
+              <a:rPr lang="zh-CN" altLang="en-US" dirty="0"/>
+              <a:t>，则将它的一个结点借过来用一下来保证</a:t>
+            </a:r>
+            <a:r>
+              <a:rPr lang="en-US" altLang="zh-CN" dirty="0" err="1"/>
+              <a:t>BTree</a:t>
+            </a:r>
+            <a:r>
+              <a:rPr lang="zh-CN" altLang="en-US" dirty="0"/>
+              <a:t>的特性</a:t>
+            </a:r>
+            <a:r>
+              <a:rPr lang="en-US" altLang="zh-CN" dirty="0"/>
+              <a:t>2</a:t>
+            </a:r>
+            <a:r>
+              <a:rPr lang="zh-CN" altLang="en-US" dirty="0"/>
+              <a:t>，会退步骤</a:t>
+            </a:r>
+            <a:r>
+              <a:rPr lang="en-US" altLang="zh-CN" dirty="0"/>
+              <a:t>3</a:t>
+            </a:r>
+            <a:r>
+              <a:rPr lang="zh-CN" altLang="en-US" dirty="0"/>
+              <a:t>，否则进入步骤</a:t>
+            </a:r>
+            <a:r>
+              <a:rPr lang="en-US" altLang="zh-CN" dirty="0"/>
+              <a:t>5</a:t>
+            </a:r>
+          </a:p>
+          <a:p>
+            <a:pPr marL="514350" marR="0" indent="-514350" algn="l" defTabSz="825500" rtl="0" fontAlgn="auto" latinLnBrk="0" hangingPunct="0">
+              <a:lnSpc>
+                <a:spcPct val="100000"/>
+              </a:lnSpc>
+              <a:spcBef>
+                <a:spcPts val="0"/>
+              </a:spcBef>
+              <a:spcAft>
+                <a:spcPts val="0"/>
+              </a:spcAft>
+              <a:buClrTx/>
+              <a:buSzTx/>
+              <a:buFont typeface="+mj-lt"/>
+              <a:buAutoNum type="arabicPeriod"/>
+            </a:pPr>
+            <a:endParaRPr lang="en-US" altLang="zh-CN" dirty="0"/>
+          </a:p>
+        </p:txBody>
+      </p:sp>
+      <p:pic>
+        <p:nvPicPr>
+          <p:cNvPr id="15" name="图片 14">
+            <a:extLst>
+              <a:ext uri="{FF2B5EF4-FFF2-40B4-BE49-F238E27FC236}">
+                <a16:creationId xmlns:a16="http://schemas.microsoft.com/office/drawing/2014/main" id="{D955349C-8D59-4052-A1B2-F95C311D6AC9}"/>
+              </a:ext>
+            </a:extLst>
+          </p:cNvPr>
+          <p:cNvPicPr>
+            <a:picLocks noChangeAspect="1"/>
+          </p:cNvPicPr>
+          <p:nvPr/>
+        </p:nvPicPr>
+        <p:blipFill>
+          <a:blip r:embed="rId3">
+            <a:extLst>
+              <a:ext uri="{28A0092B-C50C-407E-A947-70E740481C1C}">
+                <a14:useLocalDpi xmlns:a14="http://schemas.microsoft.com/office/drawing/2010/main" val="0"/>
+              </a:ext>
+            </a:extLst>
+          </a:blip>
+          <a:stretch>
+            <a:fillRect/>
+          </a:stretch>
+        </p:blipFill>
+        <p:spPr>
+          <a:xfrm>
+            <a:off x="7143926" y="7908095"/>
+            <a:ext cx="8185721" cy="5546742"/>
+          </a:xfrm>
+          <a:prstGeom prst="rect">
+            <a:avLst/>
+          </a:prstGeom>
+        </p:spPr>
+      </p:pic>
+      <p:sp>
+        <p:nvSpPr>
+          <p:cNvPr id="16" name="文本框 15">
+            <a:extLst>
+              <a:ext uri="{FF2B5EF4-FFF2-40B4-BE49-F238E27FC236}">
+                <a16:creationId xmlns:a16="http://schemas.microsoft.com/office/drawing/2014/main" id="{4CD6FF2C-76BD-456D-8D73-8623D29586B0}"/>
+              </a:ext>
+            </a:extLst>
+          </p:cNvPr>
+          <p:cNvSpPr txBox="1"/>
+          <p:nvPr/>
+        </p:nvSpPr>
+        <p:spPr>
+          <a:xfrm>
+            <a:off x="9520518" y="11995036"/>
+            <a:ext cx="3415553" cy="564257"/>
+          </a:xfrm>
+          <a:prstGeom prst="rect">
+            <a:avLst/>
+          </a:prstGeom>
+          <a:noFill/>
+          <a:ln w="12700" cap="flat">
+            <a:noFill/>
+            <a:miter lim="400000"/>
+          </a:ln>
+        </p:spPr>
+        <p:style>
+          <a:lnRef idx="0">
+            <a:scrgbClr r="0" g="0" b="0"/>
+          </a:lnRef>
+          <a:fillRef idx="0">
+            <a:scrgbClr r="0" g="0" b="0"/>
+          </a:fillRef>
+          <a:effectRef idx="0">
+            <a:scrgbClr r="0" g="0" b="0"/>
+          </a:effectRef>
+          <a:fontRef idx="none"/>
+        </p:style>
+        <p:txBody>
+          <a:bodyPr rot="0" spcFirstLastPara="1" vertOverflow="overflow" horzOverflow="overflow" vert="horz" wrap="square" lIns="50800" tIns="50800" rIns="50800" bIns="50800" numCol="1" spcCol="38100" rtlCol="0" anchor="ctr">
+            <a:spAutoFit/>
+          </a:bodyPr>
+          <a:lstStyle/>
+          <a:p>
+            <a:pPr marL="0" marR="0" indent="0" algn="ctr" defTabSz="825500" rtl="0" fontAlgn="auto" latinLnBrk="0" hangingPunct="0">
+              <a:lnSpc>
+                <a:spcPct val="100000"/>
+              </a:lnSpc>
+              <a:spcBef>
+                <a:spcPts val="0"/>
+              </a:spcBef>
+              <a:spcAft>
+                <a:spcPts val="0"/>
+              </a:spcAft>
+              <a:buClrTx/>
+              <a:buSzTx/>
+              <a:buFontTx/>
+              <a:buNone/>
+            </a:pPr>
+            <a:r>
+              <a:rPr kumimoji="0" lang="zh-CN" altLang="en-US" sz="3000" b="0" i="0" u="none" strike="noStrike" cap="none" spc="0" normalizeH="0" baseline="0" dirty="0">
+                <a:ln>
+                  <a:noFill/>
+                </a:ln>
+                <a:solidFill>
+                  <a:srgbClr val="000000"/>
+                </a:solidFill>
+                <a:effectLst/>
+                <a:uFillTx/>
+                <a:latin typeface="Helvetica Neue Medium"/>
+                <a:ea typeface="Helvetica Neue Medium"/>
+                <a:cs typeface="Helvetica Neue Medium"/>
+                <a:sym typeface="Helvetica Neue Medium"/>
+              </a:rPr>
+              <a:t>删除</a:t>
+            </a:r>
+            <a:r>
+              <a:rPr kumimoji="0" lang="en-US" altLang="zh-CN" sz="3000" b="0" i="0" u="none" strike="noStrike" cap="none" spc="0" normalizeH="0" baseline="0" dirty="0">
+                <a:ln>
+                  <a:noFill/>
+                </a:ln>
+                <a:solidFill>
+                  <a:srgbClr val="000000"/>
+                </a:solidFill>
+                <a:effectLst/>
+                <a:uFillTx/>
+                <a:latin typeface="Helvetica Neue Medium"/>
+                <a:ea typeface="Helvetica Neue Medium"/>
+                <a:cs typeface="Helvetica Neue Medium"/>
+                <a:sym typeface="Helvetica Neue Medium"/>
+              </a:rPr>
+              <a:t>3</a:t>
+            </a:r>
+            <a:endParaRPr kumimoji="0" lang="zh-CN" altLang="en-US" sz="3000" b="0" i="0" u="none" strike="noStrike" cap="none" spc="0" normalizeH="0" baseline="0" dirty="0">
+              <a:ln>
+                <a:noFill/>
+              </a:ln>
+              <a:solidFill>
+                <a:srgbClr val="000000"/>
+              </a:solidFill>
+              <a:effectLst/>
+              <a:uFillTx/>
+              <a:latin typeface="Helvetica Neue Medium"/>
+              <a:ea typeface="Helvetica Neue Medium"/>
+              <a:cs typeface="Helvetica Neue Medium"/>
+              <a:sym typeface="Helvetica Neue Medium"/>
+            </a:endParaRPr>
+          </a:p>
+        </p:txBody>
+      </p:sp>
+    </p:spTree>
+    <p:extLst>
+      <p:ext uri="{BB962C8B-B14F-4D97-AF65-F5344CB8AC3E}">
+        <p14:creationId xmlns:p14="http://schemas.microsoft.com/office/powerpoint/2010/main" val="460050485"/>
+      </p:ext>
+    </p:extLst>
+  </p:cSld>
+  <p:clrMapOvr>
+    <a:masterClrMapping/>
+  </p:clrMapOvr>
+  <p:transition spd="med"/>
+</p:sld>
+</file>
+
+<file path=ppt/slides/slide68.xml><?xml version="1.0" encoding="utf-8"?>
+<p:sld xmlns:a="http://schemas.openxmlformats.org/drawingml/2006/main" xmlns:r="http://schemas.openxmlformats.org/officeDocument/2006/relationships" xmlns:p="http://schemas.openxmlformats.org/presentationml/2006/main">
+  <p:cSld>
+    <p:spTree>
+      <p:nvGrpSpPr>
+        <p:cNvPr id="1" name=""/>
+        <p:cNvGrpSpPr/>
+        <p:nvPr/>
+      </p:nvGrpSpPr>
+      <p:grpSpPr>
+        <a:xfrm>
+          <a:off x="0" y="0"/>
+          <a:ext cx="0" cy="0"/>
+          <a:chOff x="0" y="0"/>
+          <a:chExt cx="0" cy="0"/>
+        </a:xfrm>
+      </p:grpSpPr>
+      <p:pic>
+        <p:nvPicPr>
+          <p:cNvPr id="5" name="图片 4">
+            <a:extLst>
+              <a:ext uri="{FF2B5EF4-FFF2-40B4-BE49-F238E27FC236}">
+                <a16:creationId xmlns:a16="http://schemas.microsoft.com/office/drawing/2014/main" id="{B06AD5C5-3BF6-405C-8A62-74B119D7D478}"/>
+              </a:ext>
+            </a:extLst>
+          </p:cNvPr>
+          <p:cNvPicPr>
+            <a:picLocks noChangeAspect="1"/>
+          </p:cNvPicPr>
+          <p:nvPr/>
+        </p:nvPicPr>
+        <p:blipFill>
+          <a:blip r:embed="rId3">
+            <a:extLst>
+              <a:ext uri="{28A0092B-C50C-407E-A947-70E740481C1C}">
+                <a14:useLocalDpi xmlns:a14="http://schemas.microsoft.com/office/drawing/2010/main" val="0"/>
+              </a:ext>
+            </a:extLst>
+          </a:blip>
+          <a:stretch>
+            <a:fillRect/>
+          </a:stretch>
+        </p:blipFill>
+        <p:spPr>
+          <a:xfrm>
+            <a:off x="1964462" y="6858000"/>
+            <a:ext cx="9870806" cy="6688576"/>
+          </a:xfrm>
+          <a:prstGeom prst="rect">
+            <a:avLst/>
+          </a:prstGeom>
+        </p:spPr>
+      </p:pic>
+      <p:sp>
+        <p:nvSpPr>
+          <p:cNvPr id="7" name="矩形 6">
+            <a:extLst>
+              <a:ext uri="{FF2B5EF4-FFF2-40B4-BE49-F238E27FC236}">
+                <a16:creationId xmlns:a16="http://schemas.microsoft.com/office/drawing/2014/main" id="{DFF98A76-302A-4FC1-8090-E89C68F9EAB6}"/>
+              </a:ext>
+            </a:extLst>
+          </p:cNvPr>
+          <p:cNvSpPr/>
+          <p:nvPr/>
+        </p:nvSpPr>
+        <p:spPr>
+          <a:xfrm>
+            <a:off x="1683476" y="3034534"/>
+            <a:ext cx="10920900" cy="923330"/>
+          </a:xfrm>
+          <a:prstGeom prst="rect">
+            <a:avLst/>
+          </a:prstGeom>
+          <a:noFill/>
+        </p:spPr>
+        <p:txBody>
+          <a:bodyPr wrap="square" lIns="91440" tIns="45720" rIns="91440" bIns="45720">
+            <a:spAutoFit/>
+          </a:bodyPr>
+          <a:lstStyle/>
+          <a:p>
+            <a:pPr algn="l"/>
+            <a:r>
+              <a:rPr lang="en-US" altLang="zh-CN" sz="5400" dirty="0">
+                <a:ln w="0"/>
+                <a:solidFill>
+                  <a:schemeClr val="tx1"/>
+                </a:solidFill>
+                <a:effectLst>
+                  <a:outerShdw blurRad="38100" dist="19050" dir="2700000" algn="tl" rotWithShape="0">
+                    <a:schemeClr val="dk1">
+                      <a:alpha val="40000"/>
+                    </a:schemeClr>
+                  </a:outerShdw>
+                </a:effectLst>
+              </a:rPr>
+              <a:t>B-Tree</a:t>
+            </a:r>
+            <a:r>
+              <a:rPr lang="zh-CN" altLang="en-US" sz="5400" dirty="0">
+                <a:ln w="0"/>
+                <a:solidFill>
+                  <a:schemeClr val="tx1"/>
+                </a:solidFill>
+                <a:effectLst>
+                  <a:outerShdw blurRad="38100" dist="19050" dir="2700000" algn="tl" rotWithShape="0">
+                    <a:schemeClr val="dk1">
+                      <a:alpha val="40000"/>
+                    </a:schemeClr>
+                  </a:outerShdw>
+                </a:effectLst>
+              </a:rPr>
+              <a:t>树</a:t>
+            </a:r>
+          </a:p>
+        </p:txBody>
+      </p:sp>
+      <p:cxnSp>
+        <p:nvCxnSpPr>
+          <p:cNvPr id="13" name="直接连接符 12">
+            <a:extLst>
+              <a:ext uri="{FF2B5EF4-FFF2-40B4-BE49-F238E27FC236}">
+                <a16:creationId xmlns:a16="http://schemas.microsoft.com/office/drawing/2014/main" id="{5E7B927F-0734-404F-9A08-80760E8E40C4}"/>
+              </a:ext>
+            </a:extLst>
+          </p:cNvPr>
+          <p:cNvCxnSpPr/>
+          <p:nvPr/>
+        </p:nvCxnSpPr>
+        <p:spPr>
+          <a:xfrm>
+            <a:off x="1816826" y="4038600"/>
+            <a:ext cx="20528824" cy="0"/>
+          </a:xfrm>
+          <a:prstGeom prst="line">
+            <a:avLst/>
+          </a:prstGeom>
+          <a:ln w="82550"/>
+        </p:spPr>
+        <p:style>
+          <a:lnRef idx="3">
+            <a:schemeClr val="dk1"/>
+          </a:lnRef>
+          <a:fillRef idx="0">
+            <a:schemeClr val="dk1"/>
+          </a:fillRef>
+          <a:effectRef idx="2">
+            <a:schemeClr val="dk1"/>
+          </a:effectRef>
+          <a:fontRef idx="minor">
+            <a:schemeClr val="tx1"/>
+          </a:fontRef>
+        </p:style>
+      </p:cxnSp>
+      <p:sp>
+        <p:nvSpPr>
+          <p:cNvPr id="3" name="文本框 2">
+            <a:extLst>
+              <a:ext uri="{FF2B5EF4-FFF2-40B4-BE49-F238E27FC236}">
+                <a16:creationId xmlns:a16="http://schemas.microsoft.com/office/drawing/2014/main" id="{AC747A54-D9EB-426D-B755-8AA771E62F4E}"/>
+              </a:ext>
+            </a:extLst>
+          </p:cNvPr>
+          <p:cNvSpPr txBox="1"/>
+          <p:nvPr/>
+        </p:nvSpPr>
+        <p:spPr>
+          <a:xfrm>
+            <a:off x="1735022" y="5436674"/>
+            <a:ext cx="20200492" cy="1487587"/>
+          </a:xfrm>
+          <a:prstGeom prst="rect">
+            <a:avLst/>
+          </a:prstGeom>
+          <a:noFill/>
+          <a:ln w="12700" cap="flat">
+            <a:noFill/>
+            <a:miter lim="400000"/>
+          </a:ln>
+        </p:spPr>
+        <p:style>
+          <a:lnRef idx="0">
+            <a:scrgbClr r="0" g="0" b="0"/>
+          </a:lnRef>
+          <a:fillRef idx="0">
+            <a:scrgbClr r="0" g="0" b="0"/>
+          </a:fillRef>
+          <a:effectRef idx="0">
+            <a:scrgbClr r="0" g="0" b="0"/>
+          </a:effectRef>
+          <a:fontRef idx="none"/>
+        </p:style>
+        <p:txBody>
+          <a:bodyPr rot="0" spcFirstLastPara="1" vertOverflow="overflow" horzOverflow="overflow" vert="horz" wrap="square" lIns="50800" tIns="50800" rIns="50800" bIns="50800" numCol="1" spcCol="38100" rtlCol="0" anchor="ctr">
+            <a:spAutoFit/>
+          </a:bodyPr>
+          <a:lstStyle/>
+          <a:p>
+            <a:pPr marR="0" algn="l" defTabSz="825500" rtl="0" fontAlgn="auto" latinLnBrk="0" hangingPunct="0">
+              <a:lnSpc>
+                <a:spcPct val="100000"/>
+              </a:lnSpc>
+              <a:spcBef>
+                <a:spcPts val="0"/>
+              </a:spcBef>
+              <a:spcAft>
+                <a:spcPts val="0"/>
+              </a:spcAft>
+              <a:buClrTx/>
+              <a:buSzTx/>
+            </a:pPr>
+            <a:r>
+              <a:rPr lang="en-US" altLang="zh-CN" dirty="0"/>
+              <a:t>5. </a:t>
+            </a:r>
+            <a:r>
+              <a:rPr lang="zh-CN" altLang="en-US" dirty="0"/>
+              <a:t>如果当前元素所在结点的相邻兄弟结点无法提供帮助，但是父结点的元素数量大于等于</a:t>
+            </a:r>
+            <a:r>
+              <a:rPr lang="en-US" altLang="zh-CN" dirty="0"/>
+              <a:t>2</a:t>
+            </a:r>
+            <a:r>
+              <a:rPr lang="zh-CN" altLang="en-US" dirty="0"/>
+              <a:t>，则删除当前结点，当前元素的父元素与兄弟结点结合（如果叶子结点因删除被置为空，先要求助兄弟结点，之后再求助父亲结点）依次类推，直到根结点。</a:t>
+            </a:r>
+            <a:endParaRPr lang="en-US" altLang="zh-CN" dirty="0"/>
+          </a:p>
+        </p:txBody>
+      </p:sp>
+      <p:sp>
+        <p:nvSpPr>
+          <p:cNvPr id="9" name="文本框 8">
+            <a:extLst>
+              <a:ext uri="{FF2B5EF4-FFF2-40B4-BE49-F238E27FC236}">
+                <a16:creationId xmlns:a16="http://schemas.microsoft.com/office/drawing/2014/main" id="{5C18170E-727A-4D61-B73A-BE201A6669F5}"/>
+              </a:ext>
+            </a:extLst>
+          </p:cNvPr>
+          <p:cNvSpPr txBox="1"/>
+          <p:nvPr/>
+        </p:nvSpPr>
+        <p:spPr>
+          <a:xfrm>
+            <a:off x="5456547" y="11409838"/>
+            <a:ext cx="2886635" cy="564257"/>
+          </a:xfrm>
+          <a:prstGeom prst="rect">
+            <a:avLst/>
+          </a:prstGeom>
+          <a:noFill/>
+          <a:ln w="12700" cap="flat">
+            <a:noFill/>
+            <a:miter lim="400000"/>
+          </a:ln>
+        </p:spPr>
+        <p:style>
+          <a:lnRef idx="0">
+            <a:scrgbClr r="0" g="0" b="0"/>
+          </a:lnRef>
+          <a:fillRef idx="0">
+            <a:scrgbClr r="0" g="0" b="0"/>
+          </a:fillRef>
+          <a:effectRef idx="0">
+            <a:scrgbClr r="0" g="0" b="0"/>
+          </a:effectRef>
+          <a:fontRef idx="none"/>
+        </p:style>
+        <p:txBody>
+          <a:bodyPr rot="0" spcFirstLastPara="1" vertOverflow="overflow" horzOverflow="overflow" vert="horz" wrap="square" lIns="50800" tIns="50800" rIns="50800" bIns="50800" numCol="1" spcCol="38100" rtlCol="0" anchor="ctr">
+            <a:spAutoFit/>
+          </a:bodyPr>
+          <a:lstStyle/>
+          <a:p>
+            <a:pPr marL="0" marR="0" indent="0" algn="ctr" defTabSz="825500" rtl="0" fontAlgn="auto" latinLnBrk="0" hangingPunct="0">
+              <a:lnSpc>
+                <a:spcPct val="100000"/>
+              </a:lnSpc>
+              <a:spcBef>
+                <a:spcPts val="0"/>
+              </a:spcBef>
+              <a:spcAft>
+                <a:spcPts val="0"/>
+              </a:spcAft>
+              <a:buClrTx/>
+              <a:buSzTx/>
+              <a:buFontTx/>
+              <a:buNone/>
+            </a:pPr>
+            <a:r>
+              <a:rPr kumimoji="0" lang="zh-CN" altLang="en-US" sz="3000" b="0" i="0" u="none" strike="noStrike" cap="none" spc="0" normalizeH="0" baseline="0" dirty="0">
+                <a:ln>
+                  <a:noFill/>
+                </a:ln>
+                <a:solidFill>
+                  <a:srgbClr val="000000"/>
+                </a:solidFill>
+                <a:effectLst/>
+                <a:uFillTx/>
+                <a:latin typeface="Helvetica Neue Medium"/>
+                <a:ea typeface="Helvetica Neue Medium"/>
+                <a:cs typeface="Helvetica Neue Medium"/>
+                <a:sym typeface="Helvetica Neue Medium"/>
+              </a:rPr>
+              <a:t>删除结点</a:t>
+            </a:r>
+            <a:r>
+              <a:rPr kumimoji="0" lang="en-US" altLang="zh-CN" sz="3000" b="0" i="0" u="none" strike="noStrike" cap="none" spc="0" normalizeH="0" baseline="0" dirty="0">
+                <a:ln>
+                  <a:noFill/>
+                </a:ln>
+                <a:solidFill>
+                  <a:srgbClr val="000000"/>
+                </a:solidFill>
+                <a:effectLst/>
+                <a:uFillTx/>
+                <a:latin typeface="Helvetica Neue Medium"/>
+                <a:ea typeface="Helvetica Neue Medium"/>
+                <a:cs typeface="Helvetica Neue Medium"/>
+                <a:sym typeface="Helvetica Neue Medium"/>
+              </a:rPr>
+              <a:t>3</a:t>
+            </a:r>
+            <a:endParaRPr kumimoji="0" lang="zh-CN" altLang="en-US" sz="3000" b="0" i="0" u="none" strike="noStrike" cap="none" spc="0" normalizeH="0" baseline="0" dirty="0">
+              <a:ln>
+                <a:noFill/>
+              </a:ln>
+              <a:solidFill>
+                <a:srgbClr val="000000"/>
+              </a:solidFill>
+              <a:effectLst/>
+              <a:uFillTx/>
+              <a:latin typeface="Helvetica Neue Medium"/>
+              <a:ea typeface="Helvetica Neue Medium"/>
+              <a:cs typeface="Helvetica Neue Medium"/>
+              <a:sym typeface="Helvetica Neue Medium"/>
+            </a:endParaRPr>
+          </a:p>
+        </p:txBody>
+      </p:sp>
+      <p:pic>
+        <p:nvPicPr>
+          <p:cNvPr id="11" name="图片 10">
+            <a:extLst>
+              <a:ext uri="{FF2B5EF4-FFF2-40B4-BE49-F238E27FC236}">
+                <a16:creationId xmlns:a16="http://schemas.microsoft.com/office/drawing/2014/main" id="{C4483CD7-E04E-4BDF-8E3A-C3DD78F6B92C}"/>
+              </a:ext>
+            </a:extLst>
+          </p:cNvPr>
+          <p:cNvPicPr>
+            <a:picLocks noChangeAspect="1"/>
+          </p:cNvPicPr>
+          <p:nvPr/>
+        </p:nvPicPr>
+        <p:blipFill>
+          <a:blip r:embed="rId4">
+            <a:extLst>
+              <a:ext uri="{28A0092B-C50C-407E-A947-70E740481C1C}">
+                <a14:useLocalDpi xmlns:a14="http://schemas.microsoft.com/office/drawing/2010/main" val="0"/>
+              </a:ext>
+            </a:extLst>
+          </a:blip>
+          <a:stretch>
+            <a:fillRect/>
+          </a:stretch>
+        </p:blipFill>
+        <p:spPr>
+          <a:xfrm>
+            <a:off x="12889565" y="6924261"/>
+            <a:ext cx="7675469" cy="6135154"/>
+          </a:xfrm>
+          <a:prstGeom prst="rect">
+            <a:avLst/>
+          </a:prstGeom>
+        </p:spPr>
+      </p:pic>
+      <p:sp>
+        <p:nvSpPr>
+          <p:cNvPr id="14" name="文本框 13">
+            <a:extLst>
+              <a:ext uri="{FF2B5EF4-FFF2-40B4-BE49-F238E27FC236}">
+                <a16:creationId xmlns:a16="http://schemas.microsoft.com/office/drawing/2014/main" id="{FD085231-A127-4725-9D53-17024440EEE4}"/>
+              </a:ext>
+            </a:extLst>
+          </p:cNvPr>
+          <p:cNvSpPr txBox="1"/>
+          <p:nvPr/>
+        </p:nvSpPr>
+        <p:spPr>
+          <a:xfrm>
+            <a:off x="15327353" y="11396408"/>
+            <a:ext cx="2886635" cy="564257"/>
+          </a:xfrm>
+          <a:prstGeom prst="rect">
+            <a:avLst/>
+          </a:prstGeom>
+          <a:noFill/>
+          <a:ln w="12700" cap="flat">
+            <a:noFill/>
+            <a:miter lim="400000"/>
+          </a:ln>
+        </p:spPr>
+        <p:style>
+          <a:lnRef idx="0">
+            <a:scrgbClr r="0" g="0" b="0"/>
+          </a:lnRef>
+          <a:fillRef idx="0">
+            <a:scrgbClr r="0" g="0" b="0"/>
+          </a:fillRef>
+          <a:effectRef idx="0">
+            <a:scrgbClr r="0" g="0" b="0"/>
+          </a:effectRef>
+          <a:fontRef idx="none"/>
+        </p:style>
+        <p:txBody>
+          <a:bodyPr rot="0" spcFirstLastPara="1" vertOverflow="overflow" horzOverflow="overflow" vert="horz" wrap="square" lIns="50800" tIns="50800" rIns="50800" bIns="50800" numCol="1" spcCol="38100" rtlCol="0" anchor="ctr">
+            <a:spAutoFit/>
+          </a:bodyPr>
+          <a:lstStyle/>
+          <a:p>
+            <a:pPr marL="0" marR="0" indent="0" algn="ctr" defTabSz="825500" rtl="0" fontAlgn="auto" latinLnBrk="0" hangingPunct="0">
+              <a:lnSpc>
+                <a:spcPct val="100000"/>
+              </a:lnSpc>
+              <a:spcBef>
+                <a:spcPts val="0"/>
+              </a:spcBef>
+              <a:spcAft>
+                <a:spcPts val="0"/>
+              </a:spcAft>
+              <a:buClrTx/>
+              <a:buSzTx/>
+              <a:buFontTx/>
+              <a:buNone/>
+            </a:pPr>
+            <a:r>
+              <a:rPr kumimoji="0" lang="zh-CN" altLang="en-US" sz="3000" b="0" i="0" u="none" strike="noStrike" cap="none" spc="0" normalizeH="0" baseline="0" dirty="0">
+                <a:ln>
+                  <a:noFill/>
+                </a:ln>
+                <a:solidFill>
+                  <a:srgbClr val="000000"/>
+                </a:solidFill>
+                <a:effectLst/>
+                <a:uFillTx/>
+                <a:latin typeface="Helvetica Neue Medium"/>
+                <a:ea typeface="Helvetica Neue Medium"/>
+                <a:cs typeface="Helvetica Neue Medium"/>
+                <a:sym typeface="Helvetica Neue Medium"/>
+              </a:rPr>
+              <a:t>删除结点</a:t>
+            </a:r>
+            <a:r>
+              <a:rPr lang="en-US" altLang="zh-CN" dirty="0"/>
+              <a:t>5</a:t>
+            </a:r>
+            <a:endParaRPr kumimoji="0" lang="zh-CN" altLang="en-US" sz="3000" b="0" i="0" u="none" strike="noStrike" cap="none" spc="0" normalizeH="0" baseline="0" dirty="0">
+              <a:ln>
+                <a:noFill/>
+              </a:ln>
+              <a:solidFill>
+                <a:srgbClr val="000000"/>
+              </a:solidFill>
+              <a:effectLst/>
+              <a:uFillTx/>
+              <a:latin typeface="Helvetica Neue Medium"/>
+              <a:ea typeface="Helvetica Neue Medium"/>
+              <a:cs typeface="Helvetica Neue Medium"/>
+              <a:sym typeface="Helvetica Neue Medium"/>
+            </a:endParaRPr>
+          </a:p>
+        </p:txBody>
+      </p:sp>
+    </p:spTree>
+    <p:extLst>
+      <p:ext uri="{BB962C8B-B14F-4D97-AF65-F5344CB8AC3E}">
+        <p14:creationId xmlns:p14="http://schemas.microsoft.com/office/powerpoint/2010/main" val="3650214679"/>
+      </p:ext>
+    </p:extLst>
+  </p:cSld>
+  <p:clrMapOvr>
+    <a:masterClrMapping/>
+  </p:clrMapOvr>
+  <p:transition spd="med"/>
+</p:sld>
+</file>
+
+<file path=ppt/slides/slide69.xml><?xml version="1.0" encoding="utf-8"?>
+<p:sld xmlns:a="http://schemas.openxmlformats.org/drawingml/2006/main" xmlns:r="http://schemas.openxmlformats.org/officeDocument/2006/relationships" xmlns:p="http://schemas.openxmlformats.org/presentationml/2006/main">
+  <p:cSld>
+    <p:spTree>
+      <p:nvGrpSpPr>
+        <p:cNvPr id="1" name=""/>
+        <p:cNvGrpSpPr/>
+        <p:nvPr/>
+      </p:nvGrpSpPr>
+      <p:grpSpPr>
+        <a:xfrm>
+          <a:off x="0" y="0"/>
+          <a:ext cx="0" cy="0"/>
+          <a:chOff x="0" y="0"/>
+          <a:chExt cx="0" cy="0"/>
+        </a:xfrm>
+      </p:grpSpPr>
+      <p:sp>
+        <p:nvSpPr>
+          <p:cNvPr id="227" name="请在这里添加…"/>
+          <p:cNvSpPr txBox="1"/>
+          <p:nvPr/>
+        </p:nvSpPr>
+        <p:spPr>
+          <a:xfrm>
+            <a:off x="2201330" y="5204374"/>
+            <a:ext cx="11007663" cy="2221726"/>
+          </a:xfrm>
+          <a:prstGeom prst="rect">
+            <a:avLst/>
+          </a:prstGeom>
+          <a:ln w="12700">
+            <a:miter lim="400000"/>
+          </a:ln>
+        </p:spPr>
+        <p:txBody>
+          <a:bodyPr lIns="50800" tIns="50800" rIns="50800" bIns="50800">
+            <a:spAutoFit/>
+          </a:bodyPr>
+          <a:lstStyle>
+            <a:lvl1pPr algn="l">
+              <a:defRPr sz="14000" b="1">
+                <a:solidFill>
+                  <a:srgbClr val="FFFFFF"/>
+                </a:solidFill>
+                <a:latin typeface="+mn-lt"/>
+                <a:ea typeface="+mn-ea"/>
+                <a:cs typeface="+mn-cs"/>
+                <a:sym typeface="Helvetica Neue"/>
+              </a:defRPr>
+            </a:lvl1pPr>
+          </a:lstStyle>
+          <a:p>
+            <a:r>
+              <a:t>Thank you</a:t>
+            </a:r>
+          </a:p>
+        </p:txBody>
+      </p:sp>
+    </p:spTree>
   </p:cSld>
   <p:clrMapOvr>
     <a:masterClrMapping/>

--- a/数据结构之树.pptx
+++ b/数据结构之树.pptx
@@ -5,78 +5,78 @@
     <p:sldMasterId id="2147483648" r:id="rId1"/>
   </p:sldMasterIdLst>
   <p:notesMasterIdLst>
-    <p:notesMasterId r:id="rId71"/>
+    <p:notesMasterId r:id="rId8"/>
   </p:notesMasterIdLst>
   <p:sldIdLst>
-    <p:sldId id="256" r:id="rId2"/>
-    <p:sldId id="257" r:id="rId3"/>
-    <p:sldId id="315" r:id="rId4"/>
-    <p:sldId id="352" r:id="rId5"/>
-    <p:sldId id="272" r:id="rId6"/>
-    <p:sldId id="353" r:id="rId7"/>
-    <p:sldId id="354" r:id="rId8"/>
-    <p:sldId id="355" r:id="rId9"/>
-    <p:sldId id="360" r:id="rId10"/>
-    <p:sldId id="362" r:id="rId11"/>
-    <p:sldId id="361" r:id="rId12"/>
-    <p:sldId id="356" r:id="rId13"/>
-    <p:sldId id="357" r:id="rId14"/>
-    <p:sldId id="358" r:id="rId15"/>
-    <p:sldId id="359" r:id="rId16"/>
-    <p:sldId id="363" r:id="rId17"/>
-    <p:sldId id="364" r:id="rId18"/>
-    <p:sldId id="365" r:id="rId19"/>
-    <p:sldId id="366" r:id="rId20"/>
-    <p:sldId id="367" r:id="rId21"/>
-    <p:sldId id="368" r:id="rId22"/>
-    <p:sldId id="369" r:id="rId23"/>
-    <p:sldId id="370" r:id="rId24"/>
-    <p:sldId id="371" r:id="rId25"/>
-    <p:sldId id="372" r:id="rId26"/>
-    <p:sldId id="373" r:id="rId27"/>
-    <p:sldId id="374" r:id="rId28"/>
-    <p:sldId id="377" r:id="rId29"/>
-    <p:sldId id="375" r:id="rId30"/>
-    <p:sldId id="376" r:id="rId31"/>
-    <p:sldId id="378" r:id="rId32"/>
-    <p:sldId id="379" r:id="rId33"/>
-    <p:sldId id="380" r:id="rId34"/>
-    <p:sldId id="381" r:id="rId35"/>
-    <p:sldId id="382" r:id="rId36"/>
-    <p:sldId id="383" r:id="rId37"/>
-    <p:sldId id="384" r:id="rId38"/>
-    <p:sldId id="385" r:id="rId39"/>
-    <p:sldId id="386" r:id="rId40"/>
-    <p:sldId id="387" r:id="rId41"/>
-    <p:sldId id="388" r:id="rId42"/>
-    <p:sldId id="389" r:id="rId43"/>
-    <p:sldId id="390" r:id="rId44"/>
-    <p:sldId id="391" r:id="rId45"/>
-    <p:sldId id="392" r:id="rId46"/>
-    <p:sldId id="393" r:id="rId47"/>
-    <p:sldId id="394" r:id="rId48"/>
-    <p:sldId id="395" r:id="rId49"/>
-    <p:sldId id="396" r:id="rId50"/>
-    <p:sldId id="397" r:id="rId51"/>
-    <p:sldId id="398" r:id="rId52"/>
-    <p:sldId id="399" r:id="rId53"/>
-    <p:sldId id="400" r:id="rId54"/>
-    <p:sldId id="401" r:id="rId55"/>
-    <p:sldId id="402" r:id="rId56"/>
-    <p:sldId id="403" r:id="rId57"/>
-    <p:sldId id="404" r:id="rId58"/>
-    <p:sldId id="405" r:id="rId59"/>
-    <p:sldId id="407" r:id="rId60"/>
-    <p:sldId id="408" r:id="rId61"/>
-    <p:sldId id="409" r:id="rId62"/>
-    <p:sldId id="410" r:id="rId63"/>
-    <p:sldId id="411" r:id="rId64"/>
-    <p:sldId id="412" r:id="rId65"/>
-    <p:sldId id="414" r:id="rId66"/>
-    <p:sldId id="413" r:id="rId67"/>
-    <p:sldId id="415" r:id="rId68"/>
-    <p:sldId id="416" r:id="rId69"/>
-    <p:sldId id="263" r:id="rId70"/>
+    <p:sldId id="256" r:id="rId3"/>
+    <p:sldId id="257" r:id="rId4"/>
+    <p:sldId id="315" r:id="rId5"/>
+    <p:sldId id="352" r:id="rId6"/>
+    <p:sldId id="272" r:id="rId7"/>
+    <p:sldId id="353" r:id="rId9"/>
+    <p:sldId id="354" r:id="rId10"/>
+    <p:sldId id="355" r:id="rId11"/>
+    <p:sldId id="360" r:id="rId12"/>
+    <p:sldId id="362" r:id="rId13"/>
+    <p:sldId id="361" r:id="rId14"/>
+    <p:sldId id="356" r:id="rId15"/>
+    <p:sldId id="357" r:id="rId16"/>
+    <p:sldId id="358" r:id="rId17"/>
+    <p:sldId id="359" r:id="rId18"/>
+    <p:sldId id="363" r:id="rId19"/>
+    <p:sldId id="364" r:id="rId20"/>
+    <p:sldId id="365" r:id="rId21"/>
+    <p:sldId id="366" r:id="rId22"/>
+    <p:sldId id="367" r:id="rId23"/>
+    <p:sldId id="368" r:id="rId24"/>
+    <p:sldId id="369" r:id="rId25"/>
+    <p:sldId id="370" r:id="rId26"/>
+    <p:sldId id="371" r:id="rId27"/>
+    <p:sldId id="372" r:id="rId28"/>
+    <p:sldId id="373" r:id="rId29"/>
+    <p:sldId id="374" r:id="rId30"/>
+    <p:sldId id="377" r:id="rId31"/>
+    <p:sldId id="375" r:id="rId32"/>
+    <p:sldId id="376" r:id="rId33"/>
+    <p:sldId id="378" r:id="rId34"/>
+    <p:sldId id="379" r:id="rId35"/>
+    <p:sldId id="380" r:id="rId36"/>
+    <p:sldId id="381" r:id="rId37"/>
+    <p:sldId id="382" r:id="rId38"/>
+    <p:sldId id="383" r:id="rId39"/>
+    <p:sldId id="384" r:id="rId40"/>
+    <p:sldId id="385" r:id="rId41"/>
+    <p:sldId id="386" r:id="rId42"/>
+    <p:sldId id="387" r:id="rId43"/>
+    <p:sldId id="388" r:id="rId44"/>
+    <p:sldId id="389" r:id="rId45"/>
+    <p:sldId id="390" r:id="rId46"/>
+    <p:sldId id="391" r:id="rId47"/>
+    <p:sldId id="392" r:id="rId48"/>
+    <p:sldId id="393" r:id="rId49"/>
+    <p:sldId id="394" r:id="rId50"/>
+    <p:sldId id="395" r:id="rId51"/>
+    <p:sldId id="396" r:id="rId52"/>
+    <p:sldId id="397" r:id="rId53"/>
+    <p:sldId id="398" r:id="rId54"/>
+    <p:sldId id="399" r:id="rId55"/>
+    <p:sldId id="400" r:id="rId56"/>
+    <p:sldId id="401" r:id="rId57"/>
+    <p:sldId id="402" r:id="rId58"/>
+    <p:sldId id="403" r:id="rId59"/>
+    <p:sldId id="404" r:id="rId60"/>
+    <p:sldId id="405" r:id="rId61"/>
+    <p:sldId id="407" r:id="rId62"/>
+    <p:sldId id="408" r:id="rId63"/>
+    <p:sldId id="409" r:id="rId64"/>
+    <p:sldId id="410" r:id="rId65"/>
+    <p:sldId id="411" r:id="rId66"/>
+    <p:sldId id="412" r:id="rId67"/>
+    <p:sldId id="414" r:id="rId68"/>
+    <p:sldId id="413" r:id="rId69"/>
+    <p:sldId id="415" r:id="rId70"/>
+    <p:sldId id="416" r:id="rId71"/>
+    <p:sldId id="263" r:id="rId72"/>
   </p:sldIdLst>
   <p:sldSz cx="24384000" cy="13716000"/>
   <p:notesSz cx="6858000" cy="9144000"/>
@@ -368,23 +368,12 @@
       </a:defRPr>
     </a:lvl9pPr>
   </p:defaultTextStyle>
-  <p:extLst>
-    <p:ext uri="{EFAFB233-063F-42B5-8137-9DF3F51BA10A}">
-      <p15:sldGuideLst xmlns:p15="http://schemas.microsoft.com/office/powerpoint/2012/main"/>
-    </p:ext>
-  </p:extLst>
 </p:presentation>
 </file>
 
 <file path=ppt/commentAuthors.xml><?xml version="1.0" encoding="utf-8"?>
 <p:cmAuthorLst xmlns:a="http://schemas.openxmlformats.org/drawingml/2006/main" xmlns:r="http://schemas.openxmlformats.org/officeDocument/2006/relationships" xmlns:p="http://schemas.openxmlformats.org/presentationml/2006/main">
-  <p:cmAuthor id="1" name="ainililia@163.com" initials="a" lastIdx="1" clrIdx="0">
-    <p:extLst>
-      <p:ext uri="{19B8F6BF-5375-455C-9EA6-DF929625EA0E}">
-        <p15:presenceInfo xmlns:p15="http://schemas.microsoft.com/office/powerpoint/2012/main" userId="2fd8e8f2b70c0489" providerId="Windows Live"/>
-      </p:ext>
-    </p:extLst>
-  </p:cmAuthor>
+  <p:cmAuthor id="1" name="ainililia@163.com" initials="a" lastIdx="1" clrIdx="0"/>
 </p:cmAuthorLst>
 </file>
 
@@ -432,9 +421,7 @@
         <p:txBody>
           <a:bodyPr/>
           <a:lstStyle/>
-          <a:p>
-            <a:endParaRPr/>
-          </a:p>
+          <a:p/>
         </p:txBody>
       </p:sp>
       <p:sp>
@@ -459,9 +446,7 @@
         <p:txBody>
           <a:bodyPr/>
           <a:lstStyle/>
-          <a:p>
-            <a:endParaRPr/>
-          </a:p>
+          <a:p/>
         </p:txBody>
       </p:sp>
     </p:spTree>
@@ -686,11 +671,6 @@
         </p:txBody>
       </p:sp>
     </p:spTree>
-    <p:extLst>
-      <p:ext uri="{BB962C8B-B14F-4D97-AF65-F5344CB8AC3E}">
-        <p14:creationId xmlns:p14="http://schemas.microsoft.com/office/powerpoint/2010/main" val="426004249"/>
-      </p:ext>
-    </p:extLst>
   </p:cSld>
   <p:clrMapOvr>
     <a:masterClrMapping/>
@@ -752,11 +732,6 @@
         </p:txBody>
       </p:sp>
     </p:spTree>
-    <p:extLst>
-      <p:ext uri="{BB962C8B-B14F-4D97-AF65-F5344CB8AC3E}">
-        <p14:creationId xmlns:p14="http://schemas.microsoft.com/office/powerpoint/2010/main" val="2219155693"/>
-      </p:ext>
-    </p:extLst>
   </p:cSld>
   <p:clrMapOvr>
     <a:masterClrMapping/>
@@ -818,11 +793,6 @@
         </p:txBody>
       </p:sp>
     </p:spTree>
-    <p:extLst>
-      <p:ext uri="{BB962C8B-B14F-4D97-AF65-F5344CB8AC3E}">
-        <p14:creationId xmlns:p14="http://schemas.microsoft.com/office/powerpoint/2010/main" val="407204347"/>
-      </p:ext>
-    </p:extLst>
   </p:cSld>
   <p:clrMapOvr>
     <a:masterClrMapping/>
@@ -884,11 +854,6 @@
         </p:txBody>
       </p:sp>
     </p:spTree>
-    <p:extLst>
-      <p:ext uri="{BB962C8B-B14F-4D97-AF65-F5344CB8AC3E}">
-        <p14:creationId xmlns:p14="http://schemas.microsoft.com/office/powerpoint/2010/main" val="3372129596"/>
-      </p:ext>
-    </p:extLst>
   </p:cSld>
   <p:clrMapOvr>
     <a:masterClrMapping/>
@@ -950,11 +915,6 @@
         </p:txBody>
       </p:sp>
     </p:spTree>
-    <p:extLst>
-      <p:ext uri="{BB962C8B-B14F-4D97-AF65-F5344CB8AC3E}">
-        <p14:creationId xmlns:p14="http://schemas.microsoft.com/office/powerpoint/2010/main" val="3526525247"/>
-      </p:ext>
-    </p:extLst>
   </p:cSld>
   <p:clrMapOvr>
     <a:masterClrMapping/>
@@ -1016,11 +976,6 @@
         </p:txBody>
       </p:sp>
     </p:spTree>
-    <p:extLst>
-      <p:ext uri="{BB962C8B-B14F-4D97-AF65-F5344CB8AC3E}">
-        <p14:creationId xmlns:p14="http://schemas.microsoft.com/office/powerpoint/2010/main" val="229324990"/>
-      </p:ext>
-    </p:extLst>
   </p:cSld>
   <p:clrMapOvr>
     <a:masterClrMapping/>
@@ -1082,11 +1037,6 @@
         </p:txBody>
       </p:sp>
     </p:spTree>
-    <p:extLst>
-      <p:ext uri="{BB962C8B-B14F-4D97-AF65-F5344CB8AC3E}">
-        <p14:creationId xmlns:p14="http://schemas.microsoft.com/office/powerpoint/2010/main" val="3553693013"/>
-      </p:ext>
-    </p:extLst>
   </p:cSld>
   <p:clrMapOvr>
     <a:masterClrMapping/>
@@ -1148,11 +1098,6 @@
         </p:txBody>
       </p:sp>
     </p:spTree>
-    <p:extLst>
-      <p:ext uri="{BB962C8B-B14F-4D97-AF65-F5344CB8AC3E}">
-        <p14:creationId xmlns:p14="http://schemas.microsoft.com/office/powerpoint/2010/main" val="648162311"/>
-      </p:ext>
-    </p:extLst>
   </p:cSld>
   <p:clrMapOvr>
     <a:masterClrMapping/>
@@ -1214,11 +1159,6 @@
         </p:txBody>
       </p:sp>
     </p:spTree>
-    <p:extLst>
-      <p:ext uri="{BB962C8B-B14F-4D97-AF65-F5344CB8AC3E}">
-        <p14:creationId xmlns:p14="http://schemas.microsoft.com/office/powerpoint/2010/main" val="1069868844"/>
-      </p:ext>
-    </p:extLst>
   </p:cSld>
   <p:clrMapOvr>
     <a:masterClrMapping/>
@@ -1280,11 +1220,6 @@
         </p:txBody>
       </p:sp>
     </p:spTree>
-    <p:extLst>
-      <p:ext uri="{BB962C8B-B14F-4D97-AF65-F5344CB8AC3E}">
-        <p14:creationId xmlns:p14="http://schemas.microsoft.com/office/powerpoint/2010/main" val="3374141336"/>
-      </p:ext>
-    </p:extLst>
   </p:cSld>
   <p:clrMapOvr>
     <a:masterClrMapping/>
@@ -1346,11 +1281,6 @@
         </p:txBody>
       </p:sp>
     </p:spTree>
-    <p:extLst>
-      <p:ext uri="{BB962C8B-B14F-4D97-AF65-F5344CB8AC3E}">
-        <p14:creationId xmlns:p14="http://schemas.microsoft.com/office/powerpoint/2010/main" val="657522655"/>
-      </p:ext>
-    </p:extLst>
   </p:cSld>
   <p:clrMapOvr>
     <a:masterClrMapping/>
@@ -1412,11 +1342,6 @@
         </p:txBody>
       </p:sp>
     </p:spTree>
-    <p:extLst>
-      <p:ext uri="{BB962C8B-B14F-4D97-AF65-F5344CB8AC3E}">
-        <p14:creationId xmlns:p14="http://schemas.microsoft.com/office/powerpoint/2010/main" val="3014982577"/>
-      </p:ext>
-    </p:extLst>
   </p:cSld>
   <p:clrMapOvr>
     <a:masterClrMapping/>
@@ -1478,11 +1403,6 @@
         </p:txBody>
       </p:sp>
     </p:spTree>
-    <p:extLst>
-      <p:ext uri="{BB962C8B-B14F-4D97-AF65-F5344CB8AC3E}">
-        <p14:creationId xmlns:p14="http://schemas.microsoft.com/office/powerpoint/2010/main" val="2835304337"/>
-      </p:ext>
-    </p:extLst>
   </p:cSld>
   <p:clrMapOvr>
     <a:masterClrMapping/>
@@ -1544,11 +1464,6 @@
         </p:txBody>
       </p:sp>
     </p:spTree>
-    <p:extLst>
-      <p:ext uri="{BB962C8B-B14F-4D97-AF65-F5344CB8AC3E}">
-        <p14:creationId xmlns:p14="http://schemas.microsoft.com/office/powerpoint/2010/main" val="778689759"/>
-      </p:ext>
-    </p:extLst>
   </p:cSld>
   <p:clrMapOvr>
     <a:masterClrMapping/>
@@ -1610,11 +1525,6 @@
         </p:txBody>
       </p:sp>
     </p:spTree>
-    <p:extLst>
-      <p:ext uri="{BB962C8B-B14F-4D97-AF65-F5344CB8AC3E}">
-        <p14:creationId xmlns:p14="http://schemas.microsoft.com/office/powerpoint/2010/main" val="1320455953"/>
-      </p:ext>
-    </p:extLst>
   </p:cSld>
   <p:clrMapOvr>
     <a:masterClrMapping/>
@@ -1676,11 +1586,6 @@
         </p:txBody>
       </p:sp>
     </p:spTree>
-    <p:extLst>
-      <p:ext uri="{BB962C8B-B14F-4D97-AF65-F5344CB8AC3E}">
-        <p14:creationId xmlns:p14="http://schemas.microsoft.com/office/powerpoint/2010/main" val="3683467801"/>
-      </p:ext>
-    </p:extLst>
   </p:cSld>
   <p:clrMapOvr>
     <a:masterClrMapping/>
@@ -1742,11 +1647,6 @@
         </p:txBody>
       </p:sp>
     </p:spTree>
-    <p:extLst>
-      <p:ext uri="{BB962C8B-B14F-4D97-AF65-F5344CB8AC3E}">
-        <p14:creationId xmlns:p14="http://schemas.microsoft.com/office/powerpoint/2010/main" val="1195527653"/>
-      </p:ext>
-    </p:extLst>
   </p:cSld>
   <p:clrMapOvr>
     <a:masterClrMapping/>
@@ -1808,11 +1708,6 @@
         </p:txBody>
       </p:sp>
     </p:spTree>
-    <p:extLst>
-      <p:ext uri="{BB962C8B-B14F-4D97-AF65-F5344CB8AC3E}">
-        <p14:creationId xmlns:p14="http://schemas.microsoft.com/office/powerpoint/2010/main" val="2319483955"/>
-      </p:ext>
-    </p:extLst>
   </p:cSld>
   <p:clrMapOvr>
     <a:masterClrMapping/>
@@ -1874,11 +1769,6 @@
         </p:txBody>
       </p:sp>
     </p:spTree>
-    <p:extLst>
-      <p:ext uri="{BB962C8B-B14F-4D97-AF65-F5344CB8AC3E}">
-        <p14:creationId xmlns:p14="http://schemas.microsoft.com/office/powerpoint/2010/main" val="4073359974"/>
-      </p:ext>
-    </p:extLst>
   </p:cSld>
   <p:clrMapOvr>
     <a:masterClrMapping/>
@@ -1940,11 +1830,6 @@
         </p:txBody>
       </p:sp>
     </p:spTree>
-    <p:extLst>
-      <p:ext uri="{BB962C8B-B14F-4D97-AF65-F5344CB8AC3E}">
-        <p14:creationId xmlns:p14="http://schemas.microsoft.com/office/powerpoint/2010/main" val="1461632850"/>
-      </p:ext>
-    </p:extLst>
   </p:cSld>
   <p:clrMapOvr>
     <a:masterClrMapping/>
@@ -2006,11 +1891,6 @@
         </p:txBody>
       </p:sp>
     </p:spTree>
-    <p:extLst>
-      <p:ext uri="{BB962C8B-B14F-4D97-AF65-F5344CB8AC3E}">
-        <p14:creationId xmlns:p14="http://schemas.microsoft.com/office/powerpoint/2010/main" val="625364767"/>
-      </p:ext>
-    </p:extLst>
   </p:cSld>
   <p:clrMapOvr>
     <a:masterClrMapping/>
@@ -2072,11 +1952,6 @@
         </p:txBody>
       </p:sp>
     </p:spTree>
-    <p:extLst>
-      <p:ext uri="{BB962C8B-B14F-4D97-AF65-F5344CB8AC3E}">
-        <p14:creationId xmlns:p14="http://schemas.microsoft.com/office/powerpoint/2010/main" val="3024100954"/>
-      </p:ext>
-    </p:extLst>
   </p:cSld>
   <p:clrMapOvr>
     <a:masterClrMapping/>
@@ -2138,11 +2013,6 @@
         </p:txBody>
       </p:sp>
     </p:spTree>
-    <p:extLst>
-      <p:ext uri="{BB962C8B-B14F-4D97-AF65-F5344CB8AC3E}">
-        <p14:creationId xmlns:p14="http://schemas.microsoft.com/office/powerpoint/2010/main" val="3680368890"/>
-      </p:ext>
-    </p:extLst>
   </p:cSld>
   <p:clrMapOvr>
     <a:masterClrMapping/>
@@ -2204,11 +2074,6 @@
         </p:txBody>
       </p:sp>
     </p:spTree>
-    <p:extLst>
-      <p:ext uri="{BB962C8B-B14F-4D97-AF65-F5344CB8AC3E}">
-        <p14:creationId xmlns:p14="http://schemas.microsoft.com/office/powerpoint/2010/main" val="3219434093"/>
-      </p:ext>
-    </p:extLst>
   </p:cSld>
   <p:clrMapOvr>
     <a:masterClrMapping/>
@@ -2270,11 +2135,6 @@
         </p:txBody>
       </p:sp>
     </p:spTree>
-    <p:extLst>
-      <p:ext uri="{BB962C8B-B14F-4D97-AF65-F5344CB8AC3E}">
-        <p14:creationId xmlns:p14="http://schemas.microsoft.com/office/powerpoint/2010/main" val="2716547032"/>
-      </p:ext>
-    </p:extLst>
   </p:cSld>
   <p:clrMapOvr>
     <a:masterClrMapping/>
@@ -2336,11 +2196,6 @@
         </p:txBody>
       </p:sp>
     </p:spTree>
-    <p:extLst>
-      <p:ext uri="{BB962C8B-B14F-4D97-AF65-F5344CB8AC3E}">
-        <p14:creationId xmlns:p14="http://schemas.microsoft.com/office/powerpoint/2010/main" val="1575590508"/>
-      </p:ext>
-    </p:extLst>
   </p:cSld>
   <p:clrMapOvr>
     <a:masterClrMapping/>
@@ -2402,11 +2257,6 @@
         </p:txBody>
       </p:sp>
     </p:spTree>
-    <p:extLst>
-      <p:ext uri="{BB962C8B-B14F-4D97-AF65-F5344CB8AC3E}">
-        <p14:creationId xmlns:p14="http://schemas.microsoft.com/office/powerpoint/2010/main" val="1777052355"/>
-      </p:ext>
-    </p:extLst>
   </p:cSld>
   <p:clrMapOvr>
     <a:masterClrMapping/>
@@ -2468,11 +2318,6 @@
         </p:txBody>
       </p:sp>
     </p:spTree>
-    <p:extLst>
-      <p:ext uri="{BB962C8B-B14F-4D97-AF65-F5344CB8AC3E}">
-        <p14:creationId xmlns:p14="http://schemas.microsoft.com/office/powerpoint/2010/main" val="3925132297"/>
-      </p:ext>
-    </p:extLst>
   </p:cSld>
   <p:clrMapOvr>
     <a:masterClrMapping/>
@@ -2534,11 +2379,6 @@
         </p:txBody>
       </p:sp>
     </p:spTree>
-    <p:extLst>
-      <p:ext uri="{BB962C8B-B14F-4D97-AF65-F5344CB8AC3E}">
-        <p14:creationId xmlns:p14="http://schemas.microsoft.com/office/powerpoint/2010/main" val="2075759867"/>
-      </p:ext>
-    </p:extLst>
   </p:cSld>
   <p:clrMapOvr>
     <a:masterClrMapping/>
@@ -2600,11 +2440,6 @@
         </p:txBody>
       </p:sp>
     </p:spTree>
-    <p:extLst>
-      <p:ext uri="{BB962C8B-B14F-4D97-AF65-F5344CB8AC3E}">
-        <p14:creationId xmlns:p14="http://schemas.microsoft.com/office/powerpoint/2010/main" val="4262086642"/>
-      </p:ext>
-    </p:extLst>
   </p:cSld>
   <p:clrMapOvr>
     <a:masterClrMapping/>
@@ -2666,11 +2501,6 @@
         </p:txBody>
       </p:sp>
     </p:spTree>
-    <p:extLst>
-      <p:ext uri="{BB962C8B-B14F-4D97-AF65-F5344CB8AC3E}">
-        <p14:creationId xmlns:p14="http://schemas.microsoft.com/office/powerpoint/2010/main" val="3510342109"/>
-      </p:ext>
-    </p:extLst>
   </p:cSld>
   <p:clrMapOvr>
     <a:masterClrMapping/>
@@ -2732,11 +2562,6 @@
         </p:txBody>
       </p:sp>
     </p:spTree>
-    <p:extLst>
-      <p:ext uri="{BB962C8B-B14F-4D97-AF65-F5344CB8AC3E}">
-        <p14:creationId xmlns:p14="http://schemas.microsoft.com/office/powerpoint/2010/main" val="318547024"/>
-      </p:ext>
-    </p:extLst>
   </p:cSld>
   <p:clrMapOvr>
     <a:masterClrMapping/>
@@ -2798,11 +2623,6 @@
         </p:txBody>
       </p:sp>
     </p:spTree>
-    <p:extLst>
-      <p:ext uri="{BB962C8B-B14F-4D97-AF65-F5344CB8AC3E}">
-        <p14:creationId xmlns:p14="http://schemas.microsoft.com/office/powerpoint/2010/main" val="3126415705"/>
-      </p:ext>
-    </p:extLst>
   </p:cSld>
   <p:clrMapOvr>
     <a:masterClrMapping/>
@@ -2864,11 +2684,6 @@
         </p:txBody>
       </p:sp>
     </p:spTree>
-    <p:extLst>
-      <p:ext uri="{BB962C8B-B14F-4D97-AF65-F5344CB8AC3E}">
-        <p14:creationId xmlns:p14="http://schemas.microsoft.com/office/powerpoint/2010/main" val="2749733565"/>
-      </p:ext>
-    </p:extLst>
   </p:cSld>
   <p:clrMapOvr>
     <a:masterClrMapping/>
@@ -2930,11 +2745,6 @@
         </p:txBody>
       </p:sp>
     </p:spTree>
-    <p:extLst>
-      <p:ext uri="{BB962C8B-B14F-4D97-AF65-F5344CB8AC3E}">
-        <p14:creationId xmlns:p14="http://schemas.microsoft.com/office/powerpoint/2010/main" val="2453193762"/>
-      </p:ext>
-    </p:extLst>
   </p:cSld>
   <p:clrMapOvr>
     <a:masterClrMapping/>
@@ -2996,11 +2806,6 @@
         </p:txBody>
       </p:sp>
     </p:spTree>
-    <p:extLst>
-      <p:ext uri="{BB962C8B-B14F-4D97-AF65-F5344CB8AC3E}">
-        <p14:creationId xmlns:p14="http://schemas.microsoft.com/office/powerpoint/2010/main" val="1877875148"/>
-      </p:ext>
-    </p:extLst>
   </p:cSld>
   <p:clrMapOvr>
     <a:masterClrMapping/>
@@ -3062,11 +2867,6 @@
         </p:txBody>
       </p:sp>
     </p:spTree>
-    <p:extLst>
-      <p:ext uri="{BB962C8B-B14F-4D97-AF65-F5344CB8AC3E}">
-        <p14:creationId xmlns:p14="http://schemas.microsoft.com/office/powerpoint/2010/main" val="1235083395"/>
-      </p:ext>
-    </p:extLst>
   </p:cSld>
   <p:clrMapOvr>
     <a:masterClrMapping/>
@@ -3128,11 +2928,6 @@
         </p:txBody>
       </p:sp>
     </p:spTree>
-    <p:extLst>
-      <p:ext uri="{BB962C8B-B14F-4D97-AF65-F5344CB8AC3E}">
-        <p14:creationId xmlns:p14="http://schemas.microsoft.com/office/powerpoint/2010/main" val="1639734556"/>
-      </p:ext>
-    </p:extLst>
   </p:cSld>
   <p:clrMapOvr>
     <a:masterClrMapping/>
@@ -3194,11 +2989,6 @@
         </p:txBody>
       </p:sp>
     </p:spTree>
-    <p:extLst>
-      <p:ext uri="{BB962C8B-B14F-4D97-AF65-F5344CB8AC3E}">
-        <p14:creationId xmlns:p14="http://schemas.microsoft.com/office/powerpoint/2010/main" val="1858475142"/>
-      </p:ext>
-    </p:extLst>
   </p:cSld>
   <p:clrMapOvr>
     <a:masterClrMapping/>
@@ -3260,11 +3050,6 @@
         </p:txBody>
       </p:sp>
     </p:spTree>
-    <p:extLst>
-      <p:ext uri="{BB962C8B-B14F-4D97-AF65-F5344CB8AC3E}">
-        <p14:creationId xmlns:p14="http://schemas.microsoft.com/office/powerpoint/2010/main" val="3537128242"/>
-      </p:ext>
-    </p:extLst>
   </p:cSld>
   <p:clrMapOvr>
     <a:masterClrMapping/>
@@ -3326,11 +3111,6 @@
         </p:txBody>
       </p:sp>
     </p:spTree>
-    <p:extLst>
-      <p:ext uri="{BB962C8B-B14F-4D97-AF65-F5344CB8AC3E}">
-        <p14:creationId xmlns:p14="http://schemas.microsoft.com/office/powerpoint/2010/main" val="1481320833"/>
-      </p:ext>
-    </p:extLst>
   </p:cSld>
   <p:clrMapOvr>
     <a:masterClrMapping/>
@@ -3392,11 +3172,6 @@
         </p:txBody>
       </p:sp>
     </p:spTree>
-    <p:extLst>
-      <p:ext uri="{BB962C8B-B14F-4D97-AF65-F5344CB8AC3E}">
-        <p14:creationId xmlns:p14="http://schemas.microsoft.com/office/powerpoint/2010/main" val="4200379514"/>
-      </p:ext>
-    </p:extLst>
   </p:cSld>
   <p:clrMapOvr>
     <a:masterClrMapping/>
@@ -3458,11 +3233,6 @@
         </p:txBody>
       </p:sp>
     </p:spTree>
-    <p:extLst>
-      <p:ext uri="{BB962C8B-B14F-4D97-AF65-F5344CB8AC3E}">
-        <p14:creationId xmlns:p14="http://schemas.microsoft.com/office/powerpoint/2010/main" val="3506374045"/>
-      </p:ext>
-    </p:extLst>
   </p:cSld>
   <p:clrMapOvr>
     <a:masterClrMapping/>
@@ -3524,11 +3294,6 @@
         </p:txBody>
       </p:sp>
     </p:spTree>
-    <p:extLst>
-      <p:ext uri="{BB962C8B-B14F-4D97-AF65-F5344CB8AC3E}">
-        <p14:creationId xmlns:p14="http://schemas.microsoft.com/office/powerpoint/2010/main" val="2428933939"/>
-      </p:ext>
-    </p:extLst>
   </p:cSld>
   <p:clrMapOvr>
     <a:masterClrMapping/>
@@ -3590,11 +3355,6 @@
         </p:txBody>
       </p:sp>
     </p:spTree>
-    <p:extLst>
-      <p:ext uri="{BB962C8B-B14F-4D97-AF65-F5344CB8AC3E}">
-        <p14:creationId xmlns:p14="http://schemas.microsoft.com/office/powerpoint/2010/main" val="1491640514"/>
-      </p:ext>
-    </p:extLst>
   </p:cSld>
   <p:clrMapOvr>
     <a:masterClrMapping/>
@@ -3656,11 +3416,6 @@
         </p:txBody>
       </p:sp>
     </p:spTree>
-    <p:extLst>
-      <p:ext uri="{BB962C8B-B14F-4D97-AF65-F5344CB8AC3E}">
-        <p14:creationId xmlns:p14="http://schemas.microsoft.com/office/powerpoint/2010/main" val="1893294219"/>
-      </p:ext>
-    </p:extLst>
   </p:cSld>
   <p:clrMapOvr>
     <a:masterClrMapping/>
@@ -3722,11 +3477,6 @@
         </p:txBody>
       </p:sp>
     </p:spTree>
-    <p:extLst>
-      <p:ext uri="{BB962C8B-B14F-4D97-AF65-F5344CB8AC3E}">
-        <p14:creationId xmlns:p14="http://schemas.microsoft.com/office/powerpoint/2010/main" val="1233586136"/>
-      </p:ext>
-    </p:extLst>
   </p:cSld>
   <p:clrMapOvr>
     <a:masterClrMapping/>
@@ -3788,11 +3538,6 @@
         </p:txBody>
       </p:sp>
     </p:spTree>
-    <p:extLst>
-      <p:ext uri="{BB962C8B-B14F-4D97-AF65-F5344CB8AC3E}">
-        <p14:creationId xmlns:p14="http://schemas.microsoft.com/office/powerpoint/2010/main" val="825397236"/>
-      </p:ext>
-    </p:extLst>
   </p:cSld>
   <p:clrMapOvr>
     <a:masterClrMapping/>
@@ -3854,11 +3599,6 @@
         </p:txBody>
       </p:sp>
     </p:spTree>
-    <p:extLst>
-      <p:ext uri="{BB962C8B-B14F-4D97-AF65-F5344CB8AC3E}">
-        <p14:creationId xmlns:p14="http://schemas.microsoft.com/office/powerpoint/2010/main" val="447267914"/>
-      </p:ext>
-    </p:extLst>
   </p:cSld>
   <p:clrMapOvr>
     <a:masterClrMapping/>
@@ -3920,11 +3660,6 @@
         </p:txBody>
       </p:sp>
     </p:spTree>
-    <p:extLst>
-      <p:ext uri="{BB962C8B-B14F-4D97-AF65-F5344CB8AC3E}">
-        <p14:creationId xmlns:p14="http://schemas.microsoft.com/office/powerpoint/2010/main" val="1267280105"/>
-      </p:ext>
-    </p:extLst>
   </p:cSld>
   <p:clrMapOvr>
     <a:masterClrMapping/>
@@ -3986,11 +3721,6 @@
         </p:txBody>
       </p:sp>
     </p:spTree>
-    <p:extLst>
-      <p:ext uri="{BB962C8B-B14F-4D97-AF65-F5344CB8AC3E}">
-        <p14:creationId xmlns:p14="http://schemas.microsoft.com/office/powerpoint/2010/main" val="2993298787"/>
-      </p:ext>
-    </p:extLst>
   </p:cSld>
   <p:clrMapOvr>
     <a:masterClrMapping/>
@@ -4052,11 +3782,6 @@
         </p:txBody>
       </p:sp>
     </p:spTree>
-    <p:extLst>
-      <p:ext uri="{BB962C8B-B14F-4D97-AF65-F5344CB8AC3E}">
-        <p14:creationId xmlns:p14="http://schemas.microsoft.com/office/powerpoint/2010/main" val="2978548335"/>
-      </p:ext>
-    </p:extLst>
   </p:cSld>
   <p:clrMapOvr>
     <a:masterClrMapping/>
@@ -4225,7 +3950,6 @@
           <a:p>
             <a:fld id="{86CB4B4D-7CA3-9044-876B-883B54F8677D}" type="slidenum">
               <a:rPr/>
-              <a:t>‹#›</a:t>
             </a:fld>
             <a:endParaRPr/>
           </a:p>
@@ -4379,7 +4103,6 @@
                 <a:sym typeface="Helvetica Neue Medium"/>
               </a:defRPr>
             </a:pPr>
-            <a:endParaRPr/>
           </a:p>
         </p:txBody>
       </p:sp>
@@ -4404,7 +4127,6 @@
           <a:p>
             <a:fld id="{86CB4B4D-7CA3-9044-876B-883B54F8677D}" type="slidenum">
               <a:rPr/>
-              <a:t>‹#›</a:t>
             </a:fld>
             <a:endParaRPr/>
           </a:p>
@@ -4460,9 +4182,7 @@
             <a:noAutofit/>
           </a:bodyPr>
           <a:lstStyle/>
-          <a:p>
-            <a:endParaRPr/>
-          </a:p>
+          <a:p/>
         </p:txBody>
       </p:sp>
       <p:sp>
@@ -4486,7 +4206,6 @@
           <a:p>
             <a:fld id="{86CB4B4D-7CA3-9044-876B-883B54F8677D}" type="slidenum">
               <a:rPr/>
-              <a:t>‹#›</a:t>
             </a:fld>
             <a:endParaRPr/>
           </a:p>
@@ -4539,7 +4258,6 @@
           <a:p>
             <a:fld id="{86CB4B4D-7CA3-9044-876B-883B54F8677D}" type="slidenum">
               <a:rPr/>
-              <a:t>‹#›</a:t>
             </a:fld>
             <a:endParaRPr/>
           </a:p>
@@ -4604,7 +4322,6 @@
           <a:p>
             <a:fld id="{86CB4B4D-7CA3-9044-876B-883B54F8677D}" type="slidenum">
               <a:rPr/>
-              <a:t>‹#›</a:t>
             </a:fld>
             <a:endParaRPr/>
           </a:p>
@@ -4669,7 +4386,6 @@
           <a:p>
             <a:fld id="{86CB4B4D-7CA3-9044-876B-883B54F8677D}" type="slidenum">
               <a:rPr/>
-              <a:t>‹#›</a:t>
             </a:fld>
             <a:endParaRPr/>
           </a:p>
@@ -4734,7 +4450,6 @@
           <a:p>
             <a:fld id="{86CB4B4D-7CA3-9044-876B-883B54F8677D}" type="slidenum">
               <a:rPr/>
-              <a:t>‹#›</a:t>
             </a:fld>
             <a:endParaRPr/>
           </a:p>
@@ -4799,7 +4514,6 @@
           <a:p>
             <a:fld id="{86CB4B4D-7CA3-9044-876B-883B54F8677D}" type="slidenum">
               <a:rPr/>
-              <a:t>‹#›</a:t>
             </a:fld>
             <a:endParaRPr/>
           </a:p>
@@ -4855,9 +4569,7 @@
             <a:noAutofit/>
           </a:bodyPr>
           <a:lstStyle/>
-          <a:p>
-            <a:endParaRPr/>
-          </a:p>
+          <a:p/>
         </p:txBody>
       </p:sp>
       <p:sp>
@@ -5004,7 +4716,6 @@
           <a:p>
             <a:fld id="{86CB4B4D-7CA3-9044-876B-883B54F8677D}" type="slidenum">
               <a:rPr/>
-              <a:t>‹#›</a:t>
             </a:fld>
             <a:endParaRPr/>
           </a:p>
@@ -5086,7 +4797,6 @@
           <a:p>
             <a:fld id="{86CB4B4D-7CA3-9044-876B-883B54F8677D}" type="slidenum">
               <a:rPr/>
-              <a:t>‹#›</a:t>
             </a:fld>
             <a:endParaRPr/>
           </a:p>
@@ -5142,9 +4852,7 @@
             <a:noAutofit/>
           </a:bodyPr>
           <a:lstStyle/>
-          <a:p>
-            <a:endParaRPr/>
-          </a:p>
+          <a:p/>
         </p:txBody>
       </p:sp>
       <p:sp>
@@ -5295,7 +5003,6 @@
           <a:p>
             <a:fld id="{86CB4B4D-7CA3-9044-876B-883B54F8677D}" type="slidenum">
               <a:rPr/>
-              <a:t>‹#›</a:t>
             </a:fld>
             <a:endParaRPr/>
           </a:p>
@@ -5373,7 +5080,6 @@
           <a:p>
             <a:fld id="{86CB4B4D-7CA3-9044-876B-883B54F8677D}" type="slidenum">
               <a:rPr/>
-              <a:t>‹#›</a:t>
             </a:fld>
             <a:endParaRPr/>
           </a:p>
@@ -5500,7 +5206,6 @@
           <a:p>
             <a:fld id="{86CB4B4D-7CA3-9044-876B-883B54F8677D}" type="slidenum">
               <a:rPr/>
-              <a:t>‹#›</a:t>
             </a:fld>
             <a:endParaRPr/>
           </a:p>
@@ -5556,9 +5261,7 @@
             <a:noAutofit/>
           </a:bodyPr>
           <a:lstStyle/>
-          <a:p>
-            <a:endParaRPr/>
-          </a:p>
+          <a:p/>
         </p:txBody>
       </p:sp>
       <p:sp>
@@ -5691,7 +5394,6 @@
           <a:p>
             <a:fld id="{86CB4B4D-7CA3-9044-876B-883B54F8677D}" type="slidenum">
               <a:rPr/>
-              <a:t>‹#›</a:t>
             </a:fld>
             <a:endParaRPr/>
           </a:p>
@@ -5797,7 +5499,6 @@
           <a:p>
             <a:fld id="{86CB4B4D-7CA3-9044-876B-883B54F8677D}" type="slidenum">
               <a:rPr/>
-              <a:t>‹#›</a:t>
             </a:fld>
             <a:endParaRPr/>
           </a:p>
@@ -5853,9 +5554,7 @@
             <a:noAutofit/>
           </a:bodyPr>
           <a:lstStyle/>
-          <a:p>
-            <a:endParaRPr/>
-          </a:p>
+          <a:p/>
         </p:txBody>
       </p:sp>
       <p:sp>
@@ -5882,9 +5581,7 @@
             <a:noAutofit/>
           </a:bodyPr>
           <a:lstStyle/>
-          <a:p>
-            <a:endParaRPr/>
-          </a:p>
+          <a:p/>
         </p:txBody>
       </p:sp>
       <p:sp>
@@ -5911,9 +5608,7 @@
             <a:noAutofit/>
           </a:bodyPr>
           <a:lstStyle/>
-          <a:p>
-            <a:endParaRPr/>
-          </a:p>
+          <a:p/>
         </p:txBody>
       </p:sp>
       <p:sp>
@@ -5937,7 +5632,6 @@
           <a:p>
             <a:fld id="{86CB4B4D-7CA3-9044-876B-883B54F8677D}" type="slidenum">
               <a:rPr/>
-              <a:t>‹#›</a:t>
             </a:fld>
             <a:endParaRPr/>
           </a:p>
@@ -6108,7 +5802,6 @@
           <a:p>
             <a:fld id="{86CB4B4D-7CA3-9044-876B-883B54F8677D}" type="slidenum">
               <a:rPr/>
-              <a:t>‹#›</a:t>
             </a:fld>
             <a:endParaRPr/>
           </a:p>
@@ -6960,6 +6653,7 @@
               <a:rPr lang="zh-CN" altLang="en-US" dirty="0"/>
               <a:t>数据结构之树</a:t>
             </a:r>
+            <a:endParaRPr lang="zh-CN" altLang="en-US" dirty="0"/>
           </a:p>
         </p:txBody>
       </p:sp>
@@ -7003,6 +6697,7 @@
               <a:rPr lang="zh-CN" altLang="en-US" dirty="0"/>
               <a:t>刘千源</a:t>
             </a:r>
+            <a:endParaRPr lang="zh-CN" altLang="en-US" dirty="0"/>
           </a:p>
         </p:txBody>
       </p:sp>
@@ -7090,9 +6785,7 @@
         <p:txBody>
           <a:bodyPr lIns="45718" tIns="45718" rIns="45718" bIns="45718"/>
           <a:lstStyle/>
-          <a:p>
-            <a:endParaRPr/>
-          </a:p>
+          <a:p/>
         </p:txBody>
       </p:sp>
     </p:spTree>
@@ -7123,13 +6816,7 @@
       </p:grpSpPr>
       <p:sp>
         <p:nvSpPr>
-          <p:cNvPr id="7" name="矩形 6">
-            <a:extLst>
-              <a:ext uri="{FF2B5EF4-FFF2-40B4-BE49-F238E27FC236}">
-                <a16:creationId xmlns:a16="http://schemas.microsoft.com/office/drawing/2014/main" id="{DFF98A76-302A-4FC1-8090-E89C68F9EAB6}"/>
-              </a:ext>
-            </a:extLst>
-          </p:cNvPr>
+          <p:cNvPr id="7" name="矩形 6"/>
           <p:cNvSpPr/>
           <p:nvPr/>
         </p:nvSpPr>
@@ -7232,13 +6919,7 @@
       </p:sp>
       <p:sp>
         <p:nvSpPr>
-          <p:cNvPr id="10" name="文本框 9">
-            <a:extLst>
-              <a:ext uri="{FF2B5EF4-FFF2-40B4-BE49-F238E27FC236}">
-                <a16:creationId xmlns:a16="http://schemas.microsoft.com/office/drawing/2014/main" id="{712A6455-02CB-45C4-B486-63DF68F1D269}"/>
-              </a:ext>
-            </a:extLst>
-          </p:cNvPr>
+          <p:cNvPr id="10" name="文本框 9"/>
           <p:cNvSpPr txBox="1"/>
           <p:nvPr/>
         </p:nvSpPr>
@@ -7327,13 +7008,7 @@
       </p:sp>
       <p:cxnSp>
         <p:nvCxnSpPr>
-          <p:cNvPr id="13" name="直接连接符 12">
-            <a:extLst>
-              <a:ext uri="{FF2B5EF4-FFF2-40B4-BE49-F238E27FC236}">
-                <a16:creationId xmlns:a16="http://schemas.microsoft.com/office/drawing/2014/main" id="{5E7B927F-0734-404F-9A08-80760E8E40C4}"/>
-              </a:ext>
-            </a:extLst>
-          </p:cNvPr>
+          <p:cNvPr id="13" name="直接连接符 12"/>
           <p:cNvCxnSpPr/>
           <p:nvPr/>
         </p:nvCxnSpPr>
@@ -7364,20 +7039,14 @@
       </p:cxnSp>
       <p:pic>
         <p:nvPicPr>
-          <p:cNvPr id="2" name="图片 1">
-            <a:extLst>
-              <a:ext uri="{FF2B5EF4-FFF2-40B4-BE49-F238E27FC236}">
-                <a16:creationId xmlns:a16="http://schemas.microsoft.com/office/drawing/2014/main" id="{4371FC64-5A39-4183-B363-68854E748956}"/>
-              </a:ext>
-            </a:extLst>
-          </p:cNvPr>
+          <p:cNvPr id="2" name="图片 1"/>
           <p:cNvPicPr>
             <a:picLocks noChangeAspect="1"/>
           </p:cNvPicPr>
           <p:nvPr/>
         </p:nvPicPr>
         <p:blipFill>
-          <a:blip r:embed="rId3"/>
+          <a:blip r:embed="rId1"/>
           <a:stretch>
             <a:fillRect/>
           </a:stretch>
@@ -7394,13 +7063,7 @@
       </p:pic>
       <p:sp>
         <p:nvSpPr>
-          <p:cNvPr id="4" name="矩形 3">
-            <a:extLst>
-              <a:ext uri="{FF2B5EF4-FFF2-40B4-BE49-F238E27FC236}">
-                <a16:creationId xmlns:a16="http://schemas.microsoft.com/office/drawing/2014/main" id="{E8BC5CF0-A85E-4ADD-9891-D3F6257E55D4}"/>
-              </a:ext>
-            </a:extLst>
-          </p:cNvPr>
+          <p:cNvPr id="4" name="矩形 3"/>
           <p:cNvSpPr/>
           <p:nvPr/>
         </p:nvSpPr>
@@ -7491,11 +7154,6 @@
         </p:txBody>
       </p:sp>
     </p:spTree>
-    <p:extLst>
-      <p:ext uri="{BB962C8B-B14F-4D97-AF65-F5344CB8AC3E}">
-        <p14:creationId xmlns:p14="http://schemas.microsoft.com/office/powerpoint/2010/main" val="1712804992"/>
-      </p:ext>
-    </p:extLst>
   </p:cSld>
   <p:clrMapOvr>
     <a:masterClrMapping/>
@@ -7523,13 +7181,7 @@
       </p:grpSpPr>
       <p:sp>
         <p:nvSpPr>
-          <p:cNvPr id="7" name="矩形 6">
-            <a:extLst>
-              <a:ext uri="{FF2B5EF4-FFF2-40B4-BE49-F238E27FC236}">
-                <a16:creationId xmlns:a16="http://schemas.microsoft.com/office/drawing/2014/main" id="{DFF98A76-302A-4FC1-8090-E89C68F9EAB6}"/>
-              </a:ext>
-            </a:extLst>
-          </p:cNvPr>
+          <p:cNvPr id="7" name="矩形 6"/>
           <p:cNvSpPr/>
           <p:nvPr/>
         </p:nvSpPr>
@@ -7566,18 +7218,25 @@
               </a:rPr>
               <a:t>树的相关术语</a:t>
             </a:r>
+            <a:endParaRPr lang="zh-CN" altLang="en-US" sz="5400" dirty="0">
+              <a:ln w="0"/>
+              <a:solidFill>
+                <a:schemeClr val="tx1"/>
+              </a:solidFill>
+              <a:effectLst>
+                <a:outerShdw blurRad="38100" dist="19050" dir="2700000" algn="tl" rotWithShape="0">
+                  <a:schemeClr val="dk1">
+                    <a:alpha val="40000"/>
+                  </a:schemeClr>
+                </a:outerShdw>
+              </a:effectLst>
+            </a:endParaRPr>
           </a:p>
         </p:txBody>
       </p:sp>
       <p:sp>
         <p:nvSpPr>
-          <p:cNvPr id="10" name="文本框 9">
-            <a:extLst>
-              <a:ext uri="{FF2B5EF4-FFF2-40B4-BE49-F238E27FC236}">
-                <a16:creationId xmlns:a16="http://schemas.microsoft.com/office/drawing/2014/main" id="{712A6455-02CB-45C4-B486-63DF68F1D269}"/>
-              </a:ext>
-            </a:extLst>
-          </p:cNvPr>
+          <p:cNvPr id="10" name="文本框 9"/>
           <p:cNvSpPr txBox="1"/>
           <p:nvPr/>
         </p:nvSpPr>
@@ -7629,6 +7288,7 @@
               <a:rPr lang="zh-CN" altLang="en-US" dirty="0"/>
               <a:t>）：结点的子树个数；</a:t>
             </a:r>
+            <a:endParaRPr lang="zh-CN" altLang="en-US" dirty="0"/>
           </a:p>
           <a:p>
             <a:pPr marL="457200" indent="-457200" algn="l">
@@ -7639,6 +7299,7 @@
               <a:rPr lang="zh-CN" altLang="en-US" dirty="0"/>
               <a:t>树的度：树的所有结点中最大的度数；</a:t>
             </a:r>
+            <a:endParaRPr lang="zh-CN" altLang="en-US" dirty="0"/>
           </a:p>
           <a:p>
             <a:pPr marL="457200" indent="-457200" algn="l">
@@ -7665,6 +7326,7 @@
               <a:rPr lang="zh-CN" altLang="en-US" dirty="0"/>
               <a:t>的结点；</a:t>
             </a:r>
+            <a:endParaRPr lang="zh-CN" altLang="en-US" dirty="0"/>
           </a:p>
           <a:p>
             <a:pPr marL="457200" indent="-457200" algn="l">
@@ -7683,6 +7345,7 @@
               <a:rPr lang="zh-CN" altLang="en-US" dirty="0"/>
               <a:t>）：有子树的结点是其子树的根节点的父结点；</a:t>
             </a:r>
+            <a:endParaRPr lang="zh-CN" altLang="en-US" dirty="0"/>
           </a:p>
           <a:p>
             <a:pPr marL="457200" indent="-457200" algn="l">
@@ -7741,6 +7404,7 @@
               <a:rPr lang="zh-CN" altLang="en-US" dirty="0"/>
               <a:t>结点的子结点；</a:t>
             </a:r>
+            <a:endParaRPr lang="zh-CN" altLang="en-US" dirty="0"/>
           </a:p>
           <a:p>
             <a:pPr marL="457200" indent="-457200" algn="l">
@@ -7759,6 +7423,7 @@
               <a:rPr lang="zh-CN" altLang="en-US" dirty="0"/>
               <a:t>）：具有同一个父结点的各结点彼此是兄弟结点；</a:t>
             </a:r>
+            <a:endParaRPr lang="zh-CN" altLang="en-US" dirty="0"/>
           </a:p>
           <a:p>
             <a:pPr marL="457200" indent="-457200" algn="l">
@@ -7833,6 +7498,7 @@
               <a:rPr lang="zh-CN" altLang="en-US" dirty="0"/>
               <a:t>的父结点。路径所包含边的个数为路径的长度；</a:t>
             </a:r>
+            <a:endParaRPr lang="zh-CN" altLang="en-US" dirty="0"/>
           </a:p>
           <a:p>
             <a:pPr marL="457200" indent="-457200" algn="l">
@@ -7851,6 +7517,7 @@
               <a:rPr lang="zh-CN" altLang="en-US" dirty="0"/>
               <a:t>）：沿树根到某一结点路径上的所有结点都是这个结点的祖先结点；</a:t>
             </a:r>
+            <a:endParaRPr lang="zh-CN" altLang="en-US" dirty="0"/>
           </a:p>
           <a:p>
             <a:pPr marL="457200" indent="-457200" algn="l">
@@ -7869,6 +7536,7 @@
               <a:rPr lang="zh-CN" altLang="en-US" dirty="0"/>
               <a:t>）：某一结点的子树中的所有结点是这个结点的子孙；</a:t>
             </a:r>
+            <a:endParaRPr lang="zh-CN" altLang="en-US" dirty="0"/>
           </a:p>
           <a:p>
             <a:pPr marL="457200" indent="-457200" algn="l">
@@ -7903,6 +7571,7 @@
               <a:rPr lang="zh-CN" altLang="en-US" dirty="0"/>
               <a:t>；</a:t>
             </a:r>
+            <a:endParaRPr lang="zh-CN" altLang="en-US" dirty="0"/>
           </a:p>
           <a:p>
             <a:pPr marL="457200" indent="-457200" algn="l">
@@ -7925,6 +7594,7 @@
               <a:rPr lang="en-US" altLang="zh-CN" dirty="0"/>
               <a:t>’</a:t>
             </a:r>
+            <a:endParaRPr lang="en-US" altLang="zh-CN" dirty="0"/>
           </a:p>
           <a:p>
             <a:pPr marL="457200" indent="-457200" algn="l">
@@ -8071,13 +7741,7 @@
       </p:sp>
       <p:cxnSp>
         <p:nvCxnSpPr>
-          <p:cNvPr id="13" name="直接连接符 12">
-            <a:extLst>
-              <a:ext uri="{FF2B5EF4-FFF2-40B4-BE49-F238E27FC236}">
-                <a16:creationId xmlns:a16="http://schemas.microsoft.com/office/drawing/2014/main" id="{5E7B927F-0734-404F-9A08-80760E8E40C4}"/>
-              </a:ext>
-            </a:extLst>
-          </p:cNvPr>
+          <p:cNvPr id="13" name="直接连接符 12"/>
           <p:cNvCxnSpPr/>
           <p:nvPr/>
         </p:nvCxnSpPr>
@@ -8107,11 +7771,6 @@
         </p:style>
       </p:cxnSp>
     </p:spTree>
-    <p:extLst>
-      <p:ext uri="{BB962C8B-B14F-4D97-AF65-F5344CB8AC3E}">
-        <p14:creationId xmlns:p14="http://schemas.microsoft.com/office/powerpoint/2010/main" val="1924771079"/>
-      </p:ext>
-    </p:extLst>
   </p:cSld>
   <p:clrMapOvr>
     <a:masterClrMapping/>
@@ -8188,20 +7847,14 @@
       </p:sp>
       <p:sp>
         <p:nvSpPr>
-          <p:cNvPr id="19" name="矩形 18">
-            <a:extLst>
-              <a:ext uri="{FF2B5EF4-FFF2-40B4-BE49-F238E27FC236}">
-                <a16:creationId xmlns:a16="http://schemas.microsoft.com/office/drawing/2014/main" id="{E4601AB5-C57F-44AB-8EA6-9F0D65FAC3FF}"/>
-              </a:ext>
-            </a:extLst>
-          </p:cNvPr>
+          <p:cNvPr id="19" name="矩形 18"/>
           <p:cNvSpPr/>
           <p:nvPr/>
         </p:nvSpPr>
         <p:spPr>
           <a:xfrm>
-            <a:off x="8046456" y="6073170"/>
-            <a:ext cx="7609776" cy="1569660"/>
+            <a:off x="7452699" y="6073170"/>
+            <a:ext cx="8797290" cy="1568450"/>
           </a:xfrm>
           <a:prstGeom prst="rect">
             <a:avLst/>
@@ -8229,17 +7882,25 @@
                   </a:innerShdw>
                 </a:effectLst>
               </a:rPr>
-              <a:t>深入了解一下</a:t>
-            </a:r>
+              <a:t>更进一步的了解</a:t>
+            </a:r>
+            <a:endParaRPr lang="zh-CN" altLang="en-US" sz="9600" b="1" cap="none" spc="50" dirty="0">
+              <a:ln w="0"/>
+              <a:solidFill>
+                <a:schemeClr val="bg2"/>
+              </a:solidFill>
+              <a:effectLst>
+                <a:innerShdw blurRad="63500" dist="50800" dir="13500000">
+                  <a:srgbClr val="000000">
+                    <a:alpha val="50000"/>
+                  </a:srgbClr>
+                </a:innerShdw>
+              </a:effectLst>
+            </a:endParaRPr>
           </a:p>
         </p:txBody>
       </p:sp>
     </p:spTree>
-    <p:extLst>
-      <p:ext uri="{BB962C8B-B14F-4D97-AF65-F5344CB8AC3E}">
-        <p14:creationId xmlns:p14="http://schemas.microsoft.com/office/powerpoint/2010/main" val="742765429"/>
-      </p:ext>
-    </p:extLst>
   </p:cSld>
   <p:clrMapOvr>
     <a:masterClrMapping/>
@@ -8316,13 +7977,122 @@
       </p:sp>
       <p:pic>
         <p:nvPicPr>
-          <p:cNvPr id="7174" name="Picture 6" descr="https://ss2.bdstatic.com/70cFvnSh_Q1YnxGkpoWK1HF6hhy/it/u=3336454134,1575936954&amp;fm=26&amp;gp=0.jpg">
+          <p:cNvPr id="7174" name="Picture 6" descr="https://ss2.bdstatic.com/70cFvnSh_Q1YnxGkpoWK1HF6hhy/it/u=3336454134,1575936954&amp;fm=26&amp;gp=0.jpg"/>
+          <p:cNvPicPr>
+            <a:picLocks noChangeAspect="1" noChangeArrowheads="1"/>
+          </p:cNvPicPr>
+          <p:nvPr/>
+        </p:nvPicPr>
+        <p:blipFill>
+          <a:blip r:embed="rId1">
             <a:extLst>
-              <a:ext uri="{FF2B5EF4-FFF2-40B4-BE49-F238E27FC236}">
-                <a16:creationId xmlns:a16="http://schemas.microsoft.com/office/drawing/2014/main" id="{68EF77B3-9906-4FAD-BD92-52E6D378E9FD}"/>
+              <a:ext uri="{28A0092B-C50C-407E-A947-70E740481C1C}">
+                <a14:useLocalDpi xmlns:a14="http://schemas.microsoft.com/office/drawing/2010/main" val="0"/>
               </a:ext>
             </a:extLst>
-          </p:cNvPr>
+          </a:blip>
+          <a:srcRect/>
+          <a:stretch>
+            <a:fillRect/>
+          </a:stretch>
+        </p:blipFill>
+        <p:spPr bwMode="auto">
+          <a:xfrm rot="20936726">
+            <a:off x="2190750" y="3410267"/>
+            <a:ext cx="4080621" cy="3648075"/>
+          </a:xfrm>
+          <a:prstGeom prst="rect">
+            <a:avLst/>
+          </a:prstGeom>
+          <a:noFill/>
+          <a:extLst>
+            <a:ext uri="{909E8E84-426E-40DD-AFC4-6F175D3DCCD1}">
+              <a14:hiddenFill xmlns:a14="http://schemas.microsoft.com/office/drawing/2010/main">
+                <a:solidFill>
+                  <a:srgbClr val="FFFFFF"/>
+                </a:solidFill>
+              </a14:hiddenFill>
+            </a:ext>
+          </a:extLst>
+        </p:spPr>
+      </p:pic>
+      <p:sp>
+        <p:nvSpPr>
+          <p:cNvPr id="2" name="文本框 1"/>
+          <p:cNvSpPr txBox="1"/>
+          <p:nvPr/>
+        </p:nvSpPr>
+        <p:spPr>
+          <a:xfrm rot="859000">
+            <a:off x="4516806" y="2967559"/>
+            <a:ext cx="4080621" cy="564257"/>
+          </a:xfrm>
+          <a:prstGeom prst="rect">
+            <a:avLst/>
+          </a:prstGeom>
+          <a:noFill/>
+          <a:ln w="12700" cap="flat">
+            <a:noFill/>
+            <a:miter lim="400000"/>
+          </a:ln>
+        </p:spPr>
+        <p:style>
+          <a:lnRef idx="0">
+            <a:scrgbClr r="0" g="0" b="0"/>
+          </a:lnRef>
+          <a:fillRef idx="0">
+            <a:scrgbClr r="0" g="0" b="0"/>
+          </a:fillRef>
+          <a:effectRef idx="0">
+            <a:scrgbClr r="0" g="0" b="0"/>
+          </a:effectRef>
+          <a:fontRef idx="none"/>
+        </p:style>
+        <p:txBody>
+          <a:bodyPr rot="0" spcFirstLastPara="1" vertOverflow="overflow" horzOverflow="overflow" vert="horz" wrap="square" lIns="50800" tIns="50800" rIns="50800" bIns="50800" numCol="1" spcCol="38100" rtlCol="0" anchor="ctr">
+            <a:spAutoFit/>
+          </a:bodyPr>
+          <a:lstStyle/>
+          <a:p>
+            <a:pPr marL="0" marR="0" indent="0" algn="ctr" defTabSz="825500" rtl="0" fontAlgn="auto" latinLnBrk="0" hangingPunct="0">
+              <a:lnSpc>
+                <a:spcPct val="100000"/>
+              </a:lnSpc>
+              <a:spcBef>
+                <a:spcPts val="0"/>
+              </a:spcBef>
+              <a:spcAft>
+                <a:spcPts val="0"/>
+              </a:spcAft>
+              <a:buClrTx/>
+              <a:buSzTx/>
+              <a:buFontTx/>
+              <a:buNone/>
+            </a:pPr>
+            <a:r>
+              <a:rPr lang="zh-CN" altLang="en-US" dirty="0"/>
+              <a:t>树解决了什么问题？</a:t>
+            </a:r>
+            <a:endParaRPr kumimoji="0" lang="zh-CN" altLang="en-US" sz="3000" b="0" i="0" u="none" strike="noStrike" cap="none" spc="0" normalizeH="0" baseline="0" dirty="0">
+              <a:ln>
+                <a:noFill/>
+              </a:ln>
+              <a:solidFill>
+                <a:srgbClr val="000000"/>
+              </a:solidFill>
+              <a:effectLst/>
+              <a:uFillTx/>
+              <a:latin typeface="Helvetica Neue Medium"/>
+              <a:ea typeface="Helvetica Neue Medium"/>
+              <a:cs typeface="Helvetica Neue Medium"/>
+              <a:sym typeface="Helvetica Neue Medium"/>
+            </a:endParaRPr>
+          </a:p>
+        </p:txBody>
+      </p:sp>
+      <p:pic>
+        <p:nvPicPr>
+          <p:cNvPr id="7176" name="Picture 8" descr="https://ss0.bdstatic.com/70cFuHSh_Q1YnxGkpoWK1HF6hhy/it/u=770997337,1564000689&amp;fm=26&amp;gp=0.jpg"/>
           <p:cNvPicPr>
             <a:picLocks noChangeAspect="1" noChangeArrowheads="1"/>
           </p:cNvPicPr>
@@ -8342,9 +8112,9 @@
           </a:stretch>
         </p:blipFill>
         <p:spPr bwMode="auto">
-          <a:xfrm rot="20936726">
-            <a:off x="2190750" y="3410267"/>
-            <a:ext cx="4080621" cy="3648075"/>
+          <a:xfrm rot="1173834">
+            <a:off x="10720069" y="3186455"/>
+            <a:ext cx="4897416" cy="3648075"/>
           </a:xfrm>
           <a:prstGeom prst="rect">
             <a:avLst/>
@@ -8363,20 +8133,14 @@
       </p:pic>
       <p:sp>
         <p:nvSpPr>
-          <p:cNvPr id="2" name="文本框 1">
-            <a:extLst>
-              <a:ext uri="{FF2B5EF4-FFF2-40B4-BE49-F238E27FC236}">
-                <a16:creationId xmlns:a16="http://schemas.microsoft.com/office/drawing/2014/main" id="{6EB1E825-642A-4EB6-8809-22366F5C78B0}"/>
-              </a:ext>
-            </a:extLst>
-          </p:cNvPr>
+          <p:cNvPr id="4" name="文本框 3"/>
           <p:cNvSpPr txBox="1"/>
           <p:nvPr/>
         </p:nvSpPr>
         <p:spPr>
-          <a:xfrm rot="859000">
-            <a:off x="4516806" y="2967559"/>
-            <a:ext cx="4080621" cy="564257"/>
+          <a:xfrm rot="21228599">
+            <a:off x="14779103" y="3054342"/>
+            <a:ext cx="3257550" cy="564257"/>
           </a:xfrm>
           <a:prstGeom prst="rect">
             <a:avLst/>
@@ -8422,7 +8186,11 @@
             </a:pPr>
             <a:r>
               <a:rPr lang="zh-CN" altLang="en-US" dirty="0"/>
-              <a:t>树解决了什么问题？</a:t>
+              <a:t>如何遍历一颗树</a:t>
+            </a:r>
+            <a:r>
+              <a:rPr lang="en-US" altLang="zh-CN" dirty="0"/>
+              <a:t>?</a:t>
             </a:r>
             <a:endParaRPr kumimoji="0" lang="zh-CN" altLang="en-US" sz="3000" b="0" i="0" u="none" strike="noStrike" cap="none" spc="0" normalizeH="0" baseline="0" dirty="0">
               <a:ln>
@@ -8443,13 +8211,7 @@
       </p:sp>
       <p:pic>
         <p:nvPicPr>
-          <p:cNvPr id="7176" name="Picture 8" descr="https://ss0.bdstatic.com/70cFuHSh_Q1YnxGkpoWK1HF6hhy/it/u=770997337,1564000689&amp;fm=26&amp;gp=0.jpg">
-            <a:extLst>
-              <a:ext uri="{FF2B5EF4-FFF2-40B4-BE49-F238E27FC236}">
-                <a16:creationId xmlns:a16="http://schemas.microsoft.com/office/drawing/2014/main" id="{B88721DF-AA5A-4E6E-9C9F-74A02AA8C486}"/>
-              </a:ext>
-            </a:extLst>
-          </p:cNvPr>
+          <p:cNvPr id="7178" name="Picture 10"/>
           <p:cNvPicPr>
             <a:picLocks noChangeAspect="1" noChangeArrowheads="1"/>
           </p:cNvPicPr>
@@ -8469,9 +8231,9 @@
           </a:stretch>
         </p:blipFill>
         <p:spPr bwMode="auto">
-          <a:xfrm rot="1173834">
-            <a:off x="10720069" y="3186455"/>
-            <a:ext cx="4897416" cy="3648075"/>
+          <a:xfrm>
+            <a:off x="6583261" y="8167758"/>
+            <a:ext cx="4548187" cy="4407702"/>
           </a:xfrm>
           <a:prstGeom prst="rect">
             <a:avLst/>
@@ -8490,20 +8252,14 @@
       </p:pic>
       <p:sp>
         <p:nvSpPr>
-          <p:cNvPr id="4" name="文本框 3">
-            <a:extLst>
-              <a:ext uri="{FF2B5EF4-FFF2-40B4-BE49-F238E27FC236}">
-                <a16:creationId xmlns:a16="http://schemas.microsoft.com/office/drawing/2014/main" id="{6CBCCBBA-1F3C-4F6F-94C3-F4EAB01C2D0A}"/>
-              </a:ext>
-            </a:extLst>
-          </p:cNvPr>
+          <p:cNvPr id="5" name="文本框 4"/>
           <p:cNvSpPr txBox="1"/>
           <p:nvPr/>
         </p:nvSpPr>
         <p:spPr>
-          <a:xfrm rot="21228599">
-            <a:off x="14779103" y="3054342"/>
-            <a:ext cx="3257550" cy="564257"/>
+          <a:xfrm rot="20839714">
+            <a:off x="3082759" y="9134837"/>
+            <a:ext cx="3556815" cy="564257"/>
           </a:xfrm>
           <a:prstGeom prst="rect">
             <a:avLst/>
@@ -8549,11 +8305,7 @@
             </a:pPr>
             <a:r>
               <a:rPr lang="zh-CN" altLang="en-US" dirty="0"/>
-              <a:t>如何遍历一颗树</a:t>
-            </a:r>
-            <a:r>
-              <a:rPr lang="en-US" altLang="zh-CN" dirty="0"/>
-              <a:t>?</a:t>
+              <a:t>树有哪些运用场景？</a:t>
             </a:r>
             <a:endParaRPr kumimoji="0" lang="zh-CN" altLang="en-US" sz="3000" b="0" i="0" u="none" strike="noStrike" cap="none" spc="0" normalizeH="0" baseline="0" dirty="0">
               <a:ln>
@@ -8574,13 +8326,7 @@
       </p:sp>
       <p:pic>
         <p:nvPicPr>
-          <p:cNvPr id="7178" name="Picture 10">
-            <a:extLst>
-              <a:ext uri="{FF2B5EF4-FFF2-40B4-BE49-F238E27FC236}">
-                <a16:creationId xmlns:a16="http://schemas.microsoft.com/office/drawing/2014/main" id="{43014819-148F-4A7D-B495-BC861993424E}"/>
-              </a:ext>
-            </a:extLst>
-          </p:cNvPr>
+          <p:cNvPr id="7180" name="Picture 12" descr="https://ss2.bdstatic.com/70cFvnSh_Q1YnxGkpoWK1HF6hhy/it/u=206656841,1689667245&amp;fm=26&amp;gp=0.jpg"/>
           <p:cNvPicPr>
             <a:picLocks noChangeAspect="1" noChangeArrowheads="1"/>
           </p:cNvPicPr>
@@ -8601,8 +8347,8 @@
         </p:blipFill>
         <p:spPr bwMode="auto">
           <a:xfrm>
-            <a:off x="6583261" y="8167758"/>
-            <a:ext cx="4548187" cy="4407702"/>
+            <a:off x="13991412" y="8316669"/>
+            <a:ext cx="4191000" cy="4210050"/>
           </a:xfrm>
           <a:prstGeom prst="rect">
             <a:avLst/>
@@ -8621,20 +8367,14 @@
       </p:pic>
       <p:sp>
         <p:nvSpPr>
-          <p:cNvPr id="5" name="文本框 4">
-            <a:extLst>
-              <a:ext uri="{FF2B5EF4-FFF2-40B4-BE49-F238E27FC236}">
-                <a16:creationId xmlns:a16="http://schemas.microsoft.com/office/drawing/2014/main" id="{FFBB86AF-4C7B-499B-96FB-7ADB386FA4AE}"/>
-              </a:ext>
-            </a:extLst>
-          </p:cNvPr>
+          <p:cNvPr id="6" name="文本框 5"/>
           <p:cNvSpPr txBox="1"/>
           <p:nvPr/>
         </p:nvSpPr>
         <p:spPr>
-          <a:xfrm rot="20839714">
-            <a:off x="3082759" y="9134837"/>
-            <a:ext cx="3556815" cy="564257"/>
+          <a:xfrm rot="273574">
+            <a:off x="18093864" y="8791917"/>
+            <a:ext cx="2838450" cy="1025922"/>
           </a:xfrm>
           <a:prstGeom prst="rect">
             <a:avLst/>
@@ -8679,133 +8419,6 @@
               <a:buNone/>
             </a:pPr>
             <a:r>
-              <a:rPr lang="zh-CN" altLang="en-US" dirty="0"/>
-              <a:t>树有哪些运用场景？</a:t>
-            </a:r>
-            <a:endParaRPr kumimoji="0" lang="zh-CN" altLang="en-US" sz="3000" b="0" i="0" u="none" strike="noStrike" cap="none" spc="0" normalizeH="0" baseline="0" dirty="0">
-              <a:ln>
-                <a:noFill/>
-              </a:ln>
-              <a:solidFill>
-                <a:srgbClr val="000000"/>
-              </a:solidFill>
-              <a:effectLst/>
-              <a:uFillTx/>
-              <a:latin typeface="Helvetica Neue Medium"/>
-              <a:ea typeface="Helvetica Neue Medium"/>
-              <a:cs typeface="Helvetica Neue Medium"/>
-              <a:sym typeface="Helvetica Neue Medium"/>
-            </a:endParaRPr>
-          </a:p>
-        </p:txBody>
-      </p:sp>
-      <p:pic>
-        <p:nvPicPr>
-          <p:cNvPr id="7180" name="Picture 12" descr="https://ss2.bdstatic.com/70cFvnSh_Q1YnxGkpoWK1HF6hhy/it/u=206656841,1689667245&amp;fm=26&amp;gp=0.jpg">
-            <a:extLst>
-              <a:ext uri="{FF2B5EF4-FFF2-40B4-BE49-F238E27FC236}">
-                <a16:creationId xmlns:a16="http://schemas.microsoft.com/office/drawing/2014/main" id="{A64A8BDD-8417-4554-A089-AF49898A68A6}"/>
-              </a:ext>
-            </a:extLst>
-          </p:cNvPr>
-          <p:cNvPicPr>
-            <a:picLocks noChangeAspect="1" noChangeArrowheads="1"/>
-          </p:cNvPicPr>
-          <p:nvPr/>
-        </p:nvPicPr>
-        <p:blipFill>
-          <a:blip r:embed="rId5">
-            <a:extLst>
-              <a:ext uri="{28A0092B-C50C-407E-A947-70E740481C1C}">
-                <a14:useLocalDpi xmlns:a14="http://schemas.microsoft.com/office/drawing/2010/main" val="0"/>
-              </a:ext>
-            </a:extLst>
-          </a:blip>
-          <a:srcRect/>
-          <a:stretch>
-            <a:fillRect/>
-          </a:stretch>
-        </p:blipFill>
-        <p:spPr bwMode="auto">
-          <a:xfrm>
-            <a:off x="13991412" y="8316669"/>
-            <a:ext cx="4191000" cy="4210050"/>
-          </a:xfrm>
-          <a:prstGeom prst="rect">
-            <a:avLst/>
-          </a:prstGeom>
-          <a:noFill/>
-          <a:extLst>
-            <a:ext uri="{909E8E84-426E-40DD-AFC4-6F175D3DCCD1}">
-              <a14:hiddenFill xmlns:a14="http://schemas.microsoft.com/office/drawing/2010/main">
-                <a:solidFill>
-                  <a:srgbClr val="FFFFFF"/>
-                </a:solidFill>
-              </a14:hiddenFill>
-            </a:ext>
-          </a:extLst>
-        </p:spPr>
-      </p:pic>
-      <p:sp>
-        <p:nvSpPr>
-          <p:cNvPr id="6" name="文本框 5">
-            <a:extLst>
-              <a:ext uri="{FF2B5EF4-FFF2-40B4-BE49-F238E27FC236}">
-                <a16:creationId xmlns:a16="http://schemas.microsoft.com/office/drawing/2014/main" id="{3FB2E109-7BF7-42F0-8B05-FE841462E3D8}"/>
-              </a:ext>
-            </a:extLst>
-          </p:cNvPr>
-          <p:cNvSpPr txBox="1"/>
-          <p:nvPr/>
-        </p:nvSpPr>
-        <p:spPr>
-          <a:xfrm rot="273574">
-            <a:off x="18093864" y="8791917"/>
-            <a:ext cx="2838450" cy="1025922"/>
-          </a:xfrm>
-          <a:prstGeom prst="rect">
-            <a:avLst/>
-          </a:prstGeom>
-          <a:noFill/>
-          <a:ln w="12700" cap="flat">
-            <a:noFill/>
-            <a:miter lim="400000"/>
-          </a:ln>
-        </p:spPr>
-        <p:style>
-          <a:lnRef idx="0">
-            <a:scrgbClr r="0" g="0" b="0"/>
-          </a:lnRef>
-          <a:fillRef idx="0">
-            <a:scrgbClr r="0" g="0" b="0"/>
-          </a:fillRef>
-          <a:effectRef idx="0">
-            <a:scrgbClr r="0" g="0" b="0"/>
-          </a:effectRef>
-          <a:fontRef idx="none"/>
-        </p:style>
-        <p:txBody>
-          <a:bodyPr rot="0" spcFirstLastPara="1" vertOverflow="overflow" horzOverflow="overflow" vert="horz" wrap="square" lIns="50800" tIns="50800" rIns="50800" bIns="50800" numCol="1" spcCol="38100" rtlCol="0" anchor="ctr">
-            <a:spAutoFit/>
-          </a:bodyPr>
-          <a:lstStyle/>
-          <a:p>
-            <a:pPr marL="0" marR="0" indent="0" algn="ctr" defTabSz="825500" rtl="0" fontAlgn="auto" latinLnBrk="0" hangingPunct="0">
-              <a:lnSpc>
-                <a:spcPct val="100000"/>
-              </a:lnSpc>
-              <a:spcBef>
-                <a:spcPts val="0"/>
-              </a:spcBef>
-              <a:spcAft>
-                <a:spcPts val="0"/>
-              </a:spcAft>
-              <a:buClrTx/>
-              <a:buSzTx/>
-              <a:buFontTx/>
-              <a:buNone/>
-            </a:pPr>
-            <a:r>
               <a:rPr kumimoji="0" lang="zh-CN" altLang="en-US" sz="3000" b="0" i="0" u="none" strike="noStrike" cap="none" spc="0" normalizeH="0" baseline="0" dirty="0">
                 <a:ln>
                   <a:noFill/>
@@ -8822,15 +8435,24 @@
               </a:rPr>
               <a:t>树的家族成员都有哪些？</a:t>
             </a:r>
+            <a:endParaRPr kumimoji="0" lang="zh-CN" altLang="en-US" sz="3000" b="0" i="0" u="none" strike="noStrike" cap="none" spc="0" normalizeH="0" baseline="0" dirty="0">
+              <a:ln>
+                <a:noFill/>
+              </a:ln>
+              <a:solidFill>
+                <a:srgbClr val="000000"/>
+              </a:solidFill>
+              <a:effectLst/>
+              <a:uFillTx/>
+              <a:latin typeface="Helvetica Neue Medium"/>
+              <a:ea typeface="Helvetica Neue Medium"/>
+              <a:cs typeface="Helvetica Neue Medium"/>
+              <a:sym typeface="Helvetica Neue Medium"/>
+            </a:endParaRPr>
           </a:p>
         </p:txBody>
       </p:sp>
     </p:spTree>
-    <p:extLst>
-      <p:ext uri="{BB962C8B-B14F-4D97-AF65-F5344CB8AC3E}">
-        <p14:creationId xmlns:p14="http://schemas.microsoft.com/office/powerpoint/2010/main" val="3856813071"/>
-      </p:ext>
-    </p:extLst>
   </p:cSld>
   <p:clrMapOvr>
     <a:masterClrMapping/>
@@ -8858,13 +8480,7 @@
       </p:grpSpPr>
       <p:sp>
         <p:nvSpPr>
-          <p:cNvPr id="11" name="文本框 10">
-            <a:extLst>
-              <a:ext uri="{FF2B5EF4-FFF2-40B4-BE49-F238E27FC236}">
-                <a16:creationId xmlns:a16="http://schemas.microsoft.com/office/drawing/2014/main" id="{96DCD6B3-CE9D-4028-8985-7EAEFECE65EE}"/>
-              </a:ext>
-            </a:extLst>
-          </p:cNvPr>
+          <p:cNvPr id="11" name="文本框 10"/>
           <p:cNvSpPr txBox="1"/>
           <p:nvPr/>
         </p:nvSpPr>
@@ -8946,20 +8562,14 @@
       </p:sp>
       <p:pic>
         <p:nvPicPr>
-          <p:cNvPr id="9218" name="Picture 2">
-            <a:extLst>
-              <a:ext uri="{FF2B5EF4-FFF2-40B4-BE49-F238E27FC236}">
-                <a16:creationId xmlns:a16="http://schemas.microsoft.com/office/drawing/2014/main" id="{277CB0B7-63B9-4A4F-B02C-1EDEBAC8D383}"/>
-              </a:ext>
-            </a:extLst>
-          </p:cNvPr>
+          <p:cNvPr id="9218" name="Picture 2"/>
           <p:cNvPicPr>
             <a:picLocks noChangeAspect="1" noChangeArrowheads="1"/>
           </p:cNvPicPr>
           <p:nvPr/>
         </p:nvPicPr>
         <p:blipFill>
-          <a:blip r:embed="rId3">
+          <a:blip r:embed="rId1">
             <a:extLst>
               <a:ext uri="{28A0092B-C50C-407E-A947-70E740481C1C}">
                 <a14:useLocalDpi xmlns:a14="http://schemas.microsoft.com/office/drawing/2010/main" val="0"/>
@@ -8992,11 +8602,6 @@
         </p:spPr>
       </p:pic>
     </p:spTree>
-    <p:extLst>
-      <p:ext uri="{BB962C8B-B14F-4D97-AF65-F5344CB8AC3E}">
-        <p14:creationId xmlns:p14="http://schemas.microsoft.com/office/powerpoint/2010/main" val="3140929531"/>
-      </p:ext>
-    </p:extLst>
   </p:cSld>
   <p:clrMapOvr>
     <a:masterClrMapping/>
@@ -9024,13 +8629,7 @@
       </p:grpSpPr>
       <p:sp>
         <p:nvSpPr>
-          <p:cNvPr id="7" name="矩形 6">
-            <a:extLst>
-              <a:ext uri="{FF2B5EF4-FFF2-40B4-BE49-F238E27FC236}">
-                <a16:creationId xmlns:a16="http://schemas.microsoft.com/office/drawing/2014/main" id="{DFF98A76-302A-4FC1-8090-E89C68F9EAB6}"/>
-              </a:ext>
-            </a:extLst>
-          </p:cNvPr>
+          <p:cNvPr id="7" name="矩形 6"/>
           <p:cNvSpPr/>
           <p:nvPr/>
         </p:nvSpPr>
@@ -9067,18 +8666,25 @@
               </a:rPr>
               <a:t>降低搜索时间复杂度</a:t>
             </a:r>
+            <a:endParaRPr lang="zh-CN" altLang="en-US" sz="5400" dirty="0">
+              <a:ln w="0"/>
+              <a:solidFill>
+                <a:schemeClr val="tx1"/>
+              </a:solidFill>
+              <a:effectLst>
+                <a:outerShdw blurRad="38100" dist="19050" dir="2700000" algn="tl" rotWithShape="0">
+                  <a:schemeClr val="dk1">
+                    <a:alpha val="40000"/>
+                  </a:schemeClr>
+                </a:outerShdw>
+              </a:effectLst>
+            </a:endParaRPr>
           </a:p>
         </p:txBody>
       </p:sp>
       <p:cxnSp>
         <p:nvCxnSpPr>
-          <p:cNvPr id="13" name="直接连接符 12">
-            <a:extLst>
-              <a:ext uri="{FF2B5EF4-FFF2-40B4-BE49-F238E27FC236}">
-                <a16:creationId xmlns:a16="http://schemas.microsoft.com/office/drawing/2014/main" id="{5E7B927F-0734-404F-9A08-80760E8E40C4}"/>
-              </a:ext>
-            </a:extLst>
-          </p:cNvPr>
+          <p:cNvPr id="13" name="直接连接符 12"/>
           <p:cNvCxnSpPr/>
           <p:nvPr/>
         </p:nvCxnSpPr>
@@ -9109,13 +8715,7 @@
       </p:cxnSp>
       <p:sp>
         <p:nvSpPr>
-          <p:cNvPr id="2" name="文本框 1">
-            <a:extLst>
-              <a:ext uri="{FF2B5EF4-FFF2-40B4-BE49-F238E27FC236}">
-                <a16:creationId xmlns:a16="http://schemas.microsoft.com/office/drawing/2014/main" id="{B73F3E5A-7E84-4382-AE67-DE38C649E2F3}"/>
-              </a:ext>
-            </a:extLst>
-          </p:cNvPr>
+          <p:cNvPr id="2" name="文本框 1"/>
           <p:cNvSpPr txBox="1"/>
           <p:nvPr/>
         </p:nvSpPr>
@@ -9350,20 +8950,14 @@
       </p:sp>
       <p:pic>
         <p:nvPicPr>
-          <p:cNvPr id="4" name="图片 3">
-            <a:extLst>
-              <a:ext uri="{FF2B5EF4-FFF2-40B4-BE49-F238E27FC236}">
-                <a16:creationId xmlns:a16="http://schemas.microsoft.com/office/drawing/2014/main" id="{7892AC7B-089D-401C-AEB6-61DC68BE98B7}"/>
-              </a:ext>
-            </a:extLst>
-          </p:cNvPr>
+          <p:cNvPr id="4" name="图片 3"/>
           <p:cNvPicPr>
             <a:picLocks noChangeAspect="1"/>
           </p:cNvPicPr>
           <p:nvPr/>
         </p:nvPicPr>
         <p:blipFill>
-          <a:blip r:embed="rId3">
+          <a:blip r:embed="rId1">
             <a:extLst>
               <a:ext uri="{28A0092B-C50C-407E-A947-70E740481C1C}">
                 <a14:useLocalDpi xmlns:a14="http://schemas.microsoft.com/office/drawing/2010/main" val="0"/>
@@ -9386,13 +8980,7 @@
       </p:pic>
       <p:sp>
         <p:nvSpPr>
-          <p:cNvPr id="5" name="文本框 4">
-            <a:extLst>
-              <a:ext uri="{FF2B5EF4-FFF2-40B4-BE49-F238E27FC236}">
-                <a16:creationId xmlns:a16="http://schemas.microsoft.com/office/drawing/2014/main" id="{B81D120E-64B6-444F-96B4-0B079ED470CD}"/>
-              </a:ext>
-            </a:extLst>
-          </p:cNvPr>
+          <p:cNvPr id="5" name="文本框 4"/>
           <p:cNvSpPr txBox="1"/>
           <p:nvPr/>
         </p:nvSpPr>
@@ -9481,25 +9069,33 @@
               </a:rPr>
               <a:t>搜索过程</a:t>
             </a:r>
+            <a:endParaRPr kumimoji="0" lang="zh-CN" altLang="en-US" sz="3000" b="0" i="0" u="none" strike="noStrike" cap="none" spc="0" normalizeH="0" baseline="0" dirty="0">
+              <a:ln>
+                <a:noFill/>
+              </a:ln>
+              <a:solidFill>
+                <a:srgbClr val="000000"/>
+              </a:solidFill>
+              <a:effectLst/>
+              <a:uFillTx/>
+              <a:latin typeface="Helvetica Neue Medium"/>
+              <a:ea typeface="Helvetica Neue Medium"/>
+              <a:cs typeface="Helvetica Neue Medium"/>
+              <a:sym typeface="Helvetica Neue Medium"/>
+            </a:endParaRPr>
           </a:p>
         </p:txBody>
       </p:sp>
       <p:pic>
         <p:nvPicPr>
-          <p:cNvPr id="10" name="图片 9">
-            <a:extLst>
-              <a:ext uri="{FF2B5EF4-FFF2-40B4-BE49-F238E27FC236}">
-                <a16:creationId xmlns:a16="http://schemas.microsoft.com/office/drawing/2014/main" id="{E30CFCAF-800C-41E2-B740-4EAF8B1EC926}"/>
-              </a:ext>
-            </a:extLst>
-          </p:cNvPr>
+          <p:cNvPr id="10" name="图片 9"/>
           <p:cNvPicPr>
             <a:picLocks noChangeAspect="1"/>
           </p:cNvPicPr>
           <p:nvPr/>
         </p:nvPicPr>
         <p:blipFill>
-          <a:blip r:embed="rId4">
+          <a:blip r:embed="rId2">
             <a:extLst>
               <a:ext uri="{28A0092B-C50C-407E-A947-70E740481C1C}">
                 <a14:useLocalDpi xmlns:a14="http://schemas.microsoft.com/office/drawing/2010/main" val="0"/>
@@ -9522,13 +9118,7 @@
       </p:pic>
       <p:sp>
         <p:nvSpPr>
-          <p:cNvPr id="11" name="文本框 10">
-            <a:extLst>
-              <a:ext uri="{FF2B5EF4-FFF2-40B4-BE49-F238E27FC236}">
-                <a16:creationId xmlns:a16="http://schemas.microsoft.com/office/drawing/2014/main" id="{D5999583-7B45-439D-9763-F0EB3532E8E8}"/>
-              </a:ext>
-            </a:extLst>
-          </p:cNvPr>
+          <p:cNvPr id="11" name="文本框 10"/>
           <p:cNvSpPr txBox="1"/>
           <p:nvPr/>
         </p:nvSpPr>
@@ -9601,11 +9191,6 @@
         </p:txBody>
       </p:sp>
     </p:spTree>
-    <p:extLst>
-      <p:ext uri="{BB962C8B-B14F-4D97-AF65-F5344CB8AC3E}">
-        <p14:creationId xmlns:p14="http://schemas.microsoft.com/office/powerpoint/2010/main" val="1153213172"/>
-      </p:ext>
-    </p:extLst>
   </p:cSld>
   <p:clrMapOvr>
     <a:masterClrMapping/>
@@ -9633,13 +9218,7 @@
       </p:grpSpPr>
       <p:sp>
         <p:nvSpPr>
-          <p:cNvPr id="7" name="矩形 6">
-            <a:extLst>
-              <a:ext uri="{FF2B5EF4-FFF2-40B4-BE49-F238E27FC236}">
-                <a16:creationId xmlns:a16="http://schemas.microsoft.com/office/drawing/2014/main" id="{DFF98A76-302A-4FC1-8090-E89C68F9EAB6}"/>
-              </a:ext>
-            </a:extLst>
-          </p:cNvPr>
+          <p:cNvPr id="7" name="矩形 6"/>
           <p:cNvSpPr/>
           <p:nvPr/>
         </p:nvSpPr>
@@ -9676,18 +9255,25 @@
               </a:rPr>
               <a:t>解决分组问题</a:t>
             </a:r>
+            <a:endParaRPr lang="zh-CN" altLang="en-US" sz="5400" dirty="0">
+              <a:ln w="0"/>
+              <a:solidFill>
+                <a:schemeClr val="tx1"/>
+              </a:solidFill>
+              <a:effectLst>
+                <a:outerShdw blurRad="38100" dist="19050" dir="2700000" algn="tl" rotWithShape="0">
+                  <a:schemeClr val="dk1">
+                    <a:alpha val="40000"/>
+                  </a:schemeClr>
+                </a:outerShdw>
+              </a:effectLst>
+            </a:endParaRPr>
           </a:p>
         </p:txBody>
       </p:sp>
       <p:cxnSp>
         <p:nvCxnSpPr>
-          <p:cNvPr id="13" name="直接连接符 12">
-            <a:extLst>
-              <a:ext uri="{FF2B5EF4-FFF2-40B4-BE49-F238E27FC236}">
-                <a16:creationId xmlns:a16="http://schemas.microsoft.com/office/drawing/2014/main" id="{5E7B927F-0734-404F-9A08-80760E8E40C4}"/>
-              </a:ext>
-            </a:extLst>
-          </p:cNvPr>
+          <p:cNvPr id="13" name="直接连接符 12"/>
           <p:cNvCxnSpPr/>
           <p:nvPr/>
         </p:nvCxnSpPr>
@@ -9718,13 +9304,7 @@
       </p:cxnSp>
       <p:sp>
         <p:nvSpPr>
-          <p:cNvPr id="2" name="文本框 1">
-            <a:extLst>
-              <a:ext uri="{FF2B5EF4-FFF2-40B4-BE49-F238E27FC236}">
-                <a16:creationId xmlns:a16="http://schemas.microsoft.com/office/drawing/2014/main" id="{B73F3E5A-7E84-4382-AE67-DE38C649E2F3}"/>
-              </a:ext>
-            </a:extLst>
-          </p:cNvPr>
+          <p:cNvPr id="2" name="文本框 1"/>
           <p:cNvSpPr txBox="1"/>
           <p:nvPr/>
         </p:nvSpPr>
@@ -9845,25 +9425,33 @@
               </a:rPr>
               <a:t>操作系统的目录就是一棵树。</a:t>
             </a:r>
+            <a:endParaRPr kumimoji="0" lang="zh-CN" altLang="en-US" sz="3000" b="0" i="0" u="none" strike="noStrike" cap="none" spc="0" normalizeH="0" baseline="0" dirty="0">
+              <a:ln>
+                <a:noFill/>
+              </a:ln>
+              <a:solidFill>
+                <a:srgbClr val="000000"/>
+              </a:solidFill>
+              <a:effectLst/>
+              <a:uFillTx/>
+              <a:latin typeface="Helvetica Neue Medium"/>
+              <a:ea typeface="Helvetica Neue Medium"/>
+              <a:cs typeface="Helvetica Neue Medium"/>
+              <a:sym typeface="Helvetica Neue Medium"/>
+            </a:endParaRPr>
           </a:p>
         </p:txBody>
       </p:sp>
       <p:pic>
         <p:nvPicPr>
-          <p:cNvPr id="6" name="图片 5">
-            <a:extLst>
-              <a:ext uri="{FF2B5EF4-FFF2-40B4-BE49-F238E27FC236}">
-                <a16:creationId xmlns:a16="http://schemas.microsoft.com/office/drawing/2014/main" id="{2C942803-4ED0-4305-9204-54802D4F78D7}"/>
-              </a:ext>
-            </a:extLst>
-          </p:cNvPr>
+          <p:cNvPr id="6" name="图片 5"/>
           <p:cNvPicPr>
             <a:picLocks noChangeAspect="1"/>
           </p:cNvPicPr>
           <p:nvPr/>
         </p:nvPicPr>
         <p:blipFill>
-          <a:blip r:embed="rId3">
+          <a:blip r:embed="rId1">
             <a:extLst>
               <a:ext uri="{28A0092B-C50C-407E-A947-70E740481C1C}">
                 <a14:useLocalDpi xmlns:a14="http://schemas.microsoft.com/office/drawing/2010/main" val="0"/>
@@ -9886,20 +9474,14 @@
       </p:pic>
       <p:pic>
         <p:nvPicPr>
-          <p:cNvPr id="1026" name="Picture 2" descr="https://oss.v8cloud.cn/images/9d74e2c8447938ef046a26300004712c.png">
-            <a:extLst>
-              <a:ext uri="{FF2B5EF4-FFF2-40B4-BE49-F238E27FC236}">
-                <a16:creationId xmlns:a16="http://schemas.microsoft.com/office/drawing/2014/main" id="{7B863922-5FD6-4F90-9094-404A7A8B6506}"/>
-              </a:ext>
-            </a:extLst>
-          </p:cNvPr>
+          <p:cNvPr id="1026" name="Picture 2" descr="https://oss.v8cloud.cn/images/9d74e2c8447938ef046a26300004712c.png"/>
           <p:cNvPicPr>
             <a:picLocks noChangeAspect="1" noChangeArrowheads="1"/>
           </p:cNvPicPr>
           <p:nvPr/>
         </p:nvPicPr>
         <p:blipFill>
-          <a:blip r:embed="rId4">
+          <a:blip r:embed="rId2">
             <a:extLst>
               <a:ext uri="{28A0092B-C50C-407E-A947-70E740481C1C}">
                 <a14:useLocalDpi xmlns:a14="http://schemas.microsoft.com/office/drawing/2010/main" val="0"/>
@@ -9933,13 +9515,7 @@
       </p:pic>
       <p:sp>
         <p:nvSpPr>
-          <p:cNvPr id="8" name="文本框 7">
-            <a:extLst>
-              <a:ext uri="{FF2B5EF4-FFF2-40B4-BE49-F238E27FC236}">
-                <a16:creationId xmlns:a16="http://schemas.microsoft.com/office/drawing/2014/main" id="{546B6B68-0D80-418C-88F9-44E109AD7ABF}"/>
-              </a:ext>
-            </a:extLst>
-          </p:cNvPr>
+          <p:cNvPr id="8" name="文本框 7"/>
           <p:cNvSpPr txBox="1"/>
           <p:nvPr/>
         </p:nvSpPr>
@@ -10024,18 +9600,26 @@
               </a:rPr>
               <a:t>树，解决字典查找公共前缀问题</a:t>
             </a:r>
+            <a:endParaRPr kumimoji="0" lang="zh-CN" altLang="en-US" sz="3000" b="0" i="0" u="none" strike="noStrike" cap="none" spc="0" normalizeH="0" baseline="0" dirty="0">
+              <a:ln>
+                <a:noFill/>
+              </a:ln>
+              <a:solidFill>
+                <a:srgbClr val="000000"/>
+              </a:solidFill>
+              <a:effectLst/>
+              <a:uFillTx/>
+              <a:latin typeface="Helvetica Neue Medium"/>
+              <a:ea typeface="Helvetica Neue Medium"/>
+              <a:cs typeface="Helvetica Neue Medium"/>
+              <a:sym typeface="Helvetica Neue Medium"/>
+            </a:endParaRPr>
           </a:p>
         </p:txBody>
       </p:sp>
       <p:sp>
         <p:nvSpPr>
-          <p:cNvPr id="9" name="矩形 8">
-            <a:extLst>
-              <a:ext uri="{FF2B5EF4-FFF2-40B4-BE49-F238E27FC236}">
-                <a16:creationId xmlns:a16="http://schemas.microsoft.com/office/drawing/2014/main" id="{B530D617-9839-45B6-91CD-E3A7C3349B9C}"/>
-              </a:ext>
-            </a:extLst>
-          </p:cNvPr>
+          <p:cNvPr id="9" name="矩形 8"/>
           <p:cNvSpPr/>
           <p:nvPr/>
         </p:nvSpPr>
@@ -10211,11 +9795,6 @@
         </p:txBody>
       </p:sp>
     </p:spTree>
-    <p:extLst>
-      <p:ext uri="{BB962C8B-B14F-4D97-AF65-F5344CB8AC3E}">
-        <p14:creationId xmlns:p14="http://schemas.microsoft.com/office/powerpoint/2010/main" val="262505031"/>
-      </p:ext>
-    </p:extLst>
   </p:cSld>
   <p:clrMapOvr>
     <a:masterClrMapping/>
@@ -10243,20 +9822,14 @@
       </p:grpSpPr>
       <p:pic>
         <p:nvPicPr>
-          <p:cNvPr id="9218" name="Picture 2">
-            <a:extLst>
-              <a:ext uri="{FF2B5EF4-FFF2-40B4-BE49-F238E27FC236}">
-                <a16:creationId xmlns:a16="http://schemas.microsoft.com/office/drawing/2014/main" id="{277CB0B7-63B9-4A4F-B02C-1EDEBAC8D383}"/>
-              </a:ext>
-            </a:extLst>
-          </p:cNvPr>
+          <p:cNvPr id="9218" name="Picture 2"/>
           <p:cNvPicPr>
             <a:picLocks noChangeAspect="1" noChangeArrowheads="1"/>
           </p:cNvPicPr>
           <p:nvPr/>
         </p:nvPicPr>
         <p:blipFill>
-          <a:blip r:embed="rId3">
+          <a:blip r:embed="rId1">
             <a:extLst>
               <a:ext uri="{28A0092B-C50C-407E-A947-70E740481C1C}">
                 <a14:useLocalDpi xmlns:a14="http://schemas.microsoft.com/office/drawing/2010/main" val="0"/>
@@ -10290,13 +9863,7 @@
       </p:pic>
       <p:sp>
         <p:nvSpPr>
-          <p:cNvPr id="4" name="文本框 3">
-            <a:extLst>
-              <a:ext uri="{FF2B5EF4-FFF2-40B4-BE49-F238E27FC236}">
-                <a16:creationId xmlns:a16="http://schemas.microsoft.com/office/drawing/2014/main" id="{1CE552DF-934A-4183-9C1A-65EA90BFF0FD}"/>
-              </a:ext>
-            </a:extLst>
-          </p:cNvPr>
+          <p:cNvPr id="4" name="文本框 3"/>
           <p:cNvSpPr txBox="1"/>
           <p:nvPr/>
         </p:nvSpPr>
@@ -10381,11 +9948,6 @@
         </p:txBody>
       </p:sp>
     </p:spTree>
-    <p:extLst>
-      <p:ext uri="{BB962C8B-B14F-4D97-AF65-F5344CB8AC3E}">
-        <p14:creationId xmlns:p14="http://schemas.microsoft.com/office/powerpoint/2010/main" val="3166964821"/>
-      </p:ext>
-    </p:extLst>
   </p:cSld>
   <p:clrMapOvr>
     <a:masterClrMapping/>
@@ -10413,13 +9975,7 @@
       </p:grpSpPr>
       <p:sp>
         <p:nvSpPr>
-          <p:cNvPr id="7" name="矩形 6">
-            <a:extLst>
-              <a:ext uri="{FF2B5EF4-FFF2-40B4-BE49-F238E27FC236}">
-                <a16:creationId xmlns:a16="http://schemas.microsoft.com/office/drawing/2014/main" id="{DFF98A76-302A-4FC1-8090-E89C68F9EAB6}"/>
-              </a:ext>
-            </a:extLst>
-          </p:cNvPr>
+          <p:cNvPr id="7" name="矩形 6"/>
           <p:cNvSpPr/>
           <p:nvPr/>
         </p:nvSpPr>
@@ -10456,18 +10012,25 @@
               </a:rPr>
               <a:t>深度优先</a:t>
             </a:r>
+            <a:endParaRPr lang="zh-CN" altLang="en-US" sz="5400" dirty="0">
+              <a:ln w="0"/>
+              <a:solidFill>
+                <a:schemeClr val="tx1"/>
+              </a:solidFill>
+              <a:effectLst>
+                <a:outerShdw blurRad="38100" dist="19050" dir="2700000" algn="tl" rotWithShape="0">
+                  <a:schemeClr val="dk1">
+                    <a:alpha val="40000"/>
+                  </a:schemeClr>
+                </a:outerShdw>
+              </a:effectLst>
+            </a:endParaRPr>
           </a:p>
         </p:txBody>
       </p:sp>
       <p:cxnSp>
         <p:nvCxnSpPr>
-          <p:cNvPr id="13" name="直接连接符 12">
-            <a:extLst>
-              <a:ext uri="{FF2B5EF4-FFF2-40B4-BE49-F238E27FC236}">
-                <a16:creationId xmlns:a16="http://schemas.microsoft.com/office/drawing/2014/main" id="{5E7B927F-0734-404F-9A08-80760E8E40C4}"/>
-              </a:ext>
-            </a:extLst>
-          </p:cNvPr>
+          <p:cNvPr id="13" name="直接连接符 12"/>
           <p:cNvCxnSpPr/>
           <p:nvPr/>
         </p:nvCxnSpPr>
@@ -10498,13 +10061,7 @@
       </p:cxnSp>
       <p:sp>
         <p:nvSpPr>
-          <p:cNvPr id="2" name="文本框 1">
-            <a:extLst>
-              <a:ext uri="{FF2B5EF4-FFF2-40B4-BE49-F238E27FC236}">
-                <a16:creationId xmlns:a16="http://schemas.microsoft.com/office/drawing/2014/main" id="{B73F3E5A-7E84-4382-AE67-DE38C649E2F3}"/>
-              </a:ext>
-            </a:extLst>
-          </p:cNvPr>
+          <p:cNvPr id="2" name="文本框 1"/>
           <p:cNvSpPr txBox="1"/>
           <p:nvPr/>
         </p:nvSpPr>
@@ -10644,13 +10201,89 @@
       </p:sp>
       <p:pic>
         <p:nvPicPr>
-          <p:cNvPr id="2052" name="Picture 4" descr="https://upload.wikimedia.org/wikipedia/commons/thumb/d/d4/Sorted_binary_tree_preorder.svg/1024px-Sorted_binary_tree_preorder.svg.png">
+          <p:cNvPr id="2052" name="Picture 4" descr="https://upload.wikimedia.org/wikipedia/commons/thumb/d/d4/Sorted_binary_tree_preorder.svg/1024px-Sorted_binary_tree_preorder.svg.png"/>
+          <p:cNvPicPr>
+            <a:picLocks noChangeAspect="1" noChangeArrowheads="1"/>
+          </p:cNvPicPr>
+          <p:nvPr/>
+        </p:nvPicPr>
+        <p:blipFill>
+          <a:blip r:embed="rId1">
             <a:extLst>
-              <a:ext uri="{FF2B5EF4-FFF2-40B4-BE49-F238E27FC236}">
-                <a16:creationId xmlns:a16="http://schemas.microsoft.com/office/drawing/2014/main" id="{983485C8-CB84-48B2-9D3B-DFAA66917139}"/>
+              <a:ext uri="{28A0092B-C50C-407E-A947-70E740481C1C}">
+                <a14:useLocalDpi xmlns:a14="http://schemas.microsoft.com/office/drawing/2010/main" val="0"/>
               </a:ext>
             </a:extLst>
-          </p:cNvPr>
+          </a:blip>
+          <a:srcRect/>
+          <a:stretch>
+            <a:fillRect/>
+          </a:stretch>
+        </p:blipFill>
+        <p:spPr bwMode="auto">
+          <a:xfrm>
+            <a:off x="1816826" y="6571130"/>
+            <a:ext cx="6221318" cy="5316068"/>
+          </a:xfrm>
+          <a:prstGeom prst="rect">
+            <a:avLst/>
+          </a:prstGeom>
+          <a:noFill/>
+          <a:extLst>
+            <a:ext uri="{909E8E84-426E-40DD-AFC4-6F175D3DCCD1}">
+              <a14:hiddenFill xmlns:a14="http://schemas.microsoft.com/office/drawing/2010/main">
+                <a:solidFill>
+                  <a:srgbClr val="FFFFFF"/>
+                </a:solidFill>
+              </a14:hiddenFill>
+            </a:ext>
+          </a:extLst>
+        </p:spPr>
+      </p:pic>
+      <p:pic>
+        <p:nvPicPr>
+          <p:cNvPr id="2054" name="Picture 6" descr="https://upload.wikimedia.org/wikipedia/commons/thumb/7/77/Sorted_binary_tree_inorder.svg/1024px-Sorted_binary_tree_inorder.svg.png"/>
+          <p:cNvPicPr>
+            <a:picLocks noChangeAspect="1" noChangeArrowheads="1"/>
+          </p:cNvPicPr>
+          <p:nvPr/>
+        </p:nvPicPr>
+        <p:blipFill>
+          <a:blip r:embed="rId2">
+            <a:extLst>
+              <a:ext uri="{28A0092B-C50C-407E-A947-70E740481C1C}">
+                <a14:useLocalDpi xmlns:a14="http://schemas.microsoft.com/office/drawing/2010/main" val="0"/>
+              </a:ext>
+            </a:extLst>
+          </a:blip>
+          <a:srcRect/>
+          <a:stretch>
+            <a:fillRect/>
+          </a:stretch>
+        </p:blipFill>
+        <p:spPr bwMode="auto">
+          <a:xfrm>
+            <a:off x="8452103" y="6643809"/>
+            <a:ext cx="6051207" cy="5170709"/>
+          </a:xfrm>
+          <a:prstGeom prst="rect">
+            <a:avLst/>
+          </a:prstGeom>
+          <a:noFill/>
+          <a:extLst>
+            <a:ext uri="{909E8E84-426E-40DD-AFC4-6F175D3DCCD1}">
+              <a14:hiddenFill xmlns:a14="http://schemas.microsoft.com/office/drawing/2010/main">
+                <a:solidFill>
+                  <a:srgbClr val="FFFFFF"/>
+                </a:solidFill>
+              </a14:hiddenFill>
+            </a:ext>
+          </a:extLst>
+        </p:spPr>
+      </p:pic>
+      <p:pic>
+        <p:nvPicPr>
+          <p:cNvPr id="2056" name="Picture 8" descr="https://upload.wikimedia.org/wikipedia/commons/thumb/9/9d/Sorted_binary_tree_postorder.svg/1024px-Sorted_binary_tree_postorder.svg.png"/>
           <p:cNvPicPr>
             <a:picLocks noChangeAspect="1" noChangeArrowheads="1"/>
           </p:cNvPicPr>
@@ -10671,8 +10304,8 @@
         </p:blipFill>
         <p:spPr bwMode="auto">
           <a:xfrm>
-            <a:off x="1816826" y="6571130"/>
-            <a:ext cx="6221318" cy="5316068"/>
+            <a:off x="15265117" y="6795683"/>
+            <a:ext cx="5873471" cy="5018835"/>
           </a:xfrm>
           <a:prstGeom prst="rect">
             <a:avLst/>
@@ -10689,109 +10322,9 @@
           </a:extLst>
         </p:spPr>
       </p:pic>
-      <p:pic>
-        <p:nvPicPr>
-          <p:cNvPr id="2054" name="Picture 6" descr="https://upload.wikimedia.org/wikipedia/commons/thumb/7/77/Sorted_binary_tree_inorder.svg/1024px-Sorted_binary_tree_inorder.svg.png">
-            <a:extLst>
-              <a:ext uri="{FF2B5EF4-FFF2-40B4-BE49-F238E27FC236}">
-                <a16:creationId xmlns:a16="http://schemas.microsoft.com/office/drawing/2014/main" id="{5E2A1D99-4257-4A65-9869-2BB611E573ED}"/>
-              </a:ext>
-            </a:extLst>
-          </p:cNvPr>
-          <p:cNvPicPr>
-            <a:picLocks noChangeAspect="1" noChangeArrowheads="1"/>
-          </p:cNvPicPr>
-          <p:nvPr/>
-        </p:nvPicPr>
-        <p:blipFill>
-          <a:blip r:embed="rId4">
-            <a:extLst>
-              <a:ext uri="{28A0092B-C50C-407E-A947-70E740481C1C}">
-                <a14:useLocalDpi xmlns:a14="http://schemas.microsoft.com/office/drawing/2010/main" val="0"/>
-              </a:ext>
-            </a:extLst>
-          </a:blip>
-          <a:srcRect/>
-          <a:stretch>
-            <a:fillRect/>
-          </a:stretch>
-        </p:blipFill>
-        <p:spPr bwMode="auto">
-          <a:xfrm>
-            <a:off x="8452103" y="6643809"/>
-            <a:ext cx="6051207" cy="5170709"/>
-          </a:xfrm>
-          <a:prstGeom prst="rect">
-            <a:avLst/>
-          </a:prstGeom>
-          <a:noFill/>
-          <a:extLst>
-            <a:ext uri="{909E8E84-426E-40DD-AFC4-6F175D3DCCD1}">
-              <a14:hiddenFill xmlns:a14="http://schemas.microsoft.com/office/drawing/2010/main">
-                <a:solidFill>
-                  <a:srgbClr val="FFFFFF"/>
-                </a:solidFill>
-              </a14:hiddenFill>
-            </a:ext>
-          </a:extLst>
-        </p:spPr>
-      </p:pic>
-      <p:pic>
-        <p:nvPicPr>
-          <p:cNvPr id="2056" name="Picture 8" descr="https://upload.wikimedia.org/wikipedia/commons/thumb/9/9d/Sorted_binary_tree_postorder.svg/1024px-Sorted_binary_tree_postorder.svg.png">
-            <a:extLst>
-              <a:ext uri="{FF2B5EF4-FFF2-40B4-BE49-F238E27FC236}">
-                <a16:creationId xmlns:a16="http://schemas.microsoft.com/office/drawing/2014/main" id="{42D7C30D-B14B-49A8-96A8-0B437838512D}"/>
-              </a:ext>
-            </a:extLst>
-          </p:cNvPr>
-          <p:cNvPicPr>
-            <a:picLocks noChangeAspect="1" noChangeArrowheads="1"/>
-          </p:cNvPicPr>
-          <p:nvPr/>
-        </p:nvPicPr>
-        <p:blipFill>
-          <a:blip r:embed="rId5">
-            <a:extLst>
-              <a:ext uri="{28A0092B-C50C-407E-A947-70E740481C1C}">
-                <a14:useLocalDpi xmlns:a14="http://schemas.microsoft.com/office/drawing/2010/main" val="0"/>
-              </a:ext>
-            </a:extLst>
-          </a:blip>
-          <a:srcRect/>
-          <a:stretch>
-            <a:fillRect/>
-          </a:stretch>
-        </p:blipFill>
-        <p:spPr bwMode="auto">
-          <a:xfrm>
-            <a:off x="15265117" y="6795683"/>
-            <a:ext cx="5873471" cy="5018835"/>
-          </a:xfrm>
-          <a:prstGeom prst="rect">
-            <a:avLst/>
-          </a:prstGeom>
-          <a:noFill/>
-          <a:extLst>
-            <a:ext uri="{909E8E84-426E-40DD-AFC4-6F175D3DCCD1}">
-              <a14:hiddenFill xmlns:a14="http://schemas.microsoft.com/office/drawing/2010/main">
-                <a:solidFill>
-                  <a:srgbClr val="FFFFFF"/>
-                </a:solidFill>
-              </a14:hiddenFill>
-            </a:ext>
-          </a:extLst>
-        </p:spPr>
-      </p:pic>
       <p:sp>
         <p:nvSpPr>
-          <p:cNvPr id="3" name="文本框 2">
-            <a:extLst>
-              <a:ext uri="{FF2B5EF4-FFF2-40B4-BE49-F238E27FC236}">
-                <a16:creationId xmlns:a16="http://schemas.microsoft.com/office/drawing/2014/main" id="{808E463F-5E0B-4713-BAEA-E08534DEB861}"/>
-              </a:ext>
-            </a:extLst>
-          </p:cNvPr>
+          <p:cNvPr id="3" name="文本框 2"/>
           <p:cNvSpPr txBox="1"/>
           <p:nvPr/>
         </p:nvSpPr>
@@ -10867,13 +10400,7 @@
       </p:sp>
       <p:sp>
         <p:nvSpPr>
-          <p:cNvPr id="4" name="文本框 3">
-            <a:extLst>
-              <a:ext uri="{FF2B5EF4-FFF2-40B4-BE49-F238E27FC236}">
-                <a16:creationId xmlns:a16="http://schemas.microsoft.com/office/drawing/2014/main" id="{88CA97ED-D685-4BB1-AC09-5AA0166ED14E}"/>
-              </a:ext>
-            </a:extLst>
-          </p:cNvPr>
+          <p:cNvPr id="4" name="文本框 3"/>
           <p:cNvSpPr txBox="1"/>
           <p:nvPr/>
         </p:nvSpPr>
@@ -10949,13 +10476,7 @@
       </p:sp>
       <p:sp>
         <p:nvSpPr>
-          <p:cNvPr id="5" name="文本框 4">
-            <a:extLst>
-              <a:ext uri="{FF2B5EF4-FFF2-40B4-BE49-F238E27FC236}">
-                <a16:creationId xmlns:a16="http://schemas.microsoft.com/office/drawing/2014/main" id="{563FF7F3-D7B3-4204-860C-EC43FBB1C8C2}"/>
-              </a:ext>
-            </a:extLst>
-          </p:cNvPr>
+          <p:cNvPr id="5" name="文本框 4"/>
           <p:cNvSpPr txBox="1"/>
           <p:nvPr/>
         </p:nvSpPr>
@@ -11030,11 +10551,6 @@
         </p:txBody>
       </p:sp>
     </p:spTree>
-    <p:extLst>
-      <p:ext uri="{BB962C8B-B14F-4D97-AF65-F5344CB8AC3E}">
-        <p14:creationId xmlns:p14="http://schemas.microsoft.com/office/powerpoint/2010/main" val="525730298"/>
-      </p:ext>
-    </p:extLst>
   </p:cSld>
   <p:clrMapOvr>
     <a:masterClrMapping/>
@@ -11062,13 +10578,7 @@
       </p:grpSpPr>
       <p:sp>
         <p:nvSpPr>
-          <p:cNvPr id="7" name="矩形 6">
-            <a:extLst>
-              <a:ext uri="{FF2B5EF4-FFF2-40B4-BE49-F238E27FC236}">
-                <a16:creationId xmlns:a16="http://schemas.microsoft.com/office/drawing/2014/main" id="{DFF98A76-302A-4FC1-8090-E89C68F9EAB6}"/>
-              </a:ext>
-            </a:extLst>
-          </p:cNvPr>
+          <p:cNvPr id="7" name="矩形 6"/>
           <p:cNvSpPr/>
           <p:nvPr/>
         </p:nvSpPr>
@@ -11105,18 +10615,25 @@
               </a:rPr>
               <a:t>广度优先</a:t>
             </a:r>
+            <a:endParaRPr lang="zh-CN" altLang="en-US" sz="5400" dirty="0">
+              <a:ln w="0"/>
+              <a:solidFill>
+                <a:schemeClr val="tx1"/>
+              </a:solidFill>
+              <a:effectLst>
+                <a:outerShdw blurRad="38100" dist="19050" dir="2700000" algn="tl" rotWithShape="0">
+                  <a:schemeClr val="dk1">
+                    <a:alpha val="40000"/>
+                  </a:schemeClr>
+                </a:outerShdw>
+              </a:effectLst>
+            </a:endParaRPr>
           </a:p>
         </p:txBody>
       </p:sp>
       <p:cxnSp>
         <p:nvCxnSpPr>
-          <p:cNvPr id="13" name="直接连接符 12">
-            <a:extLst>
-              <a:ext uri="{FF2B5EF4-FFF2-40B4-BE49-F238E27FC236}">
-                <a16:creationId xmlns:a16="http://schemas.microsoft.com/office/drawing/2014/main" id="{5E7B927F-0734-404F-9A08-80760E8E40C4}"/>
-              </a:ext>
-            </a:extLst>
-          </p:cNvPr>
+          <p:cNvPr id="13" name="直接连接符 12"/>
           <p:cNvCxnSpPr/>
           <p:nvPr/>
         </p:nvCxnSpPr>
@@ -11147,13 +10664,7 @@
       </p:cxnSp>
       <p:sp>
         <p:nvSpPr>
-          <p:cNvPr id="2" name="文本框 1">
-            <a:extLst>
-              <a:ext uri="{FF2B5EF4-FFF2-40B4-BE49-F238E27FC236}">
-                <a16:creationId xmlns:a16="http://schemas.microsoft.com/office/drawing/2014/main" id="{B73F3E5A-7E84-4382-AE67-DE38C649E2F3}"/>
-              </a:ext>
-            </a:extLst>
-          </p:cNvPr>
+          <p:cNvPr id="2" name="文本框 1"/>
           <p:cNvSpPr txBox="1"/>
           <p:nvPr/>
         </p:nvSpPr>
@@ -11227,13 +10738,7 @@
       </p:sp>
       <p:sp>
         <p:nvSpPr>
-          <p:cNvPr id="4" name="文本框 3">
-            <a:extLst>
-              <a:ext uri="{FF2B5EF4-FFF2-40B4-BE49-F238E27FC236}">
-                <a16:creationId xmlns:a16="http://schemas.microsoft.com/office/drawing/2014/main" id="{88CA97ED-D685-4BB1-AC09-5AA0166ED14E}"/>
-              </a:ext>
-            </a:extLst>
-          </p:cNvPr>
+          <p:cNvPr id="4" name="文本框 3"/>
           <p:cNvSpPr txBox="1"/>
           <p:nvPr/>
         </p:nvSpPr>
@@ -11313,20 +10818,14 @@
       </p:sp>
       <p:pic>
         <p:nvPicPr>
-          <p:cNvPr id="4098" name="Picture 2" descr="https://upload.wikimedia.org/wikipedia/commons/thumb/d/d1/Sorted_binary_tree_breadth-first_traversal.svg/1280px-Sorted_binary_tree_breadth-first_traversal.svg.png">
-            <a:extLst>
-              <a:ext uri="{FF2B5EF4-FFF2-40B4-BE49-F238E27FC236}">
-                <a16:creationId xmlns:a16="http://schemas.microsoft.com/office/drawing/2014/main" id="{0E2EE9BD-DA81-40AE-816A-D9AE07B2A82C}"/>
-              </a:ext>
-            </a:extLst>
-          </p:cNvPr>
+          <p:cNvPr id="4098" name="Picture 2" descr="https://upload.wikimedia.org/wikipedia/commons/thumb/d/d1/Sorted_binary_tree_breadth-first_traversal.svg/1280px-Sorted_binary_tree_breadth-first_traversal.svg.png"/>
           <p:cNvPicPr>
             <a:picLocks noChangeAspect="1" noChangeArrowheads="1"/>
           </p:cNvPicPr>
           <p:nvPr/>
         </p:nvPicPr>
         <p:blipFill>
-          <a:blip r:embed="rId3">
+          <a:blip r:embed="rId1">
             <a:extLst>
               <a:ext uri="{28A0092B-C50C-407E-A947-70E740481C1C}">
                 <a14:useLocalDpi xmlns:a14="http://schemas.microsoft.com/office/drawing/2010/main" val="0"/>
@@ -11359,11 +10858,6 @@
         </p:spPr>
       </p:pic>
     </p:spTree>
-    <p:extLst>
-      <p:ext uri="{BB962C8B-B14F-4D97-AF65-F5344CB8AC3E}">
-        <p14:creationId xmlns:p14="http://schemas.microsoft.com/office/powerpoint/2010/main" val="2830001553"/>
-      </p:ext>
-    </p:extLst>
   </p:cSld>
   <p:clrMapOvr>
     <a:masterClrMapping/>
@@ -11429,6 +10923,7 @@
               <a:rPr dirty="0"/>
               <a:t>目录</a:t>
             </a:r>
+            <a:endParaRPr dirty="0"/>
           </a:p>
         </p:txBody>
       </p:sp>
@@ -11472,6 +10967,7 @@
               <a:rPr dirty="0"/>
               <a:t>Content</a:t>
             </a:r>
+            <a:endParaRPr dirty="0"/>
           </a:p>
         </p:txBody>
       </p:sp>
@@ -11652,20 +11148,14 @@
       </p:grpSpPr>
       <p:pic>
         <p:nvPicPr>
-          <p:cNvPr id="9218" name="Picture 2">
-            <a:extLst>
-              <a:ext uri="{FF2B5EF4-FFF2-40B4-BE49-F238E27FC236}">
-                <a16:creationId xmlns:a16="http://schemas.microsoft.com/office/drawing/2014/main" id="{277CB0B7-63B9-4A4F-B02C-1EDEBAC8D383}"/>
-              </a:ext>
-            </a:extLst>
-          </p:cNvPr>
+          <p:cNvPr id="9218" name="Picture 2"/>
           <p:cNvPicPr>
             <a:picLocks noChangeAspect="1" noChangeArrowheads="1"/>
           </p:cNvPicPr>
           <p:nvPr/>
         </p:nvPicPr>
         <p:blipFill>
-          <a:blip r:embed="rId3">
+          <a:blip r:embed="rId1">
             <a:extLst>
               <a:ext uri="{28A0092B-C50C-407E-A947-70E740481C1C}">
                 <a14:useLocalDpi xmlns:a14="http://schemas.microsoft.com/office/drawing/2010/main" val="0"/>
@@ -11699,13 +11189,7 @@
       </p:pic>
       <p:sp>
         <p:nvSpPr>
-          <p:cNvPr id="5" name="文本框 4">
-            <a:extLst>
-              <a:ext uri="{FF2B5EF4-FFF2-40B4-BE49-F238E27FC236}">
-                <a16:creationId xmlns:a16="http://schemas.microsoft.com/office/drawing/2014/main" id="{A12241C9-93B9-43BC-A0CE-ACFCD4B8D4F2}"/>
-              </a:ext>
-            </a:extLst>
-          </p:cNvPr>
+          <p:cNvPr id="5" name="文本框 4"/>
           <p:cNvSpPr txBox="1"/>
           <p:nvPr/>
         </p:nvSpPr>
@@ -11786,11 +11270,6 @@
         </p:txBody>
       </p:sp>
     </p:spTree>
-    <p:extLst>
-      <p:ext uri="{BB962C8B-B14F-4D97-AF65-F5344CB8AC3E}">
-        <p14:creationId xmlns:p14="http://schemas.microsoft.com/office/powerpoint/2010/main" val="893129154"/>
-      </p:ext>
-    </p:extLst>
   </p:cSld>
   <p:clrMapOvr>
     <a:masterClrMapping/>
@@ -11818,13 +11297,7 @@
       </p:grpSpPr>
       <p:sp>
         <p:nvSpPr>
-          <p:cNvPr id="7" name="矩形 6">
-            <a:extLst>
-              <a:ext uri="{FF2B5EF4-FFF2-40B4-BE49-F238E27FC236}">
-                <a16:creationId xmlns:a16="http://schemas.microsoft.com/office/drawing/2014/main" id="{DFF98A76-302A-4FC1-8090-E89C68F9EAB6}"/>
-              </a:ext>
-            </a:extLst>
-          </p:cNvPr>
+          <p:cNvPr id="7" name="矩形 6"/>
           <p:cNvSpPr/>
           <p:nvPr/>
         </p:nvSpPr>
@@ -11861,18 +11334,25 @@
               </a:rPr>
               <a:t>程序员日常中，树的一些运用场景</a:t>
             </a:r>
+            <a:endParaRPr lang="zh-CN" altLang="en-US" sz="5400" dirty="0">
+              <a:ln w="0"/>
+              <a:solidFill>
+                <a:schemeClr val="tx1"/>
+              </a:solidFill>
+              <a:effectLst>
+                <a:outerShdw blurRad="38100" dist="19050" dir="2700000" algn="tl" rotWithShape="0">
+                  <a:schemeClr val="dk1">
+                    <a:alpha val="40000"/>
+                  </a:schemeClr>
+                </a:outerShdw>
+              </a:effectLst>
+            </a:endParaRPr>
           </a:p>
         </p:txBody>
       </p:sp>
       <p:cxnSp>
         <p:nvCxnSpPr>
-          <p:cNvPr id="13" name="直接连接符 12">
-            <a:extLst>
-              <a:ext uri="{FF2B5EF4-FFF2-40B4-BE49-F238E27FC236}">
-                <a16:creationId xmlns:a16="http://schemas.microsoft.com/office/drawing/2014/main" id="{5E7B927F-0734-404F-9A08-80760E8E40C4}"/>
-              </a:ext>
-            </a:extLst>
-          </p:cNvPr>
+          <p:cNvPr id="13" name="直接连接符 12"/>
           <p:cNvCxnSpPr/>
           <p:nvPr/>
         </p:nvCxnSpPr>
@@ -11903,13 +11383,7 @@
       </p:cxnSp>
       <p:sp>
         <p:nvSpPr>
-          <p:cNvPr id="5" name="文本框 4">
-            <a:extLst>
-              <a:ext uri="{FF2B5EF4-FFF2-40B4-BE49-F238E27FC236}">
-                <a16:creationId xmlns:a16="http://schemas.microsoft.com/office/drawing/2014/main" id="{337C12B4-1CFE-49D3-8647-0D8B58381BA1}"/>
-              </a:ext>
-            </a:extLst>
-          </p:cNvPr>
+          <p:cNvPr id="5" name="文本框 4"/>
           <p:cNvSpPr txBox="1"/>
           <p:nvPr/>
         </p:nvSpPr>
@@ -12337,15 +11811,24 @@
               </a:rPr>
               <a:t>产品功能树状图。</a:t>
             </a:r>
+            <a:endParaRPr kumimoji="0" lang="zh-CN" altLang="en-US" sz="3000" b="0" i="0" u="none" strike="noStrike" cap="none" spc="0" normalizeH="0" baseline="0" dirty="0">
+              <a:ln>
+                <a:noFill/>
+              </a:ln>
+              <a:solidFill>
+                <a:srgbClr val="000000"/>
+              </a:solidFill>
+              <a:effectLst/>
+              <a:uFillTx/>
+              <a:latin typeface="Helvetica Neue Medium"/>
+              <a:ea typeface="Helvetica Neue Medium"/>
+              <a:cs typeface="Helvetica Neue Medium"/>
+              <a:sym typeface="Helvetica Neue Medium"/>
+            </a:endParaRPr>
           </a:p>
         </p:txBody>
       </p:sp>
     </p:spTree>
-    <p:extLst>
-      <p:ext uri="{BB962C8B-B14F-4D97-AF65-F5344CB8AC3E}">
-        <p14:creationId xmlns:p14="http://schemas.microsoft.com/office/powerpoint/2010/main" val="2463092381"/>
-      </p:ext>
-    </p:extLst>
   </p:cSld>
   <p:clrMapOvr>
     <a:masterClrMapping/>
@@ -12373,13 +11856,7 @@
       </p:grpSpPr>
       <p:sp>
         <p:nvSpPr>
-          <p:cNvPr id="7" name="矩形 6">
-            <a:extLst>
-              <a:ext uri="{FF2B5EF4-FFF2-40B4-BE49-F238E27FC236}">
-                <a16:creationId xmlns:a16="http://schemas.microsoft.com/office/drawing/2014/main" id="{DFF98A76-302A-4FC1-8090-E89C68F9EAB6}"/>
-              </a:ext>
-            </a:extLst>
-          </p:cNvPr>
+          <p:cNvPr id="7" name="矩形 6"/>
           <p:cNvSpPr/>
           <p:nvPr/>
         </p:nvSpPr>
@@ -12416,18 +11893,25 @@
               </a:rPr>
               <a:t>计算机目录</a:t>
             </a:r>
+            <a:endParaRPr lang="zh-CN" altLang="en-US" sz="5400" dirty="0">
+              <a:ln w="0"/>
+              <a:solidFill>
+                <a:schemeClr val="tx1"/>
+              </a:solidFill>
+              <a:effectLst>
+                <a:outerShdw blurRad="38100" dist="19050" dir="2700000" algn="tl" rotWithShape="0">
+                  <a:schemeClr val="dk1">
+                    <a:alpha val="40000"/>
+                  </a:schemeClr>
+                </a:outerShdw>
+              </a:effectLst>
+            </a:endParaRPr>
           </a:p>
         </p:txBody>
       </p:sp>
       <p:cxnSp>
         <p:nvCxnSpPr>
-          <p:cNvPr id="13" name="直接连接符 12">
-            <a:extLst>
-              <a:ext uri="{FF2B5EF4-FFF2-40B4-BE49-F238E27FC236}">
-                <a16:creationId xmlns:a16="http://schemas.microsoft.com/office/drawing/2014/main" id="{5E7B927F-0734-404F-9A08-80760E8E40C4}"/>
-              </a:ext>
-            </a:extLst>
-          </p:cNvPr>
+          <p:cNvPr id="13" name="直接连接符 12"/>
           <p:cNvCxnSpPr/>
           <p:nvPr/>
         </p:nvCxnSpPr>
@@ -12458,20 +11942,14 @@
       </p:cxnSp>
       <p:pic>
         <p:nvPicPr>
-          <p:cNvPr id="2" name="图片 1">
-            <a:extLst>
-              <a:ext uri="{FF2B5EF4-FFF2-40B4-BE49-F238E27FC236}">
-                <a16:creationId xmlns:a16="http://schemas.microsoft.com/office/drawing/2014/main" id="{9D02AB4D-39FC-492C-AA5E-C3E5EFA71629}"/>
-              </a:ext>
-            </a:extLst>
-          </p:cNvPr>
+          <p:cNvPr id="2" name="图片 1"/>
           <p:cNvPicPr>
             <a:picLocks noChangeAspect="1"/>
           </p:cNvPicPr>
           <p:nvPr/>
         </p:nvPicPr>
         <p:blipFill>
-          <a:blip r:embed="rId3"/>
+          <a:blip r:embed="rId1"/>
           <a:stretch>
             <a:fillRect/>
           </a:stretch>
@@ -12487,11 +11965,6 @@
         </p:spPr>
       </p:pic>
     </p:spTree>
-    <p:extLst>
-      <p:ext uri="{BB962C8B-B14F-4D97-AF65-F5344CB8AC3E}">
-        <p14:creationId xmlns:p14="http://schemas.microsoft.com/office/powerpoint/2010/main" val="906762397"/>
-      </p:ext>
-    </p:extLst>
   </p:cSld>
   <p:clrMapOvr>
     <a:masterClrMapping/>
@@ -12519,13 +11992,7 @@
       </p:grpSpPr>
       <p:sp>
         <p:nvSpPr>
-          <p:cNvPr id="7" name="矩形 6">
-            <a:extLst>
-              <a:ext uri="{FF2B5EF4-FFF2-40B4-BE49-F238E27FC236}">
-                <a16:creationId xmlns:a16="http://schemas.microsoft.com/office/drawing/2014/main" id="{DFF98A76-302A-4FC1-8090-E89C68F9EAB6}"/>
-              </a:ext>
-            </a:extLst>
-          </p:cNvPr>
+          <p:cNvPr id="7" name="矩形 6"/>
           <p:cNvSpPr/>
           <p:nvPr/>
         </p:nvSpPr>
@@ -12568,13 +12035,7 @@
       </p:sp>
       <p:cxnSp>
         <p:nvCxnSpPr>
-          <p:cNvPr id="13" name="直接连接符 12">
-            <a:extLst>
-              <a:ext uri="{FF2B5EF4-FFF2-40B4-BE49-F238E27FC236}">
-                <a16:creationId xmlns:a16="http://schemas.microsoft.com/office/drawing/2014/main" id="{5E7B927F-0734-404F-9A08-80760E8E40C4}"/>
-              </a:ext>
-            </a:extLst>
-          </p:cNvPr>
+          <p:cNvPr id="13" name="直接连接符 12"/>
           <p:cNvCxnSpPr/>
           <p:nvPr/>
         </p:nvCxnSpPr>
@@ -12605,20 +12066,14 @@
       </p:cxnSp>
       <p:pic>
         <p:nvPicPr>
-          <p:cNvPr id="5122" name="Picture 2" descr="äº§åæ¡æ¶ç»æ">
-            <a:extLst>
-              <a:ext uri="{FF2B5EF4-FFF2-40B4-BE49-F238E27FC236}">
-                <a16:creationId xmlns:a16="http://schemas.microsoft.com/office/drawing/2014/main" id="{42B3289C-D050-4958-9FCD-23E59E2B95A8}"/>
-              </a:ext>
-            </a:extLst>
-          </p:cNvPr>
+          <p:cNvPr id="5122" name="Picture 2" descr="äº§åæ¡æ¶ç»æ"/>
           <p:cNvPicPr>
             <a:picLocks noChangeAspect="1" noChangeArrowheads="1"/>
           </p:cNvPicPr>
           <p:nvPr/>
         </p:nvPicPr>
         <p:blipFill>
-          <a:blip r:embed="rId3">
+          <a:blip r:embed="rId1">
             <a:extLst>
               <a:ext uri="{28A0092B-C50C-407E-A947-70E740481C1C}">
                 <a14:useLocalDpi xmlns:a14="http://schemas.microsoft.com/office/drawing/2010/main" val="0"/>
@@ -12651,11 +12106,6 @@
         </p:spPr>
       </p:pic>
     </p:spTree>
-    <p:extLst>
-      <p:ext uri="{BB962C8B-B14F-4D97-AF65-F5344CB8AC3E}">
-        <p14:creationId xmlns:p14="http://schemas.microsoft.com/office/powerpoint/2010/main" val="1424114490"/>
-      </p:ext>
-    </p:extLst>
   </p:cSld>
   <p:clrMapOvr>
     <a:masterClrMapping/>
@@ -12683,20 +12133,14 @@
       </p:grpSpPr>
       <p:pic>
         <p:nvPicPr>
-          <p:cNvPr id="4" name="Picture 12" descr="https://ss2.bdstatic.com/70cFvnSh_Q1YnxGkpoWK1HF6hhy/it/u=206656841,1689667245&amp;fm=26&amp;gp=0.jpg">
-            <a:extLst>
-              <a:ext uri="{FF2B5EF4-FFF2-40B4-BE49-F238E27FC236}">
-                <a16:creationId xmlns:a16="http://schemas.microsoft.com/office/drawing/2014/main" id="{E4C605B5-A190-49F5-8E78-3AF37471B69F}"/>
-              </a:ext>
-            </a:extLst>
-          </p:cNvPr>
+          <p:cNvPr id="4" name="Picture 12" descr="https://ss2.bdstatic.com/70cFvnSh_Q1YnxGkpoWK1HF6hhy/it/u=206656841,1689667245&amp;fm=26&amp;gp=0.jpg"/>
           <p:cNvPicPr>
             <a:picLocks noChangeAspect="1" noChangeArrowheads="1"/>
           </p:cNvPicPr>
           <p:nvPr/>
         </p:nvPicPr>
         <p:blipFill>
-          <a:blip r:embed="rId3">
+          <a:blip r:embed="rId1">
             <a:extLst>
               <a:ext uri="{28A0092B-C50C-407E-A947-70E740481C1C}">
                 <a14:useLocalDpi xmlns:a14="http://schemas.microsoft.com/office/drawing/2010/main" val="0"/>
@@ -12730,13 +12174,7 @@
       </p:pic>
       <p:sp>
         <p:nvSpPr>
-          <p:cNvPr id="6" name="文本框 5">
-            <a:extLst>
-              <a:ext uri="{FF2B5EF4-FFF2-40B4-BE49-F238E27FC236}">
-                <a16:creationId xmlns:a16="http://schemas.microsoft.com/office/drawing/2014/main" id="{156DEC5A-26D9-4ECD-87EC-56E7DA10189C}"/>
-              </a:ext>
-            </a:extLst>
-          </p:cNvPr>
+          <p:cNvPr id="6" name="文本框 5"/>
           <p:cNvSpPr txBox="1"/>
           <p:nvPr/>
         </p:nvSpPr>
@@ -12838,15 +12276,24 @@
               </a:rPr>
               <a:t>都有哪些？</a:t>
             </a:r>
+            <a:endParaRPr kumimoji="0" lang="zh-CN" altLang="en-US" sz="3000" b="0" i="0" u="none" strike="noStrike" cap="none" spc="0" normalizeH="0" baseline="0" dirty="0">
+              <a:ln>
+                <a:noFill/>
+              </a:ln>
+              <a:solidFill>
+                <a:srgbClr val="000000"/>
+              </a:solidFill>
+              <a:effectLst/>
+              <a:uFillTx/>
+              <a:latin typeface="Helvetica Neue Medium"/>
+              <a:ea typeface="Helvetica Neue Medium"/>
+              <a:cs typeface="Helvetica Neue Medium"/>
+              <a:sym typeface="Helvetica Neue Medium"/>
+            </a:endParaRPr>
           </a:p>
         </p:txBody>
       </p:sp>
     </p:spTree>
-    <p:extLst>
-      <p:ext uri="{BB962C8B-B14F-4D97-AF65-F5344CB8AC3E}">
-        <p14:creationId xmlns:p14="http://schemas.microsoft.com/office/powerpoint/2010/main" val="3176907288"/>
-      </p:ext>
-    </p:extLst>
   </p:cSld>
   <p:clrMapOvr>
     <a:masterClrMapping/>
@@ -12874,13 +12321,7 @@
       </p:grpSpPr>
       <p:sp>
         <p:nvSpPr>
-          <p:cNvPr id="7" name="矩形 6">
-            <a:extLst>
-              <a:ext uri="{FF2B5EF4-FFF2-40B4-BE49-F238E27FC236}">
-                <a16:creationId xmlns:a16="http://schemas.microsoft.com/office/drawing/2014/main" id="{DFF98A76-302A-4FC1-8090-E89C68F9EAB6}"/>
-              </a:ext>
-            </a:extLst>
-          </p:cNvPr>
+          <p:cNvPr id="7" name="矩形 6"/>
           <p:cNvSpPr/>
           <p:nvPr/>
         </p:nvSpPr>
@@ -12917,18 +12358,25 @@
               </a:rPr>
               <a:t>树的大部分成员</a:t>
             </a:r>
+            <a:endParaRPr lang="zh-CN" altLang="en-US" sz="5400" dirty="0">
+              <a:ln w="0"/>
+              <a:solidFill>
+                <a:schemeClr val="tx1"/>
+              </a:solidFill>
+              <a:effectLst>
+                <a:outerShdw blurRad="38100" dist="19050" dir="2700000" algn="tl" rotWithShape="0">
+                  <a:schemeClr val="dk1">
+                    <a:alpha val="40000"/>
+                  </a:schemeClr>
+                </a:outerShdw>
+              </a:effectLst>
+            </a:endParaRPr>
           </a:p>
         </p:txBody>
       </p:sp>
       <p:cxnSp>
         <p:nvCxnSpPr>
-          <p:cNvPr id="13" name="直接连接符 12">
-            <a:extLst>
-              <a:ext uri="{FF2B5EF4-FFF2-40B4-BE49-F238E27FC236}">
-                <a16:creationId xmlns:a16="http://schemas.microsoft.com/office/drawing/2014/main" id="{5E7B927F-0734-404F-9A08-80760E8E40C4}"/>
-              </a:ext>
-            </a:extLst>
-          </p:cNvPr>
+          <p:cNvPr id="13" name="直接连接符 12"/>
           <p:cNvCxnSpPr/>
           <p:nvPr/>
         </p:nvCxnSpPr>
@@ -12959,13 +12407,7 @@
       </p:cxnSp>
       <p:sp>
         <p:nvSpPr>
-          <p:cNvPr id="2" name="文本框 1">
-            <a:extLst>
-              <a:ext uri="{FF2B5EF4-FFF2-40B4-BE49-F238E27FC236}">
-                <a16:creationId xmlns:a16="http://schemas.microsoft.com/office/drawing/2014/main" id="{0368F833-C56B-4792-BBCF-C344DEF83525}"/>
-              </a:ext>
-            </a:extLst>
-          </p:cNvPr>
+          <p:cNvPr id="2" name="文本框 1"/>
           <p:cNvSpPr txBox="1"/>
           <p:nvPr/>
         </p:nvSpPr>
@@ -13008,7 +12450,7 @@
             </a:r>
             <a:r>
               <a:rPr lang="en-US" altLang="zh-CN" dirty="0">
-                <a:hlinkClick r:id="rId3"/>
+                <a:hlinkClick r:id="rId1"/>
               </a:rPr>
               <a:t>https://en.wikipedia.org/wiki/Category:Trees_(data_structures)</a:t>
             </a:r>
@@ -13031,20 +12473,14 @@
       </p:sp>
       <p:pic>
         <p:nvPicPr>
-          <p:cNvPr id="3" name="图片 2">
-            <a:extLst>
-              <a:ext uri="{FF2B5EF4-FFF2-40B4-BE49-F238E27FC236}">
-                <a16:creationId xmlns:a16="http://schemas.microsoft.com/office/drawing/2014/main" id="{95043023-F766-47C4-AB5A-D03352E3BBAA}"/>
-              </a:ext>
-            </a:extLst>
-          </p:cNvPr>
+          <p:cNvPr id="3" name="图片 2"/>
           <p:cNvPicPr>
             <a:picLocks noChangeAspect="1"/>
           </p:cNvPicPr>
           <p:nvPr/>
         </p:nvPicPr>
         <p:blipFill>
-          <a:blip r:embed="rId4"/>
+          <a:blip r:embed="rId2"/>
           <a:stretch>
             <a:fillRect/>
           </a:stretch>
@@ -13060,11 +12496,6 @@
         </p:spPr>
       </p:pic>
     </p:spTree>
-    <p:extLst>
-      <p:ext uri="{BB962C8B-B14F-4D97-AF65-F5344CB8AC3E}">
-        <p14:creationId xmlns:p14="http://schemas.microsoft.com/office/powerpoint/2010/main" val="3758195774"/>
-      </p:ext>
-    </p:extLst>
   </p:cSld>
   <p:clrMapOvr>
     <a:masterClrMapping/>
@@ -13092,13 +12523,7 @@
       </p:grpSpPr>
       <p:sp>
         <p:nvSpPr>
-          <p:cNvPr id="7" name="矩形 6">
-            <a:extLst>
-              <a:ext uri="{FF2B5EF4-FFF2-40B4-BE49-F238E27FC236}">
-                <a16:creationId xmlns:a16="http://schemas.microsoft.com/office/drawing/2014/main" id="{DFF98A76-302A-4FC1-8090-E89C68F9EAB6}"/>
-              </a:ext>
-            </a:extLst>
-          </p:cNvPr>
+          <p:cNvPr id="7" name="矩形 6"/>
           <p:cNvSpPr/>
           <p:nvPr/>
         </p:nvSpPr>
@@ -13135,18 +12560,25 @@
               </a:rPr>
               <a:t>最熟悉的一些树</a:t>
             </a:r>
+            <a:endParaRPr lang="zh-CN" altLang="en-US" sz="5400" dirty="0">
+              <a:ln w="0"/>
+              <a:solidFill>
+                <a:schemeClr val="tx1"/>
+              </a:solidFill>
+              <a:effectLst>
+                <a:outerShdw blurRad="38100" dist="19050" dir="2700000" algn="tl" rotWithShape="0">
+                  <a:schemeClr val="dk1">
+                    <a:alpha val="40000"/>
+                  </a:schemeClr>
+                </a:outerShdw>
+              </a:effectLst>
+            </a:endParaRPr>
           </a:p>
         </p:txBody>
       </p:sp>
       <p:cxnSp>
         <p:nvCxnSpPr>
-          <p:cNvPr id="13" name="直接连接符 12">
-            <a:extLst>
-              <a:ext uri="{FF2B5EF4-FFF2-40B4-BE49-F238E27FC236}">
-                <a16:creationId xmlns:a16="http://schemas.microsoft.com/office/drawing/2014/main" id="{5E7B927F-0734-404F-9A08-80760E8E40C4}"/>
-              </a:ext>
-            </a:extLst>
-          </p:cNvPr>
+          <p:cNvPr id="13" name="直接连接符 12"/>
           <p:cNvCxnSpPr/>
           <p:nvPr/>
         </p:nvCxnSpPr>
@@ -13177,13 +12609,7 @@
       </p:cxnSp>
       <p:sp>
         <p:nvSpPr>
-          <p:cNvPr id="2" name="文本框 1">
-            <a:extLst>
-              <a:ext uri="{FF2B5EF4-FFF2-40B4-BE49-F238E27FC236}">
-                <a16:creationId xmlns:a16="http://schemas.microsoft.com/office/drawing/2014/main" id="{A251EDAC-7AA6-4959-A17B-FCD47C1CD94C}"/>
-              </a:ext>
-            </a:extLst>
-          </p:cNvPr>
+          <p:cNvPr id="2" name="文本框 1"/>
           <p:cNvSpPr txBox="1"/>
           <p:nvPr/>
         </p:nvSpPr>
@@ -13495,6 +12921,20 @@
               </a:rPr>
               <a:t>B-Tree</a:t>
             </a:r>
+            <a:endParaRPr kumimoji="0" lang="en-US" altLang="zh-CN" sz="3000" b="0" i="0" u="none" strike="noStrike" cap="none" spc="0" normalizeH="0" baseline="0" dirty="0">
+              <a:ln>
+                <a:noFill/>
+              </a:ln>
+              <a:solidFill>
+                <a:srgbClr val="000000"/>
+              </a:solidFill>
+              <a:effectLst/>
+              <a:uFillTx/>
+              <a:latin typeface="Helvetica Neue Medium"/>
+              <a:ea typeface="Helvetica Neue Medium"/>
+              <a:cs typeface="Helvetica Neue Medium"/>
+              <a:sym typeface="Helvetica Neue Medium"/>
+            </a:endParaRPr>
           </a:p>
           <a:p>
             <a:pPr marL="457200" marR="0" indent="-457200" algn="l" defTabSz="825500" rtl="0" fontAlgn="auto" latinLnBrk="0" hangingPunct="0">
@@ -13590,11 +13030,6 @@
         </p:txBody>
       </p:sp>
     </p:spTree>
-    <p:extLst>
-      <p:ext uri="{BB962C8B-B14F-4D97-AF65-F5344CB8AC3E}">
-        <p14:creationId xmlns:p14="http://schemas.microsoft.com/office/powerpoint/2010/main" val="776140574"/>
-      </p:ext>
-    </p:extLst>
   </p:cSld>
   <p:clrMapOvr>
     <a:masterClrMapping/>
@@ -13671,13 +13106,7 @@
       </p:sp>
       <p:sp>
         <p:nvSpPr>
-          <p:cNvPr id="19" name="矩形 18">
-            <a:extLst>
-              <a:ext uri="{FF2B5EF4-FFF2-40B4-BE49-F238E27FC236}">
-                <a16:creationId xmlns:a16="http://schemas.microsoft.com/office/drawing/2014/main" id="{E4601AB5-C57F-44AB-8EA6-9F0D65FAC3FF}"/>
-              </a:ext>
-            </a:extLst>
-          </p:cNvPr>
+          <p:cNvPr id="19" name="矩形 18"/>
           <p:cNvSpPr/>
           <p:nvPr/>
         </p:nvSpPr>
@@ -13731,11 +13160,6 @@
         </p:txBody>
       </p:sp>
     </p:spTree>
-    <p:extLst>
-      <p:ext uri="{BB962C8B-B14F-4D97-AF65-F5344CB8AC3E}">
-        <p14:creationId xmlns:p14="http://schemas.microsoft.com/office/powerpoint/2010/main" val="1247965814"/>
-      </p:ext>
-    </p:extLst>
   </p:cSld>
   <p:clrMapOvr>
     <a:masterClrMapping/>
@@ -13812,13 +13236,7 @@
       </p:sp>
       <p:sp>
         <p:nvSpPr>
-          <p:cNvPr id="2" name="文本框 1">
-            <a:extLst>
-              <a:ext uri="{FF2B5EF4-FFF2-40B4-BE49-F238E27FC236}">
-                <a16:creationId xmlns:a16="http://schemas.microsoft.com/office/drawing/2014/main" id="{98A0451E-903F-4520-B2E2-24571BCE5427}"/>
-              </a:ext>
-            </a:extLst>
-          </p:cNvPr>
+          <p:cNvPr id="2" name="文本框 1"/>
           <p:cNvSpPr txBox="1"/>
           <p:nvPr/>
         </p:nvSpPr>
@@ -13886,18 +13304,56 @@
               </a:rPr>
               <a:t>在认识这些朋友之前，首先科普以下树的左右旋，这个之后会帮助我们更容易理解树枝的变换：</a:t>
             </a:r>
+            <a:endParaRPr kumimoji="0" lang="zh-CN" altLang="en-US" sz="3000" b="0" i="0" u="none" strike="noStrike" cap="none" spc="0" normalizeH="0" baseline="0" dirty="0">
+              <a:ln>
+                <a:noFill/>
+              </a:ln>
+              <a:solidFill>
+                <a:srgbClr val="000000"/>
+              </a:solidFill>
+              <a:effectLst/>
+              <a:uFillTx/>
+              <a:latin typeface="Helvetica Neue Medium"/>
+              <a:ea typeface="Helvetica Neue Medium"/>
+              <a:cs typeface="Helvetica Neue Medium"/>
+              <a:sym typeface="Helvetica Neue Medium"/>
+            </a:endParaRPr>
           </a:p>
         </p:txBody>
       </p:sp>
       <p:pic>
         <p:nvPicPr>
-          <p:cNvPr id="6" name="图片 5">
+          <p:cNvPr id="6" name="图片 5"/>
+          <p:cNvPicPr>
+            <a:picLocks noChangeAspect="1"/>
+          </p:cNvPicPr>
+          <p:nvPr/>
+        </p:nvPicPr>
+        <p:blipFill>
+          <a:blip r:embed="rId1">
             <a:extLst>
-              <a:ext uri="{FF2B5EF4-FFF2-40B4-BE49-F238E27FC236}">
-                <a16:creationId xmlns:a16="http://schemas.microsoft.com/office/drawing/2014/main" id="{17FA3619-50CA-4C22-8506-1C83C8E8CF01}"/>
+              <a:ext uri="{28A0092B-C50C-407E-A947-70E740481C1C}">
+                <a14:useLocalDpi xmlns:a14="http://schemas.microsoft.com/office/drawing/2010/main" val="0"/>
               </a:ext>
             </a:extLst>
-          </p:cNvPr>
+          </a:blip>
+          <a:stretch>
+            <a:fillRect/>
+          </a:stretch>
+        </p:blipFill>
+        <p:spPr>
+          <a:xfrm>
+            <a:off x="2862173" y="5129961"/>
+            <a:ext cx="8181747" cy="5993316"/>
+          </a:xfrm>
+          <a:prstGeom prst="rect">
+            <a:avLst/>
+          </a:prstGeom>
+        </p:spPr>
+      </p:pic>
+      <p:pic>
+        <p:nvPicPr>
+          <p:cNvPr id="8" name="图片 7"/>
           <p:cNvPicPr>
             <a:picLocks noChangeAspect="1"/>
           </p:cNvPicPr>
@@ -13917,42 +13373,6 @@
         </p:blipFill>
         <p:spPr>
           <a:xfrm>
-            <a:off x="2862173" y="5129961"/>
-            <a:ext cx="8181747" cy="5993316"/>
-          </a:xfrm>
-          <a:prstGeom prst="rect">
-            <a:avLst/>
-          </a:prstGeom>
-        </p:spPr>
-      </p:pic>
-      <p:pic>
-        <p:nvPicPr>
-          <p:cNvPr id="8" name="图片 7">
-            <a:extLst>
-              <a:ext uri="{FF2B5EF4-FFF2-40B4-BE49-F238E27FC236}">
-                <a16:creationId xmlns:a16="http://schemas.microsoft.com/office/drawing/2014/main" id="{DCB978C1-426B-49F4-BC4F-57A34F1294C8}"/>
-              </a:ext>
-            </a:extLst>
-          </p:cNvPr>
-          <p:cNvPicPr>
-            <a:picLocks noChangeAspect="1"/>
-          </p:cNvPicPr>
-          <p:nvPr/>
-        </p:nvPicPr>
-        <p:blipFill>
-          <a:blip r:embed="rId3">
-            <a:extLst>
-              <a:ext uri="{28A0092B-C50C-407E-A947-70E740481C1C}">
-                <a14:useLocalDpi xmlns:a14="http://schemas.microsoft.com/office/drawing/2010/main" val="0"/>
-              </a:ext>
-            </a:extLst>
-          </a:blip>
-          <a:stretch>
-            <a:fillRect/>
-          </a:stretch>
-        </p:blipFill>
-        <p:spPr>
-          <a:xfrm>
             <a:off x="12829334" y="4311856"/>
             <a:ext cx="8901113" cy="7629526"/>
           </a:xfrm>
@@ -13963,13 +13383,7 @@
       </p:pic>
       <p:sp>
         <p:nvSpPr>
-          <p:cNvPr id="9" name="文本框 8">
-            <a:extLst>
-              <a:ext uri="{FF2B5EF4-FFF2-40B4-BE49-F238E27FC236}">
-                <a16:creationId xmlns:a16="http://schemas.microsoft.com/office/drawing/2014/main" id="{50C7ABE7-9FA9-43DF-88F3-065A11A79287}"/>
-              </a:ext>
-            </a:extLst>
-          </p:cNvPr>
+          <p:cNvPr id="9" name="文本框 8"/>
           <p:cNvSpPr txBox="1"/>
           <p:nvPr/>
         </p:nvSpPr>
@@ -14043,13 +13457,7 @@
       </p:sp>
       <p:sp>
         <p:nvSpPr>
-          <p:cNvPr id="10" name="文本框 9">
-            <a:extLst>
-              <a:ext uri="{FF2B5EF4-FFF2-40B4-BE49-F238E27FC236}">
-                <a16:creationId xmlns:a16="http://schemas.microsoft.com/office/drawing/2014/main" id="{0BD33B20-9F81-44C1-BEE8-93CCF7872804}"/>
-              </a:ext>
-            </a:extLst>
-          </p:cNvPr>
+          <p:cNvPr id="10" name="文本框 9"/>
           <p:cNvSpPr txBox="1"/>
           <p:nvPr/>
         </p:nvSpPr>
@@ -14122,11 +13530,6 @@
         </p:txBody>
       </p:sp>
     </p:spTree>
-    <p:extLst>
-      <p:ext uri="{BB962C8B-B14F-4D97-AF65-F5344CB8AC3E}">
-        <p14:creationId xmlns:p14="http://schemas.microsoft.com/office/powerpoint/2010/main" val="3346718699"/>
-      </p:ext>
-    </p:extLst>
   </p:cSld>
   <p:clrMapOvr>
     <a:masterClrMapping/>
@@ -14203,13 +13606,7 @@
       </p:sp>
       <p:sp>
         <p:nvSpPr>
-          <p:cNvPr id="19" name="矩形 18">
-            <a:extLst>
-              <a:ext uri="{FF2B5EF4-FFF2-40B4-BE49-F238E27FC236}">
-                <a16:creationId xmlns:a16="http://schemas.microsoft.com/office/drawing/2014/main" id="{E4601AB5-C57F-44AB-8EA6-9F0D65FAC3FF}"/>
-              </a:ext>
-            </a:extLst>
-          </p:cNvPr>
+          <p:cNvPr id="19" name="矩形 18"/>
           <p:cNvSpPr/>
           <p:nvPr/>
         </p:nvSpPr>
@@ -14246,25 +13643,32 @@
               </a:rPr>
               <a:t>二叉搜索树</a:t>
             </a:r>
+            <a:endParaRPr lang="zh-CN" altLang="en-US" sz="6600" b="1" cap="none" spc="50" dirty="0">
+              <a:ln w="0"/>
+              <a:solidFill>
+                <a:schemeClr val="bg2"/>
+              </a:solidFill>
+              <a:effectLst>
+                <a:innerShdw blurRad="63500" dist="50800" dir="13500000">
+                  <a:srgbClr val="000000">
+                    <a:alpha val="50000"/>
+                  </a:srgbClr>
+                </a:innerShdw>
+              </a:effectLst>
+            </a:endParaRPr>
           </a:p>
         </p:txBody>
       </p:sp>
       <p:pic>
         <p:nvPicPr>
-          <p:cNvPr id="1026" name="Picture 2">
-            <a:extLst>
-              <a:ext uri="{FF2B5EF4-FFF2-40B4-BE49-F238E27FC236}">
-                <a16:creationId xmlns:a16="http://schemas.microsoft.com/office/drawing/2014/main" id="{CDF31BDD-5086-495A-9F58-1B38CB27E213}"/>
-              </a:ext>
-            </a:extLst>
-          </p:cNvPr>
+          <p:cNvPr id="1026" name="Picture 2"/>
           <p:cNvPicPr>
             <a:picLocks noChangeAspect="1" noChangeArrowheads="1"/>
           </p:cNvPicPr>
           <p:nvPr/>
         </p:nvPicPr>
         <p:blipFill>
-          <a:blip r:embed="rId2">
+          <a:blip r:embed="rId1">
             <a:extLst>
               <a:ext uri="{28A0092B-C50C-407E-A947-70E740481C1C}">
                 <a14:useLocalDpi xmlns:a14="http://schemas.microsoft.com/office/drawing/2010/main" val="0"/>
@@ -14297,11 +13701,6 @@
         </p:spPr>
       </p:pic>
     </p:spTree>
-    <p:extLst>
-      <p:ext uri="{BB962C8B-B14F-4D97-AF65-F5344CB8AC3E}">
-        <p14:creationId xmlns:p14="http://schemas.microsoft.com/office/powerpoint/2010/main" val="238815270"/>
-      </p:ext>
-    </p:extLst>
   </p:cSld>
   <p:clrMapOvr>
     <a:masterClrMapping/>
@@ -14378,13 +13777,7 @@
       </p:sp>
       <p:sp>
         <p:nvSpPr>
-          <p:cNvPr id="19" name="矩形 18">
-            <a:extLst>
-              <a:ext uri="{FF2B5EF4-FFF2-40B4-BE49-F238E27FC236}">
-                <a16:creationId xmlns:a16="http://schemas.microsoft.com/office/drawing/2014/main" id="{E4601AB5-C57F-44AB-8EA6-9F0D65FAC3FF}"/>
-              </a:ext>
-            </a:extLst>
-          </p:cNvPr>
+          <p:cNvPr id="19" name="矩形 18"/>
           <p:cNvSpPr/>
           <p:nvPr/>
         </p:nvSpPr>
@@ -14421,6 +13814,19 @@
               </a:rPr>
               <a:t>和树的初次相识</a:t>
             </a:r>
+            <a:endParaRPr lang="zh-CN" altLang="en-US" sz="9600" b="1" cap="none" spc="50" dirty="0">
+              <a:ln w="0"/>
+              <a:solidFill>
+                <a:schemeClr val="bg2"/>
+              </a:solidFill>
+              <a:effectLst>
+                <a:innerShdw blurRad="63500" dist="50800" dir="13500000">
+                  <a:srgbClr val="000000">
+                    <a:alpha val="50000"/>
+                  </a:srgbClr>
+                </a:innerShdw>
+              </a:effectLst>
+            </a:endParaRPr>
           </a:p>
         </p:txBody>
       </p:sp>
@@ -14452,13 +13858,7 @@
       </p:grpSpPr>
       <p:sp>
         <p:nvSpPr>
-          <p:cNvPr id="7" name="矩形 6">
-            <a:extLst>
-              <a:ext uri="{FF2B5EF4-FFF2-40B4-BE49-F238E27FC236}">
-                <a16:creationId xmlns:a16="http://schemas.microsoft.com/office/drawing/2014/main" id="{DFF98A76-302A-4FC1-8090-E89C68F9EAB6}"/>
-              </a:ext>
-            </a:extLst>
-          </p:cNvPr>
+          <p:cNvPr id="7" name="矩形 6"/>
           <p:cNvSpPr/>
           <p:nvPr/>
         </p:nvSpPr>
@@ -14495,18 +13895,25 @@
               </a:rPr>
               <a:t>二叉搜索树</a:t>
             </a:r>
+            <a:endParaRPr lang="zh-CN" altLang="en-US" sz="5400" dirty="0">
+              <a:ln w="0"/>
+              <a:solidFill>
+                <a:schemeClr val="tx1"/>
+              </a:solidFill>
+              <a:effectLst>
+                <a:outerShdw blurRad="38100" dist="19050" dir="2700000" algn="tl" rotWithShape="0">
+                  <a:schemeClr val="dk1">
+                    <a:alpha val="40000"/>
+                  </a:schemeClr>
+                </a:outerShdw>
+              </a:effectLst>
+            </a:endParaRPr>
           </a:p>
         </p:txBody>
       </p:sp>
       <p:cxnSp>
         <p:nvCxnSpPr>
-          <p:cNvPr id="13" name="直接连接符 12">
-            <a:extLst>
-              <a:ext uri="{FF2B5EF4-FFF2-40B4-BE49-F238E27FC236}">
-                <a16:creationId xmlns:a16="http://schemas.microsoft.com/office/drawing/2014/main" id="{5E7B927F-0734-404F-9A08-80760E8E40C4}"/>
-              </a:ext>
-            </a:extLst>
-          </p:cNvPr>
+          <p:cNvPr id="13" name="直接连接符 12"/>
           <p:cNvCxnSpPr/>
           <p:nvPr/>
         </p:nvCxnSpPr>
@@ -14537,13 +13944,7 @@
       </p:cxnSp>
       <p:sp>
         <p:nvSpPr>
-          <p:cNvPr id="2" name="文本框 1">
-            <a:extLst>
-              <a:ext uri="{FF2B5EF4-FFF2-40B4-BE49-F238E27FC236}">
-                <a16:creationId xmlns:a16="http://schemas.microsoft.com/office/drawing/2014/main" id="{A251EDAC-7AA6-4959-A17B-FCD47C1CD94C}"/>
-              </a:ext>
-            </a:extLst>
-          </p:cNvPr>
+          <p:cNvPr id="2" name="文本框 1"/>
           <p:cNvSpPr txBox="1"/>
           <p:nvPr/>
         </p:nvSpPr>
@@ -14711,13 +14112,7 @@
       </p:sp>
       <p:sp>
         <p:nvSpPr>
-          <p:cNvPr id="4" name="文本框 3">
-            <a:extLst>
-              <a:ext uri="{FF2B5EF4-FFF2-40B4-BE49-F238E27FC236}">
-                <a16:creationId xmlns:a16="http://schemas.microsoft.com/office/drawing/2014/main" id="{26AC7BB2-666D-41D2-963E-2E21BD306CBA}"/>
-              </a:ext>
-            </a:extLst>
-          </p:cNvPr>
+          <p:cNvPr id="4" name="文本框 3"/>
           <p:cNvSpPr txBox="1"/>
           <p:nvPr/>
         </p:nvSpPr>
@@ -15204,25 +14599,33 @@
               </a:rPr>
               <a:t>的操作。</a:t>
             </a:r>
+            <a:endParaRPr kumimoji="0" lang="zh-CN" altLang="en-US" sz="3000" b="0" i="0" u="none" strike="noStrike" cap="none" spc="0" normalizeH="0" baseline="0" dirty="0">
+              <a:ln>
+                <a:noFill/>
+              </a:ln>
+              <a:solidFill>
+                <a:srgbClr val="000000"/>
+              </a:solidFill>
+              <a:effectLst/>
+              <a:uFillTx/>
+              <a:latin typeface="Helvetica Neue Medium"/>
+              <a:ea typeface="Helvetica Neue Medium"/>
+              <a:cs typeface="Helvetica Neue Medium"/>
+              <a:sym typeface="Helvetica Neue Medium"/>
+            </a:endParaRPr>
           </a:p>
         </p:txBody>
       </p:sp>
       <p:pic>
         <p:nvPicPr>
-          <p:cNvPr id="6" name="图片 5">
-            <a:extLst>
-              <a:ext uri="{FF2B5EF4-FFF2-40B4-BE49-F238E27FC236}">
-                <a16:creationId xmlns:a16="http://schemas.microsoft.com/office/drawing/2014/main" id="{8ED46705-2674-4CAE-B066-7BD8B10C5F63}"/>
-              </a:ext>
-            </a:extLst>
-          </p:cNvPr>
+          <p:cNvPr id="6" name="图片 5"/>
           <p:cNvPicPr>
             <a:picLocks noChangeAspect="1"/>
           </p:cNvPicPr>
           <p:nvPr/>
         </p:nvPicPr>
         <p:blipFill>
-          <a:blip r:embed="rId3">
+          <a:blip r:embed="rId1">
             <a:extLst>
               <a:ext uri="{28A0092B-C50C-407E-A947-70E740481C1C}">
                 <a14:useLocalDpi xmlns:a14="http://schemas.microsoft.com/office/drawing/2010/main" val="0"/>
@@ -15244,11 +14647,6 @@
         </p:spPr>
       </p:pic>
     </p:spTree>
-    <p:extLst>
-      <p:ext uri="{BB962C8B-B14F-4D97-AF65-F5344CB8AC3E}">
-        <p14:creationId xmlns:p14="http://schemas.microsoft.com/office/powerpoint/2010/main" val="3057621979"/>
-      </p:ext>
-    </p:extLst>
   </p:cSld>
   <p:clrMapOvr>
     <a:masterClrMapping/>
@@ -15276,13 +14674,7 @@
       </p:grpSpPr>
       <p:sp>
         <p:nvSpPr>
-          <p:cNvPr id="7" name="矩形 6">
-            <a:extLst>
-              <a:ext uri="{FF2B5EF4-FFF2-40B4-BE49-F238E27FC236}">
-                <a16:creationId xmlns:a16="http://schemas.microsoft.com/office/drawing/2014/main" id="{DFF98A76-302A-4FC1-8090-E89C68F9EAB6}"/>
-              </a:ext>
-            </a:extLst>
-          </p:cNvPr>
+          <p:cNvPr id="7" name="矩形 6"/>
           <p:cNvSpPr/>
           <p:nvPr/>
         </p:nvSpPr>
@@ -15319,18 +14711,25 @@
               </a:rPr>
               <a:t>二叉搜索树</a:t>
             </a:r>
+            <a:endParaRPr lang="zh-CN" altLang="en-US" sz="5400" dirty="0">
+              <a:ln w="0"/>
+              <a:solidFill>
+                <a:schemeClr val="tx1"/>
+              </a:solidFill>
+              <a:effectLst>
+                <a:outerShdw blurRad="38100" dist="19050" dir="2700000" algn="tl" rotWithShape="0">
+                  <a:schemeClr val="dk1">
+                    <a:alpha val="40000"/>
+                  </a:schemeClr>
+                </a:outerShdw>
+              </a:effectLst>
+            </a:endParaRPr>
           </a:p>
         </p:txBody>
       </p:sp>
       <p:cxnSp>
         <p:nvCxnSpPr>
-          <p:cNvPr id="13" name="直接连接符 12">
-            <a:extLst>
-              <a:ext uri="{FF2B5EF4-FFF2-40B4-BE49-F238E27FC236}">
-                <a16:creationId xmlns:a16="http://schemas.microsoft.com/office/drawing/2014/main" id="{5E7B927F-0734-404F-9A08-80760E8E40C4}"/>
-              </a:ext>
-            </a:extLst>
-          </p:cNvPr>
+          <p:cNvPr id="13" name="直接连接符 12"/>
           <p:cNvCxnSpPr/>
           <p:nvPr/>
         </p:nvCxnSpPr>
@@ -15361,13 +14760,7 @@
       </p:cxnSp>
       <p:sp>
         <p:nvSpPr>
-          <p:cNvPr id="4" name="文本框 3">
-            <a:extLst>
-              <a:ext uri="{FF2B5EF4-FFF2-40B4-BE49-F238E27FC236}">
-                <a16:creationId xmlns:a16="http://schemas.microsoft.com/office/drawing/2014/main" id="{26AC7BB2-666D-41D2-963E-2E21BD306CBA}"/>
-              </a:ext>
-            </a:extLst>
-          </p:cNvPr>
+          <p:cNvPr id="4" name="文本框 3"/>
           <p:cNvSpPr txBox="1"/>
           <p:nvPr/>
         </p:nvSpPr>
@@ -15780,20 +15173,14 @@
       </p:sp>
       <p:pic>
         <p:nvPicPr>
-          <p:cNvPr id="6" name="图片 5">
-            <a:extLst>
-              <a:ext uri="{FF2B5EF4-FFF2-40B4-BE49-F238E27FC236}">
-                <a16:creationId xmlns:a16="http://schemas.microsoft.com/office/drawing/2014/main" id="{8ED46705-2674-4CAE-B066-7BD8B10C5F63}"/>
-              </a:ext>
-            </a:extLst>
-          </p:cNvPr>
+          <p:cNvPr id="6" name="图片 5"/>
           <p:cNvPicPr>
             <a:picLocks noChangeAspect="1"/>
           </p:cNvPicPr>
           <p:nvPr/>
         </p:nvPicPr>
         <p:blipFill>
-          <a:blip r:embed="rId3">
+          <a:blip r:embed="rId1">
             <a:extLst>
               <a:ext uri="{28A0092B-C50C-407E-A947-70E740481C1C}">
                 <a14:useLocalDpi xmlns:a14="http://schemas.microsoft.com/office/drawing/2010/main" val="0"/>
@@ -15816,20 +15203,14 @@
       </p:pic>
       <p:pic>
         <p:nvPicPr>
-          <p:cNvPr id="5" name="图片 4">
-            <a:extLst>
-              <a:ext uri="{FF2B5EF4-FFF2-40B4-BE49-F238E27FC236}">
-                <a16:creationId xmlns:a16="http://schemas.microsoft.com/office/drawing/2014/main" id="{E170D037-D1CA-4F78-BEC4-F1AAFD575476}"/>
-              </a:ext>
-            </a:extLst>
-          </p:cNvPr>
+          <p:cNvPr id="5" name="图片 4"/>
           <p:cNvPicPr>
             <a:picLocks noChangeAspect="1"/>
           </p:cNvPicPr>
           <p:nvPr/>
         </p:nvPicPr>
         <p:blipFill>
-          <a:blip r:embed="rId4">
+          <a:blip r:embed="rId2">
             <a:extLst>
               <a:ext uri="{28A0092B-C50C-407E-A947-70E740481C1C}">
                 <a14:useLocalDpi xmlns:a14="http://schemas.microsoft.com/office/drawing/2010/main" val="0"/>
@@ -15852,13 +15233,7 @@
       </p:pic>
       <p:sp>
         <p:nvSpPr>
-          <p:cNvPr id="8" name="文本框 7">
-            <a:extLst>
-              <a:ext uri="{FF2B5EF4-FFF2-40B4-BE49-F238E27FC236}">
-                <a16:creationId xmlns:a16="http://schemas.microsoft.com/office/drawing/2014/main" id="{C63CA6F5-7052-4703-B5BB-3399B8AFBF80}"/>
-              </a:ext>
-            </a:extLst>
-          </p:cNvPr>
+          <p:cNvPr id="8" name="文本框 7"/>
           <p:cNvSpPr txBox="1"/>
           <p:nvPr/>
         </p:nvSpPr>
@@ -15935,11 +15310,6 @@
         </p:txBody>
       </p:sp>
     </p:spTree>
-    <p:extLst>
-      <p:ext uri="{BB962C8B-B14F-4D97-AF65-F5344CB8AC3E}">
-        <p14:creationId xmlns:p14="http://schemas.microsoft.com/office/powerpoint/2010/main" val="2757836310"/>
-      </p:ext>
-    </p:extLst>
   </p:cSld>
   <p:clrMapOvr>
     <a:masterClrMapping/>
@@ -15967,13 +15337,7 @@
       </p:grpSpPr>
       <p:sp>
         <p:nvSpPr>
-          <p:cNvPr id="7" name="矩形 6">
-            <a:extLst>
-              <a:ext uri="{FF2B5EF4-FFF2-40B4-BE49-F238E27FC236}">
-                <a16:creationId xmlns:a16="http://schemas.microsoft.com/office/drawing/2014/main" id="{DFF98A76-302A-4FC1-8090-E89C68F9EAB6}"/>
-              </a:ext>
-            </a:extLst>
-          </p:cNvPr>
+          <p:cNvPr id="7" name="矩形 6"/>
           <p:cNvSpPr/>
           <p:nvPr/>
         </p:nvSpPr>
@@ -16010,18 +15374,25 @@
               </a:rPr>
               <a:t>二叉搜索树</a:t>
             </a:r>
+            <a:endParaRPr lang="zh-CN" altLang="en-US" sz="5400" dirty="0">
+              <a:ln w="0"/>
+              <a:solidFill>
+                <a:schemeClr val="tx1"/>
+              </a:solidFill>
+              <a:effectLst>
+                <a:outerShdw blurRad="38100" dist="19050" dir="2700000" algn="tl" rotWithShape="0">
+                  <a:schemeClr val="dk1">
+                    <a:alpha val="40000"/>
+                  </a:schemeClr>
+                </a:outerShdw>
+              </a:effectLst>
+            </a:endParaRPr>
           </a:p>
         </p:txBody>
       </p:sp>
       <p:cxnSp>
         <p:nvCxnSpPr>
-          <p:cNvPr id="13" name="直接连接符 12">
-            <a:extLst>
-              <a:ext uri="{FF2B5EF4-FFF2-40B4-BE49-F238E27FC236}">
-                <a16:creationId xmlns:a16="http://schemas.microsoft.com/office/drawing/2014/main" id="{5E7B927F-0734-404F-9A08-80760E8E40C4}"/>
-              </a:ext>
-            </a:extLst>
-          </p:cNvPr>
+          <p:cNvPr id="13" name="直接连接符 12"/>
           <p:cNvCxnSpPr/>
           <p:nvPr/>
         </p:nvCxnSpPr>
@@ -16052,13 +15423,7 @@
       </p:cxnSp>
       <p:sp>
         <p:nvSpPr>
-          <p:cNvPr id="4" name="文本框 3">
-            <a:extLst>
-              <a:ext uri="{FF2B5EF4-FFF2-40B4-BE49-F238E27FC236}">
-                <a16:creationId xmlns:a16="http://schemas.microsoft.com/office/drawing/2014/main" id="{26AC7BB2-666D-41D2-963E-2E21BD306CBA}"/>
-              </a:ext>
-            </a:extLst>
-          </p:cNvPr>
+          <p:cNvPr id="4" name="文本框 3"/>
           <p:cNvSpPr txBox="1"/>
           <p:nvPr/>
         </p:nvSpPr>
@@ -16265,6 +15630,20 @@
               </a:rPr>
               <a:t>3</a:t>
             </a:r>
+            <a:endParaRPr kumimoji="0" lang="en-US" altLang="zh-CN" sz="3000" b="0" i="0" u="none" strike="noStrike" cap="none" spc="0" normalizeH="0" baseline="0" dirty="0">
+              <a:ln>
+                <a:noFill/>
+              </a:ln>
+              <a:solidFill>
+                <a:srgbClr val="000000"/>
+              </a:solidFill>
+              <a:effectLst/>
+              <a:uFillTx/>
+              <a:latin typeface="Helvetica Neue Medium"/>
+              <a:ea typeface="Helvetica Neue Medium"/>
+              <a:cs typeface="Helvetica Neue Medium"/>
+              <a:sym typeface="Helvetica Neue Medium"/>
+            </a:endParaRPr>
           </a:p>
           <a:p>
             <a:pPr marL="514350" marR="0" indent="-514350" algn="l" defTabSz="825500" rtl="0" fontAlgn="auto" latinLnBrk="0" hangingPunct="0">
@@ -16290,6 +15669,7 @@
               <a:rPr lang="en-US" altLang="zh-CN" dirty="0"/>
               <a:t>4</a:t>
             </a:r>
+            <a:endParaRPr lang="en-US" altLang="zh-CN" dirty="0"/>
           </a:p>
           <a:p>
             <a:pPr marL="514350" marR="0" indent="-514350" algn="l" defTabSz="825500" rtl="0" fontAlgn="auto" latinLnBrk="0" hangingPunct="0">
@@ -16315,6 +15695,7 @@
               <a:rPr lang="en-US" altLang="zh-CN" dirty="0"/>
               <a:t>5</a:t>
             </a:r>
+            <a:endParaRPr lang="en-US" altLang="zh-CN" dirty="0"/>
           </a:p>
           <a:p>
             <a:pPr marL="514350" marR="0" indent="-514350" algn="l" defTabSz="825500" rtl="0" fontAlgn="auto" latinLnBrk="0" hangingPunct="0">
@@ -16372,20 +15753,14 @@
       </p:sp>
       <p:pic>
         <p:nvPicPr>
-          <p:cNvPr id="6" name="图片 5">
-            <a:extLst>
-              <a:ext uri="{FF2B5EF4-FFF2-40B4-BE49-F238E27FC236}">
-                <a16:creationId xmlns:a16="http://schemas.microsoft.com/office/drawing/2014/main" id="{8ED46705-2674-4CAE-B066-7BD8B10C5F63}"/>
-              </a:ext>
-            </a:extLst>
-          </p:cNvPr>
+          <p:cNvPr id="6" name="图片 5"/>
           <p:cNvPicPr>
             <a:picLocks noChangeAspect="1"/>
           </p:cNvPicPr>
           <p:nvPr/>
         </p:nvPicPr>
         <p:blipFill>
-          <a:blip r:embed="rId3">
+          <a:blip r:embed="rId1">
             <a:extLst>
               <a:ext uri="{28A0092B-C50C-407E-A947-70E740481C1C}">
                 <a14:useLocalDpi xmlns:a14="http://schemas.microsoft.com/office/drawing/2010/main" val="0"/>
@@ -16408,20 +15783,14 @@
       </p:pic>
       <p:pic>
         <p:nvPicPr>
-          <p:cNvPr id="3" name="图片 2">
-            <a:extLst>
-              <a:ext uri="{FF2B5EF4-FFF2-40B4-BE49-F238E27FC236}">
-                <a16:creationId xmlns:a16="http://schemas.microsoft.com/office/drawing/2014/main" id="{E7A28441-D6A0-4AC0-8F1B-EF280DF89044}"/>
-              </a:ext>
-            </a:extLst>
-          </p:cNvPr>
+          <p:cNvPr id="3" name="图片 2"/>
           <p:cNvPicPr>
             <a:picLocks noChangeAspect="1"/>
           </p:cNvPicPr>
           <p:nvPr/>
         </p:nvPicPr>
         <p:blipFill>
-          <a:blip r:embed="rId4">
+          <a:blip r:embed="rId2">
             <a:extLst>
               <a:ext uri="{28A0092B-C50C-407E-A947-70E740481C1C}">
                 <a14:useLocalDpi xmlns:a14="http://schemas.microsoft.com/office/drawing/2010/main" val="0"/>
@@ -16444,13 +15813,7 @@
       </p:pic>
       <p:sp>
         <p:nvSpPr>
-          <p:cNvPr id="9" name="文本框 8">
-            <a:extLst>
-              <a:ext uri="{FF2B5EF4-FFF2-40B4-BE49-F238E27FC236}">
-                <a16:creationId xmlns:a16="http://schemas.microsoft.com/office/drawing/2014/main" id="{BFD7F58B-98B4-4A55-B3F7-F1D2F876BE4F}"/>
-              </a:ext>
-            </a:extLst>
-          </p:cNvPr>
+          <p:cNvPr id="9" name="文本框 8"/>
           <p:cNvSpPr txBox="1"/>
           <p:nvPr/>
         </p:nvSpPr>
@@ -16553,11 +15916,6 @@
         </p:txBody>
       </p:sp>
     </p:spTree>
-    <p:extLst>
-      <p:ext uri="{BB962C8B-B14F-4D97-AF65-F5344CB8AC3E}">
-        <p14:creationId xmlns:p14="http://schemas.microsoft.com/office/powerpoint/2010/main" val="1324274169"/>
-      </p:ext>
-    </p:extLst>
   </p:cSld>
   <p:clrMapOvr>
     <a:masterClrMapping/>
@@ -16634,13 +15992,7 @@
       </p:sp>
       <p:sp>
         <p:nvSpPr>
-          <p:cNvPr id="19" name="矩形 18">
-            <a:extLst>
-              <a:ext uri="{FF2B5EF4-FFF2-40B4-BE49-F238E27FC236}">
-                <a16:creationId xmlns:a16="http://schemas.microsoft.com/office/drawing/2014/main" id="{E4601AB5-C57F-44AB-8EA6-9F0D65FAC3FF}"/>
-              </a:ext>
-            </a:extLst>
-          </p:cNvPr>
+          <p:cNvPr id="19" name="矩形 18"/>
           <p:cNvSpPr/>
           <p:nvPr/>
         </p:nvSpPr>
@@ -16677,25 +16029,32 @@
               </a:rPr>
               <a:t>二叉平衡搜索树</a:t>
             </a:r>
+            <a:endParaRPr lang="zh-CN" altLang="en-US" sz="6600" b="1" cap="none" spc="50" dirty="0">
+              <a:ln w="0"/>
+              <a:solidFill>
+                <a:schemeClr val="bg2"/>
+              </a:solidFill>
+              <a:effectLst>
+                <a:innerShdw blurRad="63500" dist="50800" dir="13500000">
+                  <a:srgbClr val="000000">
+                    <a:alpha val="50000"/>
+                  </a:srgbClr>
+                </a:innerShdw>
+              </a:effectLst>
+            </a:endParaRPr>
           </a:p>
         </p:txBody>
       </p:sp>
       <p:pic>
         <p:nvPicPr>
-          <p:cNvPr id="1026" name="Picture 2">
-            <a:extLst>
-              <a:ext uri="{FF2B5EF4-FFF2-40B4-BE49-F238E27FC236}">
-                <a16:creationId xmlns:a16="http://schemas.microsoft.com/office/drawing/2014/main" id="{CDF31BDD-5086-495A-9F58-1B38CB27E213}"/>
-              </a:ext>
-            </a:extLst>
-          </p:cNvPr>
+          <p:cNvPr id="1026" name="Picture 2"/>
           <p:cNvPicPr>
             <a:picLocks noChangeAspect="1" noChangeArrowheads="1"/>
           </p:cNvPicPr>
           <p:nvPr/>
         </p:nvPicPr>
         <p:blipFill>
-          <a:blip r:embed="rId2">
+          <a:blip r:embed="rId1">
             <a:extLst>
               <a:ext uri="{28A0092B-C50C-407E-A947-70E740481C1C}">
                 <a14:useLocalDpi xmlns:a14="http://schemas.microsoft.com/office/drawing/2010/main" val="0"/>
@@ -16728,11 +16087,6 @@
         </p:spPr>
       </p:pic>
     </p:spTree>
-    <p:extLst>
-      <p:ext uri="{BB962C8B-B14F-4D97-AF65-F5344CB8AC3E}">
-        <p14:creationId xmlns:p14="http://schemas.microsoft.com/office/powerpoint/2010/main" val="1308626894"/>
-      </p:ext>
-    </p:extLst>
   </p:cSld>
   <p:clrMapOvr>
     <a:masterClrMapping/>
@@ -16760,13 +16114,7 @@
       </p:grpSpPr>
       <p:sp>
         <p:nvSpPr>
-          <p:cNvPr id="7" name="矩形 6">
-            <a:extLst>
-              <a:ext uri="{FF2B5EF4-FFF2-40B4-BE49-F238E27FC236}">
-                <a16:creationId xmlns:a16="http://schemas.microsoft.com/office/drawing/2014/main" id="{DFF98A76-302A-4FC1-8090-E89C68F9EAB6}"/>
-              </a:ext>
-            </a:extLst>
-          </p:cNvPr>
+          <p:cNvPr id="7" name="矩形 6"/>
           <p:cNvSpPr/>
           <p:nvPr/>
         </p:nvSpPr>
@@ -16803,18 +16151,25 @@
               </a:rPr>
               <a:t>二叉平衡搜索树</a:t>
             </a:r>
+            <a:endParaRPr lang="zh-CN" altLang="en-US" sz="5400" dirty="0">
+              <a:ln w="0"/>
+              <a:solidFill>
+                <a:schemeClr val="tx1"/>
+              </a:solidFill>
+              <a:effectLst>
+                <a:outerShdw blurRad="38100" dist="19050" dir="2700000" algn="tl" rotWithShape="0">
+                  <a:schemeClr val="dk1">
+                    <a:alpha val="40000"/>
+                  </a:schemeClr>
+                </a:outerShdw>
+              </a:effectLst>
+            </a:endParaRPr>
           </a:p>
         </p:txBody>
       </p:sp>
       <p:cxnSp>
         <p:nvCxnSpPr>
-          <p:cNvPr id="13" name="直接连接符 12">
-            <a:extLst>
-              <a:ext uri="{FF2B5EF4-FFF2-40B4-BE49-F238E27FC236}">
-                <a16:creationId xmlns:a16="http://schemas.microsoft.com/office/drawing/2014/main" id="{5E7B927F-0734-404F-9A08-80760E8E40C4}"/>
-              </a:ext>
-            </a:extLst>
-          </p:cNvPr>
+          <p:cNvPr id="13" name="直接连接符 12"/>
           <p:cNvCxnSpPr/>
           <p:nvPr/>
         </p:nvCxnSpPr>
@@ -16845,13 +16200,7 @@
       </p:cxnSp>
       <p:sp>
         <p:nvSpPr>
-          <p:cNvPr id="2" name="文本框 1">
-            <a:extLst>
-              <a:ext uri="{FF2B5EF4-FFF2-40B4-BE49-F238E27FC236}">
-                <a16:creationId xmlns:a16="http://schemas.microsoft.com/office/drawing/2014/main" id="{A251EDAC-7AA6-4959-A17B-FCD47C1CD94C}"/>
-              </a:ext>
-            </a:extLst>
-          </p:cNvPr>
+          <p:cNvPr id="2" name="文本框 1"/>
           <p:cNvSpPr txBox="1"/>
           <p:nvPr/>
         </p:nvSpPr>
@@ -17084,20 +16433,14 @@
       </p:sp>
       <p:pic>
         <p:nvPicPr>
-          <p:cNvPr id="3" name="图片 2">
-            <a:extLst>
-              <a:ext uri="{FF2B5EF4-FFF2-40B4-BE49-F238E27FC236}">
-                <a16:creationId xmlns:a16="http://schemas.microsoft.com/office/drawing/2014/main" id="{2D036359-2AED-47FD-A11A-EB393837DAE5}"/>
-              </a:ext>
-            </a:extLst>
-          </p:cNvPr>
+          <p:cNvPr id="3" name="图片 2"/>
           <p:cNvPicPr>
             <a:picLocks noChangeAspect="1"/>
           </p:cNvPicPr>
           <p:nvPr/>
         </p:nvPicPr>
         <p:blipFill>
-          <a:blip r:embed="rId3"/>
+          <a:blip r:embed="rId1"/>
           <a:stretch>
             <a:fillRect/>
           </a:stretch>
@@ -17114,20 +16457,14 @@
       </p:pic>
       <p:pic>
         <p:nvPicPr>
-          <p:cNvPr id="5" name="图片 4">
-            <a:extLst>
-              <a:ext uri="{FF2B5EF4-FFF2-40B4-BE49-F238E27FC236}">
-                <a16:creationId xmlns:a16="http://schemas.microsoft.com/office/drawing/2014/main" id="{834DA209-E64E-4FA3-A784-611F4113D0FB}"/>
-              </a:ext>
-            </a:extLst>
-          </p:cNvPr>
+          <p:cNvPr id="5" name="图片 4"/>
           <p:cNvPicPr>
             <a:picLocks noChangeAspect="1"/>
           </p:cNvPicPr>
           <p:nvPr/>
         </p:nvPicPr>
         <p:blipFill>
-          <a:blip r:embed="rId4"/>
+          <a:blip r:embed="rId2"/>
           <a:stretch>
             <a:fillRect/>
           </a:stretch>
@@ -17144,13 +16481,7 @@
       </p:pic>
       <p:sp>
         <p:nvSpPr>
-          <p:cNvPr id="8" name="文本框 7">
-            <a:extLst>
-              <a:ext uri="{FF2B5EF4-FFF2-40B4-BE49-F238E27FC236}">
-                <a16:creationId xmlns:a16="http://schemas.microsoft.com/office/drawing/2014/main" id="{839CC6BA-82A5-45EE-AD4B-CA91A3C3710A}"/>
-              </a:ext>
-            </a:extLst>
-          </p:cNvPr>
+          <p:cNvPr id="8" name="文本框 7"/>
           <p:cNvSpPr txBox="1"/>
           <p:nvPr/>
         </p:nvSpPr>
@@ -17218,18 +16549,26 @@
               </a:rPr>
               <a:t>二叉搜索树退化为线性</a:t>
             </a:r>
+            <a:endParaRPr kumimoji="0" lang="zh-CN" altLang="en-US" sz="3000" b="0" i="0" u="none" strike="noStrike" cap="none" spc="0" normalizeH="0" baseline="0" dirty="0">
+              <a:ln>
+                <a:noFill/>
+              </a:ln>
+              <a:solidFill>
+                <a:srgbClr val="000000"/>
+              </a:solidFill>
+              <a:effectLst/>
+              <a:uFillTx/>
+              <a:latin typeface="Helvetica Neue Medium"/>
+              <a:ea typeface="Helvetica Neue Medium"/>
+              <a:cs typeface="Helvetica Neue Medium"/>
+              <a:sym typeface="Helvetica Neue Medium"/>
+            </a:endParaRPr>
           </a:p>
         </p:txBody>
       </p:sp>
       <p:sp>
         <p:nvSpPr>
-          <p:cNvPr id="9" name="文本框 8">
-            <a:extLst>
-              <a:ext uri="{FF2B5EF4-FFF2-40B4-BE49-F238E27FC236}">
-                <a16:creationId xmlns:a16="http://schemas.microsoft.com/office/drawing/2014/main" id="{CD439D34-FFA8-47DD-A266-F62BAC2F12B1}"/>
-              </a:ext>
-            </a:extLst>
-          </p:cNvPr>
+          <p:cNvPr id="9" name="文本框 8"/>
           <p:cNvSpPr txBox="1"/>
           <p:nvPr/>
         </p:nvSpPr>
@@ -17319,11 +16658,6 @@
         </p:txBody>
       </p:sp>
     </p:spTree>
-    <p:extLst>
-      <p:ext uri="{BB962C8B-B14F-4D97-AF65-F5344CB8AC3E}">
-        <p14:creationId xmlns:p14="http://schemas.microsoft.com/office/powerpoint/2010/main" val="359257744"/>
-      </p:ext>
-    </p:extLst>
   </p:cSld>
   <p:clrMapOvr>
     <a:masterClrMapping/>
@@ -17351,13 +16685,7 @@
       </p:grpSpPr>
       <p:sp>
         <p:nvSpPr>
-          <p:cNvPr id="7" name="矩形 6">
-            <a:extLst>
-              <a:ext uri="{FF2B5EF4-FFF2-40B4-BE49-F238E27FC236}">
-                <a16:creationId xmlns:a16="http://schemas.microsoft.com/office/drawing/2014/main" id="{DFF98A76-302A-4FC1-8090-E89C68F9EAB6}"/>
-              </a:ext>
-            </a:extLst>
-          </p:cNvPr>
+          <p:cNvPr id="7" name="矩形 6"/>
           <p:cNvSpPr/>
           <p:nvPr/>
         </p:nvSpPr>
@@ -17394,18 +16722,25 @@
               </a:rPr>
               <a:t>二叉平衡搜索树</a:t>
             </a:r>
+            <a:endParaRPr lang="zh-CN" altLang="en-US" sz="5400" dirty="0">
+              <a:ln w="0"/>
+              <a:solidFill>
+                <a:schemeClr val="tx1"/>
+              </a:solidFill>
+              <a:effectLst>
+                <a:outerShdw blurRad="38100" dist="19050" dir="2700000" algn="tl" rotWithShape="0">
+                  <a:schemeClr val="dk1">
+                    <a:alpha val="40000"/>
+                  </a:schemeClr>
+                </a:outerShdw>
+              </a:effectLst>
+            </a:endParaRPr>
           </a:p>
         </p:txBody>
       </p:sp>
       <p:cxnSp>
         <p:nvCxnSpPr>
-          <p:cNvPr id="13" name="直接连接符 12">
-            <a:extLst>
-              <a:ext uri="{FF2B5EF4-FFF2-40B4-BE49-F238E27FC236}">
-                <a16:creationId xmlns:a16="http://schemas.microsoft.com/office/drawing/2014/main" id="{5E7B927F-0734-404F-9A08-80760E8E40C4}"/>
-              </a:ext>
-            </a:extLst>
-          </p:cNvPr>
+          <p:cNvPr id="13" name="直接连接符 12"/>
           <p:cNvCxnSpPr/>
           <p:nvPr/>
         </p:nvCxnSpPr>
@@ -17436,13 +16771,7 @@
       </p:cxnSp>
       <p:sp>
         <p:nvSpPr>
-          <p:cNvPr id="4" name="文本框 3">
-            <a:extLst>
-              <a:ext uri="{FF2B5EF4-FFF2-40B4-BE49-F238E27FC236}">
-                <a16:creationId xmlns:a16="http://schemas.microsoft.com/office/drawing/2014/main" id="{26AC7BB2-666D-41D2-963E-2E21BD306CBA}"/>
-              </a:ext>
-            </a:extLst>
-          </p:cNvPr>
+          <p:cNvPr id="4" name="文本框 3"/>
           <p:cNvSpPr txBox="1"/>
           <p:nvPr/>
         </p:nvSpPr>
@@ -18117,11 +17446,6 @@
         </p:txBody>
       </p:sp>
     </p:spTree>
-    <p:extLst>
-      <p:ext uri="{BB962C8B-B14F-4D97-AF65-F5344CB8AC3E}">
-        <p14:creationId xmlns:p14="http://schemas.microsoft.com/office/powerpoint/2010/main" val="692856045"/>
-      </p:ext>
-    </p:extLst>
   </p:cSld>
   <p:clrMapOvr>
     <a:masterClrMapping/>
@@ -18149,13 +17473,7 @@
       </p:grpSpPr>
       <p:sp>
         <p:nvSpPr>
-          <p:cNvPr id="7" name="矩形 6">
-            <a:extLst>
-              <a:ext uri="{FF2B5EF4-FFF2-40B4-BE49-F238E27FC236}">
-                <a16:creationId xmlns:a16="http://schemas.microsoft.com/office/drawing/2014/main" id="{DFF98A76-302A-4FC1-8090-E89C68F9EAB6}"/>
-              </a:ext>
-            </a:extLst>
-          </p:cNvPr>
+          <p:cNvPr id="7" name="矩形 6"/>
           <p:cNvSpPr/>
           <p:nvPr/>
         </p:nvSpPr>
@@ -18192,18 +17510,25 @@
               </a:rPr>
               <a:t>二叉平衡搜索树</a:t>
             </a:r>
+            <a:endParaRPr lang="zh-CN" altLang="en-US" sz="5400" dirty="0">
+              <a:ln w="0"/>
+              <a:solidFill>
+                <a:schemeClr val="tx1"/>
+              </a:solidFill>
+              <a:effectLst>
+                <a:outerShdw blurRad="38100" dist="19050" dir="2700000" algn="tl" rotWithShape="0">
+                  <a:schemeClr val="dk1">
+                    <a:alpha val="40000"/>
+                  </a:schemeClr>
+                </a:outerShdw>
+              </a:effectLst>
+            </a:endParaRPr>
           </a:p>
         </p:txBody>
       </p:sp>
       <p:cxnSp>
         <p:nvCxnSpPr>
-          <p:cNvPr id="13" name="直接连接符 12">
-            <a:extLst>
-              <a:ext uri="{FF2B5EF4-FFF2-40B4-BE49-F238E27FC236}">
-                <a16:creationId xmlns:a16="http://schemas.microsoft.com/office/drawing/2014/main" id="{5E7B927F-0734-404F-9A08-80760E8E40C4}"/>
-              </a:ext>
-            </a:extLst>
-          </p:cNvPr>
+          <p:cNvPr id="13" name="直接连接符 12"/>
           <p:cNvCxnSpPr/>
           <p:nvPr/>
         </p:nvCxnSpPr>
@@ -18234,20 +17559,14 @@
       </p:cxnSp>
       <p:pic>
         <p:nvPicPr>
-          <p:cNvPr id="14" name="图片 13">
-            <a:extLst>
-              <a:ext uri="{FF2B5EF4-FFF2-40B4-BE49-F238E27FC236}">
-                <a16:creationId xmlns:a16="http://schemas.microsoft.com/office/drawing/2014/main" id="{F2DCA5DC-5AA0-4DD0-8CF5-B603316DA983}"/>
-              </a:ext>
-            </a:extLst>
-          </p:cNvPr>
+          <p:cNvPr id="14" name="图片 13"/>
           <p:cNvPicPr>
             <a:picLocks noChangeAspect="1"/>
           </p:cNvPicPr>
           <p:nvPr/>
         </p:nvPicPr>
         <p:blipFill>
-          <a:blip r:embed="rId3">
+          <a:blip r:embed="rId1">
             <a:extLst>
               <a:ext uri="{28A0092B-C50C-407E-A947-70E740481C1C}">
                 <a14:useLocalDpi xmlns:a14="http://schemas.microsoft.com/office/drawing/2010/main" val="0"/>
@@ -18270,13 +17589,7 @@
       </p:pic>
       <p:sp>
         <p:nvSpPr>
-          <p:cNvPr id="17" name="文本框 16">
-            <a:extLst>
-              <a:ext uri="{FF2B5EF4-FFF2-40B4-BE49-F238E27FC236}">
-                <a16:creationId xmlns:a16="http://schemas.microsoft.com/office/drawing/2014/main" id="{D4BE2760-8191-4189-A53D-B5155E0E4B71}"/>
-              </a:ext>
-            </a:extLst>
-          </p:cNvPr>
+          <p:cNvPr id="17" name="文本框 16"/>
           <p:cNvSpPr txBox="1"/>
           <p:nvPr/>
         </p:nvSpPr>
@@ -18353,11 +17666,6 @@
         </p:txBody>
       </p:sp>
     </p:spTree>
-    <p:extLst>
-      <p:ext uri="{BB962C8B-B14F-4D97-AF65-F5344CB8AC3E}">
-        <p14:creationId xmlns:p14="http://schemas.microsoft.com/office/powerpoint/2010/main" val="3438817602"/>
-      </p:ext>
-    </p:extLst>
   </p:cSld>
   <p:clrMapOvr>
     <a:masterClrMapping/>
@@ -18385,20 +17693,14 @@
       </p:grpSpPr>
       <p:pic>
         <p:nvPicPr>
-          <p:cNvPr id="3" name="图片 2">
-            <a:extLst>
-              <a:ext uri="{FF2B5EF4-FFF2-40B4-BE49-F238E27FC236}">
-                <a16:creationId xmlns:a16="http://schemas.microsoft.com/office/drawing/2014/main" id="{C30A2BCE-509E-4E95-9568-96797AA3CC55}"/>
-              </a:ext>
-            </a:extLst>
-          </p:cNvPr>
+          <p:cNvPr id="3" name="图片 2"/>
           <p:cNvPicPr>
             <a:picLocks noChangeAspect="1"/>
           </p:cNvPicPr>
           <p:nvPr/>
         </p:nvPicPr>
         <p:blipFill>
-          <a:blip r:embed="rId3">
+          <a:blip r:embed="rId1">
             <a:extLst>
               <a:ext uri="{28A0092B-C50C-407E-A947-70E740481C1C}">
                 <a14:useLocalDpi xmlns:a14="http://schemas.microsoft.com/office/drawing/2010/main" val="0"/>
@@ -18421,13 +17723,7 @@
       </p:pic>
       <p:sp>
         <p:nvSpPr>
-          <p:cNvPr id="7" name="矩形 6">
-            <a:extLst>
-              <a:ext uri="{FF2B5EF4-FFF2-40B4-BE49-F238E27FC236}">
-                <a16:creationId xmlns:a16="http://schemas.microsoft.com/office/drawing/2014/main" id="{DFF98A76-302A-4FC1-8090-E89C68F9EAB6}"/>
-              </a:ext>
-            </a:extLst>
-          </p:cNvPr>
+          <p:cNvPr id="7" name="矩形 6"/>
           <p:cNvSpPr/>
           <p:nvPr/>
         </p:nvSpPr>
@@ -18464,18 +17760,25 @@
               </a:rPr>
               <a:t>二叉平衡搜索树</a:t>
             </a:r>
+            <a:endParaRPr lang="zh-CN" altLang="en-US" sz="5400" dirty="0">
+              <a:ln w="0"/>
+              <a:solidFill>
+                <a:schemeClr val="tx1"/>
+              </a:solidFill>
+              <a:effectLst>
+                <a:outerShdw blurRad="38100" dist="19050" dir="2700000" algn="tl" rotWithShape="0">
+                  <a:schemeClr val="dk1">
+                    <a:alpha val="40000"/>
+                  </a:schemeClr>
+                </a:outerShdw>
+              </a:effectLst>
+            </a:endParaRPr>
           </a:p>
         </p:txBody>
       </p:sp>
       <p:cxnSp>
         <p:nvCxnSpPr>
-          <p:cNvPr id="13" name="直接连接符 12">
-            <a:extLst>
-              <a:ext uri="{FF2B5EF4-FFF2-40B4-BE49-F238E27FC236}">
-                <a16:creationId xmlns:a16="http://schemas.microsoft.com/office/drawing/2014/main" id="{5E7B927F-0734-404F-9A08-80760E8E40C4}"/>
-              </a:ext>
-            </a:extLst>
-          </p:cNvPr>
+          <p:cNvPr id="13" name="直接连接符 12"/>
           <p:cNvCxnSpPr/>
           <p:nvPr/>
         </p:nvCxnSpPr>
@@ -18506,13 +17809,7 @@
       </p:cxnSp>
       <p:sp>
         <p:nvSpPr>
-          <p:cNvPr id="17" name="文本框 16">
-            <a:extLst>
-              <a:ext uri="{FF2B5EF4-FFF2-40B4-BE49-F238E27FC236}">
-                <a16:creationId xmlns:a16="http://schemas.microsoft.com/office/drawing/2014/main" id="{D4BE2760-8191-4189-A53D-B5155E0E4B71}"/>
-              </a:ext>
-            </a:extLst>
-          </p:cNvPr>
+          <p:cNvPr id="17" name="文本框 16"/>
           <p:cNvSpPr txBox="1"/>
           <p:nvPr/>
         </p:nvSpPr>
@@ -18589,11 +17886,6 @@
         </p:txBody>
       </p:sp>
     </p:spTree>
-    <p:extLst>
-      <p:ext uri="{BB962C8B-B14F-4D97-AF65-F5344CB8AC3E}">
-        <p14:creationId xmlns:p14="http://schemas.microsoft.com/office/powerpoint/2010/main" val="3628729843"/>
-      </p:ext>
-    </p:extLst>
   </p:cSld>
   <p:clrMapOvr>
     <a:masterClrMapping/>
@@ -18621,20 +17913,14 @@
       </p:grpSpPr>
       <p:pic>
         <p:nvPicPr>
-          <p:cNvPr id="4" name="图片 3">
-            <a:extLst>
-              <a:ext uri="{FF2B5EF4-FFF2-40B4-BE49-F238E27FC236}">
-                <a16:creationId xmlns:a16="http://schemas.microsoft.com/office/drawing/2014/main" id="{BD946938-1F88-49EA-AF13-A155A43900AB}"/>
-              </a:ext>
-            </a:extLst>
-          </p:cNvPr>
+          <p:cNvPr id="4" name="图片 3"/>
           <p:cNvPicPr>
             <a:picLocks noChangeAspect="1"/>
           </p:cNvPicPr>
           <p:nvPr/>
         </p:nvPicPr>
         <p:blipFill>
-          <a:blip r:embed="rId3">
+          <a:blip r:embed="rId1">
             <a:extLst>
               <a:ext uri="{28A0092B-C50C-407E-A947-70E740481C1C}">
                 <a14:useLocalDpi xmlns:a14="http://schemas.microsoft.com/office/drawing/2010/main" val="0"/>
@@ -18657,13 +17943,7 @@
       </p:pic>
       <p:sp>
         <p:nvSpPr>
-          <p:cNvPr id="7" name="矩形 6">
-            <a:extLst>
-              <a:ext uri="{FF2B5EF4-FFF2-40B4-BE49-F238E27FC236}">
-                <a16:creationId xmlns:a16="http://schemas.microsoft.com/office/drawing/2014/main" id="{DFF98A76-302A-4FC1-8090-E89C68F9EAB6}"/>
-              </a:ext>
-            </a:extLst>
-          </p:cNvPr>
+          <p:cNvPr id="7" name="矩形 6"/>
           <p:cNvSpPr/>
           <p:nvPr/>
         </p:nvSpPr>
@@ -18700,18 +17980,25 @@
               </a:rPr>
               <a:t>二叉平衡搜索树</a:t>
             </a:r>
+            <a:endParaRPr lang="zh-CN" altLang="en-US" sz="5400" dirty="0">
+              <a:ln w="0"/>
+              <a:solidFill>
+                <a:schemeClr val="tx1"/>
+              </a:solidFill>
+              <a:effectLst>
+                <a:outerShdw blurRad="38100" dist="19050" dir="2700000" algn="tl" rotWithShape="0">
+                  <a:schemeClr val="dk1">
+                    <a:alpha val="40000"/>
+                  </a:schemeClr>
+                </a:outerShdw>
+              </a:effectLst>
+            </a:endParaRPr>
           </a:p>
         </p:txBody>
       </p:sp>
       <p:cxnSp>
         <p:nvCxnSpPr>
-          <p:cNvPr id="13" name="直接连接符 12">
-            <a:extLst>
-              <a:ext uri="{FF2B5EF4-FFF2-40B4-BE49-F238E27FC236}">
-                <a16:creationId xmlns:a16="http://schemas.microsoft.com/office/drawing/2014/main" id="{5E7B927F-0734-404F-9A08-80760E8E40C4}"/>
-              </a:ext>
-            </a:extLst>
-          </p:cNvPr>
+          <p:cNvPr id="13" name="直接连接符 12"/>
           <p:cNvCxnSpPr/>
           <p:nvPr/>
         </p:nvCxnSpPr>
@@ -18742,13 +18029,7 @@
       </p:cxnSp>
       <p:sp>
         <p:nvSpPr>
-          <p:cNvPr id="17" name="文本框 16">
-            <a:extLst>
-              <a:ext uri="{FF2B5EF4-FFF2-40B4-BE49-F238E27FC236}">
-                <a16:creationId xmlns:a16="http://schemas.microsoft.com/office/drawing/2014/main" id="{D4BE2760-8191-4189-A53D-B5155E0E4B71}"/>
-              </a:ext>
-            </a:extLst>
-          </p:cNvPr>
+          <p:cNvPr id="17" name="文本框 16"/>
           <p:cNvSpPr txBox="1"/>
           <p:nvPr/>
         </p:nvSpPr>
@@ -18825,11 +18106,6 @@
         </p:txBody>
       </p:sp>
     </p:spTree>
-    <p:extLst>
-      <p:ext uri="{BB962C8B-B14F-4D97-AF65-F5344CB8AC3E}">
-        <p14:creationId xmlns:p14="http://schemas.microsoft.com/office/powerpoint/2010/main" val="200301486"/>
-      </p:ext>
-    </p:extLst>
   </p:cSld>
   <p:clrMapOvr>
     <a:masterClrMapping/>
@@ -18857,20 +18133,14 @@
       </p:grpSpPr>
       <p:pic>
         <p:nvPicPr>
-          <p:cNvPr id="3" name="图片 2">
-            <a:extLst>
-              <a:ext uri="{FF2B5EF4-FFF2-40B4-BE49-F238E27FC236}">
-                <a16:creationId xmlns:a16="http://schemas.microsoft.com/office/drawing/2014/main" id="{C6B59D07-E9A2-4DC4-A26C-7BD806E88938}"/>
-              </a:ext>
-            </a:extLst>
-          </p:cNvPr>
+          <p:cNvPr id="3" name="图片 2"/>
           <p:cNvPicPr>
             <a:picLocks noChangeAspect="1"/>
           </p:cNvPicPr>
           <p:nvPr/>
         </p:nvPicPr>
         <p:blipFill>
-          <a:blip r:embed="rId3">
+          <a:blip r:embed="rId1">
             <a:extLst>
               <a:ext uri="{28A0092B-C50C-407E-A947-70E740481C1C}">
                 <a14:useLocalDpi xmlns:a14="http://schemas.microsoft.com/office/drawing/2010/main" val="0"/>
@@ -18893,13 +18163,7 @@
       </p:pic>
       <p:sp>
         <p:nvSpPr>
-          <p:cNvPr id="7" name="矩形 6">
-            <a:extLst>
-              <a:ext uri="{FF2B5EF4-FFF2-40B4-BE49-F238E27FC236}">
-                <a16:creationId xmlns:a16="http://schemas.microsoft.com/office/drawing/2014/main" id="{DFF98A76-302A-4FC1-8090-E89C68F9EAB6}"/>
-              </a:ext>
-            </a:extLst>
-          </p:cNvPr>
+          <p:cNvPr id="7" name="矩形 6"/>
           <p:cNvSpPr/>
           <p:nvPr/>
         </p:nvSpPr>
@@ -18936,18 +18200,25 @@
               </a:rPr>
               <a:t>二叉平衡搜索树</a:t>
             </a:r>
+            <a:endParaRPr lang="zh-CN" altLang="en-US" sz="5400" dirty="0">
+              <a:ln w="0"/>
+              <a:solidFill>
+                <a:schemeClr val="tx1"/>
+              </a:solidFill>
+              <a:effectLst>
+                <a:outerShdw blurRad="38100" dist="19050" dir="2700000" algn="tl" rotWithShape="0">
+                  <a:schemeClr val="dk1">
+                    <a:alpha val="40000"/>
+                  </a:schemeClr>
+                </a:outerShdw>
+              </a:effectLst>
+            </a:endParaRPr>
           </a:p>
         </p:txBody>
       </p:sp>
       <p:cxnSp>
         <p:nvCxnSpPr>
-          <p:cNvPr id="13" name="直接连接符 12">
-            <a:extLst>
-              <a:ext uri="{FF2B5EF4-FFF2-40B4-BE49-F238E27FC236}">
-                <a16:creationId xmlns:a16="http://schemas.microsoft.com/office/drawing/2014/main" id="{5E7B927F-0734-404F-9A08-80760E8E40C4}"/>
-              </a:ext>
-            </a:extLst>
-          </p:cNvPr>
+          <p:cNvPr id="13" name="直接连接符 12"/>
           <p:cNvCxnSpPr/>
           <p:nvPr/>
         </p:nvCxnSpPr>
@@ -18978,13 +18249,7 @@
       </p:cxnSp>
       <p:sp>
         <p:nvSpPr>
-          <p:cNvPr id="17" name="文本框 16">
-            <a:extLst>
-              <a:ext uri="{FF2B5EF4-FFF2-40B4-BE49-F238E27FC236}">
-                <a16:creationId xmlns:a16="http://schemas.microsoft.com/office/drawing/2014/main" id="{D4BE2760-8191-4189-A53D-B5155E0E4B71}"/>
-              </a:ext>
-            </a:extLst>
-          </p:cNvPr>
+          <p:cNvPr id="17" name="文本框 16"/>
           <p:cNvSpPr txBox="1"/>
           <p:nvPr/>
         </p:nvSpPr>
@@ -19061,11 +18326,6 @@
         </p:txBody>
       </p:sp>
     </p:spTree>
-    <p:extLst>
-      <p:ext uri="{BB962C8B-B14F-4D97-AF65-F5344CB8AC3E}">
-        <p14:creationId xmlns:p14="http://schemas.microsoft.com/office/powerpoint/2010/main" val="1269912929"/>
-      </p:ext>
-    </p:extLst>
   </p:cSld>
   <p:clrMapOvr>
     <a:masterClrMapping/>
@@ -19093,13 +18353,7 @@
       </p:grpSpPr>
       <p:sp>
         <p:nvSpPr>
-          <p:cNvPr id="10" name="矩形 9">
-            <a:extLst>
-              <a:ext uri="{FF2B5EF4-FFF2-40B4-BE49-F238E27FC236}">
-                <a16:creationId xmlns:a16="http://schemas.microsoft.com/office/drawing/2014/main" id="{181959D3-9D02-44DE-B8D5-7DE56B706DFC}"/>
-              </a:ext>
-            </a:extLst>
-          </p:cNvPr>
+          <p:cNvPr id="10" name="矩形 9"/>
           <p:cNvSpPr/>
           <p:nvPr/>
         </p:nvSpPr>
@@ -19136,25 +18390,32 @@
               </a:rPr>
               <a:t>什么是树？</a:t>
             </a:r>
+            <a:endParaRPr lang="zh-CN" altLang="en-US" sz="9600" dirty="0">
+              <a:ln w="0"/>
+              <a:solidFill>
+                <a:schemeClr val="tx1"/>
+              </a:solidFill>
+              <a:effectLst>
+                <a:outerShdw blurRad="38100" dist="19050" dir="2700000" algn="tl" rotWithShape="0">
+                  <a:schemeClr val="dk1">
+                    <a:alpha val="40000"/>
+                  </a:schemeClr>
+                </a:outerShdw>
+              </a:effectLst>
+            </a:endParaRPr>
           </a:p>
         </p:txBody>
       </p:sp>
       <p:pic>
         <p:nvPicPr>
-          <p:cNvPr id="2050" name="Picture 2">
-            <a:extLst>
-              <a:ext uri="{FF2B5EF4-FFF2-40B4-BE49-F238E27FC236}">
-                <a16:creationId xmlns:a16="http://schemas.microsoft.com/office/drawing/2014/main" id="{0EEE906E-CD5A-40AA-A605-33E393A1D3F3}"/>
-              </a:ext>
-            </a:extLst>
-          </p:cNvPr>
+          <p:cNvPr id="2050" name="Picture 2"/>
           <p:cNvPicPr>
             <a:picLocks noChangeAspect="1" noChangeArrowheads="1"/>
           </p:cNvPicPr>
           <p:nvPr/>
         </p:nvPicPr>
         <p:blipFill>
-          <a:blip r:embed="rId2">
+          <a:blip r:embed="rId1">
             <a:extLst>
               <a:ext uri="{28A0092B-C50C-407E-A947-70E740481C1C}">
                 <a14:useLocalDpi xmlns:a14="http://schemas.microsoft.com/office/drawing/2010/main" val="0"/>
@@ -19187,11 +18448,6 @@
         </p:spPr>
       </p:pic>
     </p:spTree>
-    <p:extLst>
-      <p:ext uri="{BB962C8B-B14F-4D97-AF65-F5344CB8AC3E}">
-        <p14:creationId xmlns:p14="http://schemas.microsoft.com/office/powerpoint/2010/main" val="860635621"/>
-      </p:ext>
-    </p:extLst>
   </p:cSld>
   <p:clrMapOvr>
     <a:masterClrMapping/>
@@ -19219,13 +18475,7 @@
       </p:grpSpPr>
       <p:sp>
         <p:nvSpPr>
-          <p:cNvPr id="7" name="矩形 6">
-            <a:extLst>
-              <a:ext uri="{FF2B5EF4-FFF2-40B4-BE49-F238E27FC236}">
-                <a16:creationId xmlns:a16="http://schemas.microsoft.com/office/drawing/2014/main" id="{DFF98A76-302A-4FC1-8090-E89C68F9EAB6}"/>
-              </a:ext>
-            </a:extLst>
-          </p:cNvPr>
+          <p:cNvPr id="7" name="矩形 6"/>
           <p:cNvSpPr/>
           <p:nvPr/>
         </p:nvSpPr>
@@ -19262,18 +18512,25 @@
               </a:rPr>
               <a:t>二叉平衡搜索树</a:t>
             </a:r>
+            <a:endParaRPr lang="zh-CN" altLang="en-US" sz="5400" dirty="0">
+              <a:ln w="0"/>
+              <a:solidFill>
+                <a:schemeClr val="tx1"/>
+              </a:solidFill>
+              <a:effectLst>
+                <a:outerShdw blurRad="38100" dist="19050" dir="2700000" algn="tl" rotWithShape="0">
+                  <a:schemeClr val="dk1">
+                    <a:alpha val="40000"/>
+                  </a:schemeClr>
+                </a:outerShdw>
+              </a:effectLst>
+            </a:endParaRPr>
           </a:p>
         </p:txBody>
       </p:sp>
       <p:cxnSp>
         <p:nvCxnSpPr>
-          <p:cNvPr id="13" name="直接连接符 12">
-            <a:extLst>
-              <a:ext uri="{FF2B5EF4-FFF2-40B4-BE49-F238E27FC236}">
-                <a16:creationId xmlns:a16="http://schemas.microsoft.com/office/drawing/2014/main" id="{5E7B927F-0734-404F-9A08-80760E8E40C4}"/>
-              </a:ext>
-            </a:extLst>
-          </p:cNvPr>
+          <p:cNvPr id="13" name="直接连接符 12"/>
           <p:cNvCxnSpPr/>
           <p:nvPr/>
         </p:nvCxnSpPr>
@@ -19304,13 +18561,7 @@
       </p:cxnSp>
       <p:sp>
         <p:nvSpPr>
-          <p:cNvPr id="4" name="文本框 3">
-            <a:extLst>
-              <a:ext uri="{FF2B5EF4-FFF2-40B4-BE49-F238E27FC236}">
-                <a16:creationId xmlns:a16="http://schemas.microsoft.com/office/drawing/2014/main" id="{26AC7BB2-666D-41D2-963E-2E21BD306CBA}"/>
-              </a:ext>
-            </a:extLst>
-          </p:cNvPr>
+          <p:cNvPr id="4" name="文本框 3"/>
           <p:cNvSpPr txBox="1"/>
           <p:nvPr/>
         </p:nvSpPr>
@@ -19468,11 +18719,6 @@
         </p:txBody>
       </p:sp>
     </p:spTree>
-    <p:extLst>
-      <p:ext uri="{BB962C8B-B14F-4D97-AF65-F5344CB8AC3E}">
-        <p14:creationId xmlns:p14="http://schemas.microsoft.com/office/powerpoint/2010/main" val="4249152322"/>
-      </p:ext>
-    </p:extLst>
   </p:cSld>
   <p:clrMapOvr>
     <a:masterClrMapping/>
@@ -19500,20 +18746,14 @@
       </p:grpSpPr>
       <p:pic>
         <p:nvPicPr>
-          <p:cNvPr id="3" name="图片 2">
-            <a:extLst>
-              <a:ext uri="{FF2B5EF4-FFF2-40B4-BE49-F238E27FC236}">
-                <a16:creationId xmlns:a16="http://schemas.microsoft.com/office/drawing/2014/main" id="{AEE47E0D-593E-429F-9117-BC73916927ED}"/>
-              </a:ext>
-            </a:extLst>
-          </p:cNvPr>
+          <p:cNvPr id="3" name="图片 2"/>
           <p:cNvPicPr>
             <a:picLocks noChangeAspect="1"/>
           </p:cNvPicPr>
           <p:nvPr/>
         </p:nvPicPr>
         <p:blipFill>
-          <a:blip r:embed="rId3">
+          <a:blip r:embed="rId1">
             <a:extLst>
               <a:ext uri="{28A0092B-C50C-407E-A947-70E740481C1C}">
                 <a14:useLocalDpi xmlns:a14="http://schemas.microsoft.com/office/drawing/2010/main" val="0"/>
@@ -19536,13 +18776,7 @@
       </p:pic>
       <p:sp>
         <p:nvSpPr>
-          <p:cNvPr id="7" name="矩形 6">
-            <a:extLst>
-              <a:ext uri="{FF2B5EF4-FFF2-40B4-BE49-F238E27FC236}">
-                <a16:creationId xmlns:a16="http://schemas.microsoft.com/office/drawing/2014/main" id="{DFF98A76-302A-4FC1-8090-E89C68F9EAB6}"/>
-              </a:ext>
-            </a:extLst>
-          </p:cNvPr>
+          <p:cNvPr id="7" name="矩形 6"/>
           <p:cNvSpPr/>
           <p:nvPr/>
         </p:nvSpPr>
@@ -19579,18 +18813,25 @@
               </a:rPr>
               <a:t>二叉平衡搜索树</a:t>
             </a:r>
+            <a:endParaRPr lang="zh-CN" altLang="en-US" sz="5400" dirty="0">
+              <a:ln w="0"/>
+              <a:solidFill>
+                <a:schemeClr val="tx1"/>
+              </a:solidFill>
+              <a:effectLst>
+                <a:outerShdw blurRad="38100" dist="19050" dir="2700000" algn="tl" rotWithShape="0">
+                  <a:schemeClr val="dk1">
+                    <a:alpha val="40000"/>
+                  </a:schemeClr>
+                </a:outerShdw>
+              </a:effectLst>
+            </a:endParaRPr>
           </a:p>
         </p:txBody>
       </p:sp>
       <p:cxnSp>
         <p:nvCxnSpPr>
-          <p:cNvPr id="13" name="直接连接符 12">
-            <a:extLst>
-              <a:ext uri="{FF2B5EF4-FFF2-40B4-BE49-F238E27FC236}">
-                <a16:creationId xmlns:a16="http://schemas.microsoft.com/office/drawing/2014/main" id="{5E7B927F-0734-404F-9A08-80760E8E40C4}"/>
-              </a:ext>
-            </a:extLst>
-          </p:cNvPr>
+          <p:cNvPr id="13" name="直接连接符 12"/>
           <p:cNvCxnSpPr/>
           <p:nvPr/>
         </p:nvCxnSpPr>
@@ -19621,13 +18862,7 @@
       </p:cxnSp>
       <p:sp>
         <p:nvSpPr>
-          <p:cNvPr id="4" name="文本框 3">
-            <a:extLst>
-              <a:ext uri="{FF2B5EF4-FFF2-40B4-BE49-F238E27FC236}">
-                <a16:creationId xmlns:a16="http://schemas.microsoft.com/office/drawing/2014/main" id="{26AC7BB2-666D-41D2-963E-2E21BD306CBA}"/>
-              </a:ext>
-            </a:extLst>
-          </p:cNvPr>
+          <p:cNvPr id="4" name="文本框 3"/>
           <p:cNvSpPr txBox="1"/>
           <p:nvPr/>
         </p:nvSpPr>
@@ -19840,13 +19075,7 @@
       </p:sp>
       <p:sp>
         <p:nvSpPr>
-          <p:cNvPr id="5" name="文本框 4">
-            <a:extLst>
-              <a:ext uri="{FF2B5EF4-FFF2-40B4-BE49-F238E27FC236}">
-                <a16:creationId xmlns:a16="http://schemas.microsoft.com/office/drawing/2014/main" id="{8D380276-3F2B-4E23-80DA-7D60854F9DFD}"/>
-              </a:ext>
-            </a:extLst>
-          </p:cNvPr>
+          <p:cNvPr id="5" name="文本框 4"/>
           <p:cNvSpPr txBox="1"/>
           <p:nvPr/>
         </p:nvSpPr>
@@ -19949,11 +19178,6 @@
         </p:txBody>
       </p:sp>
     </p:spTree>
-    <p:extLst>
-      <p:ext uri="{BB962C8B-B14F-4D97-AF65-F5344CB8AC3E}">
-        <p14:creationId xmlns:p14="http://schemas.microsoft.com/office/powerpoint/2010/main" val="134420961"/>
-      </p:ext>
-    </p:extLst>
   </p:cSld>
   <p:clrMapOvr>
     <a:masterClrMapping/>
@@ -20030,13 +19254,7 @@
       </p:sp>
       <p:sp>
         <p:nvSpPr>
-          <p:cNvPr id="19" name="矩形 18">
-            <a:extLst>
-              <a:ext uri="{FF2B5EF4-FFF2-40B4-BE49-F238E27FC236}">
-                <a16:creationId xmlns:a16="http://schemas.microsoft.com/office/drawing/2014/main" id="{E4601AB5-C57F-44AB-8EA6-9F0D65FAC3FF}"/>
-              </a:ext>
-            </a:extLst>
-          </p:cNvPr>
+          <p:cNvPr id="19" name="矩形 18"/>
           <p:cNvSpPr/>
           <p:nvPr/>
         </p:nvSpPr>
@@ -20091,20 +19309,14 @@
       </p:sp>
       <p:pic>
         <p:nvPicPr>
-          <p:cNvPr id="1026" name="Picture 2">
-            <a:extLst>
-              <a:ext uri="{FF2B5EF4-FFF2-40B4-BE49-F238E27FC236}">
-                <a16:creationId xmlns:a16="http://schemas.microsoft.com/office/drawing/2014/main" id="{CDF31BDD-5086-495A-9F58-1B38CB27E213}"/>
-              </a:ext>
-            </a:extLst>
-          </p:cNvPr>
+          <p:cNvPr id="1026" name="Picture 2"/>
           <p:cNvPicPr>
             <a:picLocks noChangeAspect="1" noChangeArrowheads="1"/>
           </p:cNvPicPr>
           <p:nvPr/>
         </p:nvPicPr>
         <p:blipFill>
-          <a:blip r:embed="rId2">
+          <a:blip r:embed="rId1">
             <a:extLst>
               <a:ext uri="{28A0092B-C50C-407E-A947-70E740481C1C}">
                 <a14:useLocalDpi xmlns:a14="http://schemas.microsoft.com/office/drawing/2010/main" val="0"/>
@@ -20137,11 +19349,6 @@
         </p:spPr>
       </p:pic>
     </p:spTree>
-    <p:extLst>
-      <p:ext uri="{BB962C8B-B14F-4D97-AF65-F5344CB8AC3E}">
-        <p14:creationId xmlns:p14="http://schemas.microsoft.com/office/powerpoint/2010/main" val="59050926"/>
-      </p:ext>
-    </p:extLst>
   </p:cSld>
   <p:clrMapOvr>
     <a:masterClrMapping/>
@@ -20169,13 +19376,7 @@
       </p:grpSpPr>
       <p:sp>
         <p:nvSpPr>
-          <p:cNvPr id="7" name="矩形 6">
-            <a:extLst>
-              <a:ext uri="{FF2B5EF4-FFF2-40B4-BE49-F238E27FC236}">
-                <a16:creationId xmlns:a16="http://schemas.microsoft.com/office/drawing/2014/main" id="{DFF98A76-302A-4FC1-8090-E89C68F9EAB6}"/>
-              </a:ext>
-            </a:extLst>
-          </p:cNvPr>
+          <p:cNvPr id="7" name="矩形 6"/>
           <p:cNvSpPr/>
           <p:nvPr/>
         </p:nvSpPr>
@@ -20212,18 +19413,25 @@
               </a:rPr>
               <a:t>伸展树</a:t>
             </a:r>
+            <a:endParaRPr lang="zh-CN" altLang="en-US" sz="5400" dirty="0">
+              <a:ln w="0"/>
+              <a:solidFill>
+                <a:schemeClr val="tx1"/>
+              </a:solidFill>
+              <a:effectLst>
+                <a:outerShdw blurRad="38100" dist="19050" dir="2700000" algn="tl" rotWithShape="0">
+                  <a:schemeClr val="dk1">
+                    <a:alpha val="40000"/>
+                  </a:schemeClr>
+                </a:outerShdw>
+              </a:effectLst>
+            </a:endParaRPr>
           </a:p>
         </p:txBody>
       </p:sp>
       <p:cxnSp>
         <p:nvCxnSpPr>
-          <p:cNvPr id="13" name="直接连接符 12">
-            <a:extLst>
-              <a:ext uri="{FF2B5EF4-FFF2-40B4-BE49-F238E27FC236}">
-                <a16:creationId xmlns:a16="http://schemas.microsoft.com/office/drawing/2014/main" id="{5E7B927F-0734-404F-9A08-80760E8E40C4}"/>
-              </a:ext>
-            </a:extLst>
-          </p:cNvPr>
+          <p:cNvPr id="13" name="直接连接符 12"/>
           <p:cNvCxnSpPr/>
           <p:nvPr/>
         </p:nvCxnSpPr>
@@ -20254,13 +19462,7 @@
       </p:cxnSp>
       <p:sp>
         <p:nvSpPr>
-          <p:cNvPr id="2" name="文本框 1">
-            <a:extLst>
-              <a:ext uri="{FF2B5EF4-FFF2-40B4-BE49-F238E27FC236}">
-                <a16:creationId xmlns:a16="http://schemas.microsoft.com/office/drawing/2014/main" id="{A251EDAC-7AA6-4959-A17B-FCD47C1CD94C}"/>
-              </a:ext>
-            </a:extLst>
-          </p:cNvPr>
+          <p:cNvPr id="2" name="文本框 1"/>
           <p:cNvSpPr txBox="1"/>
           <p:nvPr/>
         </p:nvSpPr>
@@ -20489,13 +19691,7 @@
       </p:sp>
       <p:sp>
         <p:nvSpPr>
-          <p:cNvPr id="8" name="文本框 7">
-            <a:extLst>
-              <a:ext uri="{FF2B5EF4-FFF2-40B4-BE49-F238E27FC236}">
-                <a16:creationId xmlns:a16="http://schemas.microsoft.com/office/drawing/2014/main" id="{839CC6BA-82A5-45EE-AD4B-CA91A3C3710A}"/>
-              </a:ext>
-            </a:extLst>
-          </p:cNvPr>
+          <p:cNvPr id="8" name="文本框 7"/>
           <p:cNvSpPr txBox="1"/>
           <p:nvPr/>
         </p:nvSpPr>
@@ -20563,18 +19759,26 @@
               </a:rPr>
               <a:t>二叉搜索树退化为线性</a:t>
             </a:r>
+            <a:endParaRPr kumimoji="0" lang="zh-CN" altLang="en-US" sz="3000" b="0" i="0" u="none" strike="noStrike" cap="none" spc="0" normalizeH="0" baseline="0" dirty="0">
+              <a:ln>
+                <a:noFill/>
+              </a:ln>
+              <a:solidFill>
+                <a:srgbClr val="000000"/>
+              </a:solidFill>
+              <a:effectLst/>
+              <a:uFillTx/>
+              <a:latin typeface="Helvetica Neue Medium"/>
+              <a:ea typeface="Helvetica Neue Medium"/>
+              <a:cs typeface="Helvetica Neue Medium"/>
+              <a:sym typeface="Helvetica Neue Medium"/>
+            </a:endParaRPr>
           </a:p>
         </p:txBody>
       </p:sp>
       <p:sp>
         <p:nvSpPr>
-          <p:cNvPr id="9" name="文本框 8">
-            <a:extLst>
-              <a:ext uri="{FF2B5EF4-FFF2-40B4-BE49-F238E27FC236}">
-                <a16:creationId xmlns:a16="http://schemas.microsoft.com/office/drawing/2014/main" id="{CD439D34-FFA8-47DD-A266-F62BAC2F12B1}"/>
-              </a:ext>
-            </a:extLst>
-          </p:cNvPr>
+          <p:cNvPr id="9" name="文本框 8"/>
           <p:cNvSpPr txBox="1"/>
           <p:nvPr/>
         </p:nvSpPr>
@@ -20673,20 +19877,14 @@
       </p:sp>
       <p:pic>
         <p:nvPicPr>
-          <p:cNvPr id="4" name="图片 3">
-            <a:extLst>
-              <a:ext uri="{FF2B5EF4-FFF2-40B4-BE49-F238E27FC236}">
-                <a16:creationId xmlns:a16="http://schemas.microsoft.com/office/drawing/2014/main" id="{E10D77C8-C9BB-4060-BF82-46E2FABCC6D1}"/>
-              </a:ext>
-            </a:extLst>
-          </p:cNvPr>
+          <p:cNvPr id="4" name="图片 3"/>
           <p:cNvPicPr>
             <a:picLocks noChangeAspect="1"/>
           </p:cNvPicPr>
           <p:nvPr/>
         </p:nvPicPr>
         <p:blipFill>
-          <a:blip r:embed="rId3"/>
+          <a:blip r:embed="rId1"/>
           <a:stretch>
             <a:fillRect/>
           </a:stretch>
@@ -20703,20 +19901,14 @@
       </p:pic>
       <p:pic>
         <p:nvPicPr>
-          <p:cNvPr id="6" name="图片 5">
-            <a:extLst>
-              <a:ext uri="{FF2B5EF4-FFF2-40B4-BE49-F238E27FC236}">
-                <a16:creationId xmlns:a16="http://schemas.microsoft.com/office/drawing/2014/main" id="{4E3177E7-75BF-4792-8FE8-11E443B8CAF9}"/>
-              </a:ext>
-            </a:extLst>
-          </p:cNvPr>
+          <p:cNvPr id="6" name="图片 5"/>
           <p:cNvPicPr>
             <a:picLocks noChangeAspect="1"/>
           </p:cNvPicPr>
           <p:nvPr/>
         </p:nvPicPr>
         <p:blipFill>
-          <a:blip r:embed="rId4"/>
+          <a:blip r:embed="rId2"/>
           <a:stretch>
             <a:fillRect/>
           </a:stretch>
@@ -20732,11 +19924,6 @@
         </p:spPr>
       </p:pic>
     </p:spTree>
-    <p:extLst>
-      <p:ext uri="{BB962C8B-B14F-4D97-AF65-F5344CB8AC3E}">
-        <p14:creationId xmlns:p14="http://schemas.microsoft.com/office/powerpoint/2010/main" val="987525551"/>
-      </p:ext>
-    </p:extLst>
   </p:cSld>
   <p:clrMapOvr>
     <a:masterClrMapping/>
@@ -20764,13 +19951,7 @@
       </p:grpSpPr>
       <p:sp>
         <p:nvSpPr>
-          <p:cNvPr id="7" name="矩形 6">
-            <a:extLst>
-              <a:ext uri="{FF2B5EF4-FFF2-40B4-BE49-F238E27FC236}">
-                <a16:creationId xmlns:a16="http://schemas.microsoft.com/office/drawing/2014/main" id="{DFF98A76-302A-4FC1-8090-E89C68F9EAB6}"/>
-              </a:ext>
-            </a:extLst>
-          </p:cNvPr>
+          <p:cNvPr id="7" name="矩形 6"/>
           <p:cNvSpPr/>
           <p:nvPr/>
         </p:nvSpPr>
@@ -20807,18 +19988,25 @@
               </a:rPr>
               <a:t>伸展树</a:t>
             </a:r>
+            <a:endParaRPr lang="zh-CN" altLang="en-US" sz="5400" dirty="0">
+              <a:ln w="0"/>
+              <a:solidFill>
+                <a:schemeClr val="tx1"/>
+              </a:solidFill>
+              <a:effectLst>
+                <a:outerShdw blurRad="38100" dist="19050" dir="2700000" algn="tl" rotWithShape="0">
+                  <a:schemeClr val="dk1">
+                    <a:alpha val="40000"/>
+                  </a:schemeClr>
+                </a:outerShdw>
+              </a:effectLst>
+            </a:endParaRPr>
           </a:p>
         </p:txBody>
       </p:sp>
       <p:cxnSp>
         <p:nvCxnSpPr>
-          <p:cNvPr id="13" name="直接连接符 12">
-            <a:extLst>
-              <a:ext uri="{FF2B5EF4-FFF2-40B4-BE49-F238E27FC236}">
-                <a16:creationId xmlns:a16="http://schemas.microsoft.com/office/drawing/2014/main" id="{5E7B927F-0734-404F-9A08-80760E8E40C4}"/>
-              </a:ext>
-            </a:extLst>
-          </p:cNvPr>
+          <p:cNvPr id="13" name="直接连接符 12"/>
           <p:cNvCxnSpPr/>
           <p:nvPr/>
         </p:nvCxnSpPr>
@@ -20849,13 +20037,7 @@
       </p:cxnSp>
       <p:sp>
         <p:nvSpPr>
-          <p:cNvPr id="2" name="文本框 1">
-            <a:extLst>
-              <a:ext uri="{FF2B5EF4-FFF2-40B4-BE49-F238E27FC236}">
-                <a16:creationId xmlns:a16="http://schemas.microsoft.com/office/drawing/2014/main" id="{A251EDAC-7AA6-4959-A17B-FCD47C1CD94C}"/>
-              </a:ext>
-            </a:extLst>
-          </p:cNvPr>
+          <p:cNvPr id="2" name="文本框 1"/>
           <p:cNvSpPr txBox="1"/>
           <p:nvPr/>
         </p:nvSpPr>
@@ -20912,6 +20094,7 @@
               <a:rPr lang="en-US" altLang="zh-CN" dirty="0"/>
               <a:t>:</a:t>
             </a:r>
+            <a:endParaRPr lang="en-US" altLang="zh-CN" dirty="0"/>
           </a:p>
           <a:p>
             <a:pPr marL="457200" marR="0" indent="-457200" algn="l" defTabSz="825500" rtl="0" fontAlgn="auto" latinLnBrk="0" hangingPunct="0">
@@ -21184,25 +20367,33 @@
               </a:rPr>
               <a:t>结点。</a:t>
             </a:r>
+            <a:endParaRPr kumimoji="0" lang="zh-CN" altLang="en-US" sz="3000" b="0" i="0" u="none" strike="noStrike" cap="none" spc="0" normalizeH="0" baseline="0" dirty="0">
+              <a:ln>
+                <a:noFill/>
+              </a:ln>
+              <a:solidFill>
+                <a:srgbClr val="000000"/>
+              </a:solidFill>
+              <a:effectLst/>
+              <a:uFillTx/>
+              <a:latin typeface="Helvetica Neue Medium"/>
+              <a:ea typeface="Helvetica Neue Medium"/>
+              <a:cs typeface="Helvetica Neue Medium"/>
+              <a:sym typeface="Helvetica Neue Medium"/>
+            </a:endParaRPr>
           </a:p>
         </p:txBody>
       </p:sp>
       <p:pic>
         <p:nvPicPr>
-          <p:cNvPr id="5" name="图片 4">
-            <a:extLst>
-              <a:ext uri="{FF2B5EF4-FFF2-40B4-BE49-F238E27FC236}">
-                <a16:creationId xmlns:a16="http://schemas.microsoft.com/office/drawing/2014/main" id="{72DCDFF0-E8A0-4567-8E56-7A8330DFA4F4}"/>
-              </a:ext>
-            </a:extLst>
-          </p:cNvPr>
+          <p:cNvPr id="5" name="图片 4"/>
           <p:cNvPicPr>
             <a:picLocks noChangeAspect="1"/>
           </p:cNvPicPr>
           <p:nvPr/>
         </p:nvPicPr>
         <p:blipFill>
-          <a:blip r:embed="rId3">
+          <a:blip r:embed="rId1">
             <a:extLst>
               <a:ext uri="{28A0092B-C50C-407E-A947-70E740481C1C}">
                 <a14:useLocalDpi xmlns:a14="http://schemas.microsoft.com/office/drawing/2010/main" val="0"/>
@@ -21225,13 +20416,7 @@
       </p:pic>
       <p:sp>
         <p:nvSpPr>
-          <p:cNvPr id="10" name="文本框 9">
-            <a:extLst>
-              <a:ext uri="{FF2B5EF4-FFF2-40B4-BE49-F238E27FC236}">
-                <a16:creationId xmlns:a16="http://schemas.microsoft.com/office/drawing/2014/main" id="{FE9B723D-6CE6-4AF3-9A92-4EB1CA7605D5}"/>
-              </a:ext>
-            </a:extLst>
-          </p:cNvPr>
+          <p:cNvPr id="10" name="文本框 9"/>
           <p:cNvSpPr txBox="1"/>
           <p:nvPr/>
         </p:nvSpPr>
@@ -21299,15 +20484,24 @@
               </a:rPr>
               <a:t>伸展树的构造过程</a:t>
             </a:r>
+            <a:endParaRPr kumimoji="0" lang="zh-CN" altLang="en-US" sz="3000" b="0" i="0" u="none" strike="noStrike" cap="none" spc="0" normalizeH="0" baseline="0" dirty="0">
+              <a:ln>
+                <a:noFill/>
+              </a:ln>
+              <a:solidFill>
+                <a:srgbClr val="000000"/>
+              </a:solidFill>
+              <a:effectLst/>
+              <a:uFillTx/>
+              <a:latin typeface="Helvetica Neue Medium"/>
+              <a:ea typeface="Helvetica Neue Medium"/>
+              <a:cs typeface="Helvetica Neue Medium"/>
+              <a:sym typeface="Helvetica Neue Medium"/>
+            </a:endParaRPr>
           </a:p>
         </p:txBody>
       </p:sp>
     </p:spTree>
-    <p:extLst>
-      <p:ext uri="{BB962C8B-B14F-4D97-AF65-F5344CB8AC3E}">
-        <p14:creationId xmlns:p14="http://schemas.microsoft.com/office/powerpoint/2010/main" val="3738363168"/>
-      </p:ext>
-    </p:extLst>
   </p:cSld>
   <p:clrMapOvr>
     <a:masterClrMapping/>
@@ -21335,20 +20529,14 @@
       </p:grpSpPr>
       <p:pic>
         <p:nvPicPr>
-          <p:cNvPr id="4" name="图片 3">
-            <a:extLst>
-              <a:ext uri="{FF2B5EF4-FFF2-40B4-BE49-F238E27FC236}">
-                <a16:creationId xmlns:a16="http://schemas.microsoft.com/office/drawing/2014/main" id="{098F3D72-3AF0-4669-88A6-5204CD44CF7F}"/>
-              </a:ext>
-            </a:extLst>
-          </p:cNvPr>
+          <p:cNvPr id="4" name="图片 3"/>
           <p:cNvPicPr>
             <a:picLocks noChangeAspect="1"/>
           </p:cNvPicPr>
           <p:nvPr/>
         </p:nvPicPr>
         <p:blipFill>
-          <a:blip r:embed="rId3">
+          <a:blip r:embed="rId1">
             <a:extLst>
               <a:ext uri="{28A0092B-C50C-407E-A947-70E740481C1C}">
                 <a14:useLocalDpi xmlns:a14="http://schemas.microsoft.com/office/drawing/2010/main" val="0"/>
@@ -21371,13 +20559,7 @@
       </p:pic>
       <p:sp>
         <p:nvSpPr>
-          <p:cNvPr id="7" name="矩形 6">
-            <a:extLst>
-              <a:ext uri="{FF2B5EF4-FFF2-40B4-BE49-F238E27FC236}">
-                <a16:creationId xmlns:a16="http://schemas.microsoft.com/office/drawing/2014/main" id="{DFF98A76-302A-4FC1-8090-E89C68F9EAB6}"/>
-              </a:ext>
-            </a:extLst>
-          </p:cNvPr>
+          <p:cNvPr id="7" name="矩形 6"/>
           <p:cNvSpPr/>
           <p:nvPr/>
         </p:nvSpPr>
@@ -21414,18 +20596,25 @@
               </a:rPr>
               <a:t>伸展树</a:t>
             </a:r>
+            <a:endParaRPr lang="zh-CN" altLang="en-US" sz="5400" dirty="0">
+              <a:ln w="0"/>
+              <a:solidFill>
+                <a:schemeClr val="tx1"/>
+              </a:solidFill>
+              <a:effectLst>
+                <a:outerShdw blurRad="38100" dist="19050" dir="2700000" algn="tl" rotWithShape="0">
+                  <a:schemeClr val="dk1">
+                    <a:alpha val="40000"/>
+                  </a:schemeClr>
+                </a:outerShdw>
+              </a:effectLst>
+            </a:endParaRPr>
           </a:p>
         </p:txBody>
       </p:sp>
       <p:cxnSp>
         <p:nvCxnSpPr>
-          <p:cNvPr id="13" name="直接连接符 12">
-            <a:extLst>
-              <a:ext uri="{FF2B5EF4-FFF2-40B4-BE49-F238E27FC236}">
-                <a16:creationId xmlns:a16="http://schemas.microsoft.com/office/drawing/2014/main" id="{5E7B927F-0734-404F-9A08-80760E8E40C4}"/>
-              </a:ext>
-            </a:extLst>
-          </p:cNvPr>
+          <p:cNvPr id="13" name="直接连接符 12"/>
           <p:cNvCxnSpPr/>
           <p:nvPr/>
         </p:nvCxnSpPr>
@@ -21456,13 +20645,7 @@
       </p:cxnSp>
       <p:sp>
         <p:nvSpPr>
-          <p:cNvPr id="2" name="文本框 1">
-            <a:extLst>
-              <a:ext uri="{FF2B5EF4-FFF2-40B4-BE49-F238E27FC236}">
-                <a16:creationId xmlns:a16="http://schemas.microsoft.com/office/drawing/2014/main" id="{A251EDAC-7AA6-4959-A17B-FCD47C1CD94C}"/>
-              </a:ext>
-            </a:extLst>
-          </p:cNvPr>
+          <p:cNvPr id="2" name="文本框 1"/>
           <p:cNvSpPr txBox="1"/>
           <p:nvPr/>
         </p:nvSpPr>
@@ -21833,13 +21016,7 @@
       </p:sp>
       <p:sp>
         <p:nvSpPr>
-          <p:cNvPr id="10" name="文本框 9">
-            <a:extLst>
-              <a:ext uri="{FF2B5EF4-FFF2-40B4-BE49-F238E27FC236}">
-                <a16:creationId xmlns:a16="http://schemas.microsoft.com/office/drawing/2014/main" id="{FE9B723D-6CE6-4AF3-9A92-4EB1CA7605D5}"/>
-              </a:ext>
-            </a:extLst>
-          </p:cNvPr>
+          <p:cNvPr id="10" name="文本框 9"/>
           <p:cNvSpPr txBox="1"/>
           <p:nvPr/>
         </p:nvSpPr>
@@ -21941,15 +21118,24 @@
               </a:rPr>
               <a:t>结点进行一次访问</a:t>
             </a:r>
+            <a:endParaRPr kumimoji="0" lang="zh-CN" altLang="en-US" sz="3000" b="0" i="0" u="none" strike="noStrike" cap="none" spc="0" normalizeH="0" baseline="0" dirty="0">
+              <a:ln>
+                <a:noFill/>
+              </a:ln>
+              <a:solidFill>
+                <a:srgbClr val="000000"/>
+              </a:solidFill>
+              <a:effectLst/>
+              <a:uFillTx/>
+              <a:latin typeface="Helvetica Neue Medium"/>
+              <a:ea typeface="Helvetica Neue Medium"/>
+              <a:cs typeface="Helvetica Neue Medium"/>
+              <a:sym typeface="Helvetica Neue Medium"/>
+            </a:endParaRPr>
           </a:p>
         </p:txBody>
       </p:sp>
     </p:spTree>
-    <p:extLst>
-      <p:ext uri="{BB962C8B-B14F-4D97-AF65-F5344CB8AC3E}">
-        <p14:creationId xmlns:p14="http://schemas.microsoft.com/office/powerpoint/2010/main" val="3147461475"/>
-      </p:ext>
-    </p:extLst>
   </p:cSld>
   <p:clrMapOvr>
     <a:masterClrMapping/>
@@ -21977,13 +21163,7 @@
       </p:grpSpPr>
       <p:sp>
         <p:nvSpPr>
-          <p:cNvPr id="7" name="矩形 6">
-            <a:extLst>
-              <a:ext uri="{FF2B5EF4-FFF2-40B4-BE49-F238E27FC236}">
-                <a16:creationId xmlns:a16="http://schemas.microsoft.com/office/drawing/2014/main" id="{DFF98A76-302A-4FC1-8090-E89C68F9EAB6}"/>
-              </a:ext>
-            </a:extLst>
-          </p:cNvPr>
+          <p:cNvPr id="7" name="矩形 6"/>
           <p:cNvSpPr/>
           <p:nvPr/>
         </p:nvSpPr>
@@ -22020,18 +21200,25 @@
               </a:rPr>
               <a:t>伸展树</a:t>
             </a:r>
+            <a:endParaRPr lang="zh-CN" altLang="en-US" sz="5400" dirty="0">
+              <a:ln w="0"/>
+              <a:solidFill>
+                <a:schemeClr val="tx1"/>
+              </a:solidFill>
+              <a:effectLst>
+                <a:outerShdw blurRad="38100" dist="19050" dir="2700000" algn="tl" rotWithShape="0">
+                  <a:schemeClr val="dk1">
+                    <a:alpha val="40000"/>
+                  </a:schemeClr>
+                </a:outerShdw>
+              </a:effectLst>
+            </a:endParaRPr>
           </a:p>
         </p:txBody>
       </p:sp>
       <p:cxnSp>
         <p:nvCxnSpPr>
-          <p:cNvPr id="13" name="直接连接符 12">
-            <a:extLst>
-              <a:ext uri="{FF2B5EF4-FFF2-40B4-BE49-F238E27FC236}">
-                <a16:creationId xmlns:a16="http://schemas.microsoft.com/office/drawing/2014/main" id="{5E7B927F-0734-404F-9A08-80760E8E40C4}"/>
-              </a:ext>
-            </a:extLst>
-          </p:cNvPr>
+          <p:cNvPr id="13" name="直接连接符 12"/>
           <p:cNvCxnSpPr/>
           <p:nvPr/>
         </p:nvCxnSpPr>
@@ -22062,13 +21249,7 @@
       </p:cxnSp>
       <p:sp>
         <p:nvSpPr>
-          <p:cNvPr id="2" name="文本框 1">
-            <a:extLst>
-              <a:ext uri="{FF2B5EF4-FFF2-40B4-BE49-F238E27FC236}">
-                <a16:creationId xmlns:a16="http://schemas.microsoft.com/office/drawing/2014/main" id="{A251EDAC-7AA6-4959-A17B-FCD47C1CD94C}"/>
-              </a:ext>
-            </a:extLst>
-          </p:cNvPr>
+          <p:cNvPr id="2" name="文本框 1"/>
           <p:cNvSpPr txBox="1"/>
           <p:nvPr/>
         </p:nvSpPr>
@@ -22167,13 +21348,7 @@
       </p:sp>
       <p:sp>
         <p:nvSpPr>
-          <p:cNvPr id="10" name="文本框 9">
-            <a:extLst>
-              <a:ext uri="{FF2B5EF4-FFF2-40B4-BE49-F238E27FC236}">
-                <a16:creationId xmlns:a16="http://schemas.microsoft.com/office/drawing/2014/main" id="{FE9B723D-6CE6-4AF3-9A92-4EB1CA7605D5}"/>
-              </a:ext>
-            </a:extLst>
-          </p:cNvPr>
+          <p:cNvPr id="10" name="文本框 9"/>
           <p:cNvSpPr txBox="1"/>
           <p:nvPr/>
         </p:nvSpPr>
@@ -22277,20 +21452,14 @@
       </p:sp>
       <p:pic>
         <p:nvPicPr>
-          <p:cNvPr id="5" name="图片 4">
-            <a:extLst>
-              <a:ext uri="{FF2B5EF4-FFF2-40B4-BE49-F238E27FC236}">
-                <a16:creationId xmlns:a16="http://schemas.microsoft.com/office/drawing/2014/main" id="{F0697529-D19E-418D-83F2-EBB139534EC4}"/>
-              </a:ext>
-            </a:extLst>
-          </p:cNvPr>
+          <p:cNvPr id="5" name="图片 4"/>
           <p:cNvPicPr>
             <a:picLocks noChangeAspect="1"/>
           </p:cNvPicPr>
           <p:nvPr/>
         </p:nvPicPr>
         <p:blipFill>
-          <a:blip r:embed="rId3">
+          <a:blip r:embed="rId1">
             <a:extLst>
               <a:ext uri="{28A0092B-C50C-407E-A947-70E740481C1C}">
                 <a14:useLocalDpi xmlns:a14="http://schemas.microsoft.com/office/drawing/2010/main" val="0"/>
@@ -22312,11 +21481,6 @@
         </p:spPr>
       </p:pic>
     </p:spTree>
-    <p:extLst>
-      <p:ext uri="{BB962C8B-B14F-4D97-AF65-F5344CB8AC3E}">
-        <p14:creationId xmlns:p14="http://schemas.microsoft.com/office/powerpoint/2010/main" val="451208963"/>
-      </p:ext>
-    </p:extLst>
   </p:cSld>
   <p:clrMapOvr>
     <a:masterClrMapping/>
@@ -22393,13 +21557,7 @@
       </p:sp>
       <p:sp>
         <p:nvSpPr>
-          <p:cNvPr id="19" name="矩形 18">
-            <a:extLst>
-              <a:ext uri="{FF2B5EF4-FFF2-40B4-BE49-F238E27FC236}">
-                <a16:creationId xmlns:a16="http://schemas.microsoft.com/office/drawing/2014/main" id="{E4601AB5-C57F-44AB-8EA6-9F0D65FAC3FF}"/>
-              </a:ext>
-            </a:extLst>
-          </p:cNvPr>
+          <p:cNvPr id="19" name="矩形 18"/>
           <p:cNvSpPr/>
           <p:nvPr/>
         </p:nvSpPr>
@@ -22454,20 +21612,14 @@
       </p:sp>
       <p:pic>
         <p:nvPicPr>
-          <p:cNvPr id="1026" name="Picture 2">
-            <a:extLst>
-              <a:ext uri="{FF2B5EF4-FFF2-40B4-BE49-F238E27FC236}">
-                <a16:creationId xmlns:a16="http://schemas.microsoft.com/office/drawing/2014/main" id="{CDF31BDD-5086-495A-9F58-1B38CB27E213}"/>
-              </a:ext>
-            </a:extLst>
-          </p:cNvPr>
+          <p:cNvPr id="1026" name="Picture 2"/>
           <p:cNvPicPr>
             <a:picLocks noChangeAspect="1" noChangeArrowheads="1"/>
           </p:cNvPicPr>
           <p:nvPr/>
         </p:nvPicPr>
         <p:blipFill>
-          <a:blip r:embed="rId2">
+          <a:blip r:embed="rId1">
             <a:extLst>
               <a:ext uri="{28A0092B-C50C-407E-A947-70E740481C1C}">
                 <a14:useLocalDpi xmlns:a14="http://schemas.microsoft.com/office/drawing/2010/main" val="0"/>
@@ -22500,11 +21652,6 @@
         </p:spPr>
       </p:pic>
     </p:spTree>
-    <p:extLst>
-      <p:ext uri="{BB962C8B-B14F-4D97-AF65-F5344CB8AC3E}">
-        <p14:creationId xmlns:p14="http://schemas.microsoft.com/office/powerpoint/2010/main" val="1960964220"/>
-      </p:ext>
-    </p:extLst>
   </p:cSld>
   <p:clrMapOvr>
     <a:masterClrMapping/>
@@ -22532,13 +21679,7 @@
       </p:grpSpPr>
       <p:sp>
         <p:nvSpPr>
-          <p:cNvPr id="7" name="矩形 6">
-            <a:extLst>
-              <a:ext uri="{FF2B5EF4-FFF2-40B4-BE49-F238E27FC236}">
-                <a16:creationId xmlns:a16="http://schemas.microsoft.com/office/drawing/2014/main" id="{DFF98A76-302A-4FC1-8090-E89C68F9EAB6}"/>
-              </a:ext>
-            </a:extLst>
-          </p:cNvPr>
+          <p:cNvPr id="7" name="矩形 6"/>
           <p:cNvSpPr/>
           <p:nvPr/>
         </p:nvSpPr>
@@ -22575,18 +21716,25 @@
               </a:rPr>
               <a:t>红黑树</a:t>
             </a:r>
+            <a:endParaRPr lang="zh-CN" altLang="en-US" sz="5400" dirty="0">
+              <a:ln w="0"/>
+              <a:solidFill>
+                <a:schemeClr val="tx1"/>
+              </a:solidFill>
+              <a:effectLst>
+                <a:outerShdw blurRad="38100" dist="19050" dir="2700000" algn="tl" rotWithShape="0">
+                  <a:schemeClr val="dk1">
+                    <a:alpha val="40000"/>
+                  </a:schemeClr>
+                </a:outerShdw>
+              </a:effectLst>
+            </a:endParaRPr>
           </a:p>
         </p:txBody>
       </p:sp>
       <p:cxnSp>
         <p:nvCxnSpPr>
-          <p:cNvPr id="13" name="直接连接符 12">
-            <a:extLst>
-              <a:ext uri="{FF2B5EF4-FFF2-40B4-BE49-F238E27FC236}">
-                <a16:creationId xmlns:a16="http://schemas.microsoft.com/office/drawing/2014/main" id="{5E7B927F-0734-404F-9A08-80760E8E40C4}"/>
-              </a:ext>
-            </a:extLst>
-          </p:cNvPr>
+          <p:cNvPr id="13" name="直接连接符 12"/>
           <p:cNvCxnSpPr/>
           <p:nvPr/>
         </p:nvCxnSpPr>
@@ -22617,13 +21765,7 @@
       </p:cxnSp>
       <p:sp>
         <p:nvSpPr>
-          <p:cNvPr id="2" name="文本框 1">
-            <a:extLst>
-              <a:ext uri="{FF2B5EF4-FFF2-40B4-BE49-F238E27FC236}">
-                <a16:creationId xmlns:a16="http://schemas.microsoft.com/office/drawing/2014/main" id="{A251EDAC-7AA6-4959-A17B-FCD47C1CD94C}"/>
-              </a:ext>
-            </a:extLst>
-          </p:cNvPr>
+          <p:cNvPr id="2" name="文本框 1"/>
           <p:cNvSpPr txBox="1"/>
           <p:nvPr/>
         </p:nvSpPr>
@@ -22861,6 +22003,11 @@
               </a:rPr>
               <a:t>]</a:t>
             </a:r>
+            <a:endParaRPr lang="en-US" altLang="zh-CN" dirty="0">
+              <a:highlight>
+                <a:srgbClr val="FFFF00"/>
+              </a:highlight>
+            </a:endParaRPr>
           </a:p>
           <a:p>
             <a:pPr marL="514350" indent="-514350" algn="l">
@@ -22918,6 +22065,11 @@
               </a:rPr>
               <a:t>]</a:t>
             </a:r>
+            <a:endParaRPr lang="en-US" altLang="zh-CN" dirty="0">
+              <a:highlight>
+                <a:srgbClr val="FFFF00"/>
+              </a:highlight>
+            </a:endParaRPr>
           </a:p>
           <a:p>
             <a:pPr marL="457200" indent="-457200" algn="l">
@@ -22967,20 +22119,14 @@
       </p:sp>
       <p:pic>
         <p:nvPicPr>
-          <p:cNvPr id="3" name="图片 2">
-            <a:extLst>
-              <a:ext uri="{FF2B5EF4-FFF2-40B4-BE49-F238E27FC236}">
-                <a16:creationId xmlns:a16="http://schemas.microsoft.com/office/drawing/2014/main" id="{D054709A-CD2B-43AE-AF17-36676ED15B76}"/>
-              </a:ext>
-            </a:extLst>
-          </p:cNvPr>
+          <p:cNvPr id="3" name="图片 2"/>
           <p:cNvPicPr>
             <a:picLocks noChangeAspect="1"/>
           </p:cNvPicPr>
           <p:nvPr/>
         </p:nvPicPr>
         <p:blipFill>
-          <a:blip r:embed="rId3"/>
+          <a:blip r:embed="rId1"/>
           <a:stretch>
             <a:fillRect/>
           </a:stretch>
@@ -22996,11 +22142,6 @@
         </p:spPr>
       </p:pic>
     </p:spTree>
-    <p:extLst>
-      <p:ext uri="{BB962C8B-B14F-4D97-AF65-F5344CB8AC3E}">
-        <p14:creationId xmlns:p14="http://schemas.microsoft.com/office/powerpoint/2010/main" val="2656620354"/>
-      </p:ext>
-    </p:extLst>
   </p:cSld>
   <p:clrMapOvr>
     <a:masterClrMapping/>
@@ -23028,20 +22169,14 @@
       </p:grpSpPr>
       <p:pic>
         <p:nvPicPr>
-          <p:cNvPr id="3076" name="Picture 4" descr="title">
-            <a:extLst>
-              <a:ext uri="{FF2B5EF4-FFF2-40B4-BE49-F238E27FC236}">
-                <a16:creationId xmlns:a16="http://schemas.microsoft.com/office/drawing/2014/main" id="{DD362EF8-1227-4F74-B145-332826F65324}"/>
-              </a:ext>
-            </a:extLst>
-          </p:cNvPr>
+          <p:cNvPr id="3076" name="Picture 4" descr="title"/>
           <p:cNvPicPr>
             <a:picLocks noChangeAspect="1" noChangeArrowheads="1"/>
           </p:cNvPicPr>
           <p:nvPr/>
         </p:nvPicPr>
         <p:blipFill>
-          <a:blip r:embed="rId3">
+          <a:blip r:embed="rId1">
             <a:extLst>
               <a:ext uri="{28A0092B-C50C-407E-A947-70E740481C1C}">
                 <a14:useLocalDpi xmlns:a14="http://schemas.microsoft.com/office/drawing/2010/main" val="0"/>
@@ -23075,13 +22210,7 @@
       </p:pic>
       <p:sp>
         <p:nvSpPr>
-          <p:cNvPr id="7" name="矩形 6">
-            <a:extLst>
-              <a:ext uri="{FF2B5EF4-FFF2-40B4-BE49-F238E27FC236}">
-                <a16:creationId xmlns:a16="http://schemas.microsoft.com/office/drawing/2014/main" id="{DFF98A76-302A-4FC1-8090-E89C68F9EAB6}"/>
-              </a:ext>
-            </a:extLst>
-          </p:cNvPr>
+          <p:cNvPr id="7" name="矩形 6"/>
           <p:cNvSpPr/>
           <p:nvPr/>
         </p:nvSpPr>
@@ -23118,18 +22247,25 @@
               </a:rPr>
               <a:t>红黑树</a:t>
             </a:r>
+            <a:endParaRPr lang="zh-CN" altLang="en-US" sz="5400" dirty="0">
+              <a:ln w="0"/>
+              <a:solidFill>
+                <a:schemeClr val="tx1"/>
+              </a:solidFill>
+              <a:effectLst>
+                <a:outerShdw blurRad="38100" dist="19050" dir="2700000" algn="tl" rotWithShape="0">
+                  <a:schemeClr val="dk1">
+                    <a:alpha val="40000"/>
+                  </a:schemeClr>
+                </a:outerShdw>
+              </a:effectLst>
+            </a:endParaRPr>
           </a:p>
         </p:txBody>
       </p:sp>
       <p:cxnSp>
         <p:nvCxnSpPr>
-          <p:cNvPr id="13" name="直接连接符 12">
-            <a:extLst>
-              <a:ext uri="{FF2B5EF4-FFF2-40B4-BE49-F238E27FC236}">
-                <a16:creationId xmlns:a16="http://schemas.microsoft.com/office/drawing/2014/main" id="{5E7B927F-0734-404F-9A08-80760E8E40C4}"/>
-              </a:ext>
-            </a:extLst>
-          </p:cNvPr>
+          <p:cNvPr id="13" name="直接连接符 12"/>
           <p:cNvCxnSpPr/>
           <p:nvPr/>
         </p:nvCxnSpPr>
@@ -23160,13 +22296,7 @@
       </p:cxnSp>
       <p:sp>
         <p:nvSpPr>
-          <p:cNvPr id="2" name="文本框 1">
-            <a:extLst>
-              <a:ext uri="{FF2B5EF4-FFF2-40B4-BE49-F238E27FC236}">
-                <a16:creationId xmlns:a16="http://schemas.microsoft.com/office/drawing/2014/main" id="{A251EDAC-7AA6-4959-A17B-FCD47C1CD94C}"/>
-              </a:ext>
-            </a:extLst>
-          </p:cNvPr>
+          <p:cNvPr id="2" name="文本框 1"/>
           <p:cNvSpPr txBox="1"/>
           <p:nvPr/>
         </p:nvSpPr>
@@ -23263,6 +22393,11 @@
               </a:rPr>
               <a:t>]</a:t>
             </a:r>
+            <a:endParaRPr lang="en-US" altLang="zh-CN" dirty="0">
+              <a:highlight>
+                <a:srgbClr val="FFFF00"/>
+              </a:highlight>
+            </a:endParaRPr>
           </a:p>
           <a:p>
             <a:pPr marR="0" algn="l" defTabSz="825500" rtl="0" fontAlgn="auto" latinLnBrk="0" hangingPunct="0">
@@ -23400,6 +22535,7 @@
               <a:rPr lang="en-US" altLang="zh-CN" dirty="0"/>
               <a:t>2</a:t>
             </a:r>
+            <a:endParaRPr lang="en-US" altLang="zh-CN" dirty="0"/>
           </a:p>
           <a:p>
             <a:pPr marL="514350" marR="0" indent="-514350" algn="l" defTabSz="825500" rtl="0" fontAlgn="auto" latinLnBrk="0" hangingPunct="0">
@@ -23600,11 +22736,6 @@
         </p:txBody>
       </p:sp>
     </p:spTree>
-    <p:extLst>
-      <p:ext uri="{BB962C8B-B14F-4D97-AF65-F5344CB8AC3E}">
-        <p14:creationId xmlns:p14="http://schemas.microsoft.com/office/powerpoint/2010/main" val="611183483"/>
-      </p:ext>
-    </p:extLst>
   </p:cSld>
   <p:clrMapOvr>
     <a:masterClrMapping/>
@@ -23632,20 +22763,14 @@
       </p:grpSpPr>
       <p:pic>
         <p:nvPicPr>
-          <p:cNvPr id="3074" name="Picture 2" descr="https://timgsa.baidu.com/timg?image&amp;quality=80&amp;size=b9999_10000&amp;sec=1555526708827&amp;di=6311d41e56fe7122d672aa5af3df83d9&amp;imgtype=0&amp;src=http%3A%2F%2Fimg234.ph.126.net%2FxXFF9Ff3G5cTHJHaRVG7tQ%3D%3D%2F2127387873981075029.jpg">
-            <a:extLst>
-              <a:ext uri="{FF2B5EF4-FFF2-40B4-BE49-F238E27FC236}">
-                <a16:creationId xmlns:a16="http://schemas.microsoft.com/office/drawing/2014/main" id="{E51CE27E-4A1C-4CAA-B010-4997A7FBA790}"/>
-              </a:ext>
-            </a:extLst>
-          </p:cNvPr>
+          <p:cNvPr id="3074" name="Picture 2" descr="https://timgsa.baidu.com/timg?image&amp;quality=80&amp;size=b9999_10000&amp;sec=1555526708827&amp;di=6311d41e56fe7122d672aa5af3df83d9&amp;imgtype=0&amp;src=http%3A%2F%2Fimg234.ph.126.net%2FxXFF9Ff3G5cTHJHaRVG7tQ%3D%3D%2F2127387873981075029.jpg"/>
           <p:cNvPicPr>
             <a:picLocks noChangeAspect="1" noChangeArrowheads="1"/>
           </p:cNvPicPr>
           <p:nvPr/>
         </p:nvPicPr>
         <p:blipFill>
-          <a:blip r:embed="rId3">
+          <a:blip r:embed="rId1">
             <a:extLst>
               <a:ext uri="{28A0092B-C50C-407E-A947-70E740481C1C}">
                 <a14:useLocalDpi xmlns:a14="http://schemas.microsoft.com/office/drawing/2010/main" val="0"/>
@@ -23679,20 +22804,14 @@
       </p:pic>
       <p:pic>
         <p:nvPicPr>
-          <p:cNvPr id="3078" name="Picture 6" descr="https://timgsa.baidu.com/timg?image&amp;quality=80&amp;size=b9999_10000&amp;sec=1555526931179&amp;di=0cbc20a14d5bc88ab77f2c08f79dc2f8&amp;imgtype=0&amp;src=http%3A%2F%2Fwww.reader8.cn%2Fuploadfile%2Fjiaocheng%2F20140140%2F2757%2F2014012720574524856.jpg">
-            <a:extLst>
-              <a:ext uri="{FF2B5EF4-FFF2-40B4-BE49-F238E27FC236}">
-                <a16:creationId xmlns:a16="http://schemas.microsoft.com/office/drawing/2014/main" id="{2B077B19-964B-4DCA-BD13-B4F3EB5FCE9C}"/>
-              </a:ext>
-            </a:extLst>
-          </p:cNvPr>
+          <p:cNvPr id="3078" name="Picture 6" descr="https://timgsa.baidu.com/timg?image&amp;quality=80&amp;size=b9999_10000&amp;sec=1555526931179&amp;di=0cbc20a14d5bc88ab77f2c08f79dc2f8&amp;imgtype=0&amp;src=http%3A%2F%2Fwww.reader8.cn%2Fuploadfile%2Fjiaocheng%2F20140140%2F2757%2F2014012720574524856.jpg"/>
           <p:cNvPicPr>
             <a:picLocks noChangeAspect="1" noChangeArrowheads="1"/>
           </p:cNvPicPr>
           <p:nvPr/>
         </p:nvPicPr>
         <p:blipFill>
-          <a:blip r:embed="rId4">
+          <a:blip r:embed="rId2">
             <a:extLst>
               <a:ext uri="{28A0092B-C50C-407E-A947-70E740481C1C}">
                 <a14:useLocalDpi xmlns:a14="http://schemas.microsoft.com/office/drawing/2010/main" val="0"/>
@@ -23726,13 +22845,7 @@
       </p:pic>
       <p:sp>
         <p:nvSpPr>
-          <p:cNvPr id="10" name="文本框 9">
-            <a:extLst>
-              <a:ext uri="{FF2B5EF4-FFF2-40B4-BE49-F238E27FC236}">
-                <a16:creationId xmlns:a16="http://schemas.microsoft.com/office/drawing/2014/main" id="{B21D7967-7CAB-47C7-9008-AE8DF2412399}"/>
-              </a:ext>
-            </a:extLst>
-          </p:cNvPr>
+          <p:cNvPr id="10" name="文本框 9"/>
           <p:cNvSpPr txBox="1"/>
           <p:nvPr/>
         </p:nvSpPr>
@@ -23785,8 +22898,8 @@
             </a:pPr>
             <a:r>
               <a:rPr lang="zh-CN" altLang="en-US" sz="4800" dirty="0">
-                <a:latin typeface="微软雅黑" panose="020B0503020204020204" pitchFamily="34" charset="-122"/>
-                <a:ea typeface="微软雅黑" panose="020B0503020204020204" pitchFamily="34" charset="-122"/>
+                <a:latin typeface="微软雅黑" panose="020B0503020204020204" charset="-122"/>
+                <a:ea typeface="微软雅黑" panose="020B0503020204020204" charset="-122"/>
                 <a:cs typeface="Courier New" panose="02070309020205020404" pitchFamily="49" charset="0"/>
               </a:rPr>
               <a:t>生活中的树</a:t>
@@ -23800,8 +22913,8 @@
               </a:solidFill>
               <a:effectLst/>
               <a:uFillTx/>
-              <a:latin typeface="微软雅黑" panose="020B0503020204020204" pitchFamily="34" charset="-122"/>
-              <a:ea typeface="微软雅黑" panose="020B0503020204020204" pitchFamily="34" charset="-122"/>
+              <a:latin typeface="微软雅黑" panose="020B0503020204020204" charset="-122"/>
+              <a:ea typeface="微软雅黑" panose="020B0503020204020204" charset="-122"/>
               <a:cs typeface="Courier New" panose="02070309020205020404" pitchFamily="49" charset="0"/>
               <a:sym typeface="Helvetica Neue Medium"/>
             </a:endParaRPr>
@@ -23810,13 +22923,7 @@
       </p:sp>
       <p:sp>
         <p:nvSpPr>
-          <p:cNvPr id="11" name="文本框 10">
-            <a:extLst>
-              <a:ext uri="{FF2B5EF4-FFF2-40B4-BE49-F238E27FC236}">
-                <a16:creationId xmlns:a16="http://schemas.microsoft.com/office/drawing/2014/main" id="{FA9FB328-4F5A-4B77-8AE2-09CF6FE278E8}"/>
-              </a:ext>
-            </a:extLst>
-          </p:cNvPr>
+          <p:cNvPr id="11" name="文本框 10"/>
           <p:cNvSpPr txBox="1"/>
           <p:nvPr/>
         </p:nvSpPr>
@@ -23869,8 +22976,8 @@
             </a:pPr>
             <a:r>
               <a:rPr lang="zh-CN" altLang="en-US" sz="4800" dirty="0">
-                <a:latin typeface="微软雅黑" panose="020B0503020204020204" pitchFamily="34" charset="-122"/>
-                <a:ea typeface="微软雅黑" panose="020B0503020204020204" pitchFamily="34" charset="-122"/>
+                <a:latin typeface="微软雅黑" panose="020B0503020204020204" charset="-122"/>
+                <a:ea typeface="微软雅黑" panose="020B0503020204020204" charset="-122"/>
                 <a:cs typeface="Courier New" panose="02070309020205020404" pitchFamily="49" charset="0"/>
               </a:rPr>
               <a:t>计算机科学中的树</a:t>
@@ -23884,8 +22991,8 @@
               </a:solidFill>
               <a:effectLst/>
               <a:uFillTx/>
-              <a:latin typeface="微软雅黑" panose="020B0503020204020204" pitchFamily="34" charset="-122"/>
-              <a:ea typeface="微软雅黑" panose="020B0503020204020204" pitchFamily="34" charset="-122"/>
+              <a:latin typeface="微软雅黑" panose="020B0503020204020204" charset="-122"/>
+              <a:ea typeface="微软雅黑" panose="020B0503020204020204" charset="-122"/>
               <a:cs typeface="Courier New" panose="02070309020205020404" pitchFamily="49" charset="0"/>
               <a:sym typeface="Helvetica Neue Medium"/>
             </a:endParaRPr>
@@ -23920,13 +23027,7 @@
       </p:grpSpPr>
       <p:sp>
         <p:nvSpPr>
-          <p:cNvPr id="7" name="矩形 6">
-            <a:extLst>
-              <a:ext uri="{FF2B5EF4-FFF2-40B4-BE49-F238E27FC236}">
-                <a16:creationId xmlns:a16="http://schemas.microsoft.com/office/drawing/2014/main" id="{DFF98A76-302A-4FC1-8090-E89C68F9EAB6}"/>
-              </a:ext>
-            </a:extLst>
-          </p:cNvPr>
+          <p:cNvPr id="7" name="矩形 6"/>
           <p:cNvSpPr/>
           <p:nvPr/>
         </p:nvSpPr>
@@ -23963,18 +23064,25 @@
               </a:rPr>
               <a:t>红黑树</a:t>
             </a:r>
+            <a:endParaRPr lang="zh-CN" altLang="en-US" sz="5400" dirty="0">
+              <a:ln w="0"/>
+              <a:solidFill>
+                <a:schemeClr val="tx1"/>
+              </a:solidFill>
+              <a:effectLst>
+                <a:outerShdw blurRad="38100" dist="19050" dir="2700000" algn="tl" rotWithShape="0">
+                  <a:schemeClr val="dk1">
+                    <a:alpha val="40000"/>
+                  </a:schemeClr>
+                </a:outerShdw>
+              </a:effectLst>
+            </a:endParaRPr>
           </a:p>
         </p:txBody>
       </p:sp>
       <p:cxnSp>
         <p:nvCxnSpPr>
-          <p:cNvPr id="13" name="直接连接符 12">
-            <a:extLst>
-              <a:ext uri="{FF2B5EF4-FFF2-40B4-BE49-F238E27FC236}">
-                <a16:creationId xmlns:a16="http://schemas.microsoft.com/office/drawing/2014/main" id="{5E7B927F-0734-404F-9A08-80760E8E40C4}"/>
-              </a:ext>
-            </a:extLst>
-          </p:cNvPr>
+          <p:cNvPr id="13" name="直接连接符 12"/>
           <p:cNvCxnSpPr/>
           <p:nvPr/>
         </p:nvCxnSpPr>
@@ -24005,20 +23113,14 @@
       </p:cxnSp>
       <p:pic>
         <p:nvPicPr>
-          <p:cNvPr id="7170" name="Picture 2" descr="title">
-            <a:extLst>
-              <a:ext uri="{FF2B5EF4-FFF2-40B4-BE49-F238E27FC236}">
-                <a16:creationId xmlns:a16="http://schemas.microsoft.com/office/drawing/2014/main" id="{73F91E3B-D409-45BC-A8AC-8089AF0FE0A9}"/>
-              </a:ext>
-            </a:extLst>
-          </p:cNvPr>
+          <p:cNvPr id="7170" name="Picture 2" descr="title"/>
           <p:cNvPicPr>
             <a:picLocks noChangeAspect="1" noChangeArrowheads="1"/>
           </p:cNvPicPr>
           <p:nvPr/>
         </p:nvPicPr>
         <p:blipFill>
-          <a:blip r:embed="rId3">
+          <a:blip r:embed="rId1">
             <a:extLst>
               <a:ext uri="{28A0092B-C50C-407E-A947-70E740481C1C}">
                 <a14:useLocalDpi xmlns:a14="http://schemas.microsoft.com/office/drawing/2010/main" val="0"/>
@@ -24052,13 +23154,7 @@
       </p:pic>
       <p:sp>
         <p:nvSpPr>
-          <p:cNvPr id="3" name="文本框 2">
-            <a:extLst>
-              <a:ext uri="{FF2B5EF4-FFF2-40B4-BE49-F238E27FC236}">
-                <a16:creationId xmlns:a16="http://schemas.microsoft.com/office/drawing/2014/main" id="{8AB194DD-EF87-4FD5-B44E-B4A2FC9A20FA}"/>
-              </a:ext>
-            </a:extLst>
-          </p:cNvPr>
+          <p:cNvPr id="3" name="文本框 2"/>
           <p:cNvSpPr txBox="1"/>
           <p:nvPr/>
         </p:nvSpPr>
@@ -24193,13 +23289,7 @@
       </p:sp>
       <p:sp>
         <p:nvSpPr>
-          <p:cNvPr id="4" name="文本框 3">
-            <a:extLst>
-              <a:ext uri="{FF2B5EF4-FFF2-40B4-BE49-F238E27FC236}">
-                <a16:creationId xmlns:a16="http://schemas.microsoft.com/office/drawing/2014/main" id="{43DF7C0C-9B17-427A-A19A-68DE335BF5D3}"/>
-              </a:ext>
-            </a:extLst>
-          </p:cNvPr>
+          <p:cNvPr id="4" name="文本框 3"/>
           <p:cNvSpPr txBox="1"/>
           <p:nvPr/>
         </p:nvSpPr>
@@ -24553,20 +23643,14 @@
       </p:sp>
       <p:pic>
         <p:nvPicPr>
-          <p:cNvPr id="7172" name="Picture 4" descr="title">
-            <a:extLst>
-              <a:ext uri="{FF2B5EF4-FFF2-40B4-BE49-F238E27FC236}">
-                <a16:creationId xmlns:a16="http://schemas.microsoft.com/office/drawing/2014/main" id="{F86EA679-8EBB-44AC-8F24-69008249EF26}"/>
-              </a:ext>
-            </a:extLst>
-          </p:cNvPr>
+          <p:cNvPr id="7172" name="Picture 4" descr="title"/>
           <p:cNvPicPr>
             <a:picLocks noChangeAspect="1" noChangeArrowheads="1"/>
           </p:cNvPicPr>
           <p:nvPr/>
         </p:nvPicPr>
         <p:blipFill>
-          <a:blip r:embed="rId4">
+          <a:blip r:embed="rId2">
             <a:extLst>
               <a:ext uri="{28A0092B-C50C-407E-A947-70E740481C1C}">
                 <a14:useLocalDpi xmlns:a14="http://schemas.microsoft.com/office/drawing/2010/main" val="0"/>
@@ -24600,13 +23684,7 @@
       </p:pic>
       <p:sp>
         <p:nvSpPr>
-          <p:cNvPr id="5" name="文本框 4">
-            <a:extLst>
-              <a:ext uri="{FF2B5EF4-FFF2-40B4-BE49-F238E27FC236}">
-                <a16:creationId xmlns:a16="http://schemas.microsoft.com/office/drawing/2014/main" id="{BB463EDF-7AD1-4C20-BE90-0A77A831EAA7}"/>
-              </a:ext>
-            </a:extLst>
-          </p:cNvPr>
+          <p:cNvPr id="5" name="文本框 4"/>
           <p:cNvSpPr txBox="1"/>
           <p:nvPr/>
         </p:nvSpPr>
@@ -24680,13 +23758,7 @@
       </p:sp>
       <p:sp>
         <p:nvSpPr>
-          <p:cNvPr id="14" name="文本框 13">
-            <a:extLst>
-              <a:ext uri="{FF2B5EF4-FFF2-40B4-BE49-F238E27FC236}">
-                <a16:creationId xmlns:a16="http://schemas.microsoft.com/office/drawing/2014/main" id="{115BADFB-8E48-474D-A15A-319A6D0061AE}"/>
-              </a:ext>
-            </a:extLst>
-          </p:cNvPr>
+          <p:cNvPr id="14" name="文本框 13"/>
           <p:cNvSpPr txBox="1"/>
           <p:nvPr/>
         </p:nvSpPr>
@@ -24763,11 +23835,6 @@
         </p:txBody>
       </p:sp>
     </p:spTree>
-    <p:extLst>
-      <p:ext uri="{BB962C8B-B14F-4D97-AF65-F5344CB8AC3E}">
-        <p14:creationId xmlns:p14="http://schemas.microsoft.com/office/powerpoint/2010/main" val="185481757"/>
-      </p:ext>
-    </p:extLst>
   </p:cSld>
   <p:clrMapOvr>
     <a:masterClrMapping/>
@@ -24795,13 +23862,7 @@
       </p:grpSpPr>
       <p:sp>
         <p:nvSpPr>
-          <p:cNvPr id="7" name="矩形 6">
-            <a:extLst>
-              <a:ext uri="{FF2B5EF4-FFF2-40B4-BE49-F238E27FC236}">
-                <a16:creationId xmlns:a16="http://schemas.microsoft.com/office/drawing/2014/main" id="{DFF98A76-302A-4FC1-8090-E89C68F9EAB6}"/>
-              </a:ext>
-            </a:extLst>
-          </p:cNvPr>
+          <p:cNvPr id="7" name="矩形 6"/>
           <p:cNvSpPr/>
           <p:nvPr/>
         </p:nvSpPr>
@@ -24838,18 +23899,25 @@
               </a:rPr>
               <a:t>红黑树</a:t>
             </a:r>
+            <a:endParaRPr lang="zh-CN" altLang="en-US" sz="5400" dirty="0">
+              <a:ln w="0"/>
+              <a:solidFill>
+                <a:schemeClr val="tx1"/>
+              </a:solidFill>
+              <a:effectLst>
+                <a:outerShdw blurRad="38100" dist="19050" dir="2700000" algn="tl" rotWithShape="0">
+                  <a:schemeClr val="dk1">
+                    <a:alpha val="40000"/>
+                  </a:schemeClr>
+                </a:outerShdw>
+              </a:effectLst>
+            </a:endParaRPr>
           </a:p>
         </p:txBody>
       </p:sp>
       <p:cxnSp>
         <p:nvCxnSpPr>
-          <p:cNvPr id="13" name="直接连接符 12">
-            <a:extLst>
-              <a:ext uri="{FF2B5EF4-FFF2-40B4-BE49-F238E27FC236}">
-                <a16:creationId xmlns:a16="http://schemas.microsoft.com/office/drawing/2014/main" id="{5E7B927F-0734-404F-9A08-80760E8E40C4}"/>
-              </a:ext>
-            </a:extLst>
-          </p:cNvPr>
+          <p:cNvPr id="13" name="直接连接符 12"/>
           <p:cNvCxnSpPr/>
           <p:nvPr/>
         </p:nvCxnSpPr>
@@ -24880,13 +23948,89 @@
       </p:cxnSp>
       <p:pic>
         <p:nvPicPr>
-          <p:cNvPr id="8194" name="Picture 2" descr="title">
+          <p:cNvPr id="8194" name="Picture 2" descr="title"/>
+          <p:cNvPicPr>
+            <a:picLocks noChangeAspect="1" noChangeArrowheads="1"/>
+          </p:cNvPicPr>
+          <p:nvPr/>
+        </p:nvPicPr>
+        <p:blipFill>
+          <a:blip r:embed="rId1">
             <a:extLst>
-              <a:ext uri="{FF2B5EF4-FFF2-40B4-BE49-F238E27FC236}">
-                <a16:creationId xmlns:a16="http://schemas.microsoft.com/office/drawing/2014/main" id="{C6CBC9A9-A177-4E19-A7C8-5F8AE935E2AD}"/>
+              <a:ext uri="{28A0092B-C50C-407E-A947-70E740481C1C}">
+                <a14:useLocalDpi xmlns:a14="http://schemas.microsoft.com/office/drawing/2010/main" val="0"/>
               </a:ext>
             </a:extLst>
-          </p:cNvPr>
+          </a:blip>
+          <a:srcRect/>
+          <a:stretch>
+            <a:fillRect/>
+          </a:stretch>
+        </p:blipFill>
+        <p:spPr bwMode="auto">
+          <a:xfrm>
+            <a:off x="2500313" y="4703389"/>
+            <a:ext cx="9040949" cy="3777216"/>
+          </a:xfrm>
+          <a:prstGeom prst="rect">
+            <a:avLst/>
+          </a:prstGeom>
+          <a:noFill/>
+          <a:extLst>
+            <a:ext uri="{909E8E84-426E-40DD-AFC4-6F175D3DCCD1}">
+              <a14:hiddenFill xmlns:a14="http://schemas.microsoft.com/office/drawing/2010/main">
+                <a:solidFill>
+                  <a:srgbClr val="FFFFFF"/>
+                </a:solidFill>
+              </a14:hiddenFill>
+            </a:ext>
+          </a:extLst>
+        </p:spPr>
+      </p:pic>
+      <p:pic>
+        <p:nvPicPr>
+          <p:cNvPr id="8196" name="Picture 4" descr="title"/>
+          <p:cNvPicPr>
+            <a:picLocks noChangeAspect="1" noChangeArrowheads="1"/>
+          </p:cNvPicPr>
+          <p:nvPr/>
+        </p:nvPicPr>
+        <p:blipFill>
+          <a:blip r:embed="rId2">
+            <a:extLst>
+              <a:ext uri="{28A0092B-C50C-407E-A947-70E740481C1C}">
+                <a14:useLocalDpi xmlns:a14="http://schemas.microsoft.com/office/drawing/2010/main" val="0"/>
+              </a:ext>
+            </a:extLst>
+          </a:blip>
+          <a:srcRect/>
+          <a:stretch>
+            <a:fillRect/>
+          </a:stretch>
+        </p:blipFill>
+        <p:spPr bwMode="auto">
+          <a:xfrm>
+            <a:off x="13132173" y="4978212"/>
+            <a:ext cx="8610218" cy="3627901"/>
+          </a:xfrm>
+          <a:prstGeom prst="rect">
+            <a:avLst/>
+          </a:prstGeom>
+          <a:noFill/>
+          <a:extLst>
+            <a:ext uri="{909E8E84-426E-40DD-AFC4-6F175D3DCCD1}">
+              <a14:hiddenFill xmlns:a14="http://schemas.microsoft.com/office/drawing/2010/main">
+                <a:solidFill>
+                  <a:srgbClr val="FFFFFF"/>
+                </a:solidFill>
+              </a14:hiddenFill>
+            </a:ext>
+          </a:extLst>
+        </p:spPr>
+      </p:pic>
+      <p:pic>
+        <p:nvPicPr>
+          <p:cNvPr id="8198" name="Picture 6" descr="title"/>
           <p:cNvPicPr>
             <a:picLocks noChangeAspect="1" noChangeArrowheads="1"/>
           </p:cNvPicPr>
@@ -24907,8 +24051,8 @@
         </p:blipFill>
         <p:spPr bwMode="auto">
           <a:xfrm>
-            <a:off x="2500313" y="4703389"/>
-            <a:ext cx="9040949" cy="3777216"/>
+            <a:off x="2623451" y="9145393"/>
+            <a:ext cx="9040949" cy="3878362"/>
           </a:xfrm>
           <a:prstGeom prst="rect">
             <a:avLst/>
@@ -24925,109 +24069,9 @@
           </a:extLst>
         </p:spPr>
       </p:pic>
-      <p:pic>
-        <p:nvPicPr>
-          <p:cNvPr id="8196" name="Picture 4" descr="title">
-            <a:extLst>
-              <a:ext uri="{FF2B5EF4-FFF2-40B4-BE49-F238E27FC236}">
-                <a16:creationId xmlns:a16="http://schemas.microsoft.com/office/drawing/2014/main" id="{CF3B033F-2CD7-4687-8881-675C5EB4F6F9}"/>
-              </a:ext>
-            </a:extLst>
-          </p:cNvPr>
-          <p:cNvPicPr>
-            <a:picLocks noChangeAspect="1" noChangeArrowheads="1"/>
-          </p:cNvPicPr>
-          <p:nvPr/>
-        </p:nvPicPr>
-        <p:blipFill>
-          <a:blip r:embed="rId4">
-            <a:extLst>
-              <a:ext uri="{28A0092B-C50C-407E-A947-70E740481C1C}">
-                <a14:useLocalDpi xmlns:a14="http://schemas.microsoft.com/office/drawing/2010/main" val="0"/>
-              </a:ext>
-            </a:extLst>
-          </a:blip>
-          <a:srcRect/>
-          <a:stretch>
-            <a:fillRect/>
-          </a:stretch>
-        </p:blipFill>
-        <p:spPr bwMode="auto">
-          <a:xfrm>
-            <a:off x="13132173" y="4978212"/>
-            <a:ext cx="8610218" cy="3627901"/>
-          </a:xfrm>
-          <a:prstGeom prst="rect">
-            <a:avLst/>
-          </a:prstGeom>
-          <a:noFill/>
-          <a:extLst>
-            <a:ext uri="{909E8E84-426E-40DD-AFC4-6F175D3DCCD1}">
-              <a14:hiddenFill xmlns:a14="http://schemas.microsoft.com/office/drawing/2010/main">
-                <a:solidFill>
-                  <a:srgbClr val="FFFFFF"/>
-                </a:solidFill>
-              </a14:hiddenFill>
-            </a:ext>
-          </a:extLst>
-        </p:spPr>
-      </p:pic>
-      <p:pic>
-        <p:nvPicPr>
-          <p:cNvPr id="8198" name="Picture 6" descr="title">
-            <a:extLst>
-              <a:ext uri="{FF2B5EF4-FFF2-40B4-BE49-F238E27FC236}">
-                <a16:creationId xmlns:a16="http://schemas.microsoft.com/office/drawing/2014/main" id="{4E1A36FB-939F-481F-8D1A-86BEA0CE5421}"/>
-              </a:ext>
-            </a:extLst>
-          </p:cNvPr>
-          <p:cNvPicPr>
-            <a:picLocks noChangeAspect="1" noChangeArrowheads="1"/>
-          </p:cNvPicPr>
-          <p:nvPr/>
-        </p:nvPicPr>
-        <p:blipFill>
-          <a:blip r:embed="rId5">
-            <a:extLst>
-              <a:ext uri="{28A0092B-C50C-407E-A947-70E740481C1C}">
-                <a14:useLocalDpi xmlns:a14="http://schemas.microsoft.com/office/drawing/2010/main" val="0"/>
-              </a:ext>
-            </a:extLst>
-          </a:blip>
-          <a:srcRect/>
-          <a:stretch>
-            <a:fillRect/>
-          </a:stretch>
-        </p:blipFill>
-        <p:spPr bwMode="auto">
-          <a:xfrm>
-            <a:off x="2623451" y="9145393"/>
-            <a:ext cx="9040949" cy="3878362"/>
-          </a:xfrm>
-          <a:prstGeom prst="rect">
-            <a:avLst/>
-          </a:prstGeom>
-          <a:noFill/>
-          <a:extLst>
-            <a:ext uri="{909E8E84-426E-40DD-AFC4-6F175D3DCCD1}">
-              <a14:hiddenFill xmlns:a14="http://schemas.microsoft.com/office/drawing/2010/main">
-                <a:solidFill>
-                  <a:srgbClr val="FFFFFF"/>
-                </a:solidFill>
-              </a14:hiddenFill>
-            </a:ext>
-          </a:extLst>
-        </p:spPr>
-      </p:pic>
       <p:sp>
         <p:nvSpPr>
-          <p:cNvPr id="11" name="文本框 10">
-            <a:extLst>
-              <a:ext uri="{FF2B5EF4-FFF2-40B4-BE49-F238E27FC236}">
-                <a16:creationId xmlns:a16="http://schemas.microsoft.com/office/drawing/2014/main" id="{27456231-BAA5-43B1-8B0D-694977F8BDB0}"/>
-              </a:ext>
-            </a:extLst>
-          </p:cNvPr>
+          <p:cNvPr id="11" name="文本框 10"/>
           <p:cNvSpPr txBox="1"/>
           <p:nvPr/>
         </p:nvSpPr>
@@ -25105,13 +24149,7 @@
       </p:sp>
       <p:sp>
         <p:nvSpPr>
-          <p:cNvPr id="12" name="文本框 11">
-            <a:extLst>
-              <a:ext uri="{FF2B5EF4-FFF2-40B4-BE49-F238E27FC236}">
-                <a16:creationId xmlns:a16="http://schemas.microsoft.com/office/drawing/2014/main" id="{63CC2338-BEE3-48FD-A452-8E1ACD0CAF57}"/>
-              </a:ext>
-            </a:extLst>
-          </p:cNvPr>
+          <p:cNvPr id="12" name="文本框 11"/>
           <p:cNvSpPr txBox="1"/>
           <p:nvPr/>
         </p:nvSpPr>
@@ -25189,13 +24227,7 @@
       </p:sp>
       <p:sp>
         <p:nvSpPr>
-          <p:cNvPr id="14" name="文本框 13">
-            <a:extLst>
-              <a:ext uri="{FF2B5EF4-FFF2-40B4-BE49-F238E27FC236}">
-                <a16:creationId xmlns:a16="http://schemas.microsoft.com/office/drawing/2014/main" id="{E2B2E420-001A-43C7-AC9A-96D8B0A20EA5}"/>
-              </a:ext>
-            </a:extLst>
-          </p:cNvPr>
+          <p:cNvPr id="14" name="文本框 13"/>
           <p:cNvSpPr txBox="1"/>
           <p:nvPr/>
         </p:nvSpPr>
@@ -25272,11 +24304,6 @@
         </p:txBody>
       </p:sp>
     </p:spTree>
-    <p:extLst>
-      <p:ext uri="{BB962C8B-B14F-4D97-AF65-F5344CB8AC3E}">
-        <p14:creationId xmlns:p14="http://schemas.microsoft.com/office/powerpoint/2010/main" val="3238353025"/>
-      </p:ext>
-    </p:extLst>
   </p:cSld>
   <p:clrMapOvr>
     <a:masterClrMapping/>
@@ -25304,13 +24331,7 @@
       </p:grpSpPr>
       <p:sp>
         <p:nvSpPr>
-          <p:cNvPr id="7" name="矩形 6">
-            <a:extLst>
-              <a:ext uri="{FF2B5EF4-FFF2-40B4-BE49-F238E27FC236}">
-                <a16:creationId xmlns:a16="http://schemas.microsoft.com/office/drawing/2014/main" id="{DFF98A76-302A-4FC1-8090-E89C68F9EAB6}"/>
-              </a:ext>
-            </a:extLst>
-          </p:cNvPr>
+          <p:cNvPr id="7" name="矩形 6"/>
           <p:cNvSpPr/>
           <p:nvPr/>
         </p:nvSpPr>
@@ -25347,18 +24368,25 @@
               </a:rPr>
               <a:t>红黑树</a:t>
             </a:r>
+            <a:endParaRPr lang="zh-CN" altLang="en-US" sz="5400" dirty="0">
+              <a:ln w="0"/>
+              <a:solidFill>
+                <a:schemeClr val="tx1"/>
+              </a:solidFill>
+              <a:effectLst>
+                <a:outerShdw blurRad="38100" dist="19050" dir="2700000" algn="tl" rotWithShape="0">
+                  <a:schemeClr val="dk1">
+                    <a:alpha val="40000"/>
+                  </a:schemeClr>
+                </a:outerShdw>
+              </a:effectLst>
+            </a:endParaRPr>
           </a:p>
         </p:txBody>
       </p:sp>
       <p:cxnSp>
         <p:nvCxnSpPr>
-          <p:cNvPr id="13" name="直接连接符 12">
-            <a:extLst>
-              <a:ext uri="{FF2B5EF4-FFF2-40B4-BE49-F238E27FC236}">
-                <a16:creationId xmlns:a16="http://schemas.microsoft.com/office/drawing/2014/main" id="{5E7B927F-0734-404F-9A08-80760E8E40C4}"/>
-              </a:ext>
-            </a:extLst>
-          </p:cNvPr>
+          <p:cNvPr id="13" name="直接连接符 12"/>
           <p:cNvCxnSpPr/>
           <p:nvPr/>
         </p:nvCxnSpPr>
@@ -25389,13 +24417,7 @@
       </p:cxnSp>
       <p:sp>
         <p:nvSpPr>
-          <p:cNvPr id="2" name="文本框 1">
-            <a:extLst>
-              <a:ext uri="{FF2B5EF4-FFF2-40B4-BE49-F238E27FC236}">
-                <a16:creationId xmlns:a16="http://schemas.microsoft.com/office/drawing/2014/main" id="{A251EDAC-7AA6-4959-A17B-FCD47C1CD94C}"/>
-              </a:ext>
-            </a:extLst>
-          </p:cNvPr>
+          <p:cNvPr id="2" name="文本框 1"/>
           <p:cNvSpPr txBox="1"/>
           <p:nvPr/>
         </p:nvSpPr>
@@ -25438,7 +24460,7 @@
             </a:r>
             <a:r>
               <a:rPr lang="en-US" altLang="zh-CN" dirty="0">
-                <a:hlinkClick r:id="rId3"/>
+                <a:hlinkClick r:id="rId1"/>
               </a:rPr>
               <a:t>https://blog.csdn.net/goodluckwhh/article/details/12718233</a:t>
             </a:r>
@@ -25447,11 +24469,6 @@
         </p:txBody>
       </p:sp>
     </p:spTree>
-    <p:extLst>
-      <p:ext uri="{BB962C8B-B14F-4D97-AF65-F5344CB8AC3E}">
-        <p14:creationId xmlns:p14="http://schemas.microsoft.com/office/powerpoint/2010/main" val="1730858089"/>
-      </p:ext>
-    </p:extLst>
   </p:cSld>
   <p:clrMapOvr>
     <a:masterClrMapping/>
@@ -25528,13 +24545,7 @@
       </p:sp>
       <p:sp>
         <p:nvSpPr>
-          <p:cNvPr id="19" name="矩形 18">
-            <a:extLst>
-              <a:ext uri="{FF2B5EF4-FFF2-40B4-BE49-F238E27FC236}">
-                <a16:creationId xmlns:a16="http://schemas.microsoft.com/office/drawing/2014/main" id="{E4601AB5-C57F-44AB-8EA6-9F0D65FAC3FF}"/>
-              </a:ext>
-            </a:extLst>
-          </p:cNvPr>
+          <p:cNvPr id="19" name="矩形 18"/>
           <p:cNvSpPr/>
           <p:nvPr/>
         </p:nvSpPr>
@@ -25571,25 +24582,32 @@
               </a:rPr>
               <a:t>霍夫曼树</a:t>
             </a:r>
+            <a:endParaRPr lang="zh-CN" altLang="en-US" sz="6600" b="1" cap="none" spc="50" dirty="0">
+              <a:ln w="0"/>
+              <a:solidFill>
+                <a:schemeClr val="bg2"/>
+              </a:solidFill>
+              <a:effectLst>
+                <a:innerShdw blurRad="63500" dist="50800" dir="13500000">
+                  <a:srgbClr val="000000">
+                    <a:alpha val="50000"/>
+                  </a:srgbClr>
+                </a:innerShdw>
+              </a:effectLst>
+            </a:endParaRPr>
           </a:p>
         </p:txBody>
       </p:sp>
       <p:pic>
         <p:nvPicPr>
-          <p:cNvPr id="1026" name="Picture 2">
-            <a:extLst>
-              <a:ext uri="{FF2B5EF4-FFF2-40B4-BE49-F238E27FC236}">
-                <a16:creationId xmlns:a16="http://schemas.microsoft.com/office/drawing/2014/main" id="{CDF31BDD-5086-495A-9F58-1B38CB27E213}"/>
-              </a:ext>
-            </a:extLst>
-          </p:cNvPr>
+          <p:cNvPr id="1026" name="Picture 2"/>
           <p:cNvPicPr>
             <a:picLocks noChangeAspect="1" noChangeArrowheads="1"/>
           </p:cNvPicPr>
           <p:nvPr/>
         </p:nvPicPr>
         <p:blipFill>
-          <a:blip r:embed="rId2">
+          <a:blip r:embed="rId1">
             <a:extLst>
               <a:ext uri="{28A0092B-C50C-407E-A947-70E740481C1C}">
                 <a14:useLocalDpi xmlns:a14="http://schemas.microsoft.com/office/drawing/2010/main" val="0"/>
@@ -25622,11 +24640,6 @@
         </p:spPr>
       </p:pic>
     </p:spTree>
-    <p:extLst>
-      <p:ext uri="{BB962C8B-B14F-4D97-AF65-F5344CB8AC3E}">
-        <p14:creationId xmlns:p14="http://schemas.microsoft.com/office/powerpoint/2010/main" val="271091376"/>
-      </p:ext>
-    </p:extLst>
   </p:cSld>
   <p:clrMapOvr>
     <a:masterClrMapping/>
@@ -25654,13 +24667,7 @@
       </p:grpSpPr>
       <p:sp>
         <p:nvSpPr>
-          <p:cNvPr id="7" name="矩形 6">
-            <a:extLst>
-              <a:ext uri="{FF2B5EF4-FFF2-40B4-BE49-F238E27FC236}">
-                <a16:creationId xmlns:a16="http://schemas.microsoft.com/office/drawing/2014/main" id="{DFF98A76-302A-4FC1-8090-E89C68F9EAB6}"/>
-              </a:ext>
-            </a:extLst>
-          </p:cNvPr>
+          <p:cNvPr id="7" name="矩形 6"/>
           <p:cNvSpPr/>
           <p:nvPr/>
         </p:nvSpPr>
@@ -25697,18 +24704,25 @@
               </a:rPr>
               <a:t>霍夫曼树</a:t>
             </a:r>
+            <a:endParaRPr lang="zh-CN" altLang="en-US" sz="5400" dirty="0">
+              <a:ln w="0"/>
+              <a:solidFill>
+                <a:schemeClr val="tx1"/>
+              </a:solidFill>
+              <a:effectLst>
+                <a:outerShdw blurRad="38100" dist="19050" dir="2700000" algn="tl" rotWithShape="0">
+                  <a:schemeClr val="dk1">
+                    <a:alpha val="40000"/>
+                  </a:schemeClr>
+                </a:outerShdw>
+              </a:effectLst>
+            </a:endParaRPr>
           </a:p>
         </p:txBody>
       </p:sp>
       <p:cxnSp>
         <p:nvCxnSpPr>
-          <p:cNvPr id="13" name="直接连接符 12">
-            <a:extLst>
-              <a:ext uri="{FF2B5EF4-FFF2-40B4-BE49-F238E27FC236}">
-                <a16:creationId xmlns:a16="http://schemas.microsoft.com/office/drawing/2014/main" id="{5E7B927F-0734-404F-9A08-80760E8E40C4}"/>
-              </a:ext>
-            </a:extLst>
-          </p:cNvPr>
+          <p:cNvPr id="13" name="直接连接符 12"/>
           <p:cNvCxnSpPr/>
           <p:nvPr/>
         </p:nvCxnSpPr>
@@ -25739,13 +24753,7 @@
       </p:cxnSp>
       <p:sp>
         <p:nvSpPr>
-          <p:cNvPr id="2" name="文本框 1">
-            <a:extLst>
-              <a:ext uri="{FF2B5EF4-FFF2-40B4-BE49-F238E27FC236}">
-                <a16:creationId xmlns:a16="http://schemas.microsoft.com/office/drawing/2014/main" id="{A251EDAC-7AA6-4959-A17B-FCD47C1CD94C}"/>
-              </a:ext>
-            </a:extLst>
-          </p:cNvPr>
+          <p:cNvPr id="2" name="文本框 1"/>
           <p:cNvSpPr txBox="1"/>
           <p:nvPr/>
         </p:nvSpPr>
@@ -26027,11 +25035,6 @@
         </p:txBody>
       </p:sp>
     </p:spTree>
-    <p:extLst>
-      <p:ext uri="{BB962C8B-B14F-4D97-AF65-F5344CB8AC3E}">
-        <p14:creationId xmlns:p14="http://schemas.microsoft.com/office/powerpoint/2010/main" val="3383273278"/>
-      </p:ext>
-    </p:extLst>
   </p:cSld>
   <p:clrMapOvr>
     <a:masterClrMapping/>
@@ -26059,13 +25062,7 @@
       </p:grpSpPr>
       <p:sp>
         <p:nvSpPr>
-          <p:cNvPr id="7" name="矩形 6">
-            <a:extLst>
-              <a:ext uri="{FF2B5EF4-FFF2-40B4-BE49-F238E27FC236}">
-                <a16:creationId xmlns:a16="http://schemas.microsoft.com/office/drawing/2014/main" id="{DFF98A76-302A-4FC1-8090-E89C68F9EAB6}"/>
-              </a:ext>
-            </a:extLst>
-          </p:cNvPr>
+          <p:cNvPr id="7" name="矩形 6"/>
           <p:cNvSpPr/>
           <p:nvPr/>
         </p:nvSpPr>
@@ -26102,18 +25099,25 @@
               </a:rPr>
               <a:t>霍夫曼树</a:t>
             </a:r>
+            <a:endParaRPr lang="zh-CN" altLang="en-US" sz="5400" dirty="0">
+              <a:ln w="0"/>
+              <a:solidFill>
+                <a:schemeClr val="tx1"/>
+              </a:solidFill>
+              <a:effectLst>
+                <a:outerShdw blurRad="38100" dist="19050" dir="2700000" algn="tl" rotWithShape="0">
+                  <a:schemeClr val="dk1">
+                    <a:alpha val="40000"/>
+                  </a:schemeClr>
+                </a:outerShdw>
+              </a:effectLst>
+            </a:endParaRPr>
           </a:p>
         </p:txBody>
       </p:sp>
       <p:cxnSp>
         <p:nvCxnSpPr>
-          <p:cNvPr id="13" name="直接连接符 12">
-            <a:extLst>
-              <a:ext uri="{FF2B5EF4-FFF2-40B4-BE49-F238E27FC236}">
-                <a16:creationId xmlns:a16="http://schemas.microsoft.com/office/drawing/2014/main" id="{5E7B927F-0734-404F-9A08-80760E8E40C4}"/>
-              </a:ext>
-            </a:extLst>
-          </p:cNvPr>
+          <p:cNvPr id="13" name="直接连接符 12"/>
           <p:cNvCxnSpPr/>
           <p:nvPr/>
         </p:nvCxnSpPr>
@@ -26144,13 +25148,7 @@
       </p:cxnSp>
       <p:sp>
         <p:nvSpPr>
-          <p:cNvPr id="2" name="文本框 1">
-            <a:extLst>
-              <a:ext uri="{FF2B5EF4-FFF2-40B4-BE49-F238E27FC236}">
-                <a16:creationId xmlns:a16="http://schemas.microsoft.com/office/drawing/2014/main" id="{A251EDAC-7AA6-4959-A17B-FCD47C1CD94C}"/>
-              </a:ext>
-            </a:extLst>
-          </p:cNvPr>
+          <p:cNvPr id="2" name="文本框 1"/>
           <p:cNvSpPr txBox="1"/>
           <p:nvPr/>
         </p:nvSpPr>
@@ -26197,20 +25195,14 @@
       </p:sp>
       <p:pic>
         <p:nvPicPr>
-          <p:cNvPr id="12290" name="Picture 2" descr="https://img-blog.csdn.net/20160825121444094">
-            <a:extLst>
-              <a:ext uri="{FF2B5EF4-FFF2-40B4-BE49-F238E27FC236}">
-                <a16:creationId xmlns:a16="http://schemas.microsoft.com/office/drawing/2014/main" id="{1D5A4225-BAEF-4F27-B339-5D4A18A70AF2}"/>
-              </a:ext>
-            </a:extLst>
-          </p:cNvPr>
+          <p:cNvPr id="12290" name="Picture 2" descr="https://img-blog.csdn.net/20160825121444094"/>
           <p:cNvPicPr>
             <a:picLocks noChangeAspect="1" noChangeArrowheads="1"/>
           </p:cNvPicPr>
           <p:nvPr/>
         </p:nvPicPr>
         <p:blipFill>
-          <a:blip r:embed="rId3">
+          <a:blip r:embed="rId1">
             <a:extLst>
               <a:ext uri="{28A0092B-C50C-407E-A947-70E740481C1C}">
                 <a14:useLocalDpi xmlns:a14="http://schemas.microsoft.com/office/drawing/2010/main" val="0"/>
@@ -26244,13 +25236,7 @@
       </p:pic>
       <p:sp>
         <p:nvSpPr>
-          <p:cNvPr id="3" name="文本框 2">
-            <a:extLst>
-              <a:ext uri="{FF2B5EF4-FFF2-40B4-BE49-F238E27FC236}">
-                <a16:creationId xmlns:a16="http://schemas.microsoft.com/office/drawing/2014/main" id="{96172B17-8290-463B-8B81-A2EFA6611F31}"/>
-              </a:ext>
-            </a:extLst>
-          </p:cNvPr>
+          <p:cNvPr id="3" name="文本框 2"/>
           <p:cNvSpPr txBox="1"/>
           <p:nvPr/>
         </p:nvSpPr>
@@ -26396,6 +25382,7 @@
               <a:rPr lang="en-US" altLang="zh-CN" dirty="0"/>
               <a:t>111.</a:t>
             </a:r>
+            <a:endParaRPr lang="en-US" altLang="zh-CN" dirty="0"/>
           </a:p>
           <a:p>
             <a:pPr algn="l"/>
@@ -26438,11 +25425,6 @@
         </p:txBody>
       </p:sp>
     </p:spTree>
-    <p:extLst>
-      <p:ext uri="{BB962C8B-B14F-4D97-AF65-F5344CB8AC3E}">
-        <p14:creationId xmlns:p14="http://schemas.microsoft.com/office/powerpoint/2010/main" val="367388149"/>
-      </p:ext>
-    </p:extLst>
   </p:cSld>
   <p:clrMapOvr>
     <a:masterClrMapping/>
@@ -26470,13 +25452,7 @@
       </p:grpSpPr>
       <p:sp>
         <p:nvSpPr>
-          <p:cNvPr id="7" name="矩形 6">
-            <a:extLst>
-              <a:ext uri="{FF2B5EF4-FFF2-40B4-BE49-F238E27FC236}">
-                <a16:creationId xmlns:a16="http://schemas.microsoft.com/office/drawing/2014/main" id="{DFF98A76-302A-4FC1-8090-E89C68F9EAB6}"/>
-              </a:ext>
-            </a:extLst>
-          </p:cNvPr>
+          <p:cNvPr id="7" name="矩形 6"/>
           <p:cNvSpPr/>
           <p:nvPr/>
         </p:nvSpPr>
@@ -26513,18 +25489,25 @@
               </a:rPr>
               <a:t>霍夫曼树</a:t>
             </a:r>
+            <a:endParaRPr lang="zh-CN" altLang="en-US" sz="5400" dirty="0">
+              <a:ln w="0"/>
+              <a:solidFill>
+                <a:schemeClr val="tx1"/>
+              </a:solidFill>
+              <a:effectLst>
+                <a:outerShdw blurRad="38100" dist="19050" dir="2700000" algn="tl" rotWithShape="0">
+                  <a:schemeClr val="dk1">
+                    <a:alpha val="40000"/>
+                  </a:schemeClr>
+                </a:outerShdw>
+              </a:effectLst>
+            </a:endParaRPr>
           </a:p>
         </p:txBody>
       </p:sp>
       <p:cxnSp>
         <p:nvCxnSpPr>
-          <p:cNvPr id="13" name="直接连接符 12">
-            <a:extLst>
-              <a:ext uri="{FF2B5EF4-FFF2-40B4-BE49-F238E27FC236}">
-                <a16:creationId xmlns:a16="http://schemas.microsoft.com/office/drawing/2014/main" id="{5E7B927F-0734-404F-9A08-80760E8E40C4}"/>
-              </a:ext>
-            </a:extLst>
-          </p:cNvPr>
+          <p:cNvPr id="13" name="直接连接符 12"/>
           <p:cNvCxnSpPr/>
           <p:nvPr/>
         </p:nvCxnSpPr>
@@ -26555,13 +25538,7 @@
       </p:cxnSp>
       <p:sp>
         <p:nvSpPr>
-          <p:cNvPr id="4" name="文本框 3">
-            <a:extLst>
-              <a:ext uri="{FF2B5EF4-FFF2-40B4-BE49-F238E27FC236}">
-                <a16:creationId xmlns:a16="http://schemas.microsoft.com/office/drawing/2014/main" id="{F63B276E-6C75-416C-A1D7-9A70D7D8829A}"/>
-              </a:ext>
-            </a:extLst>
-          </p:cNvPr>
+          <p:cNvPr id="4" name="文本框 3"/>
           <p:cNvSpPr txBox="1"/>
           <p:nvPr/>
         </p:nvSpPr>
@@ -26973,20 +25950,14 @@
       </p:sp>
       <p:pic>
         <p:nvPicPr>
-          <p:cNvPr id="6" name="图片 5">
-            <a:extLst>
-              <a:ext uri="{FF2B5EF4-FFF2-40B4-BE49-F238E27FC236}">
-                <a16:creationId xmlns:a16="http://schemas.microsoft.com/office/drawing/2014/main" id="{FB68E07A-F909-41A2-83F0-D906A55A5BAE}"/>
-              </a:ext>
-            </a:extLst>
-          </p:cNvPr>
+          <p:cNvPr id="6" name="图片 5"/>
           <p:cNvPicPr>
             <a:picLocks noChangeAspect="1"/>
           </p:cNvPicPr>
           <p:nvPr/>
         </p:nvPicPr>
         <p:blipFill>
-          <a:blip r:embed="rId3"/>
+          <a:blip r:embed="rId1"/>
           <a:stretch>
             <a:fillRect/>
           </a:stretch>
@@ -27003,20 +25974,14 @@
       </p:pic>
       <p:pic>
         <p:nvPicPr>
-          <p:cNvPr id="8" name="图片 7">
-            <a:extLst>
-              <a:ext uri="{FF2B5EF4-FFF2-40B4-BE49-F238E27FC236}">
-                <a16:creationId xmlns:a16="http://schemas.microsoft.com/office/drawing/2014/main" id="{8C269D30-F5C4-4136-8D1A-F878BF877190}"/>
-              </a:ext>
-            </a:extLst>
-          </p:cNvPr>
+          <p:cNvPr id="8" name="图片 7"/>
           <p:cNvPicPr>
             <a:picLocks noChangeAspect="1"/>
           </p:cNvPicPr>
           <p:nvPr/>
         </p:nvPicPr>
         <p:blipFill>
-          <a:blip r:embed="rId4"/>
+          <a:blip r:embed="rId2"/>
           <a:stretch>
             <a:fillRect/>
           </a:stretch>
@@ -27033,13 +25998,7 @@
       </p:pic>
       <p:sp>
         <p:nvSpPr>
-          <p:cNvPr id="9" name="箭头: 右 8">
-            <a:extLst>
-              <a:ext uri="{FF2B5EF4-FFF2-40B4-BE49-F238E27FC236}">
-                <a16:creationId xmlns:a16="http://schemas.microsoft.com/office/drawing/2014/main" id="{86990F1C-E40B-47C3-8848-EC0E4A9EC857}"/>
-              </a:ext>
-            </a:extLst>
-          </p:cNvPr>
+          <p:cNvPr id="9" name="箭头: 右 8"/>
           <p:cNvSpPr/>
           <p:nvPr/>
         </p:nvSpPr>
@@ -27114,20 +26073,14 @@
       </p:sp>
       <p:pic>
         <p:nvPicPr>
-          <p:cNvPr id="10" name="图片 9">
-            <a:extLst>
-              <a:ext uri="{FF2B5EF4-FFF2-40B4-BE49-F238E27FC236}">
-                <a16:creationId xmlns:a16="http://schemas.microsoft.com/office/drawing/2014/main" id="{D4C2779F-8B0C-48F6-B800-8469FC78DF28}"/>
-              </a:ext>
-            </a:extLst>
-          </p:cNvPr>
+          <p:cNvPr id="10" name="图片 9"/>
           <p:cNvPicPr>
             <a:picLocks noChangeAspect="1"/>
           </p:cNvPicPr>
           <p:nvPr/>
         </p:nvPicPr>
         <p:blipFill>
-          <a:blip r:embed="rId5"/>
+          <a:blip r:embed="rId3"/>
           <a:stretch>
             <a:fillRect/>
           </a:stretch>
@@ -27144,13 +26097,7 @@
       </p:pic>
       <p:sp>
         <p:nvSpPr>
-          <p:cNvPr id="15" name="箭头: 右 14">
-            <a:extLst>
-              <a:ext uri="{FF2B5EF4-FFF2-40B4-BE49-F238E27FC236}">
-                <a16:creationId xmlns:a16="http://schemas.microsoft.com/office/drawing/2014/main" id="{219A3158-7578-440A-B97C-A152FEFF59A7}"/>
-              </a:ext>
-            </a:extLst>
-          </p:cNvPr>
+          <p:cNvPr id="15" name="箭头: 右 14"/>
           <p:cNvSpPr/>
           <p:nvPr/>
         </p:nvSpPr>
@@ -27225,13 +26172,7 @@
       </p:sp>
       <p:sp>
         <p:nvSpPr>
-          <p:cNvPr id="16" name="箭头: 右 15">
-            <a:extLst>
-              <a:ext uri="{FF2B5EF4-FFF2-40B4-BE49-F238E27FC236}">
-                <a16:creationId xmlns:a16="http://schemas.microsoft.com/office/drawing/2014/main" id="{F0573D37-B4BE-41B3-ABD2-E5890507092E}"/>
-              </a:ext>
-            </a:extLst>
-          </p:cNvPr>
+          <p:cNvPr id="16" name="箭头: 右 15"/>
           <p:cNvSpPr/>
           <p:nvPr/>
         </p:nvSpPr>
@@ -27306,20 +26247,14 @@
       </p:sp>
       <p:pic>
         <p:nvPicPr>
-          <p:cNvPr id="14" name="图片 13">
-            <a:extLst>
-              <a:ext uri="{FF2B5EF4-FFF2-40B4-BE49-F238E27FC236}">
-                <a16:creationId xmlns:a16="http://schemas.microsoft.com/office/drawing/2014/main" id="{63843D9F-5C70-44D8-B450-A534F465BF77}"/>
-              </a:ext>
-            </a:extLst>
-          </p:cNvPr>
+          <p:cNvPr id="14" name="图片 13"/>
           <p:cNvPicPr>
             <a:picLocks noChangeAspect="1"/>
           </p:cNvPicPr>
           <p:nvPr/>
         </p:nvPicPr>
         <p:blipFill>
-          <a:blip r:embed="rId6"/>
+          <a:blip r:embed="rId4"/>
           <a:stretch>
             <a:fillRect/>
           </a:stretch>
@@ -27336,13 +26271,7 @@
       </p:pic>
       <p:sp>
         <p:nvSpPr>
-          <p:cNvPr id="19" name="箭头: 右 18">
-            <a:extLst>
-              <a:ext uri="{FF2B5EF4-FFF2-40B4-BE49-F238E27FC236}">
-                <a16:creationId xmlns:a16="http://schemas.microsoft.com/office/drawing/2014/main" id="{504F7BE6-6C7E-45A5-9127-77C104AF8C90}"/>
-              </a:ext>
-            </a:extLst>
-          </p:cNvPr>
+          <p:cNvPr id="19" name="箭头: 右 18"/>
           <p:cNvSpPr/>
           <p:nvPr/>
         </p:nvSpPr>
@@ -27417,20 +26346,14 @@
       </p:sp>
       <p:pic>
         <p:nvPicPr>
-          <p:cNvPr id="17" name="图片 16">
-            <a:extLst>
-              <a:ext uri="{FF2B5EF4-FFF2-40B4-BE49-F238E27FC236}">
-                <a16:creationId xmlns:a16="http://schemas.microsoft.com/office/drawing/2014/main" id="{7FC5403A-C414-486C-A91D-6FD05324FCDF}"/>
-              </a:ext>
-            </a:extLst>
-          </p:cNvPr>
+          <p:cNvPr id="17" name="图片 16"/>
           <p:cNvPicPr>
             <a:picLocks noChangeAspect="1"/>
           </p:cNvPicPr>
           <p:nvPr/>
         </p:nvPicPr>
         <p:blipFill>
-          <a:blip r:embed="rId7"/>
+          <a:blip r:embed="rId5"/>
           <a:stretch>
             <a:fillRect/>
           </a:stretch>
@@ -27447,13 +26370,7 @@
       </p:pic>
       <p:sp>
         <p:nvSpPr>
-          <p:cNvPr id="22" name="箭头: 右 21">
-            <a:extLst>
-              <a:ext uri="{FF2B5EF4-FFF2-40B4-BE49-F238E27FC236}">
-                <a16:creationId xmlns:a16="http://schemas.microsoft.com/office/drawing/2014/main" id="{5239AEC0-C5A7-4CA2-989D-6570AEC4361B}"/>
-              </a:ext>
-            </a:extLst>
-          </p:cNvPr>
+          <p:cNvPr id="22" name="箭头: 右 21"/>
           <p:cNvSpPr/>
           <p:nvPr/>
         </p:nvSpPr>
@@ -27527,11 +26444,6 @@
         </p:txBody>
       </p:sp>
     </p:spTree>
-    <p:extLst>
-      <p:ext uri="{BB962C8B-B14F-4D97-AF65-F5344CB8AC3E}">
-        <p14:creationId xmlns:p14="http://schemas.microsoft.com/office/powerpoint/2010/main" val="4004363681"/>
-      </p:ext>
-    </p:extLst>
   </p:cSld>
   <p:clrMapOvr>
     <a:masterClrMapping/>
@@ -27608,13 +26520,7 @@
       </p:sp>
       <p:sp>
         <p:nvSpPr>
-          <p:cNvPr id="19" name="矩形 18">
-            <a:extLst>
-              <a:ext uri="{FF2B5EF4-FFF2-40B4-BE49-F238E27FC236}">
-                <a16:creationId xmlns:a16="http://schemas.microsoft.com/office/drawing/2014/main" id="{E4601AB5-C57F-44AB-8EA6-9F0D65FAC3FF}"/>
-              </a:ext>
-            </a:extLst>
-          </p:cNvPr>
+          <p:cNvPr id="19" name="矩形 18"/>
           <p:cNvSpPr/>
           <p:nvPr/>
         </p:nvSpPr>
@@ -27669,20 +26575,14 @@
       </p:sp>
       <p:pic>
         <p:nvPicPr>
-          <p:cNvPr id="1026" name="Picture 2">
-            <a:extLst>
-              <a:ext uri="{FF2B5EF4-FFF2-40B4-BE49-F238E27FC236}">
-                <a16:creationId xmlns:a16="http://schemas.microsoft.com/office/drawing/2014/main" id="{CDF31BDD-5086-495A-9F58-1B38CB27E213}"/>
-              </a:ext>
-            </a:extLst>
-          </p:cNvPr>
+          <p:cNvPr id="1026" name="Picture 2"/>
           <p:cNvPicPr>
             <a:picLocks noChangeAspect="1" noChangeArrowheads="1"/>
           </p:cNvPicPr>
           <p:nvPr/>
         </p:nvPicPr>
         <p:blipFill>
-          <a:blip r:embed="rId2">
+          <a:blip r:embed="rId1">
             <a:extLst>
               <a:ext uri="{28A0092B-C50C-407E-A947-70E740481C1C}">
                 <a14:useLocalDpi xmlns:a14="http://schemas.microsoft.com/office/drawing/2010/main" val="0"/>
@@ -27715,11 +26615,6 @@
         </p:spPr>
       </p:pic>
     </p:spTree>
-    <p:extLst>
-      <p:ext uri="{BB962C8B-B14F-4D97-AF65-F5344CB8AC3E}">
-        <p14:creationId xmlns:p14="http://schemas.microsoft.com/office/powerpoint/2010/main" val="1918617034"/>
-      </p:ext>
-    </p:extLst>
   </p:cSld>
   <p:clrMapOvr>
     <a:masterClrMapping/>
@@ -27747,13 +26642,7 @@
       </p:grpSpPr>
       <p:sp>
         <p:nvSpPr>
-          <p:cNvPr id="7" name="矩形 6">
-            <a:extLst>
-              <a:ext uri="{FF2B5EF4-FFF2-40B4-BE49-F238E27FC236}">
-                <a16:creationId xmlns:a16="http://schemas.microsoft.com/office/drawing/2014/main" id="{DFF98A76-302A-4FC1-8090-E89C68F9EAB6}"/>
-              </a:ext>
-            </a:extLst>
-          </p:cNvPr>
+          <p:cNvPr id="7" name="矩形 6"/>
           <p:cNvSpPr/>
           <p:nvPr/>
         </p:nvSpPr>
@@ -27790,18 +26679,25 @@
               </a:rPr>
               <a:t>笛卡尔树</a:t>
             </a:r>
+            <a:endParaRPr lang="zh-CN" altLang="en-US" sz="5400" dirty="0">
+              <a:ln w="0"/>
+              <a:solidFill>
+                <a:schemeClr val="tx1"/>
+              </a:solidFill>
+              <a:effectLst>
+                <a:outerShdw blurRad="38100" dist="19050" dir="2700000" algn="tl" rotWithShape="0">
+                  <a:schemeClr val="dk1">
+                    <a:alpha val="40000"/>
+                  </a:schemeClr>
+                </a:outerShdw>
+              </a:effectLst>
+            </a:endParaRPr>
           </a:p>
         </p:txBody>
       </p:sp>
       <p:cxnSp>
         <p:nvCxnSpPr>
-          <p:cNvPr id="13" name="直接连接符 12">
-            <a:extLst>
-              <a:ext uri="{FF2B5EF4-FFF2-40B4-BE49-F238E27FC236}">
-                <a16:creationId xmlns:a16="http://schemas.microsoft.com/office/drawing/2014/main" id="{5E7B927F-0734-404F-9A08-80760E8E40C4}"/>
-              </a:ext>
-            </a:extLst>
-          </p:cNvPr>
+          <p:cNvPr id="13" name="直接连接符 12"/>
           <p:cNvCxnSpPr/>
           <p:nvPr/>
         </p:nvCxnSpPr>
@@ -27832,13 +26728,7 @@
       </p:cxnSp>
       <p:sp>
         <p:nvSpPr>
-          <p:cNvPr id="2" name="文本框 1">
-            <a:extLst>
-              <a:ext uri="{FF2B5EF4-FFF2-40B4-BE49-F238E27FC236}">
-                <a16:creationId xmlns:a16="http://schemas.microsoft.com/office/drawing/2014/main" id="{A251EDAC-7AA6-4959-A17B-FCD47C1CD94C}"/>
-              </a:ext>
-            </a:extLst>
-          </p:cNvPr>
+          <p:cNvPr id="2" name="文本框 1"/>
           <p:cNvSpPr txBox="1"/>
           <p:nvPr/>
         </p:nvSpPr>
@@ -27901,25 +26791,20 @@
               <a:rPr lang="zh-CN" altLang="en-US" dirty="0"/>
               <a:t>每个结点的子结点都比父结点大</a:t>
             </a:r>
+            <a:endParaRPr lang="zh-CN" altLang="en-US" dirty="0"/>
           </a:p>
         </p:txBody>
       </p:sp>
       <p:pic>
         <p:nvPicPr>
-          <p:cNvPr id="13314" name="Picture 2" descr="https://oss.v8cloud.cn/images/9d74e2c8447938ef046a26300004712c.png">
-            <a:extLst>
-              <a:ext uri="{FF2B5EF4-FFF2-40B4-BE49-F238E27FC236}">
-                <a16:creationId xmlns:a16="http://schemas.microsoft.com/office/drawing/2014/main" id="{75ED8456-65D8-4FA6-8883-F6B6F21AD19C}"/>
-              </a:ext>
-            </a:extLst>
-          </p:cNvPr>
+          <p:cNvPr id="13314" name="Picture 2" descr="https://oss.v8cloud.cn/images/9d74e2c8447938ef046a26300004712c.png"/>
           <p:cNvPicPr>
             <a:picLocks noChangeAspect="1" noChangeArrowheads="1"/>
           </p:cNvPicPr>
           <p:nvPr/>
         </p:nvPicPr>
         <p:blipFill>
-          <a:blip r:embed="rId3">
+          <a:blip r:embed="rId1">
             <a:extLst>
               <a:ext uri="{28A0092B-C50C-407E-A947-70E740481C1C}">
                 <a14:useLocalDpi xmlns:a14="http://schemas.microsoft.com/office/drawing/2010/main" val="0"/>
@@ -27952,11 +26837,6 @@
         </p:spPr>
       </p:pic>
     </p:spTree>
-    <p:extLst>
-      <p:ext uri="{BB962C8B-B14F-4D97-AF65-F5344CB8AC3E}">
-        <p14:creationId xmlns:p14="http://schemas.microsoft.com/office/powerpoint/2010/main" val="3171379022"/>
-      </p:ext>
-    </p:extLst>
   </p:cSld>
   <p:clrMapOvr>
     <a:masterClrMapping/>
@@ -28033,13 +26913,7 @@
       </p:sp>
       <p:sp>
         <p:nvSpPr>
-          <p:cNvPr id="19" name="矩形 18">
-            <a:extLst>
-              <a:ext uri="{FF2B5EF4-FFF2-40B4-BE49-F238E27FC236}">
-                <a16:creationId xmlns:a16="http://schemas.microsoft.com/office/drawing/2014/main" id="{E4601AB5-C57F-44AB-8EA6-9F0D65FAC3FF}"/>
-              </a:ext>
-            </a:extLst>
-          </p:cNvPr>
+          <p:cNvPr id="19" name="矩形 18"/>
           <p:cNvSpPr/>
           <p:nvPr/>
         </p:nvSpPr>
@@ -28094,20 +26968,14 @@
       </p:sp>
       <p:pic>
         <p:nvPicPr>
-          <p:cNvPr id="1026" name="Picture 2">
-            <a:extLst>
-              <a:ext uri="{FF2B5EF4-FFF2-40B4-BE49-F238E27FC236}">
-                <a16:creationId xmlns:a16="http://schemas.microsoft.com/office/drawing/2014/main" id="{CDF31BDD-5086-495A-9F58-1B38CB27E213}"/>
-              </a:ext>
-            </a:extLst>
-          </p:cNvPr>
+          <p:cNvPr id="1026" name="Picture 2"/>
           <p:cNvPicPr>
             <a:picLocks noChangeAspect="1" noChangeArrowheads="1"/>
           </p:cNvPicPr>
           <p:nvPr/>
         </p:nvPicPr>
         <p:blipFill>
-          <a:blip r:embed="rId2">
+          <a:blip r:embed="rId1">
             <a:extLst>
               <a:ext uri="{28A0092B-C50C-407E-A947-70E740481C1C}">
                 <a14:useLocalDpi xmlns:a14="http://schemas.microsoft.com/office/drawing/2010/main" val="0"/>
@@ -28140,11 +27008,6 @@
         </p:spPr>
       </p:pic>
     </p:spTree>
-    <p:extLst>
-      <p:ext uri="{BB962C8B-B14F-4D97-AF65-F5344CB8AC3E}">
-        <p14:creationId xmlns:p14="http://schemas.microsoft.com/office/powerpoint/2010/main" val="3272169891"/>
-      </p:ext>
-    </p:extLst>
   </p:cSld>
   <p:clrMapOvr>
     <a:masterClrMapping/>
@@ -28172,13 +27035,7 @@
       </p:grpSpPr>
       <p:sp>
         <p:nvSpPr>
-          <p:cNvPr id="3087" name="椭圆 3086">
-            <a:extLst>
-              <a:ext uri="{FF2B5EF4-FFF2-40B4-BE49-F238E27FC236}">
-                <a16:creationId xmlns:a16="http://schemas.microsoft.com/office/drawing/2014/main" id="{2B677707-51FE-4A9F-B615-678C1C1A0AEF}"/>
-              </a:ext>
-            </a:extLst>
-          </p:cNvPr>
+          <p:cNvPr id="3087" name="椭圆 3086"/>
           <p:cNvSpPr/>
           <p:nvPr/>
         </p:nvSpPr>
@@ -28258,13 +27115,7 @@
       </p:sp>
       <p:sp>
         <p:nvSpPr>
-          <p:cNvPr id="3093" name="文本框 3092">
-            <a:extLst>
-              <a:ext uri="{FF2B5EF4-FFF2-40B4-BE49-F238E27FC236}">
-                <a16:creationId xmlns:a16="http://schemas.microsoft.com/office/drawing/2014/main" id="{03393C7A-D9BF-4984-B5ED-75DA0CA9A5B3}"/>
-              </a:ext>
-            </a:extLst>
-          </p:cNvPr>
+          <p:cNvPr id="3093" name="文本框 3092"/>
           <p:cNvSpPr txBox="1"/>
           <p:nvPr/>
         </p:nvSpPr>
@@ -28332,18 +27183,26 @@
               </a:rPr>
               <a:t>计算机科学中的树</a:t>
             </a:r>
+            <a:endParaRPr kumimoji="0" lang="zh-CN" altLang="en-US" sz="3000" b="0" i="0" u="none" strike="noStrike" cap="none" spc="0" normalizeH="0" baseline="0" dirty="0">
+              <a:ln>
+                <a:noFill/>
+              </a:ln>
+              <a:solidFill>
+                <a:srgbClr val="000000"/>
+              </a:solidFill>
+              <a:effectLst/>
+              <a:uFillTx/>
+              <a:latin typeface="Helvetica Neue Medium"/>
+              <a:ea typeface="Helvetica Neue Medium"/>
+              <a:cs typeface="Helvetica Neue Medium"/>
+              <a:sym typeface="Helvetica Neue Medium"/>
+            </a:endParaRPr>
           </a:p>
         </p:txBody>
       </p:sp>
       <p:sp>
         <p:nvSpPr>
-          <p:cNvPr id="3102" name="椭圆 3101">
-            <a:extLst>
-              <a:ext uri="{FF2B5EF4-FFF2-40B4-BE49-F238E27FC236}">
-                <a16:creationId xmlns:a16="http://schemas.microsoft.com/office/drawing/2014/main" id="{86111F2E-5067-43A1-AB35-4950D7580CF3}"/>
-              </a:ext>
-            </a:extLst>
-          </p:cNvPr>
+          <p:cNvPr id="3102" name="椭圆 3101"/>
           <p:cNvSpPr/>
           <p:nvPr/>
         </p:nvSpPr>
@@ -28422,13 +27281,7 @@
       </p:sp>
       <p:sp>
         <p:nvSpPr>
-          <p:cNvPr id="3095" name="文本框 3094">
-            <a:extLst>
-              <a:ext uri="{FF2B5EF4-FFF2-40B4-BE49-F238E27FC236}">
-                <a16:creationId xmlns:a16="http://schemas.microsoft.com/office/drawing/2014/main" id="{2F70478A-E059-4297-A5A5-5A865D324FCE}"/>
-              </a:ext>
-            </a:extLst>
-          </p:cNvPr>
+          <p:cNvPr id="3095" name="文本框 3094"/>
           <p:cNvSpPr txBox="1"/>
           <p:nvPr/>
         </p:nvSpPr>
@@ -28502,13 +27355,7 @@
       </p:sp>
       <p:sp>
         <p:nvSpPr>
-          <p:cNvPr id="69" name="椭圆 68">
-            <a:extLst>
-              <a:ext uri="{FF2B5EF4-FFF2-40B4-BE49-F238E27FC236}">
-                <a16:creationId xmlns:a16="http://schemas.microsoft.com/office/drawing/2014/main" id="{FCB21996-FE31-49F6-A17F-E5CAD6A9969C}"/>
-              </a:ext>
-            </a:extLst>
-          </p:cNvPr>
+          <p:cNvPr id="69" name="椭圆 68"/>
           <p:cNvSpPr/>
           <p:nvPr/>
         </p:nvSpPr>
@@ -28587,13 +27434,7 @@
       </p:sp>
       <p:sp>
         <p:nvSpPr>
-          <p:cNvPr id="61" name="文本框 60">
-            <a:extLst>
-              <a:ext uri="{FF2B5EF4-FFF2-40B4-BE49-F238E27FC236}">
-                <a16:creationId xmlns:a16="http://schemas.microsoft.com/office/drawing/2014/main" id="{C478C76B-FEA0-45FA-BD65-BDCAA96DFD34}"/>
-              </a:ext>
-            </a:extLst>
-          </p:cNvPr>
+          <p:cNvPr id="61" name="文本框 60"/>
           <p:cNvSpPr txBox="1"/>
           <p:nvPr/>
         </p:nvSpPr>
@@ -28667,13 +27508,7 @@
       </p:sp>
       <p:sp>
         <p:nvSpPr>
-          <p:cNvPr id="3096" name="文本框 3095">
-            <a:extLst>
-              <a:ext uri="{FF2B5EF4-FFF2-40B4-BE49-F238E27FC236}">
-                <a16:creationId xmlns:a16="http://schemas.microsoft.com/office/drawing/2014/main" id="{7A0339ED-7A5B-4714-9B81-CA864F2EABAA}"/>
-              </a:ext>
-            </a:extLst>
-          </p:cNvPr>
+          <p:cNvPr id="3096" name="文本框 3095"/>
           <p:cNvSpPr txBox="1"/>
           <p:nvPr/>
         </p:nvSpPr>
@@ -28747,13 +27582,7 @@
       </p:sp>
       <p:sp>
         <p:nvSpPr>
-          <p:cNvPr id="3100" name="椭圆 3099">
-            <a:extLst>
-              <a:ext uri="{FF2B5EF4-FFF2-40B4-BE49-F238E27FC236}">
-                <a16:creationId xmlns:a16="http://schemas.microsoft.com/office/drawing/2014/main" id="{ECE90DDD-52DF-49E0-8960-E22E4E935EE2}"/>
-              </a:ext>
-            </a:extLst>
-          </p:cNvPr>
+          <p:cNvPr id="3100" name="椭圆 3099"/>
           <p:cNvSpPr/>
           <p:nvPr/>
         </p:nvSpPr>
@@ -28834,13 +27663,7 @@
       </p:sp>
       <p:sp>
         <p:nvSpPr>
-          <p:cNvPr id="3101" name="文本框 3100">
-            <a:extLst>
-              <a:ext uri="{FF2B5EF4-FFF2-40B4-BE49-F238E27FC236}">
-                <a16:creationId xmlns:a16="http://schemas.microsoft.com/office/drawing/2014/main" id="{D9588F43-B3EB-4E92-BBCA-80B437E8F6EE}"/>
-              </a:ext>
-            </a:extLst>
-          </p:cNvPr>
+          <p:cNvPr id="3101" name="文本框 3100"/>
           <p:cNvSpPr txBox="1"/>
           <p:nvPr/>
         </p:nvSpPr>
@@ -28913,11 +27736,6 @@
         </p:txBody>
       </p:sp>
     </p:spTree>
-    <p:extLst>
-      <p:ext uri="{BB962C8B-B14F-4D97-AF65-F5344CB8AC3E}">
-        <p14:creationId xmlns:p14="http://schemas.microsoft.com/office/powerpoint/2010/main" val="2056531199"/>
-      </p:ext>
-    </p:extLst>
   </p:cSld>
   <p:clrMapOvr>
     <a:masterClrMapping/>
@@ -28945,13 +27763,7 @@
       </p:grpSpPr>
       <p:sp>
         <p:nvSpPr>
-          <p:cNvPr id="7" name="矩形 6">
-            <a:extLst>
-              <a:ext uri="{FF2B5EF4-FFF2-40B4-BE49-F238E27FC236}">
-                <a16:creationId xmlns:a16="http://schemas.microsoft.com/office/drawing/2014/main" id="{DFF98A76-302A-4FC1-8090-E89C68F9EAB6}"/>
-              </a:ext>
-            </a:extLst>
-          </p:cNvPr>
+          <p:cNvPr id="7" name="矩形 6"/>
           <p:cNvSpPr/>
           <p:nvPr/>
         </p:nvSpPr>
@@ -29004,18 +27816,25 @@
               </a:rPr>
               <a:t>树</a:t>
             </a:r>
+            <a:endParaRPr lang="zh-CN" altLang="en-US" sz="5400" dirty="0">
+              <a:ln w="0"/>
+              <a:solidFill>
+                <a:schemeClr val="tx1"/>
+              </a:solidFill>
+              <a:effectLst>
+                <a:outerShdw blurRad="38100" dist="19050" dir="2700000" algn="tl" rotWithShape="0">
+                  <a:schemeClr val="dk1">
+                    <a:alpha val="40000"/>
+                  </a:schemeClr>
+                </a:outerShdw>
+              </a:effectLst>
+            </a:endParaRPr>
           </a:p>
         </p:txBody>
       </p:sp>
       <p:cxnSp>
         <p:nvCxnSpPr>
-          <p:cNvPr id="13" name="直接连接符 12">
-            <a:extLst>
-              <a:ext uri="{FF2B5EF4-FFF2-40B4-BE49-F238E27FC236}">
-                <a16:creationId xmlns:a16="http://schemas.microsoft.com/office/drawing/2014/main" id="{5E7B927F-0734-404F-9A08-80760E8E40C4}"/>
-              </a:ext>
-            </a:extLst>
-          </p:cNvPr>
+          <p:cNvPr id="13" name="直接连接符 12"/>
           <p:cNvCxnSpPr/>
           <p:nvPr/>
         </p:nvCxnSpPr>
@@ -29046,13 +27865,7 @@
       </p:cxnSp>
       <p:sp>
         <p:nvSpPr>
-          <p:cNvPr id="2" name="文本框 1">
-            <a:extLst>
-              <a:ext uri="{FF2B5EF4-FFF2-40B4-BE49-F238E27FC236}">
-                <a16:creationId xmlns:a16="http://schemas.microsoft.com/office/drawing/2014/main" id="{A251EDAC-7AA6-4959-A17B-FCD47C1CD94C}"/>
-              </a:ext>
-            </a:extLst>
-          </p:cNvPr>
+          <p:cNvPr id="2" name="文本框 1"/>
           <p:cNvSpPr txBox="1"/>
           <p:nvPr/>
         </p:nvSpPr>
@@ -29194,11 +28007,6 @@
         </p:txBody>
       </p:sp>
     </p:spTree>
-    <p:extLst>
-      <p:ext uri="{BB962C8B-B14F-4D97-AF65-F5344CB8AC3E}">
-        <p14:creationId xmlns:p14="http://schemas.microsoft.com/office/powerpoint/2010/main" val="1734185791"/>
-      </p:ext>
-    </p:extLst>
   </p:cSld>
   <p:clrMapOvr>
     <a:masterClrMapping/>
@@ -29226,20 +28034,14 @@
       </p:grpSpPr>
       <p:pic>
         <p:nvPicPr>
-          <p:cNvPr id="1026" name="Picture 2" descr="http://hi.csdn.net/attachment/201106/7/8394323_13074405911zG7.jpg">
-            <a:extLst>
-              <a:ext uri="{FF2B5EF4-FFF2-40B4-BE49-F238E27FC236}">
-                <a16:creationId xmlns:a16="http://schemas.microsoft.com/office/drawing/2014/main" id="{2ACA5668-2D7F-4DAB-A9A4-09DC32F41185}"/>
-              </a:ext>
-            </a:extLst>
-          </p:cNvPr>
+          <p:cNvPr id="1026" name="Picture 2" descr="http://hi.csdn.net/attachment/201106/7/8394323_13074405911zG7.jpg"/>
           <p:cNvPicPr>
             <a:picLocks noChangeAspect="1" noChangeArrowheads="1"/>
           </p:cNvPicPr>
           <p:nvPr/>
         </p:nvPicPr>
         <p:blipFill>
-          <a:blip r:embed="rId3">
+          <a:blip r:embed="rId1">
             <a:extLst>
               <a:ext uri="{28A0092B-C50C-407E-A947-70E740481C1C}">
                 <a14:useLocalDpi xmlns:a14="http://schemas.microsoft.com/office/drawing/2010/main" val="0"/>
@@ -29273,13 +28075,7 @@
       </p:pic>
       <p:sp>
         <p:nvSpPr>
-          <p:cNvPr id="3" name="文本框 2">
-            <a:extLst>
-              <a:ext uri="{FF2B5EF4-FFF2-40B4-BE49-F238E27FC236}">
-                <a16:creationId xmlns:a16="http://schemas.microsoft.com/office/drawing/2014/main" id="{E2088659-5D70-49F4-B099-E957725C97FE}"/>
-              </a:ext>
-            </a:extLst>
-          </p:cNvPr>
+          <p:cNvPr id="3" name="文本框 2"/>
           <p:cNvSpPr txBox="1"/>
           <p:nvPr/>
         </p:nvSpPr>
@@ -29460,6 +28256,7 @@
               <a:rPr lang="en-US" altLang="zh-CN" dirty="0"/>
               <a:t>.</a:t>
             </a:r>
+            <a:endParaRPr lang="en-US" altLang="zh-CN" dirty="0"/>
           </a:p>
           <a:p>
             <a:pPr algn="l"/>
@@ -29487,6 +28284,7 @@
               <a:rPr lang="zh-CN" altLang="en-US" dirty="0"/>
               <a:t>个步骤：</a:t>
             </a:r>
+            <a:endParaRPr lang="zh-CN" altLang="en-US" dirty="0"/>
           </a:p>
           <a:p>
             <a:pPr marL="514350" indent="-514350" algn="l">
@@ -29501,6 +28299,7 @@
               <a:rPr lang="zh-CN" altLang="en-US" dirty="0"/>
               <a:t>首先移动臂根据柱面号使磁头移动到所需要的柱面上，这一过程被称为定位或查找 。</a:t>
             </a:r>
+            <a:endParaRPr lang="zh-CN" altLang="en-US" dirty="0"/>
           </a:p>
           <a:p>
             <a:pPr marL="514350" indent="-514350" algn="l">
@@ -29559,6 +28358,7 @@
               <a:rPr lang="zh-CN" altLang="en-US" dirty="0"/>
               <a:t>。这时根据盘面号来确定指定盘面上的磁道。</a:t>
             </a:r>
+            <a:endParaRPr lang="zh-CN" altLang="en-US" dirty="0"/>
           </a:p>
           <a:p>
             <a:pPr marL="514350" indent="-514350" algn="l">
@@ -29573,6 +28373,7 @@
               <a:rPr lang="zh-CN" altLang="en-US" dirty="0"/>
               <a:t>盘面确定以后，盘片开始旋转，将指定块号的磁道段移动至磁头下。</a:t>
             </a:r>
+            <a:endParaRPr lang="zh-CN" altLang="en-US" dirty="0"/>
           </a:p>
           <a:p>
             <a:pPr marL="514350" indent="-514350" algn="l">
@@ -29591,6 +28392,7 @@
               <a:rPr lang="zh-CN" altLang="en-US" dirty="0"/>
               <a:t>写操作了</a:t>
             </a:r>
+            <a:endParaRPr lang="zh-CN" altLang="en-US" dirty="0"/>
           </a:p>
           <a:p>
             <a:pPr algn="l"/>
@@ -29599,11 +28401,6 @@
         </p:txBody>
       </p:sp>
     </p:spTree>
-    <p:extLst>
-      <p:ext uri="{BB962C8B-B14F-4D97-AF65-F5344CB8AC3E}">
-        <p14:creationId xmlns:p14="http://schemas.microsoft.com/office/powerpoint/2010/main" val="535036234"/>
-      </p:ext>
-    </p:extLst>
   </p:cSld>
   <p:clrMapOvr>
     <a:masterClrMapping/>
@@ -29631,13 +28428,7 @@
       </p:grpSpPr>
       <p:sp>
         <p:nvSpPr>
-          <p:cNvPr id="7" name="矩形 6">
-            <a:extLst>
-              <a:ext uri="{FF2B5EF4-FFF2-40B4-BE49-F238E27FC236}">
-                <a16:creationId xmlns:a16="http://schemas.microsoft.com/office/drawing/2014/main" id="{DFF98A76-302A-4FC1-8090-E89C68F9EAB6}"/>
-              </a:ext>
-            </a:extLst>
-          </p:cNvPr>
+          <p:cNvPr id="7" name="矩形 6"/>
           <p:cNvSpPr/>
           <p:nvPr/>
         </p:nvSpPr>
@@ -29690,18 +28481,25 @@
               </a:rPr>
               <a:t>树</a:t>
             </a:r>
+            <a:endParaRPr lang="zh-CN" altLang="en-US" sz="5400" dirty="0">
+              <a:ln w="0"/>
+              <a:solidFill>
+                <a:schemeClr val="tx1"/>
+              </a:solidFill>
+              <a:effectLst>
+                <a:outerShdw blurRad="38100" dist="19050" dir="2700000" algn="tl" rotWithShape="0">
+                  <a:schemeClr val="dk1">
+                    <a:alpha val="40000"/>
+                  </a:schemeClr>
+                </a:outerShdw>
+              </a:effectLst>
+            </a:endParaRPr>
           </a:p>
         </p:txBody>
       </p:sp>
       <p:cxnSp>
         <p:nvCxnSpPr>
-          <p:cNvPr id="13" name="直接连接符 12">
-            <a:extLst>
-              <a:ext uri="{FF2B5EF4-FFF2-40B4-BE49-F238E27FC236}">
-                <a16:creationId xmlns:a16="http://schemas.microsoft.com/office/drawing/2014/main" id="{5E7B927F-0734-404F-9A08-80760E8E40C4}"/>
-              </a:ext>
-            </a:extLst>
-          </p:cNvPr>
+          <p:cNvPr id="13" name="直接连接符 12"/>
           <p:cNvCxnSpPr/>
           <p:nvPr/>
         </p:nvCxnSpPr>
@@ -29732,13 +28530,7 @@
       </p:cxnSp>
       <p:sp>
         <p:nvSpPr>
-          <p:cNvPr id="2" name="文本框 1">
-            <a:extLst>
-              <a:ext uri="{FF2B5EF4-FFF2-40B4-BE49-F238E27FC236}">
-                <a16:creationId xmlns:a16="http://schemas.microsoft.com/office/drawing/2014/main" id="{A251EDAC-7AA6-4959-A17B-FCD47C1CD94C}"/>
-              </a:ext>
-            </a:extLst>
-          </p:cNvPr>
+          <p:cNvPr id="2" name="文本框 1"/>
           <p:cNvSpPr txBox="1"/>
           <p:nvPr/>
         </p:nvSpPr>
@@ -29815,6 +28607,7 @@
               <a:rPr lang="zh-CN" altLang="en-US" dirty="0"/>
               <a:t>的特性如下：</a:t>
             </a:r>
+            <a:endParaRPr lang="zh-CN" altLang="en-US" dirty="0"/>
           </a:p>
           <a:p>
             <a:pPr algn="l"/>
@@ -29845,6 +28638,7 @@
               <a:rPr lang="zh-CN" altLang="en-US" dirty="0"/>
               <a:t>）；</a:t>
             </a:r>
+            <a:endParaRPr lang="zh-CN" altLang="en-US" dirty="0"/>
           </a:p>
           <a:p>
             <a:pPr marL="514350" indent="-514350" algn="l">
@@ -29871,6 +28665,7 @@
               <a:rPr lang="zh-CN" altLang="en-US" dirty="0"/>
               <a:t>是一个取上限的函数）；</a:t>
             </a:r>
+            <a:endParaRPr lang="zh-CN" altLang="en-US" dirty="0"/>
           </a:p>
           <a:p>
             <a:pPr marL="514350" indent="-514350" algn="l">
@@ -29889,6 +28684,7 @@
               <a:rPr lang="zh-CN" altLang="en-US" dirty="0"/>
               <a:t>个孩子（特殊情况：没有孩子的根结点，即根结点为叶子结点，整棵树只有一个根节点）；</a:t>
             </a:r>
+            <a:endParaRPr lang="zh-CN" altLang="en-US" dirty="0"/>
           </a:p>
           <a:p>
             <a:pPr marL="514350" indent="-514350" algn="l">
@@ -29915,6 +28711,7 @@
               <a:rPr lang="zh-CN" altLang="en-US" dirty="0"/>
               <a:t>；</a:t>
             </a:r>
+            <a:endParaRPr lang="zh-CN" altLang="en-US" dirty="0"/>
           </a:p>
           <a:p>
             <a:pPr marL="514350" indent="-514350" algn="l">
@@ -30009,6 +28806,7 @@
               <a:rPr lang="zh-CN" altLang="en-US" dirty="0"/>
               <a:t>。其中：</a:t>
             </a:r>
+            <a:endParaRPr lang="zh-CN" altLang="en-US" dirty="0"/>
           </a:p>
           <a:p>
             <a:pPr algn="l"/>
@@ -30040,6 +28838,7 @@
               <a:rPr lang="zh-CN" altLang="en-US" dirty="0"/>
               <a:t>。 </a:t>
             </a:r>
+            <a:endParaRPr lang="zh-CN" altLang="en-US" dirty="0"/>
           </a:p>
           <a:p>
             <a:pPr algn="l"/>
@@ -30079,6 +28878,7 @@
               <a:rPr lang="zh-CN" altLang="en-US" dirty="0"/>
               <a:t>。 </a:t>
             </a:r>
+            <a:endParaRPr lang="zh-CN" altLang="en-US" dirty="0"/>
           </a:p>
           <a:p>
             <a:pPr algn="l"/>
@@ -30115,11 +28915,6 @@
         </p:txBody>
       </p:sp>
     </p:spTree>
-    <p:extLst>
-      <p:ext uri="{BB962C8B-B14F-4D97-AF65-F5344CB8AC3E}">
-        <p14:creationId xmlns:p14="http://schemas.microsoft.com/office/powerpoint/2010/main" val="713966936"/>
-      </p:ext>
-    </p:extLst>
   </p:cSld>
   <p:clrMapOvr>
     <a:masterClrMapping/>
@@ -30147,13 +28942,7 @@
       </p:grpSpPr>
       <p:sp>
         <p:nvSpPr>
-          <p:cNvPr id="7" name="矩形 6">
-            <a:extLst>
-              <a:ext uri="{FF2B5EF4-FFF2-40B4-BE49-F238E27FC236}">
-                <a16:creationId xmlns:a16="http://schemas.microsoft.com/office/drawing/2014/main" id="{DFF98A76-302A-4FC1-8090-E89C68F9EAB6}"/>
-              </a:ext>
-            </a:extLst>
-          </p:cNvPr>
+          <p:cNvPr id="7" name="矩形 6"/>
           <p:cNvSpPr/>
           <p:nvPr/>
         </p:nvSpPr>
@@ -30206,18 +28995,25 @@
               </a:rPr>
               <a:t>树</a:t>
             </a:r>
+            <a:endParaRPr lang="zh-CN" altLang="en-US" sz="5400" dirty="0">
+              <a:ln w="0"/>
+              <a:solidFill>
+                <a:schemeClr val="tx1"/>
+              </a:solidFill>
+              <a:effectLst>
+                <a:outerShdw blurRad="38100" dist="19050" dir="2700000" algn="tl" rotWithShape="0">
+                  <a:schemeClr val="dk1">
+                    <a:alpha val="40000"/>
+                  </a:schemeClr>
+                </a:outerShdw>
+              </a:effectLst>
+            </a:endParaRPr>
           </a:p>
         </p:txBody>
       </p:sp>
       <p:cxnSp>
         <p:nvCxnSpPr>
-          <p:cNvPr id="13" name="直接连接符 12">
-            <a:extLst>
-              <a:ext uri="{FF2B5EF4-FFF2-40B4-BE49-F238E27FC236}">
-                <a16:creationId xmlns:a16="http://schemas.microsoft.com/office/drawing/2014/main" id="{5E7B927F-0734-404F-9A08-80760E8E40C4}"/>
-              </a:ext>
-            </a:extLst>
-          </p:cNvPr>
+          <p:cNvPr id="13" name="直接连接符 12"/>
           <p:cNvCxnSpPr/>
           <p:nvPr/>
         </p:nvCxnSpPr>
@@ -30248,20 +29044,14 @@
       </p:cxnSp>
       <p:pic>
         <p:nvPicPr>
-          <p:cNvPr id="2050" name="Picture 2" descr="http://hi.csdn.net/attachment/201106/7/8394323_130745821166Sc.jpg">
-            <a:extLst>
-              <a:ext uri="{FF2B5EF4-FFF2-40B4-BE49-F238E27FC236}">
-                <a16:creationId xmlns:a16="http://schemas.microsoft.com/office/drawing/2014/main" id="{DE4DF275-FFD6-49B4-8F53-4CCFAC76D6DB}"/>
-              </a:ext>
-            </a:extLst>
-          </p:cNvPr>
+          <p:cNvPr id="2050" name="Picture 2" descr="http://hi.csdn.net/attachment/201106/7/8394323_130745821166Sc.jpg"/>
           <p:cNvPicPr>
             <a:picLocks noChangeAspect="1" noChangeArrowheads="1"/>
           </p:cNvPicPr>
           <p:nvPr/>
         </p:nvPicPr>
         <p:blipFill>
-          <a:blip r:embed="rId3">
+          <a:blip r:embed="rId1">
             <a:extLst>
               <a:ext uri="{28A0092B-C50C-407E-A947-70E740481C1C}">
                 <a14:useLocalDpi xmlns:a14="http://schemas.microsoft.com/office/drawing/2010/main" val="0"/>
@@ -30295,13 +29085,7 @@
       </p:pic>
       <p:sp>
         <p:nvSpPr>
-          <p:cNvPr id="3" name="文本框 2">
-            <a:extLst>
-              <a:ext uri="{FF2B5EF4-FFF2-40B4-BE49-F238E27FC236}">
-                <a16:creationId xmlns:a16="http://schemas.microsoft.com/office/drawing/2014/main" id="{AC747A54-D9EB-426D-B755-8AA771E62F4E}"/>
-              </a:ext>
-            </a:extLst>
-          </p:cNvPr>
+          <p:cNvPr id="3" name="文本框 2"/>
           <p:cNvSpPr txBox="1"/>
           <p:nvPr/>
         </p:nvSpPr>
@@ -30378,11 +29162,6 @@
         </p:txBody>
       </p:sp>
     </p:spTree>
-    <p:extLst>
-      <p:ext uri="{BB962C8B-B14F-4D97-AF65-F5344CB8AC3E}">
-        <p14:creationId xmlns:p14="http://schemas.microsoft.com/office/powerpoint/2010/main" val="811859112"/>
-      </p:ext>
-    </p:extLst>
   </p:cSld>
   <p:clrMapOvr>
     <a:masterClrMapping/>
@@ -30410,20 +29189,14 @@
       </p:grpSpPr>
       <p:pic>
         <p:nvPicPr>
-          <p:cNvPr id="4" name="图片 3">
-            <a:extLst>
-              <a:ext uri="{FF2B5EF4-FFF2-40B4-BE49-F238E27FC236}">
-                <a16:creationId xmlns:a16="http://schemas.microsoft.com/office/drawing/2014/main" id="{A3393618-793C-4943-9548-31EA57BE186D}"/>
-              </a:ext>
-            </a:extLst>
-          </p:cNvPr>
+          <p:cNvPr id="4" name="图片 3"/>
           <p:cNvPicPr>
             <a:picLocks noChangeAspect="1"/>
           </p:cNvPicPr>
           <p:nvPr/>
         </p:nvPicPr>
         <p:blipFill>
-          <a:blip r:embed="rId3">
+          <a:blip r:embed="rId1">
             <a:extLst>
               <a:ext uri="{28A0092B-C50C-407E-A947-70E740481C1C}">
                 <a14:useLocalDpi xmlns:a14="http://schemas.microsoft.com/office/drawing/2010/main" val="0"/>
@@ -30446,13 +29219,7 @@
       </p:pic>
       <p:sp>
         <p:nvSpPr>
-          <p:cNvPr id="7" name="矩形 6">
-            <a:extLst>
-              <a:ext uri="{FF2B5EF4-FFF2-40B4-BE49-F238E27FC236}">
-                <a16:creationId xmlns:a16="http://schemas.microsoft.com/office/drawing/2014/main" id="{DFF98A76-302A-4FC1-8090-E89C68F9EAB6}"/>
-              </a:ext>
-            </a:extLst>
-          </p:cNvPr>
+          <p:cNvPr id="7" name="矩形 6"/>
           <p:cNvSpPr/>
           <p:nvPr/>
         </p:nvSpPr>
@@ -30505,18 +29272,25 @@
               </a:rPr>
               <a:t>树</a:t>
             </a:r>
+            <a:endParaRPr lang="zh-CN" altLang="en-US" sz="5400" dirty="0">
+              <a:ln w="0"/>
+              <a:solidFill>
+                <a:schemeClr val="tx1"/>
+              </a:solidFill>
+              <a:effectLst>
+                <a:outerShdw blurRad="38100" dist="19050" dir="2700000" algn="tl" rotWithShape="0">
+                  <a:schemeClr val="dk1">
+                    <a:alpha val="40000"/>
+                  </a:schemeClr>
+                </a:outerShdw>
+              </a:effectLst>
+            </a:endParaRPr>
           </a:p>
         </p:txBody>
       </p:sp>
       <p:cxnSp>
         <p:nvCxnSpPr>
-          <p:cNvPr id="13" name="直接连接符 12">
-            <a:extLst>
-              <a:ext uri="{FF2B5EF4-FFF2-40B4-BE49-F238E27FC236}">
-                <a16:creationId xmlns:a16="http://schemas.microsoft.com/office/drawing/2014/main" id="{5E7B927F-0734-404F-9A08-80760E8E40C4}"/>
-              </a:ext>
-            </a:extLst>
-          </p:cNvPr>
+          <p:cNvPr id="13" name="直接连接符 12"/>
           <p:cNvCxnSpPr/>
           <p:nvPr/>
         </p:nvCxnSpPr>
@@ -30547,13 +29321,7 @@
       </p:cxnSp>
       <p:sp>
         <p:nvSpPr>
-          <p:cNvPr id="3" name="文本框 2">
-            <a:extLst>
-              <a:ext uri="{FF2B5EF4-FFF2-40B4-BE49-F238E27FC236}">
-                <a16:creationId xmlns:a16="http://schemas.microsoft.com/office/drawing/2014/main" id="{AC747A54-D9EB-426D-B755-8AA771E62F4E}"/>
-              </a:ext>
-            </a:extLst>
-          </p:cNvPr>
+          <p:cNvPr id="3" name="文本框 2"/>
           <p:cNvSpPr txBox="1"/>
           <p:nvPr/>
         </p:nvSpPr>
@@ -30724,6 +29492,11 @@
               </a:rPr>
               <a:t>）；</a:t>
             </a:r>
+            <a:endParaRPr lang="zh-CN" altLang="en-US" dirty="0">
+              <a:highlight>
+                <a:srgbClr val="FFFF00"/>
+              </a:highlight>
+            </a:endParaRPr>
           </a:p>
           <a:p>
             <a:pPr marL="0" marR="0" indent="0" algn="l" defTabSz="825500" rtl="0" fontAlgn="auto" latinLnBrk="0" hangingPunct="0">
@@ -30869,6 +29642,7 @@
               <a:rPr lang="en-US" altLang="zh-CN" dirty="0"/>
               <a:t>2</a:t>
             </a:r>
+            <a:endParaRPr lang="en-US" altLang="zh-CN" dirty="0"/>
           </a:p>
           <a:p>
             <a:pPr marL="514350" marR="0" indent="-514350" algn="l" defTabSz="825500" rtl="0" fontAlgn="auto" latinLnBrk="0" hangingPunct="0">
@@ -31028,13 +29802,7 @@
       </p:sp>
       <p:sp>
         <p:nvSpPr>
-          <p:cNvPr id="5" name="文本框 4">
-            <a:extLst>
-              <a:ext uri="{FF2B5EF4-FFF2-40B4-BE49-F238E27FC236}">
-                <a16:creationId xmlns:a16="http://schemas.microsoft.com/office/drawing/2014/main" id="{7544C247-397E-435B-9B81-0AD258AFF73F}"/>
-              </a:ext>
-            </a:extLst>
-          </p:cNvPr>
+          <p:cNvPr id="5" name="文本框 4"/>
           <p:cNvSpPr txBox="1"/>
           <p:nvPr/>
         </p:nvSpPr>
@@ -31111,11 +29879,6 @@
         </p:txBody>
       </p:sp>
     </p:spTree>
-    <p:extLst>
-      <p:ext uri="{BB962C8B-B14F-4D97-AF65-F5344CB8AC3E}">
-        <p14:creationId xmlns:p14="http://schemas.microsoft.com/office/powerpoint/2010/main" val="3896801269"/>
-      </p:ext>
-    </p:extLst>
   </p:cSld>
   <p:clrMapOvr>
     <a:masterClrMapping/>
@@ -31143,13 +29906,7 @@
       </p:grpSpPr>
       <p:sp>
         <p:nvSpPr>
-          <p:cNvPr id="7" name="矩形 6">
-            <a:extLst>
-              <a:ext uri="{FF2B5EF4-FFF2-40B4-BE49-F238E27FC236}">
-                <a16:creationId xmlns:a16="http://schemas.microsoft.com/office/drawing/2014/main" id="{DFF98A76-302A-4FC1-8090-E89C68F9EAB6}"/>
-              </a:ext>
-            </a:extLst>
-          </p:cNvPr>
+          <p:cNvPr id="7" name="矩形 6"/>
           <p:cNvSpPr/>
           <p:nvPr/>
         </p:nvSpPr>
@@ -31202,18 +29959,25 @@
               </a:rPr>
               <a:t>树</a:t>
             </a:r>
+            <a:endParaRPr lang="zh-CN" altLang="en-US" sz="5400" dirty="0">
+              <a:ln w="0"/>
+              <a:solidFill>
+                <a:schemeClr val="tx1"/>
+              </a:solidFill>
+              <a:effectLst>
+                <a:outerShdw blurRad="38100" dist="19050" dir="2700000" algn="tl" rotWithShape="0">
+                  <a:schemeClr val="dk1">
+                    <a:alpha val="40000"/>
+                  </a:schemeClr>
+                </a:outerShdw>
+              </a:effectLst>
+            </a:endParaRPr>
           </a:p>
         </p:txBody>
       </p:sp>
       <p:cxnSp>
         <p:nvCxnSpPr>
-          <p:cNvPr id="13" name="直接连接符 12">
-            <a:extLst>
-              <a:ext uri="{FF2B5EF4-FFF2-40B4-BE49-F238E27FC236}">
-                <a16:creationId xmlns:a16="http://schemas.microsoft.com/office/drawing/2014/main" id="{5E7B927F-0734-404F-9A08-80760E8E40C4}"/>
-              </a:ext>
-            </a:extLst>
-          </p:cNvPr>
+          <p:cNvPr id="13" name="直接连接符 12"/>
           <p:cNvCxnSpPr/>
           <p:nvPr/>
         </p:nvCxnSpPr>
@@ -31244,20 +30008,14 @@
       </p:cxnSp>
       <p:pic>
         <p:nvPicPr>
-          <p:cNvPr id="6" name="图片 5">
-            <a:extLst>
-              <a:ext uri="{FF2B5EF4-FFF2-40B4-BE49-F238E27FC236}">
-                <a16:creationId xmlns:a16="http://schemas.microsoft.com/office/drawing/2014/main" id="{4865C984-0BF3-4642-A7EE-166F08EE6000}"/>
-              </a:ext>
-            </a:extLst>
-          </p:cNvPr>
+          <p:cNvPr id="6" name="图片 5"/>
           <p:cNvPicPr>
             <a:picLocks noChangeAspect="1"/>
           </p:cNvPicPr>
           <p:nvPr/>
         </p:nvPicPr>
         <p:blipFill>
-          <a:blip r:embed="rId3">
+          <a:blip r:embed="rId1">
             <a:extLst>
               <a:ext uri="{28A0092B-C50C-407E-A947-70E740481C1C}">
                 <a14:useLocalDpi xmlns:a14="http://schemas.microsoft.com/office/drawing/2010/main" val="0"/>
@@ -31280,13 +30038,7 @@
       </p:pic>
       <p:sp>
         <p:nvSpPr>
-          <p:cNvPr id="8" name="文本框 7">
-            <a:extLst>
-              <a:ext uri="{FF2B5EF4-FFF2-40B4-BE49-F238E27FC236}">
-                <a16:creationId xmlns:a16="http://schemas.microsoft.com/office/drawing/2014/main" id="{BAB8D37A-16E7-45FE-8B7A-8C2F37782C26}"/>
-              </a:ext>
-            </a:extLst>
-          </p:cNvPr>
+          <p:cNvPr id="8" name="文本框 7"/>
           <p:cNvSpPr txBox="1"/>
           <p:nvPr/>
         </p:nvSpPr>
@@ -31383,11 +30135,6 @@
         </p:txBody>
       </p:sp>
     </p:spTree>
-    <p:extLst>
-      <p:ext uri="{BB962C8B-B14F-4D97-AF65-F5344CB8AC3E}">
-        <p14:creationId xmlns:p14="http://schemas.microsoft.com/office/powerpoint/2010/main" val="4231522809"/>
-      </p:ext>
-    </p:extLst>
   </p:cSld>
   <p:clrMapOvr>
     <a:masterClrMapping/>
@@ -31415,13 +30162,7 @@
       </p:grpSpPr>
       <p:sp>
         <p:nvSpPr>
-          <p:cNvPr id="7" name="矩形 6">
-            <a:extLst>
-              <a:ext uri="{FF2B5EF4-FFF2-40B4-BE49-F238E27FC236}">
-                <a16:creationId xmlns:a16="http://schemas.microsoft.com/office/drawing/2014/main" id="{DFF98A76-302A-4FC1-8090-E89C68F9EAB6}"/>
-              </a:ext>
-            </a:extLst>
-          </p:cNvPr>
+          <p:cNvPr id="7" name="矩形 6"/>
           <p:cNvSpPr/>
           <p:nvPr/>
         </p:nvSpPr>
@@ -31474,18 +30215,25 @@
               </a:rPr>
               <a:t>树</a:t>
             </a:r>
+            <a:endParaRPr lang="zh-CN" altLang="en-US" sz="5400" dirty="0">
+              <a:ln w="0"/>
+              <a:solidFill>
+                <a:schemeClr val="tx1"/>
+              </a:solidFill>
+              <a:effectLst>
+                <a:outerShdw blurRad="38100" dist="19050" dir="2700000" algn="tl" rotWithShape="0">
+                  <a:schemeClr val="dk1">
+                    <a:alpha val="40000"/>
+                  </a:schemeClr>
+                </a:outerShdw>
+              </a:effectLst>
+            </a:endParaRPr>
           </a:p>
         </p:txBody>
       </p:sp>
       <p:cxnSp>
         <p:nvCxnSpPr>
-          <p:cNvPr id="13" name="直接连接符 12">
-            <a:extLst>
-              <a:ext uri="{FF2B5EF4-FFF2-40B4-BE49-F238E27FC236}">
-                <a16:creationId xmlns:a16="http://schemas.microsoft.com/office/drawing/2014/main" id="{5E7B927F-0734-404F-9A08-80760E8E40C4}"/>
-              </a:ext>
-            </a:extLst>
-          </p:cNvPr>
+          <p:cNvPr id="13" name="直接连接符 12"/>
           <p:cNvCxnSpPr/>
           <p:nvPr/>
         </p:nvCxnSpPr>
@@ -31516,13 +30264,7 @@
       </p:cxnSp>
       <p:sp>
         <p:nvSpPr>
-          <p:cNvPr id="3" name="文本框 2">
-            <a:extLst>
-              <a:ext uri="{FF2B5EF4-FFF2-40B4-BE49-F238E27FC236}">
-                <a16:creationId xmlns:a16="http://schemas.microsoft.com/office/drawing/2014/main" id="{AC747A54-D9EB-426D-B755-8AA771E62F4E}"/>
-              </a:ext>
-            </a:extLst>
-          </p:cNvPr>
+          <p:cNvPr id="3" name="文本框 2"/>
           <p:cNvSpPr txBox="1"/>
           <p:nvPr/>
         </p:nvSpPr>
@@ -31587,20 +30329,14 @@
       </p:sp>
       <p:pic>
         <p:nvPicPr>
-          <p:cNvPr id="5" name="图片 4">
-            <a:extLst>
-              <a:ext uri="{FF2B5EF4-FFF2-40B4-BE49-F238E27FC236}">
-                <a16:creationId xmlns:a16="http://schemas.microsoft.com/office/drawing/2014/main" id="{A5AB5783-4332-4702-94B4-307E68EA4F0C}"/>
-              </a:ext>
-            </a:extLst>
-          </p:cNvPr>
+          <p:cNvPr id="5" name="图片 4"/>
           <p:cNvPicPr>
             <a:picLocks noChangeAspect="1"/>
           </p:cNvPicPr>
           <p:nvPr/>
         </p:nvPicPr>
         <p:blipFill>
-          <a:blip r:embed="rId3">
+          <a:blip r:embed="rId1">
             <a:extLst>
               <a:ext uri="{28A0092B-C50C-407E-A947-70E740481C1C}">
                 <a14:useLocalDpi xmlns:a14="http://schemas.microsoft.com/office/drawing/2010/main" val="0"/>
@@ -31623,13 +30359,7 @@
       </p:pic>
       <p:sp>
         <p:nvSpPr>
-          <p:cNvPr id="6" name="文本框 5">
-            <a:extLst>
-              <a:ext uri="{FF2B5EF4-FFF2-40B4-BE49-F238E27FC236}">
-                <a16:creationId xmlns:a16="http://schemas.microsoft.com/office/drawing/2014/main" id="{824626CD-B9FB-4D6F-975E-699493D5661D}"/>
-              </a:ext>
-            </a:extLst>
-          </p:cNvPr>
+          <p:cNvPr id="6" name="文本框 5"/>
           <p:cNvSpPr txBox="1"/>
           <p:nvPr/>
         </p:nvSpPr>
@@ -31726,11 +30456,6 @@
         </p:txBody>
       </p:sp>
     </p:spTree>
-    <p:extLst>
-      <p:ext uri="{BB962C8B-B14F-4D97-AF65-F5344CB8AC3E}">
-        <p14:creationId xmlns:p14="http://schemas.microsoft.com/office/powerpoint/2010/main" val="741563217"/>
-      </p:ext>
-    </p:extLst>
   </p:cSld>
   <p:clrMapOvr>
     <a:masterClrMapping/>
@@ -31758,13 +30483,7 @@
       </p:grpSpPr>
       <p:sp>
         <p:nvSpPr>
-          <p:cNvPr id="7" name="矩形 6">
-            <a:extLst>
-              <a:ext uri="{FF2B5EF4-FFF2-40B4-BE49-F238E27FC236}">
-                <a16:creationId xmlns:a16="http://schemas.microsoft.com/office/drawing/2014/main" id="{DFF98A76-302A-4FC1-8090-E89C68F9EAB6}"/>
-              </a:ext>
-            </a:extLst>
-          </p:cNvPr>
+          <p:cNvPr id="7" name="矩形 6"/>
           <p:cNvSpPr/>
           <p:nvPr/>
         </p:nvSpPr>
@@ -31817,18 +30536,25 @@
               </a:rPr>
               <a:t>树</a:t>
             </a:r>
+            <a:endParaRPr lang="zh-CN" altLang="en-US" sz="5400" dirty="0">
+              <a:ln w="0"/>
+              <a:solidFill>
+                <a:schemeClr val="tx1"/>
+              </a:solidFill>
+              <a:effectLst>
+                <a:outerShdw blurRad="38100" dist="19050" dir="2700000" algn="tl" rotWithShape="0">
+                  <a:schemeClr val="dk1">
+                    <a:alpha val="40000"/>
+                  </a:schemeClr>
+                </a:outerShdw>
+              </a:effectLst>
+            </a:endParaRPr>
           </a:p>
         </p:txBody>
       </p:sp>
       <p:cxnSp>
         <p:nvCxnSpPr>
-          <p:cNvPr id="13" name="直接连接符 12">
-            <a:extLst>
-              <a:ext uri="{FF2B5EF4-FFF2-40B4-BE49-F238E27FC236}">
-                <a16:creationId xmlns:a16="http://schemas.microsoft.com/office/drawing/2014/main" id="{5E7B927F-0734-404F-9A08-80760E8E40C4}"/>
-              </a:ext>
-            </a:extLst>
-          </p:cNvPr>
+          <p:cNvPr id="13" name="直接连接符 12"/>
           <p:cNvCxnSpPr/>
           <p:nvPr/>
         </p:nvCxnSpPr>
@@ -31859,13 +30585,7 @@
       </p:cxnSp>
       <p:sp>
         <p:nvSpPr>
-          <p:cNvPr id="3" name="文本框 2">
-            <a:extLst>
-              <a:ext uri="{FF2B5EF4-FFF2-40B4-BE49-F238E27FC236}">
-                <a16:creationId xmlns:a16="http://schemas.microsoft.com/office/drawing/2014/main" id="{AC747A54-D9EB-426D-B755-8AA771E62F4E}"/>
-              </a:ext>
-            </a:extLst>
-          </p:cNvPr>
+          <p:cNvPr id="3" name="文本框 2"/>
           <p:cNvSpPr txBox="1"/>
           <p:nvPr/>
         </p:nvSpPr>
@@ -31980,6 +30700,7 @@
               <a:rPr lang="en-US" altLang="zh-CN" dirty="0"/>
               <a:t>2</a:t>
             </a:r>
+            <a:endParaRPr lang="en-US" altLang="zh-CN" dirty="0"/>
           </a:p>
           <a:p>
             <a:pPr marL="514350" marR="0" indent="-514350" algn="l" defTabSz="825500" rtl="0" fontAlgn="auto" latinLnBrk="0" hangingPunct="0">
@@ -32021,6 +30742,7 @@
               <a:rPr lang="en-US" altLang="zh-CN" dirty="0"/>
               <a:t>3</a:t>
             </a:r>
+            <a:endParaRPr lang="en-US" altLang="zh-CN" dirty="0"/>
           </a:p>
           <a:p>
             <a:pPr marL="514350" marR="0" indent="-514350" algn="l" defTabSz="825500" rtl="0" fontAlgn="auto" latinLnBrk="0" hangingPunct="0">
@@ -32046,6 +30768,7 @@
               <a:rPr lang="en-US" altLang="zh-CN" dirty="0"/>
               <a:t>4</a:t>
             </a:r>
+            <a:endParaRPr lang="en-US" altLang="zh-CN" dirty="0"/>
           </a:p>
           <a:p>
             <a:pPr marL="514350" marR="0" indent="-514350" algn="l" defTabSz="825500" rtl="0" fontAlgn="auto" latinLnBrk="0" hangingPunct="0">
@@ -32103,6 +30826,7 @@
               <a:rPr lang="en-US" altLang="zh-CN" dirty="0"/>
               <a:t>5</a:t>
             </a:r>
+            <a:endParaRPr lang="en-US" altLang="zh-CN" dirty="0"/>
           </a:p>
           <a:p>
             <a:pPr marL="514350" marR="0" indent="-514350" algn="l" defTabSz="825500" rtl="0" fontAlgn="auto" latinLnBrk="0" hangingPunct="0">
@@ -32126,20 +30850,14 @@
       </p:sp>
       <p:pic>
         <p:nvPicPr>
-          <p:cNvPr id="15" name="图片 14">
-            <a:extLst>
-              <a:ext uri="{FF2B5EF4-FFF2-40B4-BE49-F238E27FC236}">
-                <a16:creationId xmlns:a16="http://schemas.microsoft.com/office/drawing/2014/main" id="{D955349C-8D59-4052-A1B2-F95C311D6AC9}"/>
-              </a:ext>
-            </a:extLst>
-          </p:cNvPr>
+          <p:cNvPr id="15" name="图片 14"/>
           <p:cNvPicPr>
             <a:picLocks noChangeAspect="1"/>
           </p:cNvPicPr>
           <p:nvPr/>
         </p:nvPicPr>
         <p:blipFill>
-          <a:blip r:embed="rId3">
+          <a:blip r:embed="rId1">
             <a:extLst>
               <a:ext uri="{28A0092B-C50C-407E-A947-70E740481C1C}">
                 <a14:useLocalDpi xmlns:a14="http://schemas.microsoft.com/office/drawing/2010/main" val="0"/>
@@ -32162,13 +30880,7 @@
       </p:pic>
       <p:sp>
         <p:nvSpPr>
-          <p:cNvPr id="16" name="文本框 15">
-            <a:extLst>
-              <a:ext uri="{FF2B5EF4-FFF2-40B4-BE49-F238E27FC236}">
-                <a16:creationId xmlns:a16="http://schemas.microsoft.com/office/drawing/2014/main" id="{4CD6FF2C-76BD-456D-8D73-8623D29586B0}"/>
-              </a:ext>
-            </a:extLst>
-          </p:cNvPr>
+          <p:cNvPr id="16" name="文本框 15"/>
           <p:cNvSpPr txBox="1"/>
           <p:nvPr/>
         </p:nvSpPr>
@@ -32271,11 +30983,6 @@
         </p:txBody>
       </p:sp>
     </p:spTree>
-    <p:extLst>
-      <p:ext uri="{BB962C8B-B14F-4D97-AF65-F5344CB8AC3E}">
-        <p14:creationId xmlns:p14="http://schemas.microsoft.com/office/powerpoint/2010/main" val="460050485"/>
-      </p:ext>
-    </p:extLst>
   </p:cSld>
   <p:clrMapOvr>
     <a:masterClrMapping/>
@@ -32303,20 +31010,14 @@
       </p:grpSpPr>
       <p:pic>
         <p:nvPicPr>
-          <p:cNvPr id="5" name="图片 4">
-            <a:extLst>
-              <a:ext uri="{FF2B5EF4-FFF2-40B4-BE49-F238E27FC236}">
-                <a16:creationId xmlns:a16="http://schemas.microsoft.com/office/drawing/2014/main" id="{B06AD5C5-3BF6-405C-8A62-74B119D7D478}"/>
-              </a:ext>
-            </a:extLst>
-          </p:cNvPr>
+          <p:cNvPr id="5" name="图片 4"/>
           <p:cNvPicPr>
             <a:picLocks noChangeAspect="1"/>
           </p:cNvPicPr>
           <p:nvPr/>
         </p:nvPicPr>
         <p:blipFill>
-          <a:blip r:embed="rId3">
+          <a:blip r:embed="rId1">
             <a:extLst>
               <a:ext uri="{28A0092B-C50C-407E-A947-70E740481C1C}">
                 <a14:useLocalDpi xmlns:a14="http://schemas.microsoft.com/office/drawing/2010/main" val="0"/>
@@ -32339,13 +31040,7 @@
       </p:pic>
       <p:sp>
         <p:nvSpPr>
-          <p:cNvPr id="7" name="矩形 6">
-            <a:extLst>
-              <a:ext uri="{FF2B5EF4-FFF2-40B4-BE49-F238E27FC236}">
-                <a16:creationId xmlns:a16="http://schemas.microsoft.com/office/drawing/2014/main" id="{DFF98A76-302A-4FC1-8090-E89C68F9EAB6}"/>
-              </a:ext>
-            </a:extLst>
-          </p:cNvPr>
+          <p:cNvPr id="7" name="矩形 6"/>
           <p:cNvSpPr/>
           <p:nvPr/>
         </p:nvSpPr>
@@ -32398,18 +31093,25 @@
               </a:rPr>
               <a:t>树</a:t>
             </a:r>
+            <a:endParaRPr lang="zh-CN" altLang="en-US" sz="5400" dirty="0">
+              <a:ln w="0"/>
+              <a:solidFill>
+                <a:schemeClr val="tx1"/>
+              </a:solidFill>
+              <a:effectLst>
+                <a:outerShdw blurRad="38100" dist="19050" dir="2700000" algn="tl" rotWithShape="0">
+                  <a:schemeClr val="dk1">
+                    <a:alpha val="40000"/>
+                  </a:schemeClr>
+                </a:outerShdw>
+              </a:effectLst>
+            </a:endParaRPr>
           </a:p>
         </p:txBody>
       </p:sp>
       <p:cxnSp>
         <p:nvCxnSpPr>
-          <p:cNvPr id="13" name="直接连接符 12">
-            <a:extLst>
-              <a:ext uri="{FF2B5EF4-FFF2-40B4-BE49-F238E27FC236}">
-                <a16:creationId xmlns:a16="http://schemas.microsoft.com/office/drawing/2014/main" id="{5E7B927F-0734-404F-9A08-80760E8E40C4}"/>
-              </a:ext>
-            </a:extLst>
-          </p:cNvPr>
+          <p:cNvPr id="13" name="直接连接符 12"/>
           <p:cNvCxnSpPr/>
           <p:nvPr/>
         </p:nvCxnSpPr>
@@ -32440,13 +31142,7 @@
       </p:cxnSp>
       <p:sp>
         <p:nvSpPr>
-          <p:cNvPr id="3" name="文本框 2">
-            <a:extLst>
-              <a:ext uri="{FF2B5EF4-FFF2-40B4-BE49-F238E27FC236}">
-                <a16:creationId xmlns:a16="http://schemas.microsoft.com/office/drawing/2014/main" id="{AC747A54-D9EB-426D-B755-8AA771E62F4E}"/>
-              </a:ext>
-            </a:extLst>
-          </p:cNvPr>
+          <p:cNvPr id="3" name="文本框 2"/>
           <p:cNvSpPr txBox="1"/>
           <p:nvPr/>
         </p:nvSpPr>
@@ -32517,13 +31213,7 @@
       </p:sp>
       <p:sp>
         <p:nvSpPr>
-          <p:cNvPr id="9" name="文本框 8">
-            <a:extLst>
-              <a:ext uri="{FF2B5EF4-FFF2-40B4-BE49-F238E27FC236}">
-                <a16:creationId xmlns:a16="http://schemas.microsoft.com/office/drawing/2014/main" id="{5C18170E-727A-4D61-B73A-BE201A6669F5}"/>
-              </a:ext>
-            </a:extLst>
-          </p:cNvPr>
+          <p:cNvPr id="9" name="文本框 8"/>
           <p:cNvSpPr txBox="1"/>
           <p:nvPr/>
         </p:nvSpPr>
@@ -32627,20 +31317,14 @@
       </p:sp>
       <p:pic>
         <p:nvPicPr>
-          <p:cNvPr id="11" name="图片 10">
-            <a:extLst>
-              <a:ext uri="{FF2B5EF4-FFF2-40B4-BE49-F238E27FC236}">
-                <a16:creationId xmlns:a16="http://schemas.microsoft.com/office/drawing/2014/main" id="{C4483CD7-E04E-4BDF-8E3A-C3DD78F6B92C}"/>
-              </a:ext>
-            </a:extLst>
-          </p:cNvPr>
+          <p:cNvPr id="11" name="图片 10"/>
           <p:cNvPicPr>
             <a:picLocks noChangeAspect="1"/>
           </p:cNvPicPr>
           <p:nvPr/>
         </p:nvPicPr>
         <p:blipFill>
-          <a:blip r:embed="rId4">
+          <a:blip r:embed="rId2">
             <a:extLst>
               <a:ext uri="{28A0092B-C50C-407E-A947-70E740481C1C}">
                 <a14:useLocalDpi xmlns:a14="http://schemas.microsoft.com/office/drawing/2010/main" val="0"/>
@@ -32663,13 +31347,7 @@
       </p:pic>
       <p:sp>
         <p:nvSpPr>
-          <p:cNvPr id="14" name="文本框 13">
-            <a:extLst>
-              <a:ext uri="{FF2B5EF4-FFF2-40B4-BE49-F238E27FC236}">
-                <a16:creationId xmlns:a16="http://schemas.microsoft.com/office/drawing/2014/main" id="{FD085231-A127-4725-9D53-17024440EEE4}"/>
-              </a:ext>
-            </a:extLst>
-          </p:cNvPr>
+          <p:cNvPr id="14" name="文本框 13"/>
           <p:cNvSpPr txBox="1"/>
           <p:nvPr/>
         </p:nvSpPr>
@@ -32759,11 +31437,6 @@
         </p:txBody>
       </p:sp>
     </p:spTree>
-    <p:extLst>
-      <p:ext uri="{BB962C8B-B14F-4D97-AF65-F5344CB8AC3E}">
-        <p14:creationId xmlns:p14="http://schemas.microsoft.com/office/powerpoint/2010/main" val="3650214679"/>
-      </p:ext>
-    </p:extLst>
   </p:cSld>
   <p:clrMapOvr>
     <a:masterClrMapping/>
@@ -32859,13 +31532,7 @@
       </p:grpSpPr>
       <p:sp>
         <p:nvSpPr>
-          <p:cNvPr id="7" name="矩形 6">
-            <a:extLst>
-              <a:ext uri="{FF2B5EF4-FFF2-40B4-BE49-F238E27FC236}">
-                <a16:creationId xmlns:a16="http://schemas.microsoft.com/office/drawing/2014/main" id="{DFF98A76-302A-4FC1-8090-E89C68F9EAB6}"/>
-              </a:ext>
-            </a:extLst>
-          </p:cNvPr>
+          <p:cNvPr id="7" name="矩形 6"/>
           <p:cNvSpPr/>
           <p:nvPr/>
         </p:nvSpPr>
@@ -32941,13 +31608,7 @@
       </p:sp>
       <p:sp>
         <p:nvSpPr>
-          <p:cNvPr id="10" name="文本框 9">
-            <a:extLst>
-              <a:ext uri="{FF2B5EF4-FFF2-40B4-BE49-F238E27FC236}">
-                <a16:creationId xmlns:a16="http://schemas.microsoft.com/office/drawing/2014/main" id="{712A6455-02CB-45C4-B486-63DF68F1D269}"/>
-              </a:ext>
-            </a:extLst>
-          </p:cNvPr>
+          <p:cNvPr id="10" name="文本框 9"/>
           <p:cNvSpPr txBox="1"/>
           <p:nvPr/>
         </p:nvSpPr>
@@ -33028,13 +31689,7 @@
       </p:sp>
       <p:cxnSp>
         <p:nvCxnSpPr>
-          <p:cNvPr id="13" name="直接连接符 12">
-            <a:extLst>
-              <a:ext uri="{FF2B5EF4-FFF2-40B4-BE49-F238E27FC236}">
-                <a16:creationId xmlns:a16="http://schemas.microsoft.com/office/drawing/2014/main" id="{5E7B927F-0734-404F-9A08-80760E8E40C4}"/>
-              </a:ext>
-            </a:extLst>
-          </p:cNvPr>
+          <p:cNvPr id="13" name="直接连接符 12"/>
           <p:cNvCxnSpPr/>
           <p:nvPr/>
         </p:nvCxnSpPr>
@@ -33065,20 +31720,14 @@
       </p:cxnSp>
       <p:pic>
         <p:nvPicPr>
-          <p:cNvPr id="4098" name="Picture 2" descr="https://upload.wikimedia.org/wikipedia/commons/thumb/f/f7/Binary_tree.svg/1280px-Binary_tree.svg.png">
-            <a:extLst>
-              <a:ext uri="{FF2B5EF4-FFF2-40B4-BE49-F238E27FC236}">
-                <a16:creationId xmlns:a16="http://schemas.microsoft.com/office/drawing/2014/main" id="{B7034966-70A0-4C3C-A99D-0E405654DCA2}"/>
-              </a:ext>
-            </a:extLst>
-          </p:cNvPr>
+          <p:cNvPr id="4098" name="Picture 2" descr="https://upload.wikimedia.org/wikipedia/commons/thumb/f/f7/Binary_tree.svg/1280px-Binary_tree.svg.png"/>
           <p:cNvPicPr>
             <a:picLocks noChangeAspect="1" noChangeArrowheads="1"/>
           </p:cNvPicPr>
           <p:nvPr/>
         </p:nvPicPr>
         <p:blipFill>
-          <a:blip r:embed="rId3">
+          <a:blip r:embed="rId1">
             <a:extLst>
               <a:ext uri="{28A0092B-C50C-407E-A947-70E740481C1C}">
                 <a14:useLocalDpi xmlns:a14="http://schemas.microsoft.com/office/drawing/2010/main" val="0"/>
@@ -33112,20 +31761,14 @@
       </p:pic>
       <p:pic>
         <p:nvPicPr>
-          <p:cNvPr id="16" name="图片 15">
-            <a:extLst>
-              <a:ext uri="{FF2B5EF4-FFF2-40B4-BE49-F238E27FC236}">
-                <a16:creationId xmlns:a16="http://schemas.microsoft.com/office/drawing/2014/main" id="{4B3F5CF1-EDBE-4BDF-B5E5-FB0ADFCFDD10}"/>
-              </a:ext>
-            </a:extLst>
-          </p:cNvPr>
+          <p:cNvPr id="16" name="图片 15"/>
           <p:cNvPicPr>
             <a:picLocks noChangeAspect="1"/>
           </p:cNvPicPr>
           <p:nvPr/>
         </p:nvPicPr>
         <p:blipFill>
-          <a:blip r:embed="rId4"/>
+          <a:blip r:embed="rId2"/>
           <a:stretch>
             <a:fillRect/>
           </a:stretch>
@@ -33142,13 +31785,7 @@
       </p:pic>
       <p:sp>
         <p:nvSpPr>
-          <p:cNvPr id="17" name="文本框 16">
-            <a:extLst>
-              <a:ext uri="{FF2B5EF4-FFF2-40B4-BE49-F238E27FC236}">
-                <a16:creationId xmlns:a16="http://schemas.microsoft.com/office/drawing/2014/main" id="{BDB38530-52BE-4EB7-B7AD-897D746674B7}"/>
-              </a:ext>
-            </a:extLst>
-          </p:cNvPr>
+          <p:cNvPr id="17" name="文本框 16"/>
           <p:cNvSpPr txBox="1"/>
           <p:nvPr/>
         </p:nvSpPr>
@@ -33222,13 +31859,7 @@
       </p:sp>
       <p:sp>
         <p:nvSpPr>
-          <p:cNvPr id="30" name="文本框 29">
-            <a:extLst>
-              <a:ext uri="{FF2B5EF4-FFF2-40B4-BE49-F238E27FC236}">
-                <a16:creationId xmlns:a16="http://schemas.microsoft.com/office/drawing/2014/main" id="{2D64FDAC-F18C-465C-B1E9-7AC239402C25}"/>
-              </a:ext>
-            </a:extLst>
-          </p:cNvPr>
+          <p:cNvPr id="30" name="文本框 29"/>
           <p:cNvSpPr txBox="1"/>
           <p:nvPr/>
         </p:nvSpPr>
@@ -33301,11 +31932,6 @@
         </p:txBody>
       </p:sp>
     </p:spTree>
-    <p:extLst>
-      <p:ext uri="{BB962C8B-B14F-4D97-AF65-F5344CB8AC3E}">
-        <p14:creationId xmlns:p14="http://schemas.microsoft.com/office/powerpoint/2010/main" val="3453579150"/>
-      </p:ext>
-    </p:extLst>
   </p:cSld>
   <p:clrMapOvr>
     <a:masterClrMapping/>
@@ -33333,13 +31959,7 @@
       </p:grpSpPr>
       <p:sp>
         <p:nvSpPr>
-          <p:cNvPr id="7" name="矩形 6">
-            <a:extLst>
-              <a:ext uri="{FF2B5EF4-FFF2-40B4-BE49-F238E27FC236}">
-                <a16:creationId xmlns:a16="http://schemas.microsoft.com/office/drawing/2014/main" id="{DFF98A76-302A-4FC1-8090-E89C68F9EAB6}"/>
-              </a:ext>
-            </a:extLst>
-          </p:cNvPr>
+          <p:cNvPr id="7" name="矩形 6"/>
           <p:cNvSpPr/>
           <p:nvPr/>
         </p:nvSpPr>
@@ -33415,13 +32035,7 @@
       </p:sp>
       <p:sp>
         <p:nvSpPr>
-          <p:cNvPr id="10" name="文本框 9">
-            <a:extLst>
-              <a:ext uri="{FF2B5EF4-FFF2-40B4-BE49-F238E27FC236}">
-                <a16:creationId xmlns:a16="http://schemas.microsoft.com/office/drawing/2014/main" id="{712A6455-02CB-45C4-B486-63DF68F1D269}"/>
-              </a:ext>
-            </a:extLst>
-          </p:cNvPr>
+          <p:cNvPr id="10" name="文本框 9"/>
           <p:cNvSpPr txBox="1"/>
           <p:nvPr/>
         </p:nvSpPr>
@@ -33495,13 +32109,7 @@
       </p:sp>
       <p:cxnSp>
         <p:nvCxnSpPr>
-          <p:cNvPr id="13" name="直接连接符 12">
-            <a:extLst>
-              <a:ext uri="{FF2B5EF4-FFF2-40B4-BE49-F238E27FC236}">
-                <a16:creationId xmlns:a16="http://schemas.microsoft.com/office/drawing/2014/main" id="{5E7B927F-0734-404F-9A08-80760E8E40C4}"/>
-              </a:ext>
-            </a:extLst>
-          </p:cNvPr>
+          <p:cNvPr id="13" name="直接连接符 12"/>
           <p:cNvCxnSpPr/>
           <p:nvPr/>
         </p:nvCxnSpPr>
@@ -33532,13 +32140,7 @@
       </p:cxnSp>
       <p:sp>
         <p:nvSpPr>
-          <p:cNvPr id="17" name="文本框 16">
-            <a:extLst>
-              <a:ext uri="{FF2B5EF4-FFF2-40B4-BE49-F238E27FC236}">
-                <a16:creationId xmlns:a16="http://schemas.microsoft.com/office/drawing/2014/main" id="{BDB38530-52BE-4EB7-B7AD-897D746674B7}"/>
-              </a:ext>
-            </a:extLst>
-          </p:cNvPr>
+          <p:cNvPr id="17" name="文本框 16"/>
           <p:cNvSpPr txBox="1"/>
           <p:nvPr/>
         </p:nvSpPr>
@@ -33612,13 +32214,7 @@
       </p:sp>
       <p:sp>
         <p:nvSpPr>
-          <p:cNvPr id="30" name="文本框 29">
-            <a:extLst>
-              <a:ext uri="{FF2B5EF4-FFF2-40B4-BE49-F238E27FC236}">
-                <a16:creationId xmlns:a16="http://schemas.microsoft.com/office/drawing/2014/main" id="{2D64FDAC-F18C-465C-B1E9-7AC239402C25}"/>
-              </a:ext>
-            </a:extLst>
-          </p:cNvPr>
+          <p:cNvPr id="30" name="文本框 29"/>
           <p:cNvSpPr txBox="1"/>
           <p:nvPr/>
         </p:nvSpPr>
@@ -33692,20 +32288,14 @@
       </p:sp>
       <p:pic>
         <p:nvPicPr>
-          <p:cNvPr id="6146" name="Picture 2" descr="https://images2015.cnblogs.com/blog/1066428/201701/1066428-20170119102116937-722053290.png">
-            <a:extLst>
-              <a:ext uri="{FF2B5EF4-FFF2-40B4-BE49-F238E27FC236}">
-                <a16:creationId xmlns:a16="http://schemas.microsoft.com/office/drawing/2014/main" id="{BE693764-5A69-4C2C-80A9-59BD8AECFB90}"/>
-              </a:ext>
-            </a:extLst>
-          </p:cNvPr>
+          <p:cNvPr id="6146" name="Picture 2" descr="https://images2015.cnblogs.com/blog/1066428/201701/1066428-20170119102116937-722053290.png"/>
           <p:cNvPicPr>
             <a:picLocks noChangeAspect="1" noChangeArrowheads="1"/>
           </p:cNvPicPr>
           <p:nvPr/>
         </p:nvPicPr>
         <p:blipFill>
-          <a:blip r:embed="rId3">
+          <a:blip r:embed="rId1">
             <a:extLst>
               <a:ext uri="{28A0092B-C50C-407E-A947-70E740481C1C}">
                 <a14:useLocalDpi xmlns:a14="http://schemas.microsoft.com/office/drawing/2010/main" val="0"/>
@@ -33738,11 +32328,6 @@
         </p:spPr>
       </p:pic>
     </p:spTree>
-    <p:extLst>
-      <p:ext uri="{BB962C8B-B14F-4D97-AF65-F5344CB8AC3E}">
-        <p14:creationId xmlns:p14="http://schemas.microsoft.com/office/powerpoint/2010/main" val="38796701"/>
-      </p:ext>
-    </p:extLst>
   </p:cSld>
   <p:clrMapOvr>
     <a:masterClrMapping/>
@@ -33770,13 +32355,7 @@
       </p:grpSpPr>
       <p:sp>
         <p:nvSpPr>
-          <p:cNvPr id="7" name="矩形 6">
-            <a:extLst>
-              <a:ext uri="{FF2B5EF4-FFF2-40B4-BE49-F238E27FC236}">
-                <a16:creationId xmlns:a16="http://schemas.microsoft.com/office/drawing/2014/main" id="{DFF98A76-302A-4FC1-8090-E89C68F9EAB6}"/>
-              </a:ext>
-            </a:extLst>
-          </p:cNvPr>
+          <p:cNvPr id="7" name="矩形 6"/>
           <p:cNvSpPr/>
           <p:nvPr/>
         </p:nvSpPr>
@@ -33813,18 +32392,25 @@
               </a:rPr>
               <a:t>满二叉树和完全二叉树</a:t>
             </a:r>
+            <a:endParaRPr lang="zh-CN" altLang="en-US" sz="5400" dirty="0">
+              <a:ln w="0"/>
+              <a:solidFill>
+                <a:schemeClr val="tx1"/>
+              </a:solidFill>
+              <a:effectLst>
+                <a:outerShdw blurRad="38100" dist="19050" dir="2700000" algn="tl" rotWithShape="0">
+                  <a:schemeClr val="dk1">
+                    <a:alpha val="40000"/>
+                  </a:schemeClr>
+                </a:outerShdw>
+              </a:effectLst>
+            </a:endParaRPr>
           </a:p>
         </p:txBody>
       </p:sp>
       <p:sp>
         <p:nvSpPr>
-          <p:cNvPr id="10" name="文本框 9">
-            <a:extLst>
-              <a:ext uri="{FF2B5EF4-FFF2-40B4-BE49-F238E27FC236}">
-                <a16:creationId xmlns:a16="http://schemas.microsoft.com/office/drawing/2014/main" id="{712A6455-02CB-45C4-B486-63DF68F1D269}"/>
-              </a:ext>
-            </a:extLst>
-          </p:cNvPr>
+          <p:cNvPr id="10" name="文本框 9"/>
           <p:cNvSpPr txBox="1"/>
           <p:nvPr/>
         </p:nvSpPr>
@@ -33946,13 +32532,7 @@
       </p:sp>
       <p:cxnSp>
         <p:nvCxnSpPr>
-          <p:cNvPr id="13" name="直接连接符 12">
-            <a:extLst>
-              <a:ext uri="{FF2B5EF4-FFF2-40B4-BE49-F238E27FC236}">
-                <a16:creationId xmlns:a16="http://schemas.microsoft.com/office/drawing/2014/main" id="{5E7B927F-0734-404F-9A08-80760E8E40C4}"/>
-              </a:ext>
-            </a:extLst>
-          </p:cNvPr>
+          <p:cNvPr id="13" name="直接连接符 12"/>
           <p:cNvCxnSpPr/>
           <p:nvPr/>
         </p:nvCxnSpPr>
@@ -33983,13 +32563,7 @@
       </p:cxnSp>
       <p:sp>
         <p:nvSpPr>
-          <p:cNvPr id="17" name="文本框 16">
-            <a:extLst>
-              <a:ext uri="{FF2B5EF4-FFF2-40B4-BE49-F238E27FC236}">
-                <a16:creationId xmlns:a16="http://schemas.microsoft.com/office/drawing/2014/main" id="{BDB38530-52BE-4EB7-B7AD-897D746674B7}"/>
-              </a:ext>
-            </a:extLst>
-          </p:cNvPr>
+          <p:cNvPr id="17" name="文本框 16"/>
           <p:cNvSpPr txBox="1"/>
           <p:nvPr/>
         </p:nvSpPr>
@@ -34063,13 +32637,7 @@
       </p:sp>
       <p:sp>
         <p:nvSpPr>
-          <p:cNvPr id="30" name="文本框 29">
-            <a:extLst>
-              <a:ext uri="{FF2B5EF4-FFF2-40B4-BE49-F238E27FC236}">
-                <a16:creationId xmlns:a16="http://schemas.microsoft.com/office/drawing/2014/main" id="{2D64FDAC-F18C-465C-B1E9-7AC239402C25}"/>
-              </a:ext>
-            </a:extLst>
-          </p:cNvPr>
+          <p:cNvPr id="30" name="文本框 29"/>
           <p:cNvSpPr txBox="1"/>
           <p:nvPr/>
         </p:nvSpPr>
@@ -34143,20 +32711,14 @@
       </p:sp>
       <p:pic>
         <p:nvPicPr>
-          <p:cNvPr id="10242" name="Picture 2" descr="https://ss2.bdstatic.com/70cFvnSh_Q1YnxGkpoWK1HF6hhy/it/u=205107054,2476521092&amp;fm=26&amp;gp=0.jpg">
-            <a:extLst>
-              <a:ext uri="{FF2B5EF4-FFF2-40B4-BE49-F238E27FC236}">
-                <a16:creationId xmlns:a16="http://schemas.microsoft.com/office/drawing/2014/main" id="{19A9153C-E11B-4808-B59D-95E7145FA80E}"/>
-              </a:ext>
-            </a:extLst>
-          </p:cNvPr>
+          <p:cNvPr id="10242" name="Picture 2" descr="https://ss2.bdstatic.com/70cFvnSh_Q1YnxGkpoWK1HF6hhy/it/u=205107054,2476521092&amp;fm=26&amp;gp=0.jpg"/>
           <p:cNvPicPr>
             <a:picLocks noChangeAspect="1" noChangeArrowheads="1"/>
           </p:cNvPicPr>
           <p:nvPr/>
         </p:nvPicPr>
         <p:blipFill>
-          <a:blip r:embed="rId3">
+          <a:blip r:embed="rId1">
             <a:extLst>
               <a:ext uri="{28A0092B-C50C-407E-A947-70E740481C1C}">
                 <a14:useLocalDpi xmlns:a14="http://schemas.microsoft.com/office/drawing/2010/main" val="0"/>
@@ -34190,20 +32752,14 @@
       </p:pic>
       <p:pic>
         <p:nvPicPr>
-          <p:cNvPr id="3" name="图片 2">
-            <a:extLst>
-              <a:ext uri="{FF2B5EF4-FFF2-40B4-BE49-F238E27FC236}">
-                <a16:creationId xmlns:a16="http://schemas.microsoft.com/office/drawing/2014/main" id="{2F5D40BB-B21E-4687-BB87-C7F2C6E231B6}"/>
-              </a:ext>
-            </a:extLst>
-          </p:cNvPr>
+          <p:cNvPr id="3" name="图片 2"/>
           <p:cNvPicPr>
             <a:picLocks noChangeAspect="1"/>
           </p:cNvPicPr>
           <p:nvPr/>
         </p:nvPicPr>
         <p:blipFill>
-          <a:blip r:embed="rId4"/>
+          <a:blip r:embed="rId2"/>
           <a:stretch>
             <a:fillRect/>
           </a:stretch>
@@ -34219,11 +32775,6 @@
         </p:spPr>
       </p:pic>
     </p:spTree>
-    <p:extLst>
-      <p:ext uri="{BB962C8B-B14F-4D97-AF65-F5344CB8AC3E}">
-        <p14:creationId xmlns:p14="http://schemas.microsoft.com/office/powerpoint/2010/main" val="2939162448"/>
-      </p:ext>
-    </p:extLst>
   </p:cSld>
   <p:clrMapOvr>
     <a:masterClrMapping/>
@@ -35265,7 +33816,6 @@
       </a:style>
     </a:txDef>
   </a:objectDefaults>
-  <a:extraClrSchemeLst/>
   <a:extLst>
     <a:ext uri="{05A4C25C-085E-4340-85A3-A5531E510DB2}">
       <thm15:themeFamily xmlns:thm15="http://schemas.microsoft.com/office/thememl/2012/main" name="Office Theme" id="{62F939B6-93AF-4DB8-9C6B-D6C7DFDC589F}" vid="{4A3C46E8-61CC-4603-A589-7422A47A8E4A}"/>
@@ -36307,7 +34857,6 @@
       </a:style>
     </a:txDef>
   </a:objectDefaults>
-  <a:extraClrSchemeLst/>
   <a:extLst>
     <a:ext uri="{05A4C25C-085E-4340-85A3-A5531E510DB2}">
       <thm15:themeFamily xmlns:thm15="http://schemas.microsoft.com/office/thememl/2012/main" name="Office Theme" id="{62F939B6-93AF-4DB8-9C6B-D6C7DFDC589F}" vid="{4A3C46E8-61CC-4603-A589-7422A47A8E4A}"/>
